--- a/Video Game Trend.pptx
+++ b/Video Game Trend.pptx
@@ -2146,7 +2146,7 @@
 <dgm:dataModel xmlns:dgm="http://schemas.openxmlformats.org/drawingml/2006/diagram" xmlns:a="http://schemas.openxmlformats.org/drawingml/2006/main">
   <dgm:ptLst>
     <dgm:pt modelId="{46FA866C-287B-4675-ACCC-E14DA0AF9E58}" type="doc">
-      <dgm:prSet loTypeId="urn:microsoft.com/office/officeart/2005/8/layout/vList2" loCatId="list" qsTypeId="urn:microsoft.com/office/officeart/2005/8/quickstyle/simple1" qsCatId="simple" csTypeId="urn:microsoft.com/office/officeart/2005/8/colors/accent1_2" csCatId="accent1"/>
+      <dgm:prSet loTypeId="urn:microsoft.com/office/officeart/2005/8/layout/vList2" loCatId="list" qsTypeId="urn:microsoft.com/office/officeart/2005/8/quickstyle/simple1" qsCatId="simple" csTypeId="urn:microsoft.com/office/officeart/2005/8/colors/accent1_2" csCatId="accent1" phldr="1"/>
       <dgm:spPr/>
       <dgm:t>
         <a:bodyPr/>
@@ -2157,41 +2157,88 @@
       </dgm:t>
     </dgm:pt>
     <dgm:pt modelId="{545B6CC1-08E7-460D-95F7-3F08EEB2216B}">
-      <dgm:prSet/>
+      <dgm:prSet>
+        <dgm:style>
+          <a:lnRef idx="2">
+            <a:schemeClr val="accent1"/>
+          </a:lnRef>
+          <a:fillRef idx="1">
+            <a:schemeClr val="lt1"/>
+          </a:fillRef>
+          <a:effectRef idx="0">
+            <a:schemeClr val="accent1"/>
+          </a:effectRef>
+          <a:fontRef idx="minor">
+            <a:schemeClr val="dk1"/>
+          </a:fontRef>
+        </dgm:style>
+      </dgm:prSet>
       <dgm:spPr/>
       <dgm:t>
         <a:bodyPr/>
         <a:lstStyle/>
         <a:p>
           <a:r>
-            <a:rPr lang="ko-KR"/>
-            <a:t>코로나</a:t>
-          </a:r>
-          <a:r>
-            <a:rPr lang="en-US"/>
-            <a:t>19 </a:t>
-          </a:r>
-          <a:r>
-            <a:rPr lang="ko-KR"/>
-            <a:t>기간 호황을 누린 게임산업은 </a:t>
-          </a:r>
-          <a:r>
-            <a:rPr lang="en-US"/>
+            <a:rPr lang="en-US" dirty="0">
+              <a:solidFill>
+                <a:schemeClr val="tx1"/>
+              </a:solidFill>
+            </a:rPr>
             <a:t>2022</a:t>
           </a:r>
           <a:r>
-            <a:rPr lang="ko-KR"/>
-            <a:t>년 초 대형 </a:t>
+            <a:rPr lang="ko-KR" dirty="0">
+              <a:solidFill>
+                <a:schemeClr val="tx1"/>
+              </a:solidFill>
+            </a:rPr>
+            <a:t>년</a:t>
           </a:r>
           <a:r>
-            <a:rPr lang="en-US"/>
+            <a:rPr lang="en-US" altLang="ko-KR" dirty="0">
+              <a:solidFill>
+                <a:schemeClr val="tx1"/>
+              </a:solidFill>
+            </a:rPr>
+            <a:t> </a:t>
+          </a:r>
+          <a:r>
+            <a:rPr lang="ko-KR" altLang="en-US" dirty="0">
+              <a:solidFill>
+                <a:schemeClr val="tx1"/>
+              </a:solidFill>
+            </a:rPr>
+            <a:t>게임시장의</a:t>
+          </a:r>
+          <a:r>
+            <a:rPr lang="ko-KR" dirty="0">
+              <a:solidFill>
+                <a:schemeClr val="tx1"/>
+              </a:solidFill>
+            </a:rPr>
+            <a:t> 초 대형 </a:t>
+          </a:r>
+          <a:r>
+            <a:rPr lang="en-US" dirty="0">
+              <a:solidFill>
+                <a:schemeClr val="tx1"/>
+              </a:solidFill>
+            </a:rPr>
             <a:t>M&amp;A</a:t>
           </a:r>
           <a:r>
-            <a:rPr lang="ko-KR"/>
-            <a:t>를 잇달 아 발표하며 절정기</a:t>
+            <a:rPr lang="ko-KR" altLang="en-US" dirty="0">
+              <a:solidFill>
+                <a:schemeClr val="tx1"/>
+              </a:solidFill>
+            </a:rPr>
+            <a:t>를 통한 산업구조 개편 시도</a:t>
           </a:r>
-          <a:endParaRPr lang="en-US"/>
+          <a:endParaRPr lang="en-US" dirty="0">
+            <a:solidFill>
+              <a:schemeClr val="tx1"/>
+            </a:solidFill>
+          </a:endParaRPr>
         </a:p>
       </dgm:t>
     </dgm:pt>
@@ -2218,37 +2265,52 @@
       </dgm:t>
     </dgm:pt>
     <dgm:pt modelId="{54789A6A-BAD4-4AD2-8C76-12A5D326CC0A}">
-      <dgm:prSet/>
+      <dgm:prSet>
+        <dgm:style>
+          <a:lnRef idx="2">
+            <a:schemeClr val="accent1"/>
+          </a:lnRef>
+          <a:fillRef idx="1">
+            <a:schemeClr val="lt1"/>
+          </a:fillRef>
+          <a:effectRef idx="0">
+            <a:schemeClr val="accent1"/>
+          </a:effectRef>
+          <a:fontRef idx="minor">
+            <a:schemeClr val="dk1"/>
+          </a:fontRef>
+        </dgm:style>
+      </dgm:prSet>
       <dgm:spPr/>
       <dgm:t>
         <a:bodyPr/>
         <a:lstStyle/>
         <a:p>
           <a:r>
-            <a:rPr lang="en-US"/>
+            <a:rPr lang="en-US" dirty="0"/>
             <a:t>2022</a:t>
           </a:r>
           <a:r>
-            <a:rPr lang="ko-KR"/>
+            <a:rPr lang="ko-KR" dirty="0"/>
             <a:t>년 </a:t>
           </a:r>
           <a:r>
-            <a:rPr lang="en-US"/>
+            <a:rPr lang="en-US" dirty="0"/>
             <a:t>2</a:t>
           </a:r>
           <a:r>
-            <a:rPr lang="ko-KR"/>
+            <a:rPr lang="ko-KR" dirty="0"/>
             <a:t>분기 미국인들이 게임에 지출한 금액이 전년동기대비 </a:t>
           </a:r>
           <a:r>
-            <a:rPr lang="en-US"/>
+            <a:rPr lang="en-US" dirty="0"/>
             <a:t>13% </a:t>
           </a:r>
           <a:r>
-            <a:rPr lang="ko-KR"/>
+            <a:rPr lang="ko-KR" dirty="0"/>
             <a:t>감소 </a:t>
           </a:r>
-          <a:endParaRPr lang="en-US"/>
+          <a:endParaRPr lang="en-US" dirty="0"/>
         </a:p>
       </dgm:t>
     </dgm:pt>
@@ -2275,61 +2337,76 @@
       </dgm:t>
     </dgm:pt>
     <dgm:pt modelId="{01E1BB30-F5D1-4E31-9114-6EE58A2ECBC2}">
-      <dgm:prSet/>
+      <dgm:prSet>
+        <dgm:style>
+          <a:lnRef idx="2">
+            <a:schemeClr val="accent1"/>
+          </a:lnRef>
+          <a:fillRef idx="1">
+            <a:schemeClr val="lt1"/>
+          </a:fillRef>
+          <a:effectRef idx="0">
+            <a:schemeClr val="accent1"/>
+          </a:effectRef>
+          <a:fontRef idx="minor">
+            <a:schemeClr val="dk1"/>
+          </a:fontRef>
+        </dgm:style>
+      </dgm:prSet>
       <dgm:spPr/>
       <dgm:t>
         <a:bodyPr/>
         <a:lstStyle/>
         <a:p>
           <a:r>
-            <a:rPr lang="en-US"/>
+            <a:rPr lang="en-US" dirty="0"/>
             <a:t>2022</a:t>
           </a:r>
           <a:r>
-            <a:rPr lang="ko-KR"/>
+            <a:rPr lang="ko-KR" dirty="0"/>
             <a:t>년 </a:t>
           </a:r>
           <a:r>
-            <a:rPr lang="en-US"/>
+            <a:rPr lang="en-US" dirty="0"/>
             <a:t>2</a:t>
           </a:r>
           <a:r>
-            <a:rPr lang="ko-KR"/>
+            <a:rPr lang="ko-KR" dirty="0"/>
             <a:t>분기 엑스박스</a:t>
           </a:r>
           <a:r>
-            <a:rPr lang="en-US"/>
+            <a:rPr lang="en-US" dirty="0"/>
             <a:t>(Xbox)</a:t>
           </a:r>
           <a:r>
-            <a:rPr lang="ko-KR"/>
+            <a:rPr lang="ko-KR" dirty="0"/>
             <a:t>의 매출은 작년동기대비 </a:t>
           </a:r>
           <a:r>
-            <a:rPr lang="en-US"/>
+            <a:rPr lang="en-US" dirty="0"/>
             <a:t>7% </a:t>
           </a:r>
           <a:r>
-            <a:rPr lang="ko-KR"/>
+            <a:rPr lang="ko-KR" dirty="0"/>
             <a:t>하락</a:t>
           </a:r>
           <a:r>
-            <a:rPr lang="en-US"/>
+            <a:rPr lang="en-US" dirty="0"/>
             <a:t>, </a:t>
           </a:r>
           <a:r>
-            <a:rPr lang="ko-KR"/>
+            <a:rPr lang="ko-KR" dirty="0"/>
             <a:t>하드웨어 매출은 </a:t>
           </a:r>
           <a:r>
-            <a:rPr lang="en-US"/>
+            <a:rPr lang="en-US" dirty="0"/>
             <a:t>11% </a:t>
           </a:r>
           <a:r>
-            <a:rPr lang="ko-KR"/>
+            <a:rPr lang="ko-KR" dirty="0"/>
             <a:t>하락</a:t>
           </a:r>
-          <a:endParaRPr lang="en-US"/>
+          <a:endParaRPr lang="en-US" dirty="0"/>
         </a:p>
       </dgm:t>
     </dgm:pt>
@@ -2356,25 +2433,40 @@
       </dgm:t>
     </dgm:pt>
     <dgm:pt modelId="{52245542-35AC-4159-A3E8-0235D78ABFBF}">
-      <dgm:prSet/>
+      <dgm:prSet>
+        <dgm:style>
+          <a:lnRef idx="2">
+            <a:schemeClr val="accent1"/>
+          </a:lnRef>
+          <a:fillRef idx="1">
+            <a:schemeClr val="lt1"/>
+          </a:fillRef>
+          <a:effectRef idx="0">
+            <a:schemeClr val="accent1"/>
+          </a:effectRef>
+          <a:fontRef idx="minor">
+            <a:schemeClr val="dk1"/>
+          </a:fontRef>
+        </dgm:style>
+      </dgm:prSet>
       <dgm:spPr/>
       <dgm:t>
         <a:bodyPr/>
         <a:lstStyle/>
         <a:p>
           <a:r>
-            <a:rPr lang="ko-KR"/>
+            <a:rPr lang="ko-KR" dirty="0"/>
             <a:t>중국 게임산업의 이용자 수가 </a:t>
           </a:r>
           <a:r>
-            <a:rPr lang="en-US"/>
+            <a:rPr lang="en-US" dirty="0"/>
             <a:t>2008</a:t>
           </a:r>
           <a:r>
-            <a:rPr lang="ko-KR"/>
+            <a:rPr lang="ko-KR" dirty="0"/>
             <a:t>년 집계 이후 처음으로 감소</a:t>
           </a:r>
-          <a:endParaRPr lang="en-US"/>
+          <a:endParaRPr lang="en-US" dirty="0"/>
         </a:p>
       </dgm:t>
     </dgm:pt>
@@ -3188,21 +3280,11 @@
           <a:avLst/>
         </a:prstGeom>
         <a:solidFill>
-          <a:schemeClr val="accent1">
-            <a:hueOff val="0"/>
-            <a:satOff val="0"/>
-            <a:lumOff val="0"/>
-            <a:alphaOff val="0"/>
-          </a:schemeClr>
+          <a:schemeClr val="lt1"/>
         </a:solidFill>
         <a:ln w="15875" cap="flat" cmpd="sng" algn="ctr">
           <a:solidFill>
-            <a:schemeClr val="lt1">
-              <a:hueOff val="0"/>
-              <a:satOff val="0"/>
-              <a:lumOff val="0"/>
-              <a:alphaOff val="0"/>
-            </a:schemeClr>
+            <a:schemeClr val="accent1"/>
           </a:solidFill>
           <a:prstDash val="solid"/>
         </a:ln>
@@ -3210,16 +3292,16 @@
       </dsp:spPr>
       <dsp:style>
         <a:lnRef idx="2">
-          <a:scrgbClr r="0" g="0" b="0"/>
+          <a:schemeClr val="accent1"/>
         </a:lnRef>
         <a:fillRef idx="1">
-          <a:scrgbClr r="0" g="0" b="0"/>
+          <a:schemeClr val="lt1"/>
         </a:fillRef>
         <a:effectRef idx="0">
-          <a:scrgbClr r="0" g="0" b="0"/>
+          <a:schemeClr val="accent1"/>
         </a:effectRef>
         <a:fontRef idx="minor">
-          <a:schemeClr val="lt1"/>
+          <a:schemeClr val="dk1"/>
         </a:fontRef>
       </dsp:style>
       <dsp:txBody>
@@ -3241,34 +3323,66 @@
             <a:buNone/>
           </a:pPr>
           <a:r>
-            <a:rPr lang="ko-KR" sz="1800" kern="1200"/>
-            <a:t>코로나</a:t>
-          </a:r>
-          <a:r>
-            <a:rPr lang="en-US" sz="1800" kern="1200"/>
-            <a:t>19 </a:t>
-          </a:r>
-          <a:r>
-            <a:rPr lang="ko-KR" sz="1800" kern="1200"/>
-            <a:t>기간 호황을 누린 게임산업은 </a:t>
-          </a:r>
-          <a:r>
-            <a:rPr lang="en-US" sz="1800" kern="1200"/>
+            <a:rPr lang="en-US" sz="1800" kern="1200" dirty="0">
+              <a:solidFill>
+                <a:schemeClr val="tx1"/>
+              </a:solidFill>
+            </a:rPr>
             <a:t>2022</a:t>
           </a:r>
           <a:r>
-            <a:rPr lang="ko-KR" sz="1800" kern="1200"/>
-            <a:t>년 초 대형 </a:t>
+            <a:rPr lang="ko-KR" sz="1800" kern="1200" dirty="0">
+              <a:solidFill>
+                <a:schemeClr val="tx1"/>
+              </a:solidFill>
+            </a:rPr>
+            <a:t>년</a:t>
           </a:r>
           <a:r>
-            <a:rPr lang="en-US" sz="1800" kern="1200"/>
+            <a:rPr lang="en-US" altLang="ko-KR" sz="1800" kern="1200" dirty="0">
+              <a:solidFill>
+                <a:schemeClr val="tx1"/>
+              </a:solidFill>
+            </a:rPr>
+            <a:t> </a:t>
+          </a:r>
+          <a:r>
+            <a:rPr lang="ko-KR" altLang="en-US" sz="1800" kern="1200" dirty="0">
+              <a:solidFill>
+                <a:schemeClr val="tx1"/>
+              </a:solidFill>
+            </a:rPr>
+            <a:t>게임시장의</a:t>
+          </a:r>
+          <a:r>
+            <a:rPr lang="ko-KR" sz="1800" kern="1200" dirty="0">
+              <a:solidFill>
+                <a:schemeClr val="tx1"/>
+              </a:solidFill>
+            </a:rPr>
+            <a:t> 초 대형 </a:t>
+          </a:r>
+          <a:r>
+            <a:rPr lang="en-US" sz="1800" kern="1200" dirty="0">
+              <a:solidFill>
+                <a:schemeClr val="tx1"/>
+              </a:solidFill>
+            </a:rPr>
             <a:t>M&amp;A</a:t>
           </a:r>
           <a:r>
-            <a:rPr lang="ko-KR" sz="1800" kern="1200"/>
-            <a:t>를 잇달 아 발표하며 절정기</a:t>
+            <a:rPr lang="ko-KR" altLang="en-US" sz="1800" kern="1200" dirty="0">
+              <a:solidFill>
+                <a:schemeClr val="tx1"/>
+              </a:solidFill>
+            </a:rPr>
+            <a:t>를 통한 산업구조 개편 시도</a:t>
           </a:r>
-          <a:endParaRPr lang="en-US" sz="1800" kern="1200"/>
+          <a:endParaRPr lang="en-US" sz="1800" kern="1200" dirty="0">
+            <a:solidFill>
+              <a:schemeClr val="tx1"/>
+            </a:solidFill>
+          </a:endParaRPr>
         </a:p>
       </dsp:txBody>
       <dsp:txXfrm>
@@ -3290,21 +3404,11 @@
           <a:avLst/>
         </a:prstGeom>
         <a:solidFill>
-          <a:schemeClr val="accent1">
-            <a:hueOff val="0"/>
-            <a:satOff val="0"/>
-            <a:lumOff val="0"/>
-            <a:alphaOff val="0"/>
-          </a:schemeClr>
+          <a:schemeClr val="lt1"/>
         </a:solidFill>
         <a:ln w="15875" cap="flat" cmpd="sng" algn="ctr">
           <a:solidFill>
-            <a:schemeClr val="lt1">
-              <a:hueOff val="0"/>
-              <a:satOff val="0"/>
-              <a:lumOff val="0"/>
-              <a:alphaOff val="0"/>
-            </a:schemeClr>
+            <a:schemeClr val="accent1"/>
           </a:solidFill>
           <a:prstDash val="solid"/>
         </a:ln>
@@ -3312,16 +3416,16 @@
       </dsp:spPr>
       <dsp:style>
         <a:lnRef idx="2">
-          <a:scrgbClr r="0" g="0" b="0"/>
+          <a:schemeClr val="accent1"/>
         </a:lnRef>
         <a:fillRef idx="1">
-          <a:scrgbClr r="0" g="0" b="0"/>
+          <a:schemeClr val="lt1"/>
         </a:fillRef>
         <a:effectRef idx="0">
-          <a:scrgbClr r="0" g="0" b="0"/>
+          <a:schemeClr val="accent1"/>
         </a:effectRef>
         <a:fontRef idx="minor">
-          <a:schemeClr val="lt1"/>
+          <a:schemeClr val="dk1"/>
         </a:fontRef>
       </dsp:style>
       <dsp:txBody>
@@ -3343,30 +3447,30 @@
             <a:buNone/>
           </a:pPr>
           <a:r>
-            <a:rPr lang="en-US" sz="1800" kern="1200"/>
+            <a:rPr lang="en-US" sz="1800" kern="1200" dirty="0"/>
             <a:t>2022</a:t>
           </a:r>
           <a:r>
-            <a:rPr lang="ko-KR" sz="1800" kern="1200"/>
+            <a:rPr lang="ko-KR" sz="1800" kern="1200" dirty="0"/>
             <a:t>년 </a:t>
           </a:r>
           <a:r>
-            <a:rPr lang="en-US" sz="1800" kern="1200"/>
+            <a:rPr lang="en-US" sz="1800" kern="1200" dirty="0"/>
             <a:t>2</a:t>
           </a:r>
           <a:r>
-            <a:rPr lang="ko-KR" sz="1800" kern="1200"/>
+            <a:rPr lang="ko-KR" sz="1800" kern="1200" dirty="0"/>
             <a:t>분기 미국인들이 게임에 지출한 금액이 전년동기대비 </a:t>
           </a:r>
           <a:r>
-            <a:rPr lang="en-US" sz="1800" kern="1200"/>
+            <a:rPr lang="en-US" sz="1800" kern="1200" dirty="0"/>
             <a:t>13% </a:t>
           </a:r>
           <a:r>
-            <a:rPr lang="ko-KR" sz="1800" kern="1200"/>
+            <a:rPr lang="ko-KR" sz="1800" kern="1200" dirty="0"/>
             <a:t>감소 </a:t>
           </a:r>
-          <a:endParaRPr lang="en-US" sz="1800" kern="1200"/>
+          <a:endParaRPr lang="en-US" sz="1800" kern="1200" dirty="0"/>
         </a:p>
       </dsp:txBody>
       <dsp:txXfrm>
@@ -3388,21 +3492,11 @@
           <a:avLst/>
         </a:prstGeom>
         <a:solidFill>
-          <a:schemeClr val="accent1">
-            <a:hueOff val="0"/>
-            <a:satOff val="0"/>
-            <a:lumOff val="0"/>
-            <a:alphaOff val="0"/>
-          </a:schemeClr>
+          <a:schemeClr val="lt1"/>
         </a:solidFill>
         <a:ln w="15875" cap="flat" cmpd="sng" algn="ctr">
           <a:solidFill>
-            <a:schemeClr val="lt1">
-              <a:hueOff val="0"/>
-              <a:satOff val="0"/>
-              <a:lumOff val="0"/>
-              <a:alphaOff val="0"/>
-            </a:schemeClr>
+            <a:schemeClr val="accent1"/>
           </a:solidFill>
           <a:prstDash val="solid"/>
         </a:ln>
@@ -3410,16 +3504,16 @@
       </dsp:spPr>
       <dsp:style>
         <a:lnRef idx="2">
-          <a:scrgbClr r="0" g="0" b="0"/>
+          <a:schemeClr val="accent1"/>
         </a:lnRef>
         <a:fillRef idx="1">
-          <a:scrgbClr r="0" g="0" b="0"/>
+          <a:schemeClr val="lt1"/>
         </a:fillRef>
         <a:effectRef idx="0">
-          <a:scrgbClr r="0" g="0" b="0"/>
+          <a:schemeClr val="accent1"/>
         </a:effectRef>
         <a:fontRef idx="minor">
-          <a:schemeClr val="lt1"/>
+          <a:schemeClr val="dk1"/>
         </a:fontRef>
       </dsp:style>
       <dsp:txBody>
@@ -3441,54 +3535,54 @@
             <a:buNone/>
           </a:pPr>
           <a:r>
-            <a:rPr lang="en-US" sz="1800" kern="1200"/>
+            <a:rPr lang="en-US" sz="1800" kern="1200" dirty="0"/>
             <a:t>2022</a:t>
           </a:r>
           <a:r>
-            <a:rPr lang="ko-KR" sz="1800" kern="1200"/>
+            <a:rPr lang="ko-KR" sz="1800" kern="1200" dirty="0"/>
             <a:t>년 </a:t>
           </a:r>
           <a:r>
-            <a:rPr lang="en-US" sz="1800" kern="1200"/>
+            <a:rPr lang="en-US" sz="1800" kern="1200" dirty="0"/>
             <a:t>2</a:t>
           </a:r>
           <a:r>
-            <a:rPr lang="ko-KR" sz="1800" kern="1200"/>
+            <a:rPr lang="ko-KR" sz="1800" kern="1200" dirty="0"/>
             <a:t>분기 엑스박스</a:t>
           </a:r>
           <a:r>
-            <a:rPr lang="en-US" sz="1800" kern="1200"/>
+            <a:rPr lang="en-US" sz="1800" kern="1200" dirty="0"/>
             <a:t>(Xbox)</a:t>
           </a:r>
           <a:r>
-            <a:rPr lang="ko-KR" sz="1800" kern="1200"/>
+            <a:rPr lang="ko-KR" sz="1800" kern="1200" dirty="0"/>
             <a:t>의 매출은 작년동기대비 </a:t>
           </a:r>
           <a:r>
-            <a:rPr lang="en-US" sz="1800" kern="1200"/>
+            <a:rPr lang="en-US" sz="1800" kern="1200" dirty="0"/>
             <a:t>7% </a:t>
           </a:r>
           <a:r>
-            <a:rPr lang="ko-KR" sz="1800" kern="1200"/>
+            <a:rPr lang="ko-KR" sz="1800" kern="1200" dirty="0"/>
             <a:t>하락</a:t>
           </a:r>
           <a:r>
-            <a:rPr lang="en-US" sz="1800" kern="1200"/>
+            <a:rPr lang="en-US" sz="1800" kern="1200" dirty="0"/>
             <a:t>, </a:t>
           </a:r>
           <a:r>
-            <a:rPr lang="ko-KR" sz="1800" kern="1200"/>
+            <a:rPr lang="ko-KR" sz="1800" kern="1200" dirty="0"/>
             <a:t>하드웨어 매출은 </a:t>
           </a:r>
           <a:r>
-            <a:rPr lang="en-US" sz="1800" kern="1200"/>
+            <a:rPr lang="en-US" sz="1800" kern="1200" dirty="0"/>
             <a:t>11% </a:t>
           </a:r>
           <a:r>
-            <a:rPr lang="ko-KR" sz="1800" kern="1200"/>
+            <a:rPr lang="ko-KR" sz="1800" kern="1200" dirty="0"/>
             <a:t>하락</a:t>
           </a:r>
-          <a:endParaRPr lang="en-US" sz="1800" kern="1200"/>
+          <a:endParaRPr lang="en-US" sz="1800" kern="1200" dirty="0"/>
         </a:p>
       </dsp:txBody>
       <dsp:txXfrm>
@@ -3510,21 +3604,11 @@
           <a:avLst/>
         </a:prstGeom>
         <a:solidFill>
-          <a:schemeClr val="accent1">
-            <a:hueOff val="0"/>
-            <a:satOff val="0"/>
-            <a:lumOff val="0"/>
-            <a:alphaOff val="0"/>
-          </a:schemeClr>
+          <a:schemeClr val="lt1"/>
         </a:solidFill>
         <a:ln w="15875" cap="flat" cmpd="sng" algn="ctr">
           <a:solidFill>
-            <a:schemeClr val="lt1">
-              <a:hueOff val="0"/>
-              <a:satOff val="0"/>
-              <a:lumOff val="0"/>
-              <a:alphaOff val="0"/>
-            </a:schemeClr>
+            <a:schemeClr val="accent1"/>
           </a:solidFill>
           <a:prstDash val="solid"/>
         </a:ln>
@@ -3532,16 +3616,16 @@
       </dsp:spPr>
       <dsp:style>
         <a:lnRef idx="2">
-          <a:scrgbClr r="0" g="0" b="0"/>
+          <a:schemeClr val="accent1"/>
         </a:lnRef>
         <a:fillRef idx="1">
-          <a:scrgbClr r="0" g="0" b="0"/>
+          <a:schemeClr val="lt1"/>
         </a:fillRef>
         <a:effectRef idx="0">
-          <a:scrgbClr r="0" g="0" b="0"/>
+          <a:schemeClr val="accent1"/>
         </a:effectRef>
         <a:fontRef idx="minor">
-          <a:schemeClr val="lt1"/>
+          <a:schemeClr val="dk1"/>
         </a:fontRef>
       </dsp:style>
       <dsp:txBody>
@@ -3563,18 +3647,18 @@
             <a:buNone/>
           </a:pPr>
           <a:r>
-            <a:rPr lang="ko-KR" sz="1800" kern="1200"/>
+            <a:rPr lang="ko-KR" sz="1800" kern="1200" dirty="0"/>
             <a:t>중국 게임산업의 이용자 수가 </a:t>
           </a:r>
           <a:r>
-            <a:rPr lang="en-US" sz="1800" kern="1200"/>
+            <a:rPr lang="en-US" sz="1800" kern="1200" dirty="0"/>
             <a:t>2008</a:t>
           </a:r>
           <a:r>
-            <a:rPr lang="ko-KR" sz="1800" kern="1200"/>
+            <a:rPr lang="ko-KR" sz="1800" kern="1200" dirty="0"/>
             <a:t>년 집계 이후 처음으로 감소</a:t>
           </a:r>
-          <a:endParaRPr lang="en-US" sz="1800" kern="1200"/>
+          <a:endParaRPr lang="en-US" sz="1800" kern="1200" dirty="0"/>
         </a:p>
       </dsp:txBody>
       <dsp:txXfrm>
@@ -6301,6 +6385,296 @@
           <inkml:channelProperty channel="Y" name="resolution" value="1000" units="1/cm"/>
         </inkml:channelProperties>
       </inkml:inkSource>
+      <inkml:timestamp xml:id="ts0" timeString="2023-01-07T03:21:48.176"/>
+    </inkml:context>
+    <inkml:brush xml:id="br0">
+      <inkml:brushProperty name="width" value="0.3" units="cm"/>
+      <inkml:brushProperty name="height" value="0.6" units="cm"/>
+      <inkml:brushProperty name="color" value="#FFFC00"/>
+      <inkml:brushProperty name="tip" value="rectangle"/>
+      <inkml:brushProperty name="rasterOp" value="maskPen"/>
+      <inkml:brushProperty name="ignorePressure" value="1"/>
+    </inkml:brush>
+  </inkml:definitions>
+  <inkml:trace contextRef="#ctx0" brushRef="#br0">2028 2713,'-1106'0,"1082"-1,0 0,0-2,1-1,-1-1,1-1,-35-14,-3-6,-62-38,85 43,-10-4,-46-34,79 48,0-1,1 0,1-1,0-1,0 0,-19-30,-50-105,37 62,34 67,2-1,0-1,1 1,1-1,1-1,1 1,-3-29,-16-79,3 23,15 44,5-127,2 98,-2-71,4-141,-2 287,1 1,1-1,1 1,0-1,1 1,1 1,1-1,0 1,1 0,16-24,138-186,-117 164,30-34,-64 84,-1 1,1 1,0-1,1 2,0 0,19-10,8 2,0 2,1 2,1 1,41-5,-52 10,258-70,-257 67,38-7,139-15,-202 31,318-10,-265 11,-34 0,0 1,0 1,-1 1,1 2,36 12,112 57,-149-63,238 88,-244-93,0 0,-1 1,0 0,-1 2,1 0,-2 1,24 20,-20-13,-2 0,0 1,-1 1,-2 0,18 31,-12-15,-1 0,-2 2,-1 0,-2 1,15 69,9 52,-23-105,-3 0,10 100,-24 109,0-243,0-1,-2 0,0-1,-2 1,0-1,-1 0,-1 0,0-1,-2 0,0 0,-1-1,0-1,-2 0,0 0,-27 24,27-28,-42 39,-94 68,79-73,-113 53,141-75,1 1,-68 55,27-18,-79 63,146-114,0-1,0 0,-1-1,-28 11,26-13,2 1,-1 1,1 0,-19 15,9-1,4-1</inkml:trace>
+</inkml:ink>
+</file>
+
+<file path=ppt/ink/ink10.xml><?xml version="1.0" encoding="utf-8"?>
+<inkml:ink xmlns:inkml="http://www.w3.org/2003/InkML">
+  <inkml:definitions>
+    <inkml:context xml:id="ctx0">
+      <inkml:inkSource xml:id="inkSrc0">
+        <inkml:traceFormat>
+          <inkml:channel name="X" type="integer" min="-2.14748E9" max="2.14748E9" units="cm"/>
+          <inkml:channel name="Y" type="integer" min="-2.14748E9" max="2.14748E9" units="cm"/>
+        </inkml:traceFormat>
+        <inkml:channelProperties>
+          <inkml:channelProperty channel="X" name="resolution" value="1000" units="1/cm"/>
+          <inkml:channelProperty channel="Y" name="resolution" value="1000" units="1/cm"/>
+        </inkml:channelProperties>
+      </inkml:inkSource>
+      <inkml:timestamp xml:id="ts0" timeString="2023-01-07T03:28:07.027"/>
+    </inkml:context>
+    <inkml:brush xml:id="br0">
+      <inkml:brushProperty name="width" value="0.3" units="cm"/>
+      <inkml:brushProperty name="height" value="0.6" units="cm"/>
+      <inkml:brushProperty name="color" value="#FFFC00"/>
+      <inkml:brushProperty name="tip" value="rectangle"/>
+      <inkml:brushProperty name="rasterOp" value="maskPen"/>
+      <inkml:brushProperty name="ignorePressure" value="1"/>
+    </inkml:brush>
+  </inkml:definitions>
+  <inkml:trace contextRef="#ctx0" brushRef="#br0">1 1,'1045'0,"-1014"1,56 11,3 0,194-8,-174-5,-80 1</inkml:trace>
+</inkml:ink>
+</file>
+
+<file path=ppt/ink/ink11.xml><?xml version="1.0" encoding="utf-8"?>
+<inkml:ink xmlns:inkml="http://www.w3.org/2003/InkML">
+  <inkml:definitions>
+    <inkml:context xml:id="ctx0">
+      <inkml:inkSource xml:id="inkSrc0">
+        <inkml:traceFormat>
+          <inkml:channel name="X" type="integer" min="-2.14748E9" max="2.14748E9" units="cm"/>
+          <inkml:channel name="Y" type="integer" min="-2.14748E9" max="2.14748E9" units="cm"/>
+        </inkml:traceFormat>
+        <inkml:channelProperties>
+          <inkml:channelProperty channel="X" name="resolution" value="1000" units="1/cm"/>
+          <inkml:channelProperty channel="Y" name="resolution" value="1000" units="1/cm"/>
+        </inkml:channelProperties>
+      </inkml:inkSource>
+      <inkml:timestamp xml:id="ts0" timeString="2023-01-07T03:28:09.546"/>
+    </inkml:context>
+    <inkml:brush xml:id="br0">
+      <inkml:brushProperty name="width" value="0.3" units="cm"/>
+      <inkml:brushProperty name="height" value="0.6" units="cm"/>
+      <inkml:brushProperty name="color" value="#FFFC00"/>
+      <inkml:brushProperty name="tip" value="rectangle"/>
+      <inkml:brushProperty name="rasterOp" value="maskPen"/>
+      <inkml:brushProperty name="ignorePressure" value="1"/>
+    </inkml:brush>
+  </inkml:definitions>
+  <inkml:trace contextRef="#ctx0" brushRef="#br0">1 174,'115'1,"288"-13,-42-6,-317 16,58-10,22-2,-87 11,0-2,0-1,43-14,-17 5,12 1,1 4,136 0,-81 5,1-8,14 0,410 11,-288 4,62-2,-299 0</inkml:trace>
+</inkml:ink>
+</file>
+
+<file path=ppt/ink/ink12.xml><?xml version="1.0" encoding="utf-8"?>
+<inkml:ink xmlns:inkml="http://www.w3.org/2003/InkML">
+  <inkml:definitions>
+    <inkml:context xml:id="ctx0">
+      <inkml:inkSource xml:id="inkSrc0">
+        <inkml:traceFormat>
+          <inkml:channel name="X" type="integer" min="-2.14748E9" max="2.14748E9" units="cm"/>
+          <inkml:channel name="Y" type="integer" min="-2.14748E9" max="2.14748E9" units="cm"/>
+        </inkml:traceFormat>
+        <inkml:channelProperties>
+          <inkml:channelProperty channel="X" name="resolution" value="1000" units="1/cm"/>
+          <inkml:channelProperty channel="Y" name="resolution" value="1000" units="1/cm"/>
+        </inkml:channelProperties>
+      </inkml:inkSource>
+      <inkml:timestamp xml:id="ts0" timeString="2023-01-07T03:30:02.475"/>
+    </inkml:context>
+    <inkml:brush xml:id="br0">
+      <inkml:brushProperty name="width" value="0.3" units="cm"/>
+      <inkml:brushProperty name="height" value="0.6" units="cm"/>
+      <inkml:brushProperty name="color" value="#FFFC00"/>
+      <inkml:brushProperty name="tip" value="rectangle"/>
+      <inkml:brushProperty name="rasterOp" value="maskPen"/>
+      <inkml:brushProperty name="ignorePressure" value="1"/>
+    </inkml:brush>
+  </inkml:definitions>
+  <inkml:trace contextRef="#ctx0" brushRef="#br0">1459 8968,'0'-2,"-1"0,1-1,-1 1,0 0,0 0,0 0,0-1,0 1,0 0,0 1,-1-1,1 0,-1 0,1 0,-1 1,-3-3,-31-22,32 24,-90-54,60 39,2-2,0-2,1-1,-41-38,-52-73,100 104,2 0,-36-65,-8-19,41 73,1-1,-21-51,26 43,-38-66,19 41,3-1,-27-90,11 28,-42-164,68 184,5 0,-9-211,6 26,11 182,-6-128,17 229,2-9,-2 0,-1 0,-11-51,-15-25,-43-188,12-136,56 398,-3 0,-11-40,8 37,-7-52,10-14,6-107,3 69,-3-2390,0 2479,10-65,-7 90,2 0,1 1,0-1,19-40,18-23,48-110,200-450,-263 595,3 2,1 1,48-55,-51 66,-11 14,0 1,31-29,-42 44,19-17,57-39,-73 57,0 0,1 0,0 1,0 1,1 0,-1 0,1 1,0 1,19-3,-3 5,0 0,-1 2,1 0,-1 2,38 10,-24-1,1 1,63 32,-79-31,-1 1,-1 1,-1 1,31 31,45 33,-41-41,-2 2,-2 2,-2 3,59 70,-84-81,-2 1,25 50,-27-46,48 67,-42-71,-3-6,-1 1,28 50,157 296,-124-232,69 165,-111-214,-8-19,53 166,-38-67,19 86,1 117,-21-37,19 161,-60-408,17 143,10-92,-2-8,-23-61,2 111,-16 82,0-99,2 445,0-572,-2-1,-3 0,-1 0,-2-1,-26 73,-278 674,227-568,17-37,55-157,-2 0,-37 51,-9 16,-10 26,-118 151,153-229,-3-2,-66 55,-47 47,145-134,-13 12,2 1,1 0,-28 48,33-43</inkml:trace>
+</inkml:ink>
+</file>
+
+<file path=ppt/ink/ink13.xml><?xml version="1.0" encoding="utf-8"?>
+<inkml:ink xmlns:inkml="http://www.w3.org/2003/InkML">
+  <inkml:definitions>
+    <inkml:context xml:id="ctx0">
+      <inkml:inkSource xml:id="inkSrc0">
+        <inkml:traceFormat>
+          <inkml:channel name="X" type="integer" min="-2.14748E9" max="2.14748E9" units="cm"/>
+          <inkml:channel name="Y" type="integer" min="-2.14748E9" max="2.14748E9" units="cm"/>
+        </inkml:traceFormat>
+        <inkml:channelProperties>
+          <inkml:channelProperty channel="X" name="resolution" value="1000" units="1/cm"/>
+          <inkml:channelProperty channel="Y" name="resolution" value="1000" units="1/cm"/>
+        </inkml:channelProperties>
+      </inkml:inkSource>
+      <inkml:timestamp xml:id="ts0" timeString="2023-01-07T03:30:21.347"/>
+    </inkml:context>
+    <inkml:brush xml:id="br0">
+      <inkml:brushProperty name="width" value="0.3" units="cm"/>
+      <inkml:brushProperty name="height" value="0.6" units="cm"/>
+      <inkml:brushProperty name="color" value="#FFFC00"/>
+      <inkml:brushProperty name="tip" value="rectangle"/>
+      <inkml:brushProperty name="rasterOp" value="maskPen"/>
+      <inkml:brushProperty name="ignorePressure" value="1"/>
+    </inkml:brush>
+  </inkml:definitions>
+  <inkml:trace contextRef="#ctx0" brushRef="#br0">4368 8565,'-479'-23,"297"-1,-118-11,226 26,-92-24,70 12,-42-11,68 14,-91-11,-124-18,25 4,222 38,-68-18,87 17,1 0,1-1,-1-1,1-1,-26-18,-115-69,17 12,118 68,1-1,0-1,-36-39,-21-34,-350-383,374 416,3-2,2-2,3-3,-59-105,29 29,-139-283,135 248,-19-45,83 176,2-1,2 0,-8-53,-6-61,-13-91,8-192,34-690,0 1068,4-1,2 1,3 1,3-1,2 2,4 0,45-100,23-32,148-241,-201 380,179-260,-150 233,382-448,-249 310,-167 187,1 0,65-53,81-45,-92 71,208-135,-240 166,2 2,0 3,2 2,75-20,57-5,394-109,6 16,-549 132,1-2,50-20,-10 3,-49 20,1 2,0 1,67-2,-35 4,120-13,203-43,-233 32,-126 24,0 1,1 2,38 4,158 38,-188-32,0 2,0 2,-1 1,57 33,130 98,-191-123,67 53,155 154,-203-180,-1 2,81 107,27 72,-36-49,-33-63,16 23,-83-108,-2 0,22 52,-4 2,84 215,-93-212,151 528,-145-463,41 244,-42 213,-35 4,-2-255,2 184,-3-500,-2 0,-2 0,-18 65,2-10,-27 187,17-85,-47 130,55-237,-98 333,-37-11,112-323,-115 165,7-52,-6 10,157-212,-67 94,60-86,0-1,-1-1,-1 0,-29 21,-52 27,-121 80,-91 47,215-139,54-34</inkml:trace>
+</inkml:ink>
+</file>
+
+<file path=ppt/ink/ink14.xml><?xml version="1.0" encoding="utf-8"?>
+<inkml:ink xmlns:inkml="http://www.w3.org/2003/InkML">
+  <inkml:definitions>
+    <inkml:context xml:id="ctx0">
+      <inkml:inkSource xml:id="inkSrc0">
+        <inkml:traceFormat>
+          <inkml:channel name="X" type="integer" min="-2.14748E9" max="2.14748E9" units="cm"/>
+          <inkml:channel name="Y" type="integer" min="-2.14748E9" max="2.14748E9" units="cm"/>
+        </inkml:traceFormat>
+        <inkml:channelProperties>
+          <inkml:channelProperty channel="X" name="resolution" value="1000" units="1/cm"/>
+          <inkml:channelProperty channel="Y" name="resolution" value="1000" units="1/cm"/>
+        </inkml:channelProperties>
+      </inkml:inkSource>
+      <inkml:timestamp xml:id="ts0" timeString="2023-01-07T03:31:42.956"/>
+    </inkml:context>
+    <inkml:brush xml:id="br0">
+      <inkml:brushProperty name="width" value="0.3" units="cm"/>
+      <inkml:brushProperty name="height" value="0.6" units="cm"/>
+      <inkml:brushProperty name="color" value="#00F900"/>
+      <inkml:brushProperty name="tip" value="rectangle"/>
+      <inkml:brushProperty name="rasterOp" value="maskPen"/>
+      <inkml:brushProperty name="ignorePressure" value="1"/>
+    </inkml:brush>
+  </inkml:definitions>
+  <inkml:trace contextRef="#ctx0" brushRef="#br0">0 1,'14'12,"-1"-1,2 0,0-1,0-1,27 13,-25-14,-1 1,1 1,-1 0,25 22,6 19,-37-38,1-1,0 0,1-1,0 0,1 0,19 10,7-2,1-3,1-1,67 16,48 15,-66-8,95 55,-132-67,2-3,92 25,-44-15,-59-20,50 7,-56-13,0 2,51 19,9 14,-51-21,0-1,2-3,54 13,32-5,-53-12,140 44,-181-42,-1 2,0 2,44 29,-27-16,104 44,68 7,-76-44,-103-29,78 28,-100-26,0 1,-1 1,-1 2,42 32,-18-7,50 56,-34-24,-38-41,2-1,37 32,135 83,-76-57,-103-74,1-1,1-2,1 0,-1-2,55 15,-51-17,0 1,0 1,0 2,46 27,6 15,4-3,145 64,-64-58,8 3,-102-28,-28-12,75 23,-87-32,-1 1,0 2,-1 1,55 36,25 15,60 4,-109-47,64 33,-73-30,101 36,92 40,-38-15,-103-48,120 62,-74-30,-36-18,-45-20,52 28,67 40,-133-74,20 11,108 60,-71-30,4-4,153 60,-121-57,57 21,-8-15,128 38,-9-15,-132-45,-79-25,334 92,-372-96,0 2,66 37,-9-4,-16-7,-60-27,0-1,1-3,84 22,-95-31,-1 2,0 1,-1 2,50 28,-1 0,68 29,258 110,-300-148,-70-23,-2 2,46 21,240 120,-57-51,-94-40,110 64,-269-119,34 16,51 35,-41-23,2-3,87 35,-26-14,-43-15,-25-11,2-2,0-3,93 26,-103-40,-1-1,1-2,64-1,-68-6,-17 0,1 1,-1 1,0 1,0 1,29 7,112 44,164 42,-178-61,27 5,-134-32,1-2,46-1,-44-2,0 2,91 21,-103-18,12 0,0-3,1-2,62-3,-61-1,1 1,-1 3,54 10,-3 12,-47-11,69 9,-105-21,97 14,-96-12,0 1,-1 0,0 2,19 9,52 26,-60-31</inkml:trace>
+</inkml:ink>
+</file>
+
+<file path=ppt/ink/ink15.xml><?xml version="1.0" encoding="utf-8"?>
+<inkml:ink xmlns:inkml="http://www.w3.org/2003/InkML">
+  <inkml:definitions>
+    <inkml:context xml:id="ctx0">
+      <inkml:inkSource xml:id="inkSrc0">
+        <inkml:traceFormat>
+          <inkml:channel name="X" type="integer" min="-2.14748E9" max="2.14748E9" units="cm"/>
+          <inkml:channel name="Y" type="integer" min="-2.14748E9" max="2.14748E9" units="cm"/>
+        </inkml:traceFormat>
+        <inkml:channelProperties>
+          <inkml:channelProperty channel="X" name="resolution" value="1000" units="1/cm"/>
+          <inkml:channelProperty channel="Y" name="resolution" value="1000" units="1/cm"/>
+        </inkml:channelProperties>
+      </inkml:inkSource>
+      <inkml:timestamp xml:id="ts0" timeString="2023-01-07T03:33:11.611"/>
+    </inkml:context>
+    <inkml:brush xml:id="br0">
+      <inkml:brushProperty name="width" value="0.3" units="cm"/>
+      <inkml:brushProperty name="height" value="0.6" units="cm"/>
+      <inkml:brushProperty name="color" value="#FFFC00"/>
+      <inkml:brushProperty name="tip" value="rectangle"/>
+      <inkml:brushProperty name="rasterOp" value="maskPen"/>
+      <inkml:brushProperty name="ignorePressure" value="1"/>
+    </inkml:brush>
+  </inkml:definitions>
+  <inkml:trace contextRef="#ctx0" brushRef="#br0">1 31,'1468'0,"-1285"14,-6 1,1257-14,-650-3,371 2,-1113-3,1-1,77-18,-73 12,90-9,110 18,-124 3,-94-2</inkml:trace>
+</inkml:ink>
+</file>
+
+<file path=ppt/ink/ink16.xml><?xml version="1.0" encoding="utf-8"?>
+<inkml:ink xmlns:inkml="http://www.w3.org/2003/InkML">
+  <inkml:definitions>
+    <inkml:context xml:id="ctx0">
+      <inkml:inkSource xml:id="inkSrc0">
+        <inkml:traceFormat>
+          <inkml:channel name="X" type="integer" min="-2.14748E9" max="2.14748E9" units="cm"/>
+          <inkml:channel name="Y" type="integer" min="-2.14748E9" max="2.14748E9" units="cm"/>
+        </inkml:traceFormat>
+        <inkml:channelProperties>
+          <inkml:channelProperty channel="X" name="resolution" value="1000" units="1/cm"/>
+          <inkml:channelProperty channel="Y" name="resolution" value="1000" units="1/cm"/>
+        </inkml:channelProperties>
+      </inkml:inkSource>
+      <inkml:timestamp xml:id="ts0" timeString="2023-01-07T03:34:07.392"/>
+    </inkml:context>
+    <inkml:brush xml:id="br0">
+      <inkml:brushProperty name="width" value="0.3" units="cm"/>
+      <inkml:brushProperty name="height" value="0.6" units="cm"/>
+      <inkml:brushProperty name="color" value="#FFFC00"/>
+      <inkml:brushProperty name="tip" value="rectangle"/>
+      <inkml:brushProperty name="rasterOp" value="maskPen"/>
+      <inkml:brushProperty name="ignorePressure" value="1"/>
+    </inkml:brush>
+  </inkml:definitions>
+  <inkml:trace contextRef="#ctx0" brushRef="#br0">1 1,'29'1,"0"1,0 1,37 10,82 30,-41-10,-74-25,-18-5,0 1,-1 1,0 0,0 0,0 1,19 13,167 128,-138-100,-11-5,53 58,-32-30,-34-30,-1 2,33 51,17 19,-60-76,-2 1,-1 1,23 53,11 15,44 83,-82-146,-2 1,19 72,-6-19,-21-71,-1 1,-2 0,0 0,2 32,5 63,2 70,-17 724,-2-801,-28 184,10-197,-4 37,15-65,-21 82,-31 72,32-124,9-40,-35 73,13-35,19-43,-3-2,-2 0,-3-2,-60 79,12-43,49-57,0 1,-32 51,45-60,-1-1,-40 39,-11 14,27-22,-95 115,102-131,-2-1,-46 36,28-31,-1-3,-97 52,131-81,2 1,0 1,-30 26,27-18</inkml:trace>
+</inkml:ink>
+</file>
+
+<file path=ppt/ink/ink17.xml><?xml version="1.0" encoding="utf-8"?>
+<inkml:ink xmlns:inkml="http://www.w3.org/2003/InkML">
+  <inkml:definitions>
+    <inkml:context xml:id="ctx0">
+      <inkml:inkSource xml:id="inkSrc0">
+        <inkml:traceFormat>
+          <inkml:channel name="X" type="integer" min="-2.14748E9" max="2.14748E9" units="cm"/>
+          <inkml:channel name="Y" type="integer" min="-2.14748E9" max="2.14748E9" units="cm"/>
+        </inkml:traceFormat>
+        <inkml:channelProperties>
+          <inkml:channelProperty channel="X" name="resolution" value="1000" units="1/cm"/>
+          <inkml:channelProperty channel="Y" name="resolution" value="1000" units="1/cm"/>
+        </inkml:channelProperties>
+      </inkml:inkSource>
+      <inkml:timestamp xml:id="ts0" timeString="2023-01-07T03:34:10.326"/>
+    </inkml:context>
+    <inkml:brush xml:id="br0">
+      <inkml:brushProperty name="width" value="0.3" units="cm"/>
+      <inkml:brushProperty name="height" value="0.6" units="cm"/>
+      <inkml:brushProperty name="color" value="#FFFC00"/>
+      <inkml:brushProperty name="tip" value="rectangle"/>
+      <inkml:brushProperty name="rasterOp" value="maskPen"/>
+      <inkml:brushProperty name="ignorePressure" value="1"/>
+    </inkml:brush>
+  </inkml:definitions>
+  <inkml:trace contextRef="#ctx0" brushRef="#br0">1 1,'1176'0,"-1161"1,-1 0,1 2,-1-1,1 2,-1 0,15 7,12 2,-18-6,1-2,0-1,43 2,77-7,-74-1,51 1,-91 1</inkml:trace>
+</inkml:ink>
+</file>
+
+<file path=ppt/ink/ink18.xml><?xml version="1.0" encoding="utf-8"?>
+<inkml:ink xmlns:inkml="http://www.w3.org/2003/InkML">
+  <inkml:definitions>
+    <inkml:context xml:id="ctx0">
+      <inkml:inkSource xml:id="inkSrc0">
+        <inkml:traceFormat>
+          <inkml:channel name="X" type="integer" min="-2.14748E9" max="2.14748E9" units="cm"/>
+          <inkml:channel name="Y" type="integer" min="-2.14748E9" max="2.14748E9" units="cm"/>
+        </inkml:traceFormat>
+        <inkml:channelProperties>
+          <inkml:channelProperty channel="X" name="resolution" value="1000" units="1/cm"/>
+          <inkml:channelProperty channel="Y" name="resolution" value="1000" units="1/cm"/>
+        </inkml:channelProperties>
+      </inkml:inkSource>
+      <inkml:timestamp xml:id="ts0" timeString="2023-01-07T03:34:37.927"/>
+    </inkml:context>
+    <inkml:brush xml:id="br0">
+      <inkml:brushProperty name="width" value="0.3" units="cm"/>
+      <inkml:brushProperty name="height" value="0.6" units="cm"/>
+      <inkml:brushProperty name="color" value="#FFFC00"/>
+      <inkml:brushProperty name="tip" value="rectangle"/>
+      <inkml:brushProperty name="rasterOp" value="maskPen"/>
+      <inkml:brushProperty name="ignorePressure" value="1"/>
+    </inkml:brush>
+  </inkml:definitions>
+  <inkml:trace contextRef="#ctx0" brushRef="#br0">1 32,'141'-1,"165"3,-140 12,43 0,682-14,-380-1,-312 16,3 1,2083-16,-1028-2,-1213-1,-1-1,0-3,73-21,-34 7,-33 12,0 1,64 0,99 8,-82 2,364-2,-464 0</inkml:trace>
+</inkml:ink>
+</file>
+
+<file path=ppt/ink/ink19.xml><?xml version="1.0" encoding="utf-8"?>
+<inkml:ink xmlns:inkml="http://www.w3.org/2003/InkML">
+  <inkml:definitions>
+    <inkml:context xml:id="ctx0">
+      <inkml:inkSource xml:id="inkSrc0">
+        <inkml:traceFormat>
+          <inkml:channel name="X" type="integer" min="-2.14748E9" max="2.14748E9" units="cm"/>
+          <inkml:channel name="Y" type="integer" min="-2.14748E9" max="2.14748E9" units="cm"/>
+        </inkml:traceFormat>
+        <inkml:channelProperties>
+          <inkml:channelProperty channel="X" name="resolution" value="1000" units="1/cm"/>
+          <inkml:channelProperty channel="Y" name="resolution" value="1000" units="1/cm"/>
+        </inkml:channelProperties>
+      </inkml:inkSource>
       <inkml:timestamp xml:id="ts0" timeString="2023-01-06T07:46:09.404"/>
     </inkml:context>
     <inkml:brush xml:id="br0">
@@ -6316,7 +6690,761 @@
 </inkml:ink>
 </file>
 
-<file path=ppt/ink/ink10.xml><?xml version="1.0" encoding="utf-8"?>
+<file path=ppt/ink/ink2.xml><?xml version="1.0" encoding="utf-8"?>
+<inkml:ink xmlns:inkml="http://www.w3.org/2003/InkML">
+  <inkml:definitions>
+    <inkml:context xml:id="ctx0">
+      <inkml:inkSource xml:id="inkSrc0">
+        <inkml:traceFormat>
+          <inkml:channel name="X" type="integer" min="-2.14748E9" max="2.14748E9" units="cm"/>
+          <inkml:channel name="Y" type="integer" min="-2.14748E9" max="2.14748E9" units="cm"/>
+        </inkml:traceFormat>
+        <inkml:channelProperties>
+          <inkml:channelProperty channel="X" name="resolution" value="1000" units="1/cm"/>
+          <inkml:channelProperty channel="Y" name="resolution" value="1000" units="1/cm"/>
+        </inkml:channelProperties>
+      </inkml:inkSource>
+      <inkml:timestamp xml:id="ts0" timeString="2023-01-07T03:25:13.707"/>
+    </inkml:context>
+    <inkml:brush xml:id="br0">
+      <inkml:brushProperty name="width" value="0.3" units="cm"/>
+      <inkml:brushProperty name="height" value="0.6" units="cm"/>
+      <inkml:brushProperty name="color" value="#FFFC00"/>
+      <inkml:brushProperty name="tip" value="rectangle"/>
+      <inkml:brushProperty name="rasterOp" value="maskPen"/>
+      <inkml:brushProperty name="ignorePressure" value="1"/>
+    </inkml:brush>
+  </inkml:definitions>
+  <inkml:trace contextRef="#ctx0" brushRef="#br0">0 29,'460'0,"-397"3,82 14,-102-10,26 4,49 6,13-3,43 2,-54-16,40 1,-143 1,0 1,-1 1,0 0,0 1,16 7,-7-2,27 6,38 0,121 8,-54-9,-7 2,157-1,1033-18,-791 2,-474-3,125-23,41-3,-96 15,11-1,185 15,-151 1,-33-13,-55 2,-38 3,76-18,-84 13,1 3,61-3,371 12,-212 2,496-2,-559-15,-25 1,-151 12,47-10,28-2,283 12,-202 4,-165-4,0-1,31-6,12-3,-48 10</inkml:trace>
+</inkml:ink>
+</file>
+
+<file path=ppt/ink/ink20.xml><?xml version="1.0" encoding="utf-8"?>
+<inkml:ink xmlns:inkml="http://www.w3.org/2003/InkML">
+  <inkml:definitions>
+    <inkml:context xml:id="ctx0">
+      <inkml:inkSource xml:id="inkSrc0">
+        <inkml:traceFormat>
+          <inkml:channel name="X" type="integer" min="-2.14748E9" max="2.14748E9" units="cm"/>
+          <inkml:channel name="Y" type="integer" min="-2.14748E9" max="2.14748E9" units="cm"/>
+        </inkml:traceFormat>
+        <inkml:channelProperties>
+          <inkml:channelProperty channel="X" name="resolution" value="1000" units="1/cm"/>
+          <inkml:channelProperty channel="Y" name="resolution" value="1000" units="1/cm"/>
+        </inkml:channelProperties>
+      </inkml:inkSource>
+      <inkml:timestamp xml:id="ts0" timeString="2023-01-06T07:46:24.205"/>
+    </inkml:context>
+    <inkml:brush xml:id="br0">
+      <inkml:brushProperty name="width" value="0.3" units="cm"/>
+      <inkml:brushProperty name="height" value="0.6" units="cm"/>
+      <inkml:brushProperty name="color" value="#FFFC00"/>
+      <inkml:brushProperty name="tip" value="rectangle"/>
+      <inkml:brushProperty name="rasterOp" value="maskPen"/>
+      <inkml:brushProperty name="ignorePressure" value="1"/>
+    </inkml:brush>
+  </inkml:definitions>
+  <inkml:trace contextRef="#ctx0" brushRef="#br0">1 2474,'13'-1,"1"-1,-1 0,0-1,0 0,0-1,15-6,26-8,-27 10,-1-1,0-2,48-26,65-53,-88 54,88-46,-64 45,-23 10,108-40,-144 62,11-4,1 2,0 0,45-5,-49 10,-1-2,0-1,28-10,17-3,270-40,-240 49,175 6,-135 5,-50-4,0-5,135-27,166-71,-332 86,145-44,-155 49,-1-3,83-41,-29 11,-59 32,0 2,46-9,-5 1,-1 0,106-12,85 5,107-16,-190-6,-72 15,145-53,-101 30,269-107,-375 140,73-46,-75 39,81-34,4-2,325-193,-358 199,-65 37,1 1,1 2,47-17,-34 24,0 2,98-10,-78 18,-54 5,-1-1,1 0,0-2,24-6,8-8,200-56,-215 66,1 2,-1 1,1 2,41 4,-35 0,0-3,61-8,-1-2,-68 8,65-13,-78 10</inkml:trace>
+</inkml:ink>
+</file>
+
+<file path=ppt/ink/ink21.xml><?xml version="1.0" encoding="utf-8"?>
+<inkml:ink xmlns:inkml="http://www.w3.org/2003/InkML">
+  <inkml:definitions>
+    <inkml:context xml:id="ctx0">
+      <inkml:inkSource xml:id="inkSrc0">
+        <inkml:traceFormat>
+          <inkml:channel name="X" type="integer" min="-2.14748E9" max="2.14748E9" units="cm"/>
+          <inkml:channel name="Y" type="integer" min="-2.14748E9" max="2.14748E9" units="cm"/>
+        </inkml:traceFormat>
+        <inkml:channelProperties>
+          <inkml:channelProperty channel="X" name="resolution" value="1000" units="1/cm"/>
+          <inkml:channelProperty channel="Y" name="resolution" value="1000" units="1/cm"/>
+        </inkml:channelProperties>
+      </inkml:inkSource>
+      <inkml:timestamp xml:id="ts0" timeString="2023-01-06T07:46:33.100"/>
+    </inkml:context>
+    <inkml:brush xml:id="br0">
+      <inkml:brushProperty name="width" value="0.3" units="cm"/>
+      <inkml:brushProperty name="height" value="0.6" units="cm"/>
+      <inkml:brushProperty name="color" value="#00F900"/>
+      <inkml:brushProperty name="tip" value="rectangle"/>
+      <inkml:brushProperty name="rasterOp" value="maskPen"/>
+      <inkml:brushProperty name="ignorePressure" value="1"/>
+    </inkml:brush>
+  </inkml:definitions>
+  <inkml:trace contextRef="#ctx0" brushRef="#br0">1 189,'176'-15,"1"-1,279 18,-435-4,-1 0,0-1,0-1,31-11,-26 7,0 2,40-6,434 4,-283 11,2963-4,-3126 4,59 9,37 3,-124-14,-1 2,0 0,33 9,67 28,-114-36,33 9,1-1,1-2,0-3,60 4,184-10,-133-4,371 3,-492-2,-1-2,1-1,49-14,-48 10,1 2,66-6,-51 12,-7 0,89-12,82-23,90-17,-249 40,-26 5,1 2,61-5,68-3,16 0,818 12,-472 4,-369 0,172-5,-241-7,-49 4</inkml:trace>
+</inkml:ink>
+</file>
+
+<file path=ppt/ink/ink22.xml><?xml version="1.0" encoding="utf-8"?>
+<inkml:ink xmlns:inkml="http://www.w3.org/2003/InkML">
+  <inkml:definitions>
+    <inkml:context xml:id="ctx0">
+      <inkml:inkSource xml:id="inkSrc0">
+        <inkml:traceFormat>
+          <inkml:channel name="X" type="integer" min="-2.14748E9" max="2.14748E9" units="cm"/>
+          <inkml:channel name="Y" type="integer" min="-2.14748E9" max="2.14748E9" units="cm"/>
+        </inkml:traceFormat>
+        <inkml:channelProperties>
+          <inkml:channelProperty channel="X" name="resolution" value="1000" units="1/cm"/>
+          <inkml:channelProperty channel="Y" name="resolution" value="1000" units="1/cm"/>
+        </inkml:channelProperties>
+      </inkml:inkSource>
+      <inkml:timestamp xml:id="ts0" timeString="2023-01-07T03:39:16.359"/>
+    </inkml:context>
+    <inkml:brush xml:id="br0">
+      <inkml:brushProperty name="width" value="0.3" units="cm"/>
+      <inkml:brushProperty name="height" value="0.6" units="cm"/>
+      <inkml:brushProperty name="color" value="#FFFC00"/>
+      <inkml:brushProperty name="tip" value="rectangle"/>
+      <inkml:brushProperty name="rasterOp" value="maskPen"/>
+      <inkml:brushProperty name="ignorePressure" value="1"/>
+    </inkml:brush>
+  </inkml:definitions>
+  <inkml:trace contextRef="#ctx0" brushRef="#br0">1887 3058,'-113'1,"-235"-7,279 0,1-2,0-3,-70-22,136 33,-238-77,186 57,2-3,-71-41,-25-36,25 16,95 66,0-1,1-1,-33-33,50 42,0 0,1 0,1-1,0 0,0-1,1 0,0 0,2 0,-1-1,-4-19,-24-94,13 53,3 0,-10-90,20-335,10 308,-3-3,4-169,-3 343,1 1,1 0,1 0,1 0,1 0,0 1,1-1,1 1,14-25,-8 24,0 1,1 0,1 1,1 1,1 0,0 1,0 1,2 1,0 1,0 0,40-17,9 3,1 2,97-18,-45 12,274-63,-281 73,177-7,108 27,-211 3,-163-2,0 1,0 1,-1 1,1 2,-1 0,0 1,40 19,-28-8,-2 1,-1 2,0 1,35 32,-49-37,-1 1,0 1,-2 1,0 0,-1 1,-2 0,0 1,18 42,148 288,-165-326,-2 1,-1 0,-1 0,-2 1,0 1,-2-1,3 36,0 204,-9-268,-2 34,0-1,-3 0,0 0,-3 0,0-1,-16 37,8-29,-3-2,-1 0,-1-1,-38 49,33-56,-2 0,-2-2,0-1,-43 28,-10 9,22-14,-2-3,-85 47,107-68,2 2,0 1,-40 42,-46 34,-41 8,-56 44,147-101,47-39</inkml:trace>
+</inkml:ink>
+</file>
+
+<file path=ppt/ink/ink23.xml><?xml version="1.0" encoding="utf-8"?>
+<inkml:ink xmlns:inkml="http://www.w3.org/2003/InkML">
+  <inkml:definitions>
+    <inkml:context xml:id="ctx0">
+      <inkml:inkSource xml:id="inkSrc0">
+        <inkml:traceFormat>
+          <inkml:channel name="X" type="integer" min="-2.14748E9" max="2.14748E9" units="cm"/>
+          <inkml:channel name="Y" type="integer" min="-2.14748E9" max="2.14748E9" units="cm"/>
+        </inkml:traceFormat>
+        <inkml:channelProperties>
+          <inkml:channelProperty channel="X" name="resolution" value="1000" units="1/cm"/>
+          <inkml:channelProperty channel="Y" name="resolution" value="1000" units="1/cm"/>
+        </inkml:channelProperties>
+      </inkml:inkSource>
+      <inkml:timestamp xml:id="ts0" timeString="2023-01-07T03:39:18.350"/>
+    </inkml:context>
+    <inkml:brush xml:id="br0">
+      <inkml:brushProperty name="width" value="0.3" units="cm"/>
+      <inkml:brushProperty name="height" value="0.6" units="cm"/>
+      <inkml:brushProperty name="color" value="#FFFC00"/>
+      <inkml:brushProperty name="tip" value="rectangle"/>
+      <inkml:brushProperty name="rasterOp" value="maskPen"/>
+      <inkml:brushProperty name="ignorePressure" value="1"/>
+    </inkml:brush>
+  </inkml:definitions>
+  <inkml:trace contextRef="#ctx0" brushRef="#br0">1944 2541,'-30'2,"-53"8,4 1,-440-2,311-11,204 2,-308-5,211-1,-109-21,77-4,112 24,0-1,1-1,0 0,-21-15,30 18,0-2,1 1,0-1,-16-18,21 19,0 1,0-1,1-1,0 1,0-1,1 1,0-1,-3-14,-5-26,3-1,-4-72,9-104,3 164,0-58,3-245,-1 305,3 0,2 0,3 0,3 1,2 0,3 2,2 0,53-104,-35 92,4 1,58-71,-76 110,1 0,1 2,2 1,0 1,1 1,61-34,-55 39,2 2,56-18,79-11,-123 33,47-9,152-12,100 15,-126 9,-174 6,210-2,-247 6,1 1,-1 1,0-1,0 2,0 0,0 0,0 1,-1 0,0 1,15 10,6 8,47 48,-70-65,4 5,62 59,76 97,-138-151,-1 0,-1 0,-1 1,0 1,-1-1,-1 1,-1 0,-1 1,0 0,3 36,-4 11,-9 129,-1-81,1-43,-2-1,-4-1,-2 1,-4-2,-38 102,-52 155,92-277,-1-1,-1 0,-3-2,-2-1,-2 0,-1-2,-3-1,-1-1,-2-1,-47 46,64-73,-1-1,0 0,-1-1,-1-1,0 0,-28 11,-115 34,156-53,-413 106,121-34,291-72,-35 8,1 2,-59 27,88-35,0 2,0-1,1 1,0 0,0 1,1 0,0 1,0 0,0 0,1 0,1 1,-1 0,1 1,-7 14,-4 24</inkml:trace>
+</inkml:ink>
+</file>
+
+<file path=ppt/ink/ink24.xml><?xml version="1.0" encoding="utf-8"?>
+<inkml:ink xmlns:inkml="http://www.w3.org/2003/InkML">
+  <inkml:definitions>
+    <inkml:context xml:id="ctx0">
+      <inkml:inkSource xml:id="inkSrc0">
+        <inkml:traceFormat>
+          <inkml:channel name="X" type="integer" min="-2.14748E9" max="2.14748E9" units="cm"/>
+          <inkml:channel name="Y" type="integer" min="-2.14748E9" max="2.14748E9" units="cm"/>
+        </inkml:traceFormat>
+        <inkml:channelProperties>
+          <inkml:channelProperty channel="X" name="resolution" value="1000" units="1/cm"/>
+          <inkml:channelProperty channel="Y" name="resolution" value="1000" units="1/cm"/>
+        </inkml:channelProperties>
+      </inkml:inkSource>
+      <inkml:timestamp xml:id="ts0" timeString="2023-01-07T03:39:20.561"/>
+    </inkml:context>
+    <inkml:brush xml:id="br0">
+      <inkml:brushProperty name="width" value="0.3" units="cm"/>
+      <inkml:brushProperty name="height" value="0.6" units="cm"/>
+      <inkml:brushProperty name="color" value="#FFFC00"/>
+      <inkml:brushProperty name="tip" value="rectangle"/>
+      <inkml:brushProperty name="rasterOp" value="maskPen"/>
+      <inkml:brushProperty name="ignorePressure" value="1"/>
+    </inkml:brush>
+  </inkml:definitions>
+  <inkml:trace contextRef="#ctx0" brushRef="#br0">1572 2119,'0'2,"-1"1,1 0,0-1,-1 1,1 0,-1-1,0 1,0-1,0 1,0-1,0 0,0 1,-1-1,1 0,-1 0,-3 3,2-1,-1-1,0 0,0 0,0-1,-1 1,1-1,0 0,-7 2,-6 1,0-1,0-1,-1-1,-16 1,-382-1,233-4,152 1,-69 2,-149-21,239 19,-1-1,1-1,0 0,0 0,0-1,0 0,1-1,0 0,-1 0,2-1,-1 0,1-1,-12-11,-19-21,-67-51,98 85,-1-1,2 0,-1-1,1 0,0 0,0 0,1-1,0 0,0 0,1-1,0 0,0 0,-3-10,-4-30,1 0,3 0,-3-62,8-154,4 183,0 49,2 1,12-60,27-60,-18 68,-7 13,-9 35,14-39,-10 44,0 1,2 0,2 0,0 2,2 0,34-41,-25 37,109-116,-112 125,1 1,0 1,2 1,31-16,0 3,82-31,-115 54,0 2,1 1,0 1,0 1,1 1,34 0,631 10,-637-5,-1 3,0 3,0 1,71 22,-60-12,102 32,-134-38,-1 1,58 33,-71-34,-1 1,-1 1,0 0,-1 2,-1-1,0 2,-1 0,-1 1,0 0,-1 1,-2 0,15 34,-14-22,-1 0,-1 0,-2 1,-1-1,2 37,-4 1,-7 93,0-133,-1 0,-1 1,-2-2,-1 1,-1-1,-18 39,-92 148,115-209,-44 68,-61 73,-67 57,94-111,63-71,-5 7,-2 0,-1-2,-1 0,-46 32,7-18,-3-3,-109 44,82-36,65-28,-1-3,-53 19,54-27</inkml:trace>
+</inkml:ink>
+</file>
+
+<file path=ppt/ink/ink25.xml><?xml version="1.0" encoding="utf-8"?>
+<inkml:ink xmlns:inkml="http://www.w3.org/2003/InkML">
+  <inkml:definitions>
+    <inkml:context xml:id="ctx0">
+      <inkml:inkSource xml:id="inkSrc0">
+        <inkml:traceFormat>
+          <inkml:channel name="X" type="integer" min="-2.14748E9" max="2.14748E9" units="cm"/>
+          <inkml:channel name="Y" type="integer" min="-2.14748E9" max="2.14748E9" units="cm"/>
+        </inkml:traceFormat>
+        <inkml:channelProperties>
+          <inkml:channelProperty channel="X" name="resolution" value="1000" units="1/cm"/>
+          <inkml:channelProperty channel="Y" name="resolution" value="1000" units="1/cm"/>
+        </inkml:channelProperties>
+      </inkml:inkSource>
+      <inkml:timestamp xml:id="ts0" timeString="2023-01-07T03:39:35.948"/>
+    </inkml:context>
+    <inkml:brush xml:id="br0">
+      <inkml:brushProperty name="width" value="0.3" units="cm"/>
+      <inkml:brushProperty name="height" value="0.6" units="cm"/>
+      <inkml:brushProperty name="color" value="#00F900"/>
+      <inkml:brushProperty name="tip" value="rectangle"/>
+      <inkml:brushProperty name="rasterOp" value="maskPen"/>
+      <inkml:brushProperty name="ignorePressure" value="1"/>
+    </inkml:brush>
+  </inkml:definitions>
+  <inkml:trace contextRef="#ctx0" brushRef="#br0">2086 2428,'-2'-3,"-1"1,0 0,0 0,-1 0,1 1,0-1,-1 1,1-1,0 1,-8-1,-37-3,33 4,-368-3,220 5,-433 0,565-2,1 0,-1-2,1-2,0-1,0 0,0-3,-49-20,-6-5,-39-18,111 45,0-1,0 0,1-1,0 0,0-1,-18-21,10 4,1-1,2-1,1-1,-24-61,33 74,-6-18,1 0,-11-61,-3-75,-3-50,23 176,2 0,2-1,4-47,1 62,1 1,2-1,0 1,3 0,14-38,13-11,3 3,62-91,-73 130,1 1,2 1,35-30,-30 30,-2 3,2 1,2 2,0 2,81-42,-35 28,134-44,-166 68,1 3,1 1,0 3,99-5,31 1,43-1,4 25,-186-5,-1 3,1 1,46 18,-53-12,-1 2,0 2,-1 1,37 28,-73-47,88 50,-59-36,-1 1,32 25,-51-34,0 1,-1 0,0 0,-1 1,1 0,-2 0,1 1,-1 0,-1 0,6 13,-4-1,-2 1,0-1,-1 1,2 38,7 42,-4-60,-1 0,2 58,-10-79,-1-1,0 0,-2 1,0-1,-1-1,-13 38,-4-9,-41 71,-4 8,42-80,-1-1,-3-1,-56 71,-118 115,190-219,-63 58,53-51,0 0,1 2,-23 31,3 8,-30 42,62-92,-1 1,0-2,-1 1,0-2,-1 1,-14 8,1-5</inkml:trace>
+</inkml:ink>
+</file>
+
+<file path=ppt/ink/ink26.xml><?xml version="1.0" encoding="utf-8"?>
+<inkml:ink xmlns:inkml="http://www.w3.org/2003/InkML">
+  <inkml:definitions>
+    <inkml:context xml:id="ctx0">
+      <inkml:inkSource xml:id="inkSrc0">
+        <inkml:traceFormat>
+          <inkml:channel name="X" type="integer" min="-2.14748E9" max="2.14748E9" units="cm"/>
+          <inkml:channel name="Y" type="integer" min="-2.14748E9" max="2.14748E9" units="cm"/>
+        </inkml:traceFormat>
+        <inkml:channelProperties>
+          <inkml:channelProperty channel="X" name="resolution" value="1000" units="1/cm"/>
+          <inkml:channelProperty channel="Y" name="resolution" value="1000" units="1/cm"/>
+        </inkml:channelProperties>
+      </inkml:inkSource>
+      <inkml:timestamp xml:id="ts0" timeString="2023-01-06T08:33:57.845"/>
+    </inkml:context>
+    <inkml:brush xml:id="br0">
+      <inkml:brushProperty name="width" value="0.3" units="cm"/>
+      <inkml:brushProperty name="height" value="0.6" units="cm"/>
+      <inkml:brushProperty name="color" value="#FFFC00"/>
+      <inkml:brushProperty name="tip" value="rectangle"/>
+      <inkml:brushProperty name="rasterOp" value="maskPen"/>
+      <inkml:brushProperty name="ignorePressure" value="1"/>
+    </inkml:brush>
+  </inkml:definitions>
+  <inkml:trace contextRef="#ctx0" brushRef="#br0">0 0,'690'0,"-660"2,0 1,1 2,45 13,-36-9,46 7,25-3,166 10,-250-24,0 2,0 1,0 1,0 1,51 15,-50-11,1-1,0-1,0-1,37 1,122-6,-105-2,159-11,-109 1,44-7,-104 10,81-1,76 11,-78 1,-141-2,0 1,-1 0,1 1,0-1,-1 2,1 0,-1 0,0 1,0 0,0 1,-1 0,1 0,8 7,36 28,79 74,41 62,-153-155,1-1,0-1,1-1,1-1,1-2,0 0,32 13,-46-23,161 76,-135-61,-1 1,51 40,-64-41,-7-7,-1 0,2-1,35 19,-12-12,0 2,-1 1,-1 2,40 33,90 67,-45-37,-78-53,236 197,-260-212,1-1,45 29,129 89,-162-114,-1 2,0 1,-2 2,-1 1,42 50,-68-71,1-1,0 0,1-1,-1 1,1-1,10 7,-13-10,0-1,0 1,0-1,1 0,-1 0,0 0,0-1,1 1,-1-1,0 0,1 0,-1 0,0 0,1 0,-1-1,0 1,1-1,3-2,12-4,0-2,34-20,17-8,-24 19,78-18,-80 25,0-2,54-23,-78 25,30-21,-30 18,28-13,-25 15,-1 0,0-2,0 0,-2-2,1 0,-2-1,18-21,-17 19,1 2,0 0,1 0,45-24,-5-2,-43 27,27-15,48-18,164-61,-235 100,-1-1,0-1,34-25,-35 22,0 1,0 1,36-15,1 7,-12 4,-1-1,62-35,80-54,244-101,-379 185,0-3,-1-3,83-61,-82 43,-39 34,1 0,26-19,-26 24,0 0,0 0,1 1,0 1,0 1,20-6,-27 10,-1-1,1 1,-1 1,1-1,-1 1,1 1,-1-1,1 1,-1 1,1-1,-1 1,0 0,0 1,0 0,11 6,5 6,41 36,-11-7,48 28,3-4,142 69,-201-115,-2 2,0 2,-2 2,0 2,58 56,-9 9,47 46,37 38,-99-100,12 13,-74-76,-1 1,0 0,-1 0,9 21,-8-11,33 63,-37-78,-1-1,2 0,-1 0,1-1,16 14,30 23,71 78,-123-121,121 144,-92-106,44 78,-52-74,2-2,63 81,168 162,-200-223,-35-42,-1 1,-1 1,-1 1,-2 0,19 36,-17-13,8 17,-24-58,1-1,0 1,0-1,0 0,1 0,9 9,-12-14,0 1,0-1,0 0,1 1,-1-1,0 0,0-1,1 1,-1 0,1-1,-1 1,0-1,1 1,-1-1,1 0,-1 0,1-1,-1 1,1 0,-1-1,1 1,-1-1,0 0,1 0,-1 0,0 0,0 0,0-1,3-1,4-3,-1-1,1 1,-1-2,-1 1,11-14,-5 3,-1 0,-1 0,17-38,20-68,-9 21,-24 66,2 1,1 1,32-47,-18 39,22-32,2 4,83-82,-125 140,1 1,0 1,1 1,31-16,72-23,-73 31,44-22,-17-1,80-60,4-7,-124 88,1 1,70-27,-62 29,-1-3,-1-1,71-50,-65 39,120-67,46-32,-63 12,10-6,-78 75,-56 36,0-1,-1-1,23-21,-14 10,47-30,-40 30,-2 2</inkml:trace>
+</inkml:ink>
+</file>
+
+<file path=ppt/ink/ink27.xml><?xml version="1.0" encoding="utf-8"?>
+<inkml:ink xmlns:inkml="http://www.w3.org/2003/InkML">
+  <inkml:definitions>
+    <inkml:context xml:id="ctx0">
+      <inkml:inkSource xml:id="inkSrc0">
+        <inkml:traceFormat>
+          <inkml:channel name="X" type="integer" min="-2.14748E9" max="2.14748E9" units="cm"/>
+          <inkml:channel name="Y" type="integer" min="-2.14748E9" max="2.14748E9" units="cm"/>
+        </inkml:traceFormat>
+        <inkml:channelProperties>
+          <inkml:channelProperty channel="X" name="resolution" value="1000" units="1/cm"/>
+          <inkml:channelProperty channel="Y" name="resolution" value="1000" units="1/cm"/>
+        </inkml:channelProperties>
+      </inkml:inkSource>
+      <inkml:timestamp xml:id="ts0" timeString="2023-01-06T08:34:09.237"/>
+    </inkml:context>
+    <inkml:brush xml:id="br0">
+      <inkml:brushProperty name="width" value="0.3" units="cm"/>
+      <inkml:brushProperty name="height" value="0.6" units="cm"/>
+      <inkml:brushProperty name="color" value="#FF2500"/>
+      <inkml:brushProperty name="tip" value="rectangle"/>
+      <inkml:brushProperty name="rasterOp" value="maskPen"/>
+      <inkml:brushProperty name="ignorePressure" value="1"/>
+    </inkml:brush>
+  </inkml:definitions>
+  <inkml:trace contextRef="#ctx0" brushRef="#br0">0 321,'1104'0,"-862"16,-2-1,1147-16,-1340 4,0 2,83 19,-29-4,589 127,-643-136,-10-2,52 18,195 71,-239-83,-2 2,60 32,-68-31,1 0,1-3,1-1,44 10,211 28,-199-35,-49-10,63 19,-66-13,80 38,-103-40,0 0,-1 0,0 2,-1 0,-1 1,18 20,-30-30,5 7,2 0,-1-1,1 0,20 13,-28-21,1 0,0 0,-1 0,1 0,0-1,0 0,0 0,0 0,0 0,0-1,0 1,0-1,0 0,0 0,0-1,0 1,0-1,0 0,0 0,0 0,0-1,3-1,78-38,80-37,-124 61,98-45,-112 48,0-2,-1 0,25-22,-16 9,-13 10,1 0,41-25,95-35,44-26,-192 99,17-12,39-18,-56 31,0 1,0 0,1 1,0 0,-1 1,1 0,14 0,0 1,1-2,-1-1,0-1,0-1,0-2,46-19,-45 17,0 2,45-9,-40 11,40-14,15-6,1 4,111-14,-50 10,-68 7,96-37,38-9,-195 59,1 0,-1-1,-1-2,21-10,70-49,-103 64,23-19,14-9,-41 31,0-1,1 0,-1 1,1 0,-1-1,1 1,-1 1,1-1,0 1,-1-1,8 1,-2 2,0 0,0 0,-1 1,1 0,-1 0,0 1,0 0,0 0,0 1,12 10,3 5,40 43,-9 2,53 83,43 53,-128-177,0 0,2-2,0-1,2-1,51 32,91 30,-32-18,-103-47,10 5,43 29,-64-36,1-1,0-1,1-1,1-1,36 11,149 36,31 9,-61-3,-59-19,63 21,191 61,-233-83,-116-34,-1 1,1 2,28 19,-7-5,95 41,-48-25,-42-11,-45-26,1-1,0 0,0 0,1-1,-1 0,1 0,0-1,18 4,-19-5,1-1,-1 0,1 0,-1-1,1-1,-1 1,1-1,-1-1,1 1,-1-1,0-1,0 0,0 0,0 0,12-8,137-92,-135 85,-1 0,0-1,-1-1,29-39,48-56,-64 80,-2-2,26-41,-47 61,-2-1,0 0,-1-1,6-21,-8 22,0 0,1 1,2 0,-1 0,12-17,-4 15,0 0,1 1,0 1,2 0,0 1,35-23,-27 20,-6 4,1 1,0 0,1 2,41-18,-34 21,-1-2,0-1,48-29,299-172,-333 190,5-4,74-59,-79 54,88-52,68-29,-165 90,68-45,-76 48</inkml:trace>
+</inkml:ink>
+</file>
+
+<file path=ppt/ink/ink28.xml><?xml version="1.0" encoding="utf-8"?>
+<inkml:ink xmlns:inkml="http://www.w3.org/2003/InkML">
+  <inkml:definitions>
+    <inkml:context xml:id="ctx0">
+      <inkml:inkSource xml:id="inkSrc0">
+        <inkml:traceFormat>
+          <inkml:channel name="X" type="integer" min="-2.14748E9" max="2.14748E9" units="cm"/>
+          <inkml:channel name="Y" type="integer" min="-2.14748E9" max="2.14748E9" units="cm"/>
+        </inkml:traceFormat>
+        <inkml:channelProperties>
+          <inkml:channelProperty channel="X" name="resolution" value="1000" units="1/cm"/>
+          <inkml:channelProperty channel="Y" name="resolution" value="1000" units="1/cm"/>
+        </inkml:channelProperties>
+      </inkml:inkSource>
+      <inkml:timestamp xml:id="ts0" timeString="2023-01-06T08:35:04.489"/>
+    </inkml:context>
+    <inkml:brush xml:id="br0">
+      <inkml:brushProperty name="width" value="0.3" units="cm"/>
+      <inkml:brushProperty name="height" value="0.6" units="cm"/>
+      <inkml:brushProperty name="color" value="#00FDFF"/>
+      <inkml:brushProperty name="tip" value="rectangle"/>
+      <inkml:brushProperty name="rasterOp" value="maskPen"/>
+      <inkml:brushProperty name="ignorePressure" value="1"/>
+    </inkml:brush>
+  </inkml:definitions>
+  <inkml:trace contextRef="#ctx0" brushRef="#br0">1 4220,'209'-14,"-6"-1,-173 15,14 1,-1-2,1-2,69-14,-68 5,35-9,105-13,-109 24,76-6,-94 15,1 0,-1-2,82-15,101-18,-94 11,0 0,-19 8,-107 13,0-1,-1-1,0-1,20-10,117-52,-125 57,1 2,0 1,34-4,60 0,-78 10,1-2,73-19,-28 3,1 4,125-6,22-3,-154 15,-52 8,-1-2,1-2,64-20,68-42,-134 52,0-1,52-38,3-7,115-62,-175 111,0 1,62-16,-6 2,143-38,-20 6,56-25,-133 46,-29 10,-75 20,-1 0,0-2,-1-2,0 0,-1-1,28-20,-10-1,-2-1,-1-2,67-81,20-52,-55 73,29-44,-33 42,-5 7,-33 45,4-6,34-71,-56 102,0 0,2 1,23-27,-16 20,19-30,78-120,-81 131,70-69,-22 27,6-17,-36 39,111-103,3 32,-126 106,2 3,51-26,191-65,-251 104,-1-1,0-3,-2 0,54-45,37-15,-58 41,-40 24,1 1,47-16,-46 19,0 0,41-25,-60 30,0 0,0 1,1 0,-1 1,1 0,1 0,-1 1,0 0,1 1,0 0,-1 1,1 0,0 1,0 0,-1 0,1 1,0 1,20 5,-11-1,0 1,0 1,-1 1,0 1,-1 1,34 25,93 95,-51-41,145 92,-145-114,-33-20,-2 3,54 59,45 85,-78-90,-26-36,62 73,45 9,-62-63,-40-26,-2 2,-3 2,71 115,-102-150,2-1,0-1,2-1,37 29,51 53,-25-11,124 144,-193-220,2 0,1-2,37 28,3 1,-55-42,0 0,0-1,0 0,1-1,0 0,1 0,-1-1,1-1,0 0,0 0,0-1,14 2,56 1,138-9,-89-2,89 19,-62-2,352-8,-299-5,-190 0,0-2,0 0,-1-1,1-1,-1-1,28-13,-24 10,0 1,0 0,46-7,20 9,95 5,-8 1,-143-3,-1-2,0-2,0 0,0-2,35-16,-31 11,1 2,1 2,40-6,-48 12,3 0,1-1,-1-1,40-14,-49 12,-1-1,-1-2,0 0,0-1,21-17,-14 8,62-49,-79 61,-2-1,1-1,-2 0,1 0,11-20,-18 23,1 1,-1-2,0 1,-1 0,0 0,0-1,-1 1,0-1,-1 0,0 1,0-1,0 1,-1-1,-1 0,-2-8,-5-16</inkml:trace>
+</inkml:ink>
+</file>
+
+<file path=ppt/ink/ink29.xml><?xml version="1.0" encoding="utf-8"?>
+<inkml:ink xmlns:inkml="http://www.w3.org/2003/InkML">
+  <inkml:definitions>
+    <inkml:context xml:id="ctx0">
+      <inkml:inkSource xml:id="inkSrc0">
+        <inkml:traceFormat>
+          <inkml:channel name="X" type="integer" min="-2.14748E9" max="2.14748E9" units="cm"/>
+          <inkml:channel name="Y" type="integer" min="-2.14748E9" max="2.14748E9" units="cm"/>
+        </inkml:traceFormat>
+        <inkml:channelProperties>
+          <inkml:channelProperty channel="X" name="resolution" value="1000" units="1/cm"/>
+          <inkml:channelProperty channel="Y" name="resolution" value="1000" units="1/cm"/>
+        </inkml:channelProperties>
+      </inkml:inkSource>
+      <inkml:timestamp xml:id="ts0" timeString="2023-01-06T08:35:24.533"/>
+    </inkml:context>
+    <inkml:brush xml:id="br0">
+      <inkml:brushProperty name="width" value="0.3" units="cm"/>
+      <inkml:brushProperty name="height" value="0.6" units="cm"/>
+      <inkml:brushProperty name="color" value="#00F900"/>
+      <inkml:brushProperty name="tip" value="rectangle"/>
+      <inkml:brushProperty name="rasterOp" value="maskPen"/>
+      <inkml:brushProperty name="ignorePressure" value="1"/>
+    </inkml:brush>
+  </inkml:definitions>
+  <inkml:trace contextRef="#ctx0" brushRef="#br0">1 1,'51'0,"0"2,70 12,1 16,-82-18,1-2,1-2,69 5,-34-8,0 3,98 24,-49-7,-61-17,98 1,-61-6,-56 0,87 3,218 40,-335-42,25 4,-1 2,62 24,-21-2,2-4,1-3,90 13,-53-12,-52-10,1-3,130 8,12-24,105 3,-179 13,35 2,98-17,107 4,-28 36,-254-24,121 35,-71-13,256 66,-367-90,0-2,1-1,0-2,53 4,164 17,-164-15,119 2,-139-15,128-2,-153-1,-1-2,63-15,-23 1,0 4,1 4,126-2,283 13,-219 1,-237-3,-1-2,0-2,41-11,-4 1,55-12,58-11,-87 24,196-3,-263 17,60-10,-59 5,62-1,-1 13,147 28,-166-21,19 2,0 4,98 35,-178-49,211 69,-181-63,1-1,0-3,58 3,322-10,-168-3,287 3,-525 1,0 2,0 0,0 0,-1 2,21 7,-17-4,1-2,42 7,228-8,-170-7,-88 1,-1-2,1-1,49-13,99-38,-45 11,-65 25,-15 4,-2-1,93-42,-62 16,2 3,2 5,164-41,27-6,10 2,-249 71,1 3,0 1,75 4,27-1,-114-3,-1 0,50-14,-48 8</inkml:trace>
+</inkml:ink>
+</file>
+
+<file path=ppt/ink/ink3.xml><?xml version="1.0" encoding="utf-8"?>
+<inkml:ink xmlns:inkml="http://www.w3.org/2003/InkML">
+  <inkml:definitions>
+    <inkml:context xml:id="ctx0">
+      <inkml:inkSource xml:id="inkSrc0">
+        <inkml:traceFormat>
+          <inkml:channel name="X" type="integer" min="-2.14748E9" max="2.14748E9" units="cm"/>
+          <inkml:channel name="Y" type="integer" min="-2.14748E9" max="2.14748E9" units="cm"/>
+        </inkml:traceFormat>
+        <inkml:channelProperties>
+          <inkml:channelProperty channel="X" name="resolution" value="1000" units="1/cm"/>
+          <inkml:channelProperty channel="Y" name="resolution" value="1000" units="1/cm"/>
+        </inkml:channelProperties>
+      </inkml:inkSource>
+      <inkml:timestamp xml:id="ts0" timeString="2023-01-07T03:25:17.788"/>
+    </inkml:context>
+    <inkml:brush xml:id="br0">
+      <inkml:brushProperty name="width" value="0.3" units="cm"/>
+      <inkml:brushProperty name="height" value="0.6" units="cm"/>
+      <inkml:brushProperty name="color" value="#FFFC00"/>
+      <inkml:brushProperty name="tip" value="rectangle"/>
+      <inkml:brushProperty name="rasterOp" value="maskPen"/>
+      <inkml:brushProperty name="ignorePressure" value="1"/>
+    </inkml:brush>
+  </inkml:definitions>
+  <inkml:trace contextRef="#ctx0" brushRef="#br0">1 129,'592'0,"-563"-2,0-1,31-6,41-5,341 11,-227 6,386-4,-578 0,-1-2,0-1,-1-1,1 0,-1-2,25-11,-21 8,1 1,-1 2,52-9,27 7,-74 4</inkml:trace>
+</inkml:ink>
+</file>
+
+<file path=ppt/ink/ink30.xml><?xml version="1.0" encoding="utf-8"?>
+<inkml:ink xmlns:inkml="http://www.w3.org/2003/InkML">
+  <inkml:definitions>
+    <inkml:context xml:id="ctx0">
+      <inkml:inkSource xml:id="inkSrc0">
+        <inkml:traceFormat>
+          <inkml:channel name="X" type="integer" min="-2.14748E9" max="2.14748E9" units="cm"/>
+          <inkml:channel name="Y" type="integer" min="-2.14748E9" max="2.14748E9" units="cm"/>
+        </inkml:traceFormat>
+        <inkml:channelProperties>
+          <inkml:channelProperty channel="X" name="resolution" value="1000" units="1/cm"/>
+          <inkml:channelProperty channel="Y" name="resolution" value="1000" units="1/cm"/>
+        </inkml:channelProperties>
+      </inkml:inkSource>
+      <inkml:timestamp xml:id="ts0" timeString="2023-01-07T03:43:26.322"/>
+    </inkml:context>
+    <inkml:brush xml:id="br0">
+      <inkml:brushProperty name="width" value="0.3" units="cm"/>
+      <inkml:brushProperty name="height" value="0.6" units="cm"/>
+      <inkml:brushProperty name="color" value="#FFFC00"/>
+      <inkml:brushProperty name="tip" value="rectangle"/>
+      <inkml:brushProperty name="rasterOp" value="maskPen"/>
+      <inkml:brushProperty name="ignorePressure" value="1"/>
+    </inkml:brush>
+  </inkml:definitions>
+  <inkml:trace contextRef="#ctx0" brushRef="#br0">0 3,'1592'0,"-1410"15,-36-1,-14 0,10 0,378-12,-262-4,-207 5,1 2,72 17,-71-11,1-3,61 3,381-12,-189 0,2661 1,-2802-14,-26 0,90-6,-159 12,-41 3,1-1,34-12,-38 10,0 0,1 2,30-2,-25 6,-4 2</inkml:trace>
+</inkml:ink>
+</file>
+
+<file path=ppt/ink/ink31.xml><?xml version="1.0" encoding="utf-8"?>
+<inkml:ink xmlns:inkml="http://www.w3.org/2003/InkML">
+  <inkml:definitions>
+    <inkml:context xml:id="ctx0">
+      <inkml:inkSource xml:id="inkSrc0">
+        <inkml:traceFormat>
+          <inkml:channel name="X" type="integer" min="-2.14748E9" max="2.14748E9" units="cm"/>
+          <inkml:channel name="Y" type="integer" min="-2.14748E9" max="2.14748E9" units="cm"/>
+        </inkml:traceFormat>
+        <inkml:channelProperties>
+          <inkml:channelProperty channel="X" name="resolution" value="1000" units="1/cm"/>
+          <inkml:channelProperty channel="Y" name="resolution" value="1000" units="1/cm"/>
+        </inkml:channelProperties>
+      </inkml:inkSource>
+      <inkml:timestamp xml:id="ts0" timeString="2023-01-07T03:44:29.872"/>
+    </inkml:context>
+    <inkml:brush xml:id="br0">
+      <inkml:brushProperty name="width" value="0.3" units="cm"/>
+      <inkml:brushProperty name="height" value="0.6" units="cm"/>
+      <inkml:brushProperty name="color" value="#FFFC00"/>
+      <inkml:brushProperty name="tip" value="rectangle"/>
+      <inkml:brushProperty name="rasterOp" value="maskPen"/>
+      <inkml:brushProperty name="ignorePressure" value="1"/>
+    </inkml:brush>
+  </inkml:definitions>
+  <inkml:trace contextRef="#ctx0" brushRef="#br0">1 32,'0'1,"1"0,-1 0,0 0,1 0,-1 0,1 0,-1 0,1 0,0 0,-1 0,1 0,0-1,0 1,-1 0,1 0,0-1,0 1,0-1,0 1,0 0,0-1,0 0,0 1,0-1,0 0,0 1,0-1,2 0,36 5,-34-5,391 5,-231-7,4280 2,-4381-3,125-23,-40 3,-31 15,136 8,-105 3,797-3,-916 0</inkml:trace>
+</inkml:ink>
+</file>
+
+<file path=ppt/ink/ink32.xml><?xml version="1.0" encoding="utf-8"?>
+<inkml:ink xmlns:inkml="http://www.w3.org/2003/InkML">
+  <inkml:definitions>
+    <inkml:context xml:id="ctx0">
+      <inkml:inkSource xml:id="inkSrc0">
+        <inkml:traceFormat>
+          <inkml:channel name="X" type="integer" min="-2.14748E9" max="2.14748E9" units="cm"/>
+          <inkml:channel name="Y" type="integer" min="-2.14748E9" max="2.14748E9" units="cm"/>
+        </inkml:traceFormat>
+        <inkml:channelProperties>
+          <inkml:channelProperty channel="X" name="resolution" value="1000" units="1/cm"/>
+          <inkml:channelProperty channel="Y" name="resolution" value="1000" units="1/cm"/>
+        </inkml:channelProperties>
+      </inkml:inkSource>
+      <inkml:timestamp xml:id="ts0" timeString="2023-01-07T03:48:19.386"/>
+    </inkml:context>
+    <inkml:brush xml:id="br0">
+      <inkml:brushProperty name="width" value="0.3" units="cm"/>
+      <inkml:brushProperty name="height" value="0.6" units="cm"/>
+      <inkml:brushProperty name="color" value="#FFFC00"/>
+      <inkml:brushProperty name="tip" value="rectangle"/>
+      <inkml:brushProperty name="rasterOp" value="maskPen"/>
+      <inkml:brushProperty name="ignorePressure" value="1"/>
+    </inkml:brush>
+  </inkml:definitions>
+  <inkml:trace contextRef="#ctx0" brushRef="#br0">1 144,'19'0,"49"0,94-11,93-9,2 21,-93 1,865-2,-1003-1,0-2,34-7,19-2,-53 8,1-1,43-15,-44 11,1 2,52-8,152 15,-4-1,-137-12,-55 7,36-2,253 7,-169 2,-126-1</inkml:trace>
+</inkml:ink>
+</file>
+
+<file path=ppt/ink/ink33.xml><?xml version="1.0" encoding="utf-8"?>
+<inkml:ink xmlns:inkml="http://www.w3.org/2003/InkML">
+  <inkml:definitions>
+    <inkml:context xml:id="ctx0">
+      <inkml:inkSource xml:id="inkSrc0">
+        <inkml:traceFormat>
+          <inkml:channel name="X" type="integer" min="-2.14748E9" max="2.14748E9" units="cm"/>
+          <inkml:channel name="Y" type="integer" min="-2.14748E9" max="2.14748E9" units="cm"/>
+        </inkml:traceFormat>
+        <inkml:channelProperties>
+          <inkml:channelProperty channel="X" name="resolution" value="1000" units="1/cm"/>
+          <inkml:channelProperty channel="Y" name="resolution" value="1000" units="1/cm"/>
+        </inkml:channelProperties>
+      </inkml:inkSource>
+      <inkml:timestamp xml:id="ts0" timeString="2023-01-07T03:48:23.136"/>
+    </inkml:context>
+    <inkml:brush xml:id="br0">
+      <inkml:brushProperty name="width" value="0.3" units="cm"/>
+      <inkml:brushProperty name="height" value="0.6" units="cm"/>
+      <inkml:brushProperty name="color" value="#FFFC00"/>
+      <inkml:brushProperty name="tip" value="rectangle"/>
+      <inkml:brushProperty name="rasterOp" value="maskPen"/>
+      <inkml:brushProperty name="ignorePressure" value="1"/>
+    </inkml:brush>
+  </inkml:definitions>
+  <inkml:trace contextRef="#ctx0" brushRef="#br0">0 133,'148'-2,"240"9,-188 17,35 2,269-22,-273-6,1702 2,-1765 13,-45-1,359-7,-270-7,99 3,363-3,-502-5,179-30,-168 18,-57 8,-48 3,86-13,-123 16,0 2,53 2,47-3,-112-1,0-1,36-12,2-2,-39 13,3-1,1 1,64-6,-59 13,-10-1,0 0,41-7,-43 2</inkml:trace>
+</inkml:ink>
+</file>
+
+<file path=ppt/ink/ink34.xml><?xml version="1.0" encoding="utf-8"?>
+<inkml:ink xmlns:inkml="http://www.w3.org/2003/InkML">
+  <inkml:definitions>
+    <inkml:context xml:id="ctx0">
+      <inkml:inkSource xml:id="inkSrc0">
+        <inkml:traceFormat>
+          <inkml:channel name="X" type="integer" min="-2.14748E9" max="2.14748E9" units="cm"/>
+          <inkml:channel name="Y" type="integer" min="-2.14748E9" max="2.14748E9" units="cm"/>
+        </inkml:traceFormat>
+        <inkml:channelProperties>
+          <inkml:channelProperty channel="X" name="resolution" value="1000" units="1/cm"/>
+          <inkml:channelProperty channel="Y" name="resolution" value="1000" units="1/cm"/>
+        </inkml:channelProperties>
+      </inkml:inkSource>
+      <inkml:timestamp xml:id="ts0" timeString="2023-01-07T03:48:25.211"/>
+    </inkml:context>
+    <inkml:brush xml:id="br0">
+      <inkml:brushProperty name="width" value="0.3" units="cm"/>
+      <inkml:brushProperty name="height" value="0.6" units="cm"/>
+      <inkml:brushProperty name="color" value="#FFFC00"/>
+      <inkml:brushProperty name="tip" value="rectangle"/>
+      <inkml:brushProperty name="rasterOp" value="maskPen"/>
+      <inkml:brushProperty name="ignorePressure" value="1"/>
+    </inkml:brush>
+  </inkml:definitions>
+  <inkml:trace contextRef="#ctx0" brushRef="#br0">0 60,'666'0,"-620"-2,0-3,79-17,-79 11,2 3,66-3,352 11,-183 2,-176-2,-75 0</inkml:trace>
+</inkml:ink>
+</file>
+
+<file path=ppt/ink/ink35.xml><?xml version="1.0" encoding="utf-8"?>
+<inkml:ink xmlns:inkml="http://www.w3.org/2003/InkML">
+  <inkml:definitions>
+    <inkml:context xml:id="ctx0">
+      <inkml:inkSource xml:id="inkSrc0">
+        <inkml:traceFormat>
+          <inkml:channel name="X" type="integer" min="-2.14748E9" max="2.14748E9" units="cm"/>
+          <inkml:channel name="Y" type="integer" min="-2.14748E9" max="2.14748E9" units="cm"/>
+        </inkml:traceFormat>
+        <inkml:channelProperties>
+          <inkml:channelProperty channel="X" name="resolution" value="1000" units="1/cm"/>
+          <inkml:channelProperty channel="Y" name="resolution" value="1000" units="1/cm"/>
+        </inkml:channelProperties>
+      </inkml:inkSource>
+      <inkml:timestamp xml:id="ts0" timeString="2023-01-07T03:50:43.404"/>
+    </inkml:context>
+    <inkml:brush xml:id="br0">
+      <inkml:brushProperty name="width" value="0.3" units="cm"/>
+      <inkml:brushProperty name="height" value="0.6" units="cm"/>
+      <inkml:brushProperty name="color" value="#FFFC00"/>
+      <inkml:brushProperty name="tip" value="rectangle"/>
+      <inkml:brushProperty name="rasterOp" value="maskPen"/>
+      <inkml:brushProperty name="ignorePressure" value="1"/>
+    </inkml:brush>
+  </inkml:definitions>
+  <inkml:trace contextRef="#ctx0" brushRef="#br0">1 30,'0'-1,"0"0,1 0,-1 0,0 0,1 0,-1 0,1 1,-1-1,1 0,0 0,-1 0,1 0,0 1,0-1,-1 0,1 1,0-1,0 0,0 1,0-1,0 1,0 0,0-1,0 1,0 0,0-1,2 1,32-6,-31 6,314-5,-175 7,-136-2,35 0,1 1,0 2,48 10,-27 2,2 1,2-2,0-3,87 3,223 22,-303-26,87 20,-102-16,1-3,61 2,340-12,-211-3,217 2,-433 0</inkml:trace>
+</inkml:ink>
+</file>
+
+<file path=ppt/ink/ink36.xml><?xml version="1.0" encoding="utf-8"?>
+<inkml:ink xmlns:inkml="http://www.w3.org/2003/InkML">
+  <inkml:definitions>
+    <inkml:context xml:id="ctx0">
+      <inkml:inkSource xml:id="inkSrc0">
+        <inkml:traceFormat>
+          <inkml:channel name="X" type="integer" min="-2.14748E9" max="2.14748E9" units="cm"/>
+          <inkml:channel name="Y" type="integer" min="-2.14748E9" max="2.14748E9" units="cm"/>
+        </inkml:traceFormat>
+        <inkml:channelProperties>
+          <inkml:channelProperty channel="X" name="resolution" value="1000" units="1/cm"/>
+          <inkml:channelProperty channel="Y" name="resolution" value="1000" units="1/cm"/>
+        </inkml:channelProperties>
+      </inkml:inkSource>
+      <inkml:timestamp xml:id="ts0" timeString="2023-01-07T03:50:44.935"/>
+    </inkml:context>
+    <inkml:brush xml:id="br0">
+      <inkml:brushProperty name="width" value="0.3" units="cm"/>
+      <inkml:brushProperty name="height" value="0.6" units="cm"/>
+      <inkml:brushProperty name="color" value="#FFFC00"/>
+      <inkml:brushProperty name="tip" value="rectangle"/>
+      <inkml:brushProperty name="rasterOp" value="maskPen"/>
+      <inkml:brushProperty name="ignorePressure" value="1"/>
+    </inkml:brush>
+  </inkml:definitions>
+  <inkml:trace contextRef="#ctx0" brushRef="#br0">0 1,'1175'0,"-1142"0</inkml:trace>
+</inkml:ink>
+</file>
+
+<file path=ppt/ink/ink37.xml><?xml version="1.0" encoding="utf-8"?>
+<inkml:ink xmlns:inkml="http://www.w3.org/2003/InkML">
+  <inkml:definitions>
+    <inkml:context xml:id="ctx0">
+      <inkml:inkSource xml:id="inkSrc0">
+        <inkml:traceFormat>
+          <inkml:channel name="X" type="integer" min="-2.14748E9" max="2.14748E9" units="cm"/>
+          <inkml:channel name="Y" type="integer" min="-2.14748E9" max="2.14748E9" units="cm"/>
+        </inkml:traceFormat>
+        <inkml:channelProperties>
+          <inkml:channelProperty channel="X" name="resolution" value="1000" units="1/cm"/>
+          <inkml:channelProperty channel="Y" name="resolution" value="1000" units="1/cm"/>
+        </inkml:channelProperties>
+      </inkml:inkSource>
+      <inkml:timestamp xml:id="ts0" timeString="2023-01-07T03:50:46.897"/>
+    </inkml:context>
+    <inkml:brush xml:id="br0">
+      <inkml:brushProperty name="width" value="0.3" units="cm"/>
+      <inkml:brushProperty name="height" value="0.6" units="cm"/>
+      <inkml:brushProperty name="color" value="#FFFC00"/>
+      <inkml:brushProperty name="tip" value="rectangle"/>
+      <inkml:brushProperty name="rasterOp" value="maskPen"/>
+      <inkml:brushProperty name="ignorePressure" value="1"/>
+    </inkml:brush>
+  </inkml:definitions>
+  <inkml:trace contextRef="#ctx0" brushRef="#br0">0 1,'861'0,"-666"14,-12 0,214-14,-174 0,-199 0</inkml:trace>
+</inkml:ink>
+</file>
+
+<file path=ppt/ink/ink38.xml><?xml version="1.0" encoding="utf-8"?>
+<inkml:ink xmlns:inkml="http://www.w3.org/2003/InkML">
+  <inkml:definitions>
+    <inkml:context xml:id="ctx0">
+      <inkml:inkSource xml:id="inkSrc0">
+        <inkml:traceFormat>
+          <inkml:channel name="X" type="integer" min="-2.14748E9" max="2.14748E9" units="cm"/>
+          <inkml:channel name="Y" type="integer" min="-2.14748E9" max="2.14748E9" units="cm"/>
+        </inkml:traceFormat>
+        <inkml:channelProperties>
+          <inkml:channelProperty channel="X" name="resolution" value="1000" units="1/cm"/>
+          <inkml:channelProperty channel="Y" name="resolution" value="1000" units="1/cm"/>
+        </inkml:channelProperties>
+      </inkml:inkSource>
+      <inkml:timestamp xml:id="ts0" timeString="2023-01-07T03:53:22.364"/>
+    </inkml:context>
+    <inkml:brush xml:id="br0">
+      <inkml:brushProperty name="width" value="0.3" units="cm"/>
+      <inkml:brushProperty name="height" value="0.6" units="cm"/>
+      <inkml:brushProperty name="color" value="#FFFC00"/>
+      <inkml:brushProperty name="tip" value="rectangle"/>
+      <inkml:brushProperty name="rasterOp" value="maskPen"/>
+      <inkml:brushProperty name="ignorePressure" value="1"/>
+    </inkml:brush>
+  </inkml:definitions>
+  <inkml:trace contextRef="#ctx0" brushRef="#br0">1 1,'4478'0,"-4425"1,-1 2,0 2,58 15,-38-8,0-3,138-1,-112-6,105 11,49 1,1861-15,-2090 0,0-1,30-7,-27 4,5-1</inkml:trace>
+</inkml:ink>
+</file>
+
+<file path=ppt/ink/ink39.xml><?xml version="1.0" encoding="utf-8"?>
+<inkml:ink xmlns:inkml="http://www.w3.org/2003/InkML">
+  <inkml:definitions>
+    <inkml:context xml:id="ctx0">
+      <inkml:inkSource xml:id="inkSrc0">
+        <inkml:traceFormat>
+          <inkml:channel name="X" type="integer" min="-2.14748E9" max="2.14748E9" units="cm"/>
+          <inkml:channel name="Y" type="integer" min="-2.14748E9" max="2.14748E9" units="cm"/>
+        </inkml:traceFormat>
+        <inkml:channelProperties>
+          <inkml:channelProperty channel="X" name="resolution" value="1000" units="1/cm"/>
+          <inkml:channelProperty channel="Y" name="resolution" value="1000" units="1/cm"/>
+        </inkml:channelProperties>
+      </inkml:inkSource>
+      <inkml:timestamp xml:id="ts0" timeString="2023-01-07T03:53:24.679"/>
+    </inkml:context>
+    <inkml:brush xml:id="br0">
+      <inkml:brushProperty name="width" value="0.3" units="cm"/>
+      <inkml:brushProperty name="height" value="0.6" units="cm"/>
+      <inkml:brushProperty name="color" value="#FFFC00"/>
+      <inkml:brushProperty name="tip" value="rectangle"/>
+      <inkml:brushProperty name="rasterOp" value="maskPen"/>
+      <inkml:brushProperty name="ignorePressure" value="1"/>
+    </inkml:brush>
+  </inkml:definitions>
+  <inkml:trace contextRef="#ctx0" brushRef="#br0">1 0,'1331'0,"-1300"0</inkml:trace>
+</inkml:ink>
+</file>
+
+<file path=ppt/ink/ink4.xml><?xml version="1.0" encoding="utf-8"?>
+<inkml:ink xmlns:inkml="http://www.w3.org/2003/InkML">
+  <inkml:definitions>
+    <inkml:context xml:id="ctx0">
+      <inkml:inkSource xml:id="inkSrc0">
+        <inkml:traceFormat>
+          <inkml:channel name="X" type="integer" min="-2.14748E9" max="2.14748E9" units="cm"/>
+          <inkml:channel name="Y" type="integer" min="-2.14748E9" max="2.14748E9" units="cm"/>
+        </inkml:traceFormat>
+        <inkml:channelProperties>
+          <inkml:channelProperty channel="X" name="resolution" value="1000" units="1/cm"/>
+          <inkml:channelProperty channel="Y" name="resolution" value="1000" units="1/cm"/>
+        </inkml:channelProperties>
+      </inkml:inkSource>
+      <inkml:timestamp xml:id="ts0" timeString="2023-01-07T03:25:21.448"/>
+    </inkml:context>
+    <inkml:brush xml:id="br0">
+      <inkml:brushProperty name="width" value="0.3" units="cm"/>
+      <inkml:brushProperty name="height" value="0.6" units="cm"/>
+      <inkml:brushProperty name="color" value="#FFFC00"/>
+      <inkml:brushProperty name="tip" value="rectangle"/>
+      <inkml:brushProperty name="rasterOp" value="maskPen"/>
+      <inkml:brushProperty name="ignorePressure" value="1"/>
+    </inkml:brush>
+  </inkml:definitions>
+  <inkml:trace contextRef="#ctx0" brushRef="#br0">1 59,'696'0,"-646"-2,65-12,-43 4,19-4,-47 6,68-2,499 9,-277 3,-304-2</inkml:trace>
+</inkml:ink>
+</file>
+
+<file path=ppt/ink/ink40.xml><?xml version="1.0" encoding="utf-8"?>
+<inkml:ink xmlns:inkml="http://www.w3.org/2003/InkML">
+  <inkml:definitions>
+    <inkml:context xml:id="ctx0">
+      <inkml:inkSource xml:id="inkSrc0">
+        <inkml:traceFormat>
+          <inkml:channel name="X" type="integer" min="-2.14748E9" max="2.14748E9" units="cm"/>
+          <inkml:channel name="Y" type="integer" min="-2.14748E9" max="2.14748E9" units="cm"/>
+        </inkml:traceFormat>
+        <inkml:channelProperties>
+          <inkml:channelProperty channel="X" name="resolution" value="1000" units="1/cm"/>
+          <inkml:channelProperty channel="Y" name="resolution" value="1000" units="1/cm"/>
+        </inkml:channelProperties>
+      </inkml:inkSource>
+      <inkml:timestamp xml:id="ts0" timeString="2023-01-07T03:53:32.452"/>
+    </inkml:context>
+    <inkml:brush xml:id="br0">
+      <inkml:brushProperty name="width" value="0.3" units="cm"/>
+      <inkml:brushProperty name="height" value="0.6" units="cm"/>
+      <inkml:brushProperty name="color" value="#00F900"/>
+      <inkml:brushProperty name="tip" value="rectangle"/>
+      <inkml:brushProperty name="rasterOp" value="maskPen"/>
+      <inkml:brushProperty name="ignorePressure" value="1"/>
+    </inkml:brush>
+  </inkml:definitions>
+  <inkml:trace contextRef="#ctx0" brushRef="#br0">1 1,'3'3,"1"0,0-1,0 1,0-1,0 0,0 0,1 0,-1-1,1 1,-1-1,1 0,4 0,61 3,-54-3,567 0,-279-3,3420 2,-3694 0</inkml:trace>
+</inkml:ink>
+</file>
+
+<file path=ppt/ink/ink41.xml><?xml version="1.0" encoding="utf-8"?>
+<inkml:ink xmlns:inkml="http://www.w3.org/2003/InkML">
+  <inkml:definitions>
+    <inkml:context xml:id="ctx0">
+      <inkml:inkSource xml:id="inkSrc0">
+        <inkml:traceFormat>
+          <inkml:channel name="X" type="integer" min="-2.14748E9" max="2.14748E9" units="cm"/>
+          <inkml:channel name="Y" type="integer" min="-2.14748E9" max="2.14748E9" units="cm"/>
+        </inkml:traceFormat>
+        <inkml:channelProperties>
+          <inkml:channelProperty channel="X" name="resolution" value="1000" units="1/cm"/>
+          <inkml:channelProperty channel="Y" name="resolution" value="1000" units="1/cm"/>
+        </inkml:channelProperties>
+      </inkml:inkSource>
+      <inkml:timestamp xml:id="ts0" timeString="2023-01-06T10:36:04.862"/>
+    </inkml:context>
+    <inkml:brush xml:id="br0">
+      <inkml:brushProperty name="width" value="0.3" units="cm"/>
+      <inkml:brushProperty name="height" value="0.6" units="cm"/>
+      <inkml:brushProperty name="color" value="#FF8517"/>
+      <inkml:brushProperty name="tip" value="rectangle"/>
+      <inkml:brushProperty name="rasterOp" value="maskPen"/>
+      <inkml:brushProperty name="ignorePressure" value="1"/>
+    </inkml:brush>
+  </inkml:definitions>
+  <inkml:trace contextRef="#ctx0" brushRef="#br0">1 3971,'17'1,"1"-1,-1-1,1-1,-1 0,1-1,-1-1,0-1,31-12,-11 0,-24 12,0 0,-1-1,0-1,0 0,0 0,-1-1,19-18,9-20,44-68,-19 23,-51 76,1 0,18-15,-22 21,1-1,-2 1,1-2,-1 1,-1-1,12-20,8-30,-11 22,22-35,45-50,-35 54,-37 49,19-40,5-9,72-81,0 0,-54 74,-31 46,28-51,28-61,38-77,-12-33,-90 225,1 0,30-40,16-27,72-121,-29 48,-75 108,-25 46,1 0,1 1,1-1,0 2,14-19,-1 6,0-2,31-55,-50 78,43-57,-2 3,-6 3,2 2,2 2,67-64,-47 58,2 3,89-58,-107 84,-23 14,0 0,-1-1,22-21,-14 11,1 1,1 1,1 2,1 1,52-23,-66 35,0 1,0 0,1 2,0 0,1 2,26-3,127 5,-99 3,103-3,141 5,-298-2,0 1,0 1,0 2,-1-1,1 2,-1 1,31 16,124 87,-154-97,25 18,2 0,-1 2,73 69,150 213,40 92,-194-226,-45-65,-26-50,77 131,12 107,-40-80,11 8,-47-86,-44-107,0-1,37 66,137 178,-149-230,-4 2,44 89,-55-95,39 57,-39-68,-1 1,30 74,-49-103,11 32,35 70,-29-77</inkml:trace>
+</inkml:ink>
+</file>
+
+<file path=ppt/ink/ink42.xml><?xml version="1.0" encoding="utf-8"?>
+<inkml:ink xmlns:inkml="http://www.w3.org/2003/InkML">
+  <inkml:definitions>
+    <inkml:context xml:id="ctx0">
+      <inkml:inkSource xml:id="inkSrc0">
+        <inkml:traceFormat>
+          <inkml:channel name="X" type="integer" min="-2.14748E9" max="2.14748E9" units="cm"/>
+          <inkml:channel name="Y" type="integer" min="-2.14748E9" max="2.14748E9" units="cm"/>
+        </inkml:traceFormat>
+        <inkml:channelProperties>
+          <inkml:channelProperty channel="X" name="resolution" value="1000" units="1/cm"/>
+          <inkml:channelProperty channel="Y" name="resolution" value="1000" units="1/cm"/>
+        </inkml:channelProperties>
+      </inkml:inkSource>
+      <inkml:timestamp xml:id="ts0" timeString="2023-01-06T10:36:12.511"/>
+    </inkml:context>
+    <inkml:brush xml:id="br0">
+      <inkml:brushProperty name="width" value="0.3" units="cm"/>
+      <inkml:brushProperty name="height" value="0.6" units="cm"/>
+      <inkml:brushProperty name="color" value="#00F900"/>
+      <inkml:brushProperty name="tip" value="rectangle"/>
+      <inkml:brushProperty name="rasterOp" value="maskPen"/>
+      <inkml:brushProperty name="ignorePressure" value="1"/>
+    </inkml:brush>
+  </inkml:definitions>
+  <inkml:trace contextRef="#ctx0" brushRef="#br0">0 6908,'5'-1,"-1"1,0-1,1 0,-1 0,0 0,1 0,-1-1,0 0,0 1,0-2,-1 1,1 0,0-1,-1 0,0 1,1-1,-1-1,4-4,4-7,0-1,-1 0,8-19,3-3,31-36,-36 52,0 0,22-44,72-203,-65 123,-13 39,24-147,-43 191,-6 35,17-43,-15 45,13-50,-7-32,6-28,36-146,-46 230,2 0,28-68,8-30,-11-57,-9 33,51-221,-65 344,34-79,-30 85,-2-1,15-63,130-489,-131 490,-14 44,26-62,-23 79,12-29,32-111,-56 154,2 0,1 1,1 1,2 0,29-50,129-196,-118 187,-32 50,2 1,53-65,27-23,-80 97,77-81,-68 79,-2-2,37-52,-46 52,1-1,1 1,36-41,29-15,179-140,-230 205,2 1,74-33,-24 13,95-44,-114 55,-39 17,48-18,30-4,98-28,161-15,-262 63,159-7,95 23,-289 3,-56-1,0 1,1 1,-1 0,0 2,-1 0,28 10,-21-5,-1 2,0 1,38 27,130 111,-171-133,0 0,-1 1,-1 0,22 34,46 91,-30-49,115 165,-84-134,66 117,-60-45,-38-75,-3-18,4-2,115 163,65 83,-122-175,-95-141,1-2,2 0,1-1,2-1,41 41,79 76,-131-133,-1 0,-1 1,0 1,11 19,-13-19,0-1,1 0,1-1,0 0,12 10,9 6,0 0,48 59,31 58,16 8,-107-134,0 0,1-1,1-1,25 15,98 52,-63-38,14 7,74 47,-158-92,148 109,-101-75,2-2,118 58,19 10,-4 20,110 65,-179-127,85 49,-193-104,170 117,-36-27,-13-10,-55-27,-29-21,3-2,61 34,44 14,154 113,-242-151,-38-28,-1 1,-2 1,45 46,72 70,-106-105,-2 2,-2 2,44 58,72 126,-4 22,-28-15,-104-198,-2 1,0 0,-3 1,12 41,12 29,-1-6,-27-60</inkml:trace>
+</inkml:ink>
+</file>
+
+<file path=ppt/ink/ink43.xml><?xml version="1.0" encoding="utf-8"?>
 <inkml:ink xmlns:inkml="http://www.w3.org/2003/InkML">
   <inkml:definitions>
     <inkml:context xml:id="ctx0">
@@ -6345,7 +7473,7 @@
 </inkml:ink>
 </file>
 
-<file path=ppt/ink/ink11.xml><?xml version="1.0" encoding="utf-8"?>
+<file path=ppt/ink/ink44.xml><?xml version="1.0" encoding="utf-8"?>
 <inkml:ink xmlns:inkml="http://www.w3.org/2003/InkML">
   <inkml:definitions>
     <inkml:context xml:id="ctx0">
@@ -6374,7 +7502,181 @@
 </inkml:ink>
 </file>
 
-<file path=ppt/ink/ink12.xml><?xml version="1.0" encoding="utf-8"?>
+<file path=ppt/ink/ink45.xml><?xml version="1.0" encoding="utf-8"?>
+<inkml:ink xmlns:inkml="http://www.w3.org/2003/InkML">
+  <inkml:definitions>
+    <inkml:context xml:id="ctx0">
+      <inkml:inkSource xml:id="inkSrc0">
+        <inkml:traceFormat>
+          <inkml:channel name="X" type="integer" min="-2.14748E9" max="2.14748E9" units="cm"/>
+          <inkml:channel name="Y" type="integer" min="-2.14748E9" max="2.14748E9" units="cm"/>
+        </inkml:traceFormat>
+        <inkml:channelProperties>
+          <inkml:channelProperty channel="X" name="resolution" value="1000" units="1/cm"/>
+          <inkml:channelProperty channel="Y" name="resolution" value="1000" units="1/cm"/>
+        </inkml:channelProperties>
+      </inkml:inkSource>
+      <inkml:timestamp xml:id="ts0" timeString="2023-01-07T03:55:17.450"/>
+    </inkml:context>
+    <inkml:brush xml:id="br0">
+      <inkml:brushProperty name="width" value="0.3" units="cm"/>
+      <inkml:brushProperty name="height" value="0.6" units="cm"/>
+      <inkml:brushProperty name="color" value="#FFFC00"/>
+      <inkml:brushProperty name="tip" value="rectangle"/>
+      <inkml:brushProperty name="rasterOp" value="maskPen"/>
+      <inkml:brushProperty name="ignorePressure" value="1"/>
+    </inkml:brush>
+  </inkml:definitions>
+  <inkml:trace contextRef="#ctx0" brushRef="#br0">1 1,'2523'0,"-2490"0</inkml:trace>
+</inkml:ink>
+</file>
+
+<file path=ppt/ink/ink46.xml><?xml version="1.0" encoding="utf-8"?>
+<inkml:ink xmlns:inkml="http://www.w3.org/2003/InkML">
+  <inkml:definitions>
+    <inkml:context xml:id="ctx0">
+      <inkml:inkSource xml:id="inkSrc0">
+        <inkml:traceFormat>
+          <inkml:channel name="X" type="integer" min="-2.14748E9" max="2.14748E9" units="cm"/>
+          <inkml:channel name="Y" type="integer" min="-2.14748E9" max="2.14748E9" units="cm"/>
+        </inkml:traceFormat>
+        <inkml:channelProperties>
+          <inkml:channelProperty channel="X" name="resolution" value="1000" units="1/cm"/>
+          <inkml:channelProperty channel="Y" name="resolution" value="1000" units="1/cm"/>
+        </inkml:channelProperties>
+      </inkml:inkSource>
+      <inkml:timestamp xml:id="ts0" timeString="2023-01-07T03:55:18.834"/>
+    </inkml:context>
+    <inkml:brush xml:id="br0">
+      <inkml:brushProperty name="width" value="0.3" units="cm"/>
+      <inkml:brushProperty name="height" value="0.6" units="cm"/>
+      <inkml:brushProperty name="color" value="#FFFC00"/>
+      <inkml:brushProperty name="tip" value="rectangle"/>
+      <inkml:brushProperty name="rasterOp" value="maskPen"/>
+      <inkml:brushProperty name="ignorePressure" value="1"/>
+    </inkml:brush>
+  </inkml:definitions>
+  <inkml:trace contextRef="#ctx0" brushRef="#br0">1 1,'1828'0,"-1654"14,-29 0,27 6,-117-12,-19-2,-4 1</inkml:trace>
+</inkml:ink>
+</file>
+
+<file path=ppt/ink/ink47.xml><?xml version="1.0" encoding="utf-8"?>
+<inkml:ink xmlns:inkml="http://www.w3.org/2003/InkML">
+  <inkml:definitions>
+    <inkml:context xml:id="ctx0">
+      <inkml:inkSource xml:id="inkSrc0">
+        <inkml:traceFormat>
+          <inkml:channel name="X" type="integer" min="-2.14748E9" max="2.14748E9" units="cm"/>
+          <inkml:channel name="Y" type="integer" min="-2.14748E9" max="2.14748E9" units="cm"/>
+        </inkml:traceFormat>
+        <inkml:channelProperties>
+          <inkml:channelProperty channel="X" name="resolution" value="1000" units="1/cm"/>
+          <inkml:channelProperty channel="Y" name="resolution" value="1000" units="1/cm"/>
+        </inkml:channelProperties>
+      </inkml:inkSource>
+      <inkml:timestamp xml:id="ts0" timeString="2023-01-07T03:55:20.081"/>
+    </inkml:context>
+    <inkml:brush xml:id="br0">
+      <inkml:brushProperty name="width" value="0.3" units="cm"/>
+      <inkml:brushProperty name="height" value="0.6" units="cm"/>
+      <inkml:brushProperty name="color" value="#FFFC00"/>
+      <inkml:brushProperty name="tip" value="rectangle"/>
+      <inkml:brushProperty name="rasterOp" value="maskPen"/>
+      <inkml:brushProperty name="ignorePressure" value="1"/>
+    </inkml:brush>
+  </inkml:definitions>
+  <inkml:trace contextRef="#ctx0" brushRef="#br0">0 2,'264'-1,"290"3,-331 12,65 1,700-16,-955 1</inkml:trace>
+</inkml:ink>
+</file>
+
+<file path=ppt/ink/ink48.xml><?xml version="1.0" encoding="utf-8"?>
+<inkml:ink xmlns:inkml="http://www.w3.org/2003/InkML">
+  <inkml:definitions>
+    <inkml:context xml:id="ctx0">
+      <inkml:inkSource xml:id="inkSrc0">
+        <inkml:traceFormat>
+          <inkml:channel name="X" type="integer" min="-2.14748E9" max="2.14748E9" units="cm"/>
+          <inkml:channel name="Y" type="integer" min="-2.14748E9" max="2.14748E9" units="cm"/>
+        </inkml:traceFormat>
+        <inkml:channelProperties>
+          <inkml:channelProperty channel="X" name="resolution" value="1000" units="1/cm"/>
+          <inkml:channelProperty channel="Y" name="resolution" value="1000" units="1/cm"/>
+        </inkml:channelProperties>
+      </inkml:inkSource>
+      <inkml:timestamp xml:id="ts0" timeString="2023-01-07T03:55:21.447"/>
+    </inkml:context>
+    <inkml:brush xml:id="br0">
+      <inkml:brushProperty name="width" value="0.3" units="cm"/>
+      <inkml:brushProperty name="height" value="0.6" units="cm"/>
+      <inkml:brushProperty name="color" value="#FFFC00"/>
+      <inkml:brushProperty name="tip" value="rectangle"/>
+      <inkml:brushProperty name="rasterOp" value="maskPen"/>
+      <inkml:brushProperty name="ignorePressure" value="1"/>
+    </inkml:brush>
+  </inkml:definitions>
+  <inkml:trace contextRef="#ctx0" brushRef="#br0">0 1,'230'0,"591"11,29 6,-815-17,118 5,-134-3,0 1,0 0,0 2,0 0,32 15,7 4,92 27,-117-41</inkml:trace>
+</inkml:ink>
+</file>
+
+<file path=ppt/ink/ink49.xml><?xml version="1.0" encoding="utf-8"?>
+<inkml:ink xmlns:inkml="http://www.w3.org/2003/InkML">
+  <inkml:definitions>
+    <inkml:context xml:id="ctx0">
+      <inkml:inkSource xml:id="inkSrc0">
+        <inkml:traceFormat>
+          <inkml:channel name="X" type="integer" min="-2.14748E9" max="2.14748E9" units="cm"/>
+          <inkml:channel name="Y" type="integer" min="-2.14748E9" max="2.14748E9" units="cm"/>
+        </inkml:traceFormat>
+        <inkml:channelProperties>
+          <inkml:channelProperty channel="X" name="resolution" value="1000" units="1/cm"/>
+          <inkml:channelProperty channel="Y" name="resolution" value="1000" units="1/cm"/>
+        </inkml:channelProperties>
+      </inkml:inkSource>
+      <inkml:timestamp xml:id="ts0" timeString="2023-01-07T03:55:22.952"/>
+    </inkml:context>
+    <inkml:brush xml:id="br0">
+      <inkml:brushProperty name="width" value="0.3" units="cm"/>
+      <inkml:brushProperty name="height" value="0.6" units="cm"/>
+      <inkml:brushProperty name="color" value="#FFFC00"/>
+      <inkml:brushProperty name="tip" value="rectangle"/>
+      <inkml:brushProperty name="rasterOp" value="maskPen"/>
+      <inkml:brushProperty name="ignorePressure" value="1"/>
+    </inkml:brush>
+  </inkml:definitions>
+  <inkml:trace contextRef="#ctx0" brushRef="#br0">1 1,'13'0,"1"2,23 5,5 1,117 2,41 7,-112-1,38 8,168 8,68-32,-160-2,850 2,-1039 0</inkml:trace>
+</inkml:ink>
+</file>
+
+<file path=ppt/ink/ink5.xml><?xml version="1.0" encoding="utf-8"?>
+<inkml:ink xmlns:inkml="http://www.w3.org/2003/InkML">
+  <inkml:definitions>
+    <inkml:context xml:id="ctx0">
+      <inkml:inkSource xml:id="inkSrc0">
+        <inkml:traceFormat>
+          <inkml:channel name="X" type="integer" min="-2.14748E9" max="2.14748E9" units="cm"/>
+          <inkml:channel name="Y" type="integer" min="-2.14748E9" max="2.14748E9" units="cm"/>
+        </inkml:traceFormat>
+        <inkml:channelProperties>
+          <inkml:channelProperty channel="X" name="resolution" value="1000" units="1/cm"/>
+          <inkml:channelProperty channel="Y" name="resolution" value="1000" units="1/cm"/>
+        </inkml:channelProperties>
+      </inkml:inkSource>
+      <inkml:timestamp xml:id="ts0" timeString="2023-01-07T03:25:23.276"/>
+    </inkml:context>
+    <inkml:brush xml:id="br0">
+      <inkml:brushProperty name="width" value="0.3" units="cm"/>
+      <inkml:brushProperty name="height" value="0.6" units="cm"/>
+      <inkml:brushProperty name="color" value="#FFFC00"/>
+      <inkml:brushProperty name="tip" value="rectangle"/>
+      <inkml:brushProperty name="rasterOp" value="maskPen"/>
+      <inkml:brushProperty name="ignorePressure" value="1"/>
+    </inkml:brush>
+  </inkml:definitions>
+  <inkml:trace contextRef="#ctx0" brushRef="#br0">0 31,'740'0,"-695"-2,60-11,36-2,552 15,-332 1,-334-1</inkml:trace>
+</inkml:ink>
+</file>
+
+<file path=ppt/ink/ink50.xml><?xml version="1.0" encoding="utf-8"?>
 <inkml:ink xmlns:inkml="http://www.w3.org/2003/InkML">
   <inkml:definitions>
     <inkml:context xml:id="ctx0">
@@ -6403,7 +7705,7 @@
 </inkml:ink>
 </file>
 
-<file path=ppt/ink/ink13.xml><?xml version="1.0" encoding="utf-8"?>
+<file path=ppt/ink/ink51.xml><?xml version="1.0" encoding="utf-8"?>
 <inkml:ink xmlns:inkml="http://www.w3.org/2003/InkML">
   <inkml:definitions>
     <inkml:context xml:id="ctx0">
@@ -6432,7 +7734,7 @@
 </inkml:ink>
 </file>
 
-<file path=ppt/ink/ink14.xml><?xml version="1.0" encoding="utf-8"?>
+<file path=ppt/ink/ink52.xml><?xml version="1.0" encoding="utf-8"?>
 <inkml:ink xmlns:inkml="http://www.w3.org/2003/InkML">
   <inkml:definitions>
     <inkml:context xml:id="ctx0">
@@ -6461,7 +7763,7 @@
 </inkml:ink>
 </file>
 
-<file path=ppt/ink/ink15.xml><?xml version="1.0" encoding="utf-8"?>
+<file path=ppt/ink/ink53.xml><?xml version="1.0" encoding="utf-8"?>
 <inkml:ink xmlns:inkml="http://www.w3.org/2003/InkML">
   <inkml:definitions>
     <inkml:context xml:id="ctx0">
@@ -6490,7 +7792,152 @@
 </inkml:ink>
 </file>
 
-<file path=ppt/ink/ink16.xml><?xml version="1.0" encoding="utf-8"?>
+<file path=ppt/ink/ink54.xml><?xml version="1.0" encoding="utf-8"?>
+<inkml:ink xmlns:inkml="http://www.w3.org/2003/InkML">
+  <inkml:definitions>
+    <inkml:context xml:id="ctx0">
+      <inkml:inkSource xml:id="inkSrc0">
+        <inkml:traceFormat>
+          <inkml:channel name="X" type="integer" min="-2.14748E9" max="2.14748E9" units="cm"/>
+          <inkml:channel name="Y" type="integer" min="-2.14748E9" max="2.14748E9" units="cm"/>
+        </inkml:traceFormat>
+        <inkml:channelProperties>
+          <inkml:channelProperty channel="X" name="resolution" value="1000" units="1/cm"/>
+          <inkml:channelProperty channel="Y" name="resolution" value="1000" units="1/cm"/>
+        </inkml:channelProperties>
+      </inkml:inkSource>
+      <inkml:timestamp xml:id="ts0" timeString="2023-01-07T03:56:04.143"/>
+    </inkml:context>
+    <inkml:brush xml:id="br0">
+      <inkml:brushProperty name="width" value="0.3" units="cm"/>
+      <inkml:brushProperty name="height" value="0.6" units="cm"/>
+      <inkml:brushProperty name="color" value="#FFFC00"/>
+      <inkml:brushProperty name="tip" value="rectangle"/>
+      <inkml:brushProperty name="rasterOp" value="maskPen"/>
+      <inkml:brushProperty name="ignorePressure" value="1"/>
+    </inkml:brush>
+  </inkml:definitions>
+  <inkml:trace contextRef="#ctx0" brushRef="#br0">0 2,'116'-1,"130"3,-214 2,-1 1,0 2,53 18,-46-12,65 12,-27-18,0-2,94-8,-39 0,-72 3,86 11,-60-1,134-2,-204-8,1 1,19 3,-7 2</inkml:trace>
+</inkml:ink>
+</file>
+
+<file path=ppt/ink/ink55.xml><?xml version="1.0" encoding="utf-8"?>
+<inkml:ink xmlns:inkml="http://www.w3.org/2003/InkML">
+  <inkml:definitions>
+    <inkml:context xml:id="ctx0">
+      <inkml:inkSource xml:id="inkSrc0">
+        <inkml:traceFormat>
+          <inkml:channel name="X" type="integer" min="-2.14748E9" max="2.14748E9" units="cm"/>
+          <inkml:channel name="Y" type="integer" min="-2.14748E9" max="2.14748E9" units="cm"/>
+        </inkml:traceFormat>
+        <inkml:channelProperties>
+          <inkml:channelProperty channel="X" name="resolution" value="1000" units="1/cm"/>
+          <inkml:channelProperty channel="Y" name="resolution" value="1000" units="1/cm"/>
+        </inkml:channelProperties>
+      </inkml:inkSource>
+      <inkml:timestamp xml:id="ts0" timeString="2023-01-07T03:56:05.212"/>
+    </inkml:context>
+    <inkml:brush xml:id="br0">
+      <inkml:brushProperty name="width" value="0.3" units="cm"/>
+      <inkml:brushProperty name="height" value="0.6" units="cm"/>
+      <inkml:brushProperty name="color" value="#FFFC00"/>
+      <inkml:brushProperty name="tip" value="rectangle"/>
+      <inkml:brushProperty name="rasterOp" value="maskPen"/>
+      <inkml:brushProperty name="ignorePressure" value="1"/>
+    </inkml:brush>
+  </inkml:definitions>
+  <inkml:trace contextRef="#ctx0" brushRef="#br0">1 32,'56'0,"8"1,115-13,-101 2,83 0,81 11,-83 1,340-2,-463 0</inkml:trace>
+</inkml:ink>
+</file>
+
+<file path=ppt/ink/ink56.xml><?xml version="1.0" encoding="utf-8"?>
+<inkml:ink xmlns:inkml="http://www.w3.org/2003/InkML">
+  <inkml:definitions>
+    <inkml:context xml:id="ctx0">
+      <inkml:inkSource xml:id="inkSrc0">
+        <inkml:traceFormat>
+          <inkml:channel name="X" type="integer" min="-2.14748E9" max="2.14748E9" units="cm"/>
+          <inkml:channel name="Y" type="integer" min="-2.14748E9" max="2.14748E9" units="cm"/>
+        </inkml:traceFormat>
+        <inkml:channelProperties>
+          <inkml:channelProperty channel="X" name="resolution" value="1000" units="1/cm"/>
+          <inkml:channelProperty channel="Y" name="resolution" value="1000" units="1/cm"/>
+        </inkml:channelProperties>
+      </inkml:inkSource>
+      <inkml:timestamp xml:id="ts0" timeString="2023-01-07T03:56:06.134"/>
+    </inkml:context>
+    <inkml:brush xml:id="br0">
+      <inkml:brushProperty name="width" value="0.3" units="cm"/>
+      <inkml:brushProperty name="height" value="0.6" units="cm"/>
+      <inkml:brushProperty name="color" value="#FFFC00"/>
+      <inkml:brushProperty name="tip" value="rectangle"/>
+      <inkml:brushProperty name="rasterOp" value="maskPen"/>
+      <inkml:brushProperty name="ignorePressure" value="1"/>
+    </inkml:brush>
+  </inkml:definitions>
+  <inkml:trace contextRef="#ctx0" brushRef="#br0">1 0,'401'0,"-318"4,96 16,-12 1,594-7,-489-16,-255 2,-1-1,18-3,-4-2</inkml:trace>
+</inkml:ink>
+</file>
+
+<file path=ppt/ink/ink57.xml><?xml version="1.0" encoding="utf-8"?>
+<inkml:ink xmlns:inkml="http://www.w3.org/2003/InkML">
+  <inkml:definitions>
+    <inkml:context xml:id="ctx0">
+      <inkml:inkSource xml:id="inkSrc0">
+        <inkml:traceFormat>
+          <inkml:channel name="X" type="integer" min="-2.14748E9" max="2.14748E9" units="cm"/>
+          <inkml:channel name="Y" type="integer" min="-2.14748E9" max="2.14748E9" units="cm"/>
+        </inkml:traceFormat>
+        <inkml:channelProperties>
+          <inkml:channelProperty channel="X" name="resolution" value="1000" units="1/cm"/>
+          <inkml:channelProperty channel="Y" name="resolution" value="1000" units="1/cm"/>
+        </inkml:channelProperties>
+      </inkml:inkSource>
+      <inkml:timestamp xml:id="ts0" timeString="2023-01-07T03:56:07.190"/>
+    </inkml:context>
+    <inkml:brush xml:id="br0">
+      <inkml:brushProperty name="width" value="0.3" units="cm"/>
+      <inkml:brushProperty name="height" value="0.6" units="cm"/>
+      <inkml:brushProperty name="color" value="#FFFC00"/>
+      <inkml:brushProperty name="tip" value="rectangle"/>
+      <inkml:brushProperty name="rasterOp" value="maskPen"/>
+      <inkml:brushProperty name="ignorePressure" value="1"/>
+    </inkml:brush>
+  </inkml:definitions>
+  <inkml:trace contextRef="#ctx0" brushRef="#br0">1 58,'63'0,"510"-17,-372 8,-70 5,13-9,43-2,-65 15,-84 1</inkml:trace>
+</inkml:ink>
+</file>
+
+<file path=ppt/ink/ink58.xml><?xml version="1.0" encoding="utf-8"?>
+<inkml:ink xmlns:inkml="http://www.w3.org/2003/InkML">
+  <inkml:definitions>
+    <inkml:context xml:id="ctx0">
+      <inkml:inkSource xml:id="inkSrc0">
+        <inkml:traceFormat>
+          <inkml:channel name="X" type="integer" min="-2.14748E9" max="2.14748E9" units="cm"/>
+          <inkml:channel name="Y" type="integer" min="-2.14748E9" max="2.14748E9" units="cm"/>
+        </inkml:traceFormat>
+        <inkml:channelProperties>
+          <inkml:channelProperty channel="X" name="resolution" value="1000" units="1/cm"/>
+          <inkml:channelProperty channel="Y" name="resolution" value="1000" units="1/cm"/>
+        </inkml:channelProperties>
+      </inkml:inkSource>
+      <inkml:timestamp xml:id="ts0" timeString="2023-01-07T03:56:08.304"/>
+    </inkml:context>
+    <inkml:brush xml:id="br0">
+      <inkml:brushProperty name="width" value="0.3" units="cm"/>
+      <inkml:brushProperty name="height" value="0.6" units="cm"/>
+      <inkml:brushProperty name="color" value="#FFFC00"/>
+      <inkml:brushProperty name="tip" value="rectangle"/>
+      <inkml:brushProperty name="rasterOp" value="maskPen"/>
+      <inkml:brushProperty name="ignorePressure" value="1"/>
+    </inkml:brush>
+  </inkml:definitions>
+  <inkml:trace contextRef="#ctx0" brushRef="#br0">1 0,'1486'0,"-1461"0</inkml:trace>
+</inkml:ink>
+</file>
+
+<file path=ppt/ink/ink59.xml><?xml version="1.0" encoding="utf-8"?>
 <inkml:ink xmlns:inkml="http://www.w3.org/2003/InkML">
   <inkml:definitions>
     <inkml:context xml:id="ctx0">
@@ -6519,7 +7966,36 @@
 </inkml:ink>
 </file>
 
-<file path=ppt/ink/ink17.xml><?xml version="1.0" encoding="utf-8"?>
+<file path=ppt/ink/ink6.xml><?xml version="1.0" encoding="utf-8"?>
+<inkml:ink xmlns:inkml="http://www.w3.org/2003/InkML">
+  <inkml:definitions>
+    <inkml:context xml:id="ctx0">
+      <inkml:inkSource xml:id="inkSrc0">
+        <inkml:traceFormat>
+          <inkml:channel name="X" type="integer" min="-2.14748E9" max="2.14748E9" units="cm"/>
+          <inkml:channel name="Y" type="integer" min="-2.14748E9" max="2.14748E9" units="cm"/>
+        </inkml:traceFormat>
+        <inkml:channelProperties>
+          <inkml:channelProperty channel="X" name="resolution" value="1000" units="1/cm"/>
+          <inkml:channelProperty channel="Y" name="resolution" value="1000" units="1/cm"/>
+        </inkml:channelProperties>
+      </inkml:inkSource>
+      <inkml:timestamp xml:id="ts0" timeString="2023-01-07T03:25:29.258"/>
+    </inkml:context>
+    <inkml:brush xml:id="br0">
+      <inkml:brushProperty name="width" value="0.3" units="cm"/>
+      <inkml:brushProperty name="height" value="0.6" units="cm"/>
+      <inkml:brushProperty name="color" value="#FFFC00"/>
+      <inkml:brushProperty name="tip" value="rectangle"/>
+      <inkml:brushProperty name="rasterOp" value="maskPen"/>
+      <inkml:brushProperty name="ignorePressure" value="1"/>
+    </inkml:brush>
+  </inkml:definitions>
+  <inkml:trace contextRef="#ctx0" brushRef="#br0">0 258,'544'0,"-508"-1,59-11,5-1,116 8,-196 3,0-1,40-12,7-2,0 9,106 0,-65 5,27-13,-69 7,94-18,-97 15,1 2,66-1,529 10,-287 3,-355-3,1-1,-1-1,0-1,0 0,22-9,-16 5,48-9,-8 12,0 2,64 5,63-2,-99-13,0-1,-67 13</inkml:trace>
+</inkml:ink>
+</file>
+
+<file path=ppt/ink/ink60.xml><?xml version="1.0" encoding="utf-8"?>
 <inkml:ink xmlns:inkml="http://www.w3.org/2003/InkML">
   <inkml:definitions>
     <inkml:context xml:id="ctx0">
@@ -6548,7 +8024,7 @@
 </inkml:ink>
 </file>
 
-<file path=ppt/ink/ink18.xml><?xml version="1.0" encoding="utf-8"?>
+<file path=ppt/ink/ink61.xml><?xml version="1.0" encoding="utf-8"?>
 <inkml:ink xmlns:inkml="http://www.w3.org/2003/InkML">
   <inkml:definitions>
     <inkml:context xml:id="ctx0">
@@ -6577,7 +8053,7 @@
 </inkml:ink>
 </file>
 
-<file path=ppt/ink/ink19.xml><?xml version="1.0" encoding="utf-8"?>
+<file path=ppt/ink/ink62.xml><?xml version="1.0" encoding="utf-8"?>
 <inkml:ink xmlns:inkml="http://www.w3.org/2003/InkML">
   <inkml:definitions>
     <inkml:context xml:id="ctx0">
@@ -6606,36 +8082,7 @@
 </inkml:ink>
 </file>
 
-<file path=ppt/ink/ink2.xml><?xml version="1.0" encoding="utf-8"?>
-<inkml:ink xmlns:inkml="http://www.w3.org/2003/InkML">
-  <inkml:definitions>
-    <inkml:context xml:id="ctx0">
-      <inkml:inkSource xml:id="inkSrc0">
-        <inkml:traceFormat>
-          <inkml:channel name="X" type="integer" min="-2.14748E9" max="2.14748E9" units="cm"/>
-          <inkml:channel name="Y" type="integer" min="-2.14748E9" max="2.14748E9" units="cm"/>
-        </inkml:traceFormat>
-        <inkml:channelProperties>
-          <inkml:channelProperty channel="X" name="resolution" value="1000" units="1/cm"/>
-          <inkml:channelProperty channel="Y" name="resolution" value="1000" units="1/cm"/>
-        </inkml:channelProperties>
-      </inkml:inkSource>
-      <inkml:timestamp xml:id="ts0" timeString="2023-01-06T07:46:24.205"/>
-    </inkml:context>
-    <inkml:brush xml:id="br0">
-      <inkml:brushProperty name="width" value="0.3" units="cm"/>
-      <inkml:brushProperty name="height" value="0.6" units="cm"/>
-      <inkml:brushProperty name="color" value="#FFFC00"/>
-      <inkml:brushProperty name="tip" value="rectangle"/>
-      <inkml:brushProperty name="rasterOp" value="maskPen"/>
-      <inkml:brushProperty name="ignorePressure" value="1"/>
-    </inkml:brush>
-  </inkml:definitions>
-  <inkml:trace contextRef="#ctx0" brushRef="#br0">1 2474,'13'-1,"1"-1,-1 0,0-1,0 0,0-1,15-6,26-8,-27 10,-1-1,0-2,48-26,65-53,-88 54,88-46,-64 45,-23 10,108-40,-144 62,11-4,1 2,0 0,45-5,-49 10,-1-2,0-1,28-10,17-3,270-40,-240 49,175 6,-135 5,-50-4,0-5,135-27,166-71,-332 86,145-44,-155 49,-1-3,83-41,-29 11,-59 32,0 2,46-9,-5 1,-1 0,106-12,85 5,107-16,-190-6,-72 15,145-53,-101 30,269-107,-375 140,73-46,-75 39,81-34,4-2,325-193,-358 199,-65 37,1 1,1 2,47-17,-34 24,0 2,98-10,-78 18,-54 5,-1-1,1 0,0-2,24-6,8-8,200-56,-215 66,1 2,-1 1,1 2,41 4,-35 0,0-3,61-8,-1-2,-68 8,65-13,-78 10</inkml:trace>
-</inkml:ink>
-</file>
-
-<file path=ppt/ink/ink20.xml><?xml version="1.0" encoding="utf-8"?>
+<file path=ppt/ink/ink63.xml><?xml version="1.0" encoding="utf-8"?>
 <inkml:ink xmlns:inkml="http://www.w3.org/2003/InkML">
   <inkml:definitions>
     <inkml:context xml:id="ctx0">
@@ -6664,7 +8111,7 @@
 </inkml:ink>
 </file>
 
-<file path=ppt/ink/ink21.xml><?xml version="1.0" encoding="utf-8"?>
+<file path=ppt/ink/ink64.xml><?xml version="1.0" encoding="utf-8"?>
 <inkml:ink xmlns:inkml="http://www.w3.org/2003/InkML">
   <inkml:definitions>
     <inkml:context xml:id="ctx0">
@@ -6693,7 +8140,7 @@
 </inkml:ink>
 </file>
 
-<file path=ppt/ink/ink22.xml><?xml version="1.0" encoding="utf-8"?>
+<file path=ppt/ink/ink65.xml><?xml version="1.0" encoding="utf-8"?>
 <inkml:ink xmlns:inkml="http://www.w3.org/2003/InkML">
   <inkml:definitions>
     <inkml:context xml:id="ctx0">
@@ -6722,7 +8169,7 @@
 </inkml:ink>
 </file>
 
-<file path=ppt/ink/ink3.xml><?xml version="1.0" encoding="utf-8"?>
+<file path=ppt/ink/ink66.xml><?xml version="1.0" encoding="utf-8"?>
 <inkml:ink xmlns:inkml="http://www.w3.org/2003/InkML">
   <inkml:definitions>
     <inkml:context xml:id="ctx0">
@@ -6736,22 +8183,22 @@
           <inkml:channelProperty channel="Y" name="resolution" value="1000" units="1/cm"/>
         </inkml:channelProperties>
       </inkml:inkSource>
-      <inkml:timestamp xml:id="ts0" timeString="2023-01-06T07:46:33.100"/>
+      <inkml:timestamp xml:id="ts0" timeString="2023-01-07T03:58:53.757"/>
     </inkml:context>
     <inkml:brush xml:id="br0">
       <inkml:brushProperty name="width" value="0.3" units="cm"/>
       <inkml:brushProperty name="height" value="0.6" units="cm"/>
-      <inkml:brushProperty name="color" value="#00F900"/>
+      <inkml:brushProperty name="color" value="#FFFC00"/>
       <inkml:brushProperty name="tip" value="rectangle"/>
       <inkml:brushProperty name="rasterOp" value="maskPen"/>
       <inkml:brushProperty name="ignorePressure" value="1"/>
     </inkml:brush>
   </inkml:definitions>
-  <inkml:trace contextRef="#ctx0" brushRef="#br0">1 189,'176'-15,"1"-1,279 18,-435-4,-1 0,0-1,0-1,31-11,-26 7,0 2,40-6,434 4,-283 11,2963-4,-3126 4,59 9,37 3,-124-14,-1 2,0 0,33 9,67 28,-114-36,33 9,1-1,1-2,0-3,60 4,184-10,-133-4,371 3,-492-2,-1-2,1-1,49-14,-48 10,1 2,66-6,-51 12,-7 0,89-12,82-23,90-17,-249 40,-26 5,1 2,61-5,68-3,16 0,818 12,-472 4,-369 0,172-5,-241-7,-49 4</inkml:trace>
+  <inkml:trace contextRef="#ctx0" brushRef="#br0">0 58,'2564'0,"-2389"-15,-17 1,340 13,-234 2,-238-2,0-2,29-6,28-3,192 8,-181 5,-63-1</inkml:trace>
 </inkml:ink>
 </file>
 
-<file path=ppt/ink/ink4.xml><?xml version="1.0" encoding="utf-8"?>
+<file path=ppt/ink/ink67.xml><?xml version="1.0" encoding="utf-8"?>
 <inkml:ink xmlns:inkml="http://www.w3.org/2003/InkML">
   <inkml:definitions>
     <inkml:context xml:id="ctx0">
@@ -6765,7 +8212,7 @@
           <inkml:channelProperty channel="Y" name="resolution" value="1000" units="1/cm"/>
         </inkml:channelProperties>
       </inkml:inkSource>
-      <inkml:timestamp xml:id="ts0" timeString="2023-01-06T08:33:57.845"/>
+      <inkml:timestamp xml:id="ts0" timeString="2023-01-07T03:59:01.585"/>
     </inkml:context>
     <inkml:brush xml:id="br0">
       <inkml:brushProperty name="width" value="0.3" units="cm"/>
@@ -6776,11 +8223,11 @@
       <inkml:brushProperty name="ignorePressure" value="1"/>
     </inkml:brush>
   </inkml:definitions>
-  <inkml:trace contextRef="#ctx0" brushRef="#br0">0 0,'690'0,"-660"2,0 1,1 2,45 13,-36-9,46 7,25-3,166 10,-250-24,0 2,0 1,0 1,0 1,51 15,-50-11,1-1,0-1,0-1,37 1,122-6,-105-2,159-11,-109 1,44-7,-104 10,81-1,76 11,-78 1,-141-2,0 1,-1 0,1 1,0-1,-1 2,1 0,-1 0,0 1,0 0,0 1,-1 0,1 0,8 7,36 28,79 74,41 62,-153-155,1-1,0-1,1-1,1-1,1-2,0 0,32 13,-46-23,161 76,-135-61,-1 1,51 40,-64-41,-7-7,-1 0,2-1,35 19,-12-12,0 2,-1 1,-1 2,40 33,90 67,-45-37,-78-53,236 197,-260-212,1-1,45 29,129 89,-162-114,-1 2,0 1,-2 2,-1 1,42 50,-68-71,1-1,0 0,1-1,-1 1,1-1,10 7,-13-10,0-1,0 1,0-1,1 0,-1 0,0 0,0-1,1 1,-1-1,0 0,1 0,-1 0,0 0,1 0,-1-1,0 1,1-1,3-2,12-4,0-2,34-20,17-8,-24 19,78-18,-80 25,0-2,54-23,-78 25,30-21,-30 18,28-13,-25 15,-1 0,0-2,0 0,-2-2,1 0,-2-1,18-21,-17 19,1 2,0 0,1 0,45-24,-5-2,-43 27,27-15,48-18,164-61,-235 100,-1-1,0-1,34-25,-35 22,0 1,0 1,36-15,1 7,-12 4,-1-1,62-35,80-54,244-101,-379 185,0-3,-1-3,83-61,-82 43,-39 34,1 0,26-19,-26 24,0 0,0 0,1 1,0 1,0 1,20-6,-27 10,-1-1,1 1,-1 1,1-1,-1 1,1 1,-1-1,1 1,-1 1,1-1,-1 1,0 0,0 1,0 0,11 6,5 6,41 36,-11-7,48 28,3-4,142 69,-201-115,-2 2,0 2,-2 2,0 2,58 56,-9 9,47 46,37 38,-99-100,12 13,-74-76,-1 1,0 0,-1 0,9 21,-8-11,33 63,-37-78,-1-1,2 0,-1 0,1-1,16 14,30 23,71 78,-123-121,121 144,-92-106,44 78,-52-74,2-2,63 81,168 162,-200-223,-35-42,-1 1,-1 1,-1 1,-2 0,19 36,-17-13,8 17,-24-58,1-1,0 1,0-1,0 0,1 0,9 9,-12-14,0 1,0-1,0 0,1 1,-1-1,0 0,0-1,1 1,-1 0,1-1,-1 1,0-1,1 1,-1-1,1 0,-1 0,1-1,-1 1,1 0,-1-1,1 1,-1-1,0 0,1 0,-1 0,0 0,0 0,0-1,3-1,4-3,-1-1,1 1,-1-2,-1 1,11-14,-5 3,-1 0,-1 0,17-38,20-68,-9 21,-24 66,2 1,1 1,32-47,-18 39,22-32,2 4,83-82,-125 140,1 1,0 1,1 1,31-16,72-23,-73 31,44-22,-17-1,80-60,4-7,-124 88,1 1,70-27,-62 29,-1-3,-1-1,71-50,-65 39,120-67,46-32,-63 12,10-6,-78 75,-56 36,0-1,-1-1,23-21,-14 10,47-30,-40 30,-2 2</inkml:trace>
+  <inkml:trace contextRef="#ctx0" brushRef="#br0">1 173,'79'1,"-18"1,0-3,77-12,-69 4,88-2,72 12,-77 1,960-2,-906 15,-1-1,-138-14,-15-1,1 2,61 10,-47-2,88 2,68-12,-83-1,-57 4,-33 0,80-7,-90-2,72-23,-67 17,49-9,67 5,-18 2,-63 7,-44 5,40-7,-31 2,0 2,50-1,93 9,-67 0,686-2,-763-2,-1-3,72-16,22-3,117 17,-212 8</inkml:trace>
 </inkml:ink>
 </file>
 
-<file path=ppt/ink/ink5.xml><?xml version="1.0" encoding="utf-8"?>
+<file path=ppt/ink/ink68.xml><?xml version="1.0" encoding="utf-8"?>
 <inkml:ink xmlns:inkml="http://www.w3.org/2003/InkML">
   <inkml:definitions>
     <inkml:context xml:id="ctx0">
@@ -6794,22 +8241,22 @@
           <inkml:channelProperty channel="Y" name="resolution" value="1000" units="1/cm"/>
         </inkml:channelProperties>
       </inkml:inkSource>
-      <inkml:timestamp xml:id="ts0" timeString="2023-01-06T08:34:09.237"/>
+      <inkml:timestamp xml:id="ts0" timeString="2023-01-07T03:59:08.031"/>
     </inkml:context>
     <inkml:brush xml:id="br0">
       <inkml:brushProperty name="width" value="0.3" units="cm"/>
       <inkml:brushProperty name="height" value="0.6" units="cm"/>
-      <inkml:brushProperty name="color" value="#FF2500"/>
+      <inkml:brushProperty name="color" value="#FFFC00"/>
       <inkml:brushProperty name="tip" value="rectangle"/>
       <inkml:brushProperty name="rasterOp" value="maskPen"/>
       <inkml:brushProperty name="ignorePressure" value="1"/>
     </inkml:brush>
   </inkml:definitions>
-  <inkml:trace contextRef="#ctx0" brushRef="#br0">0 321,'1104'0,"-862"16,-2-1,1147-16,-1340 4,0 2,83 19,-29-4,589 127,-643-136,-10-2,52 18,195 71,-239-83,-2 2,60 32,-68-31,1 0,1-3,1-1,44 10,211 28,-199-35,-49-10,63 19,-66-13,80 38,-103-40,0 0,-1 0,0 2,-1 0,-1 1,18 20,-30-30,5 7,2 0,-1-1,1 0,20 13,-28-21,1 0,0 0,-1 0,1 0,0-1,0 0,0 0,0 0,0 0,0-1,0 1,0-1,0 0,0 0,0-1,0 1,0-1,0 0,0 0,0 0,0-1,3-1,78-38,80-37,-124 61,98-45,-112 48,0-2,-1 0,25-22,-16 9,-13 10,1 0,41-25,95-35,44-26,-192 99,17-12,39-18,-56 31,0 1,0 0,1 1,0 0,-1 1,1 0,14 0,0 1,1-2,-1-1,0-1,0-1,0-2,46-19,-45 17,0 2,45-9,-40 11,40-14,15-6,1 4,111-14,-50 10,-68 7,96-37,38-9,-195 59,1 0,-1-1,-1-2,21-10,70-49,-103 64,23-19,14-9,-41 31,0-1,1 0,-1 1,1 0,-1-1,1 1,-1 1,1-1,0 1,-1-1,8 1,-2 2,0 0,0 0,-1 1,1 0,-1 0,0 1,0 0,0 0,0 1,12 10,3 5,40 43,-9 2,53 83,43 53,-128-177,0 0,2-2,0-1,2-1,51 32,91 30,-32-18,-103-47,10 5,43 29,-64-36,1-1,0-1,1-1,1-1,36 11,149 36,31 9,-61-3,-59-19,63 21,191 61,-233-83,-116-34,-1 1,1 2,28 19,-7-5,95 41,-48-25,-42-11,-45-26,1-1,0 0,0 0,1-1,-1 0,1 0,0-1,18 4,-19-5,1-1,-1 0,1 0,-1-1,1-1,-1 1,1-1,-1-1,1 1,-1-1,0-1,0 0,0 0,0 0,12-8,137-92,-135 85,-1 0,0-1,-1-1,29-39,48-56,-64 80,-2-2,26-41,-47 61,-2-1,0 0,-1-1,6-21,-8 22,0 0,1 1,2 0,-1 0,12-17,-4 15,0 0,1 1,0 1,2 0,0 1,35-23,-27 20,-6 4,1 1,0 0,1 2,41-18,-34 21,-1-2,0-1,48-29,299-172,-333 190,5-4,74-59,-79 54,88-52,68-29,-165 90,68-45,-76 48</inkml:trace>
+  <inkml:trace contextRef="#ctx0" brushRef="#br0">0 259,'3919'0,"-3878"-2,57-10,32-2,-113 14,576-40,-482 19,-72 12,1 1,69-2,-69 10,0-2,0-1,0-2,43-11,-41 6,0 2,1 1,53-1,135 9,-99 1,1247-2,-1355 2,-1 0,1 2,0 0,27 10,43 8,-8-13,173-6,-140-5,1994 1,-1887-13,-4-1,-200 15,30 0,85-10,-34-2,33-6,50-10,-131 19,95-3,57 14,-82 0,-9-1,153-3,-117-11,50-2,528 14,-346 3,978-2,-1187 15,-6-1,553-15,-690 1</inkml:trace>
 </inkml:ink>
 </file>
 
-<file path=ppt/ink/ink6.xml><?xml version="1.0" encoding="utf-8"?>
+<file path=ppt/ink/ink69.xml><?xml version="1.0" encoding="utf-8"?>
 <inkml:ink xmlns:inkml="http://www.w3.org/2003/InkML">
   <inkml:definitions>
     <inkml:context xml:id="ctx0">
@@ -6823,18 +8270,18 @@
           <inkml:channelProperty channel="Y" name="resolution" value="1000" units="1/cm"/>
         </inkml:channelProperties>
       </inkml:inkSource>
-      <inkml:timestamp xml:id="ts0" timeString="2023-01-06T08:35:04.489"/>
+      <inkml:timestamp xml:id="ts0" timeString="2023-01-07T04:00:10.822"/>
     </inkml:context>
     <inkml:brush xml:id="br0">
       <inkml:brushProperty name="width" value="0.3" units="cm"/>
       <inkml:brushProperty name="height" value="0.6" units="cm"/>
-      <inkml:brushProperty name="color" value="#00FDFF"/>
+      <inkml:brushProperty name="color" value="#FFACD5"/>
       <inkml:brushProperty name="tip" value="rectangle"/>
       <inkml:brushProperty name="rasterOp" value="maskPen"/>
       <inkml:brushProperty name="ignorePressure" value="1"/>
     </inkml:brush>
   </inkml:definitions>
-  <inkml:trace contextRef="#ctx0" brushRef="#br0">1 4220,'209'-14,"-6"-1,-173 15,14 1,-1-2,1-2,69-14,-68 5,35-9,105-13,-109 24,76-6,-94 15,1 0,-1-2,82-15,101-18,-94 11,0 0,-19 8,-107 13,0-1,-1-1,0-1,20-10,117-52,-125 57,1 2,0 1,34-4,60 0,-78 10,1-2,73-19,-28 3,1 4,125-6,22-3,-154 15,-52 8,-1-2,1-2,64-20,68-42,-134 52,0-1,52-38,3-7,115-62,-175 111,0 1,62-16,-6 2,143-38,-20 6,56-25,-133 46,-29 10,-75 20,-1 0,0-2,-1-2,0 0,-1-1,28-20,-10-1,-2-1,-1-2,67-81,20-52,-55 73,29-44,-33 42,-5 7,-33 45,4-6,34-71,-56 102,0 0,2 1,23-27,-16 20,19-30,78-120,-81 131,70-69,-22 27,6-17,-36 39,111-103,3 32,-126 106,2 3,51-26,191-65,-251 104,-1-1,0-3,-2 0,54-45,37-15,-58 41,-40 24,1 1,47-16,-46 19,0 0,41-25,-60 30,0 0,0 1,1 0,-1 1,1 0,1 0,-1 1,0 0,1 1,0 0,-1 1,1 0,0 1,0 0,-1 0,1 1,0 1,20 5,-11-1,0 1,0 1,-1 1,0 1,-1 1,34 25,93 95,-51-41,145 92,-145-114,-33-20,-2 3,54 59,45 85,-78-90,-26-36,62 73,45 9,-62-63,-40-26,-2 2,-3 2,71 115,-102-150,2-1,0-1,2-1,37 29,51 53,-25-11,124 144,-193-220,2 0,1-2,37 28,3 1,-55-42,0 0,0-1,0 0,1-1,0 0,1 0,-1-1,1-1,0 0,0 0,0-1,14 2,56 1,138-9,-89-2,89 19,-62-2,352-8,-299-5,-190 0,0-2,0 0,-1-1,1-1,-1-1,28-13,-24 10,0 1,0 0,46-7,20 9,95 5,-8 1,-143-3,-1-2,0-2,0 0,0-2,35-16,-31 11,1 2,1 2,40-6,-48 12,3 0,1-1,-1-1,40-14,-49 12,-1-1,-1-2,0 0,0-1,21-17,-14 8,62-49,-79 61,-2-1,1-1,-2 0,1 0,11-20,-18 23,1 1,-1-2,0 1,-1 0,0 0,0-1,-1 1,0-1,-1 0,0 1,0-1,0 1,-1-1,-1 0,-2-8,-5-16</inkml:trace>
+  <inkml:trace contextRef="#ctx0" brushRef="#br0">0 0,'1174'0,"-1139"3,-1 1,1 1,-1 2,51 18,-45-13,0-2,66 9,-15-15,37 5,15 4,225-8,-210-7,1501 2,-1613 2,68 12,-39-3,90 11,-50-4,162 3,634-23,-851-1,63-10,-14 0,-73 9,0-1,-1-1,55-18,-38 6,2 2,0 3,0 1,1 4,66-4,157 13,-246-4,33-6,27-4,304 11,-206 3,700-1,-860 0</inkml:trace>
 </inkml:ink>
 </file>
 
@@ -6852,18 +8299,76 @@
           <inkml:channelProperty channel="Y" name="resolution" value="1000" units="1/cm"/>
         </inkml:channelProperties>
       </inkml:inkSource>
-      <inkml:timestamp xml:id="ts0" timeString="2023-01-06T08:35:24.533"/>
+      <inkml:timestamp xml:id="ts0" timeString="2023-01-07T03:27:58.953"/>
     </inkml:context>
     <inkml:brush xml:id="br0">
       <inkml:brushProperty name="width" value="0.3" units="cm"/>
       <inkml:brushProperty name="height" value="0.6" units="cm"/>
-      <inkml:brushProperty name="color" value="#00F900"/>
+      <inkml:brushProperty name="color" value="#FFFC00"/>
       <inkml:brushProperty name="tip" value="rectangle"/>
       <inkml:brushProperty name="rasterOp" value="maskPen"/>
       <inkml:brushProperty name="ignorePressure" value="1"/>
     </inkml:brush>
   </inkml:definitions>
-  <inkml:trace contextRef="#ctx0" brushRef="#br0">1 1,'51'0,"0"2,70 12,1 16,-82-18,1-2,1-2,69 5,-34-8,0 3,98 24,-49-7,-61-17,98 1,-61-6,-56 0,87 3,218 40,-335-42,25 4,-1 2,62 24,-21-2,2-4,1-3,90 13,-53-12,-52-10,1-3,130 8,12-24,105 3,-179 13,35 2,98-17,107 4,-28 36,-254-24,121 35,-71-13,256 66,-367-90,0-2,1-1,0-2,53 4,164 17,-164-15,119 2,-139-15,128-2,-153-1,-1-2,63-15,-23 1,0 4,1 4,126-2,283 13,-219 1,-237-3,-1-2,0-2,41-11,-4 1,55-12,58-11,-87 24,196-3,-263 17,60-10,-59 5,62-1,-1 13,147 28,-166-21,19 2,0 4,98 35,-178-49,211 69,-181-63,1-1,0-3,58 3,322-10,-168-3,287 3,-525 1,0 2,0 0,0 0,-1 2,21 7,-17-4,1-2,42 7,228-8,-170-7,-88 1,-1-2,1-1,49-13,99-38,-45 11,-65 25,-15 4,-2-1,93-42,-62 16,2 3,2 5,164-41,27-6,10 2,-249 71,1 3,0 1,75 4,27-1,-114-3,-1 0,50-14,-48 8</inkml:trace>
+  <inkml:trace contextRef="#ctx0" brushRef="#br0">1 174,'0'-1,"0"0,1 0,-1 0,1 0,-1 0,1 0,-1 0,1 0,-1 0,1 0,0 0,0 0,-1 1,1-1,0 0,0 1,0-1,0 0,0 1,0-1,0 1,0-1,0 1,0 0,0-1,0 1,2 0,36-6,-33 6,323-6,-186 9,698-3,-795-1,-1-3,-1-1,87-21,-95 18,1 2,52-2,27-3,-46 1,87 0,72 11,-82 2,183-3,-317-1,1-1,0 0,-1-1,0-1,25-9,25-7,-35 15,52-4,-51 8</inkml:trace>
+</inkml:ink>
+</file>
+
+<file path=ppt/ink/ink70.xml><?xml version="1.0" encoding="utf-8"?>
+<inkml:ink xmlns:inkml="http://www.w3.org/2003/InkML">
+  <inkml:definitions>
+    <inkml:context xml:id="ctx0">
+      <inkml:inkSource xml:id="inkSrc0">
+        <inkml:traceFormat>
+          <inkml:channel name="X" type="integer" min="-2.14748E9" max="2.14748E9" units="cm"/>
+          <inkml:channel name="Y" type="integer" min="-2.14748E9" max="2.14748E9" units="cm"/>
+        </inkml:traceFormat>
+        <inkml:channelProperties>
+          <inkml:channelProperty channel="X" name="resolution" value="1000" units="1/cm"/>
+          <inkml:channelProperty channel="Y" name="resolution" value="1000" units="1/cm"/>
+        </inkml:channelProperties>
+      </inkml:inkSource>
+      <inkml:timestamp xml:id="ts0" timeString="2023-01-07T04:01:41.859"/>
+    </inkml:context>
+    <inkml:brush xml:id="br0">
+      <inkml:brushProperty name="width" value="0.3" units="cm"/>
+      <inkml:brushProperty name="height" value="0.6" units="cm"/>
+      <inkml:brushProperty name="color" value="#8BFF8B"/>
+      <inkml:brushProperty name="tip" value="rectangle"/>
+      <inkml:brushProperty name="rasterOp" value="maskPen"/>
+      <inkml:brushProperty name="ignorePressure" value="1"/>
+    </inkml:brush>
+  </inkml:definitions>
+  <inkml:trace contextRef="#ctx0" brushRef="#br0">0 1,'3058'0,"-3040"1,1 1,0 1,-1 1,0 1,20 7,-12-4,40 8,1-9,0-3,87-7,-38 1,940 2,-1031 0</inkml:trace>
+</inkml:ink>
+</file>
+
+<file path=ppt/ink/ink71.xml><?xml version="1.0" encoding="utf-8"?>
+<inkml:ink xmlns:inkml="http://www.w3.org/2003/InkML">
+  <inkml:definitions>
+    <inkml:context xml:id="ctx0">
+      <inkml:inkSource xml:id="inkSrc0">
+        <inkml:traceFormat>
+          <inkml:channel name="X" type="integer" min="-2.14748E9" max="2.14748E9" units="cm"/>
+          <inkml:channel name="Y" type="integer" min="-2.14748E9" max="2.14748E9" units="cm"/>
+        </inkml:traceFormat>
+        <inkml:channelProperties>
+          <inkml:channelProperty channel="X" name="resolution" value="1000" units="1/cm"/>
+          <inkml:channelProperty channel="Y" name="resolution" value="1000" units="1/cm"/>
+        </inkml:channelProperties>
+      </inkml:inkSource>
+      <inkml:timestamp xml:id="ts0" timeString="2023-01-07T04:01:55.593"/>
+    </inkml:context>
+    <inkml:brush xml:id="br0">
+      <inkml:brushProperty name="width" value="0.3" units="cm"/>
+      <inkml:brushProperty name="height" value="0.6" units="cm"/>
+      <inkml:brushProperty name="color" value="#8BFF8B"/>
+      <inkml:brushProperty name="tip" value="rectangle"/>
+      <inkml:brushProperty name="rasterOp" value="maskPen"/>
+      <inkml:brushProperty name="ignorePressure" value="1"/>
+    </inkml:brush>
+  </inkml:definitions>
+  <inkml:trace contextRef="#ctx0" brushRef="#br0">1 1,'1298'0,"-1256"2,61 10,15 2,280-11,-205-5,534 2,-673 3,0 2,70 16,-71-10,0-3,73 2,783-12,-874 2</inkml:trace>
 </inkml:ink>
 </file>
 
@@ -6881,18 +8386,18 @@
           <inkml:channelProperty channel="Y" name="resolution" value="1000" units="1/cm"/>
         </inkml:channelProperties>
       </inkml:inkSource>
-      <inkml:timestamp xml:id="ts0" timeString="2023-01-06T10:36:04.862"/>
+      <inkml:timestamp xml:id="ts0" timeString="2023-01-07T03:28:01.770"/>
     </inkml:context>
     <inkml:brush xml:id="br0">
       <inkml:brushProperty name="width" value="0.3" units="cm"/>
       <inkml:brushProperty name="height" value="0.6" units="cm"/>
-      <inkml:brushProperty name="color" value="#FF8517"/>
+      <inkml:brushProperty name="color" value="#FFFC00"/>
       <inkml:brushProperty name="tip" value="rectangle"/>
       <inkml:brushProperty name="rasterOp" value="maskPen"/>
       <inkml:brushProperty name="ignorePressure" value="1"/>
     </inkml:brush>
   </inkml:definitions>
-  <inkml:trace contextRef="#ctx0" brushRef="#br0">1 3971,'17'1,"1"-1,-1-1,1-1,-1 0,1-1,-1-1,0-1,31-12,-11 0,-24 12,0 0,-1-1,0-1,0 0,0 0,-1-1,19-18,9-20,44-68,-19 23,-51 76,1 0,18-15,-22 21,1-1,-2 1,1-2,-1 1,-1-1,12-20,8-30,-11 22,22-35,45-50,-35 54,-37 49,19-40,5-9,72-81,0 0,-54 74,-31 46,28-51,28-61,38-77,-12-33,-90 225,1 0,30-40,16-27,72-121,-29 48,-75 108,-25 46,1 0,1 1,1-1,0 2,14-19,-1 6,0-2,31-55,-50 78,43-57,-2 3,-6 3,2 2,2 2,67-64,-47 58,2 3,89-58,-107 84,-23 14,0 0,-1-1,22-21,-14 11,1 1,1 1,1 2,1 1,52-23,-66 35,0 1,0 0,1 2,0 0,1 2,26-3,127 5,-99 3,103-3,141 5,-298-2,0 1,0 1,0 2,-1-1,1 2,-1 1,31 16,124 87,-154-97,25 18,2 0,-1 2,73 69,150 213,40 92,-194-226,-45-65,-26-50,77 131,12 107,-40-80,11 8,-47-86,-44-107,0-1,37 66,137 178,-149-230,-4 2,44 89,-55-95,39 57,-39-68,-1 1,30 74,-49-103,11 32,35 70,-29-77</inkml:trace>
+  <inkml:trace contextRef="#ctx0" brushRef="#br0">1 59,'859'0,"-669"-15,-15 0,-136 15,20-1,107-14,-126 9,1 2,46 2,-62 2</inkml:trace>
 </inkml:ink>
 </file>
 
@@ -6910,18 +8415,18 @@
           <inkml:channelProperty channel="Y" name="resolution" value="1000" units="1/cm"/>
         </inkml:channelProperties>
       </inkml:inkSource>
-      <inkml:timestamp xml:id="ts0" timeString="2023-01-06T10:36:12.511"/>
+      <inkml:timestamp xml:id="ts0" timeString="2023-01-07T03:28:03.534"/>
     </inkml:context>
     <inkml:brush xml:id="br0">
       <inkml:brushProperty name="width" value="0.3" units="cm"/>
       <inkml:brushProperty name="height" value="0.6" units="cm"/>
-      <inkml:brushProperty name="color" value="#00F900"/>
+      <inkml:brushProperty name="color" value="#FFFC00"/>
       <inkml:brushProperty name="tip" value="rectangle"/>
       <inkml:brushProperty name="rasterOp" value="maskPen"/>
       <inkml:brushProperty name="ignorePressure" value="1"/>
     </inkml:brush>
   </inkml:definitions>
-  <inkml:trace contextRef="#ctx0" brushRef="#br0">0 6908,'5'-1,"-1"1,0-1,1 0,-1 0,0 0,1 0,-1-1,0 0,0 1,0-2,-1 1,1 0,0-1,-1 0,0 1,1-1,-1-1,4-4,4-7,0-1,-1 0,8-19,3-3,31-36,-36 52,0 0,22-44,72-203,-65 123,-13 39,24-147,-43 191,-6 35,17-43,-15 45,13-50,-7-32,6-28,36-146,-46 230,2 0,28-68,8-30,-11-57,-9 33,51-221,-65 344,34-79,-30 85,-2-1,15-63,130-489,-131 490,-14 44,26-62,-23 79,12-29,32-111,-56 154,2 0,1 1,1 1,2 0,29-50,129-196,-118 187,-32 50,2 1,53-65,27-23,-80 97,77-81,-68 79,-2-2,37-52,-46 52,1-1,1 1,36-41,29-15,179-140,-230 205,2 1,74-33,-24 13,95-44,-114 55,-39 17,48-18,30-4,98-28,161-15,-262 63,159-7,95 23,-289 3,-56-1,0 1,1 1,-1 0,0 2,-1 0,28 10,-21-5,-1 2,0 1,38 27,130 111,-171-133,0 0,-1 1,-1 0,22 34,46 91,-30-49,115 165,-84-134,66 117,-60-45,-38-75,-3-18,4-2,115 163,65 83,-122-175,-95-141,1-2,2 0,1-1,2-1,41 41,79 76,-131-133,-1 0,-1 1,0 1,11 19,-13-19,0-1,1 0,1-1,0 0,12 10,9 6,0 0,48 59,31 58,16 8,-107-134,0 0,1-1,1-1,25 15,98 52,-63-38,14 7,74 47,-158-92,148 109,-101-75,2-2,118 58,19 10,-4 20,110 65,-179-127,85 49,-193-104,170 117,-36-27,-13-10,-55-27,-29-21,3-2,61 34,44 14,154 113,-242-151,-38-28,-1 1,-2 1,45 46,72 70,-106-105,-2 2,-2 2,44 58,72 126,-4 22,-28-15,-104-198,-2 1,0 0,-3 1,12 41,12 29,-1-6,-27-60</inkml:trace>
+  <inkml:trace contextRef="#ctx0" brushRef="#br0">0 0,'706'0,"-675"0</inkml:trace>
 </inkml:ink>
 </file>
 
@@ -7007,7 +8512,7 @@
           <a:p>
             <a:fld id="{45EA6B1C-6890-45DE-8C78-47EC495B9B53}" type="datetimeFigureOut">
               <a:rPr lang="ko-KR" altLang="en-US" smtClean="0"/>
-              <a:t>2023-01-06</a:t>
+              <a:t>2023-01-07</a:t>
             </a:fld>
             <a:endParaRPr lang="ko-KR" altLang="en-US"/>
           </a:p>
@@ -7497,7 +9002,7 @@
           <a:p>
             <a:fld id="{8351FA82-2ACE-4255-8976-FD9941CDAD57}" type="datetimeFigureOut">
               <a:rPr lang="ko-KR" altLang="en-US" smtClean="0"/>
-              <a:t>2023-01-06</a:t>
+              <a:t>2023-01-07</a:t>
             </a:fld>
             <a:endParaRPr lang="ko-KR" altLang="en-US"/>
           </a:p>
@@ -7708,7 +9213,7 @@
           <a:p>
             <a:fld id="{8351FA82-2ACE-4255-8976-FD9941CDAD57}" type="datetimeFigureOut">
               <a:rPr lang="ko-KR" altLang="en-US" smtClean="0"/>
-              <a:t>2023-01-06</a:t>
+              <a:t>2023-01-07</a:t>
             </a:fld>
             <a:endParaRPr lang="ko-KR" altLang="en-US"/>
           </a:p>
@@ -7923,7 +9428,7 @@
           <a:p>
             <a:fld id="{8351FA82-2ACE-4255-8976-FD9941CDAD57}" type="datetimeFigureOut">
               <a:rPr lang="ko-KR" altLang="en-US" smtClean="0"/>
-              <a:t>2023-01-06</a:t>
+              <a:t>2023-01-07</a:t>
             </a:fld>
             <a:endParaRPr lang="ko-KR" altLang="en-US"/>
           </a:p>
@@ -8124,7 +9629,7 @@
           <a:p>
             <a:fld id="{8351FA82-2ACE-4255-8976-FD9941CDAD57}" type="datetimeFigureOut">
               <a:rPr lang="ko-KR" altLang="en-US" smtClean="0"/>
-              <a:t>2023-01-06</a:t>
+              <a:t>2023-01-07</a:t>
             </a:fld>
             <a:endParaRPr lang="ko-KR" altLang="en-US"/>
           </a:p>
@@ -8403,7 +9908,7 @@
           <a:p>
             <a:fld id="{8351FA82-2ACE-4255-8976-FD9941CDAD57}" type="datetimeFigureOut">
               <a:rPr lang="ko-KR" altLang="en-US" smtClean="0"/>
-              <a:t>2023-01-06</a:t>
+              <a:t>2023-01-07</a:t>
             </a:fld>
             <a:endParaRPr lang="ko-KR" altLang="en-US"/>
           </a:p>
@@ -8671,7 +10176,7 @@
           <a:p>
             <a:fld id="{8351FA82-2ACE-4255-8976-FD9941CDAD57}" type="datetimeFigureOut">
               <a:rPr lang="ko-KR" altLang="en-US" smtClean="0"/>
-              <a:t>2023-01-06</a:t>
+              <a:t>2023-01-07</a:t>
             </a:fld>
             <a:endParaRPr lang="ko-KR" altLang="en-US"/>
           </a:p>
@@ -9087,7 +10592,7 @@
           <a:p>
             <a:fld id="{8351FA82-2ACE-4255-8976-FD9941CDAD57}" type="datetimeFigureOut">
               <a:rPr lang="ko-KR" altLang="en-US" smtClean="0"/>
-              <a:t>2023-01-06</a:t>
+              <a:t>2023-01-07</a:t>
             </a:fld>
             <a:endParaRPr lang="ko-KR" altLang="en-US"/>
           </a:p>
@@ -9236,7 +10741,7 @@
           <a:p>
             <a:fld id="{8351FA82-2ACE-4255-8976-FD9941CDAD57}" type="datetimeFigureOut">
               <a:rPr lang="ko-KR" altLang="en-US" smtClean="0"/>
-              <a:t>2023-01-06</a:t>
+              <a:t>2023-01-07</a:t>
             </a:fld>
             <a:endParaRPr lang="ko-KR" altLang="en-US"/>
           </a:p>
@@ -9362,7 +10867,7 @@
           <a:p>
             <a:fld id="{8351FA82-2ACE-4255-8976-FD9941CDAD57}" type="datetimeFigureOut">
               <a:rPr lang="ko-KR" altLang="en-US" smtClean="0"/>
-              <a:t>2023-01-06</a:t>
+              <a:t>2023-01-07</a:t>
             </a:fld>
             <a:endParaRPr lang="ko-KR" altLang="en-US"/>
           </a:p>
@@ -9613,7 +11118,7 @@
           <a:p>
             <a:fld id="{8351FA82-2ACE-4255-8976-FD9941CDAD57}" type="datetimeFigureOut">
               <a:rPr lang="ko-KR" altLang="en-US" smtClean="0"/>
-              <a:t>2023-01-06</a:t>
+              <a:t>2023-01-07</a:t>
             </a:fld>
             <a:endParaRPr lang="ko-KR" altLang="en-US"/>
           </a:p>
@@ -10058,7 +11563,7 @@
           <a:p>
             <a:fld id="{8351FA82-2ACE-4255-8976-FD9941CDAD57}" type="datetimeFigureOut">
               <a:rPr lang="ko-KR" altLang="en-US" smtClean="0"/>
-              <a:t>2023-01-06</a:t>
+              <a:t>2023-01-07</a:t>
             </a:fld>
             <a:endParaRPr lang="ko-KR" altLang="en-US"/>
           </a:p>
@@ -10385,7 +11890,7 @@
           <a:p>
             <a:fld id="{8351FA82-2ACE-4255-8976-FD9941CDAD57}" type="datetimeFigureOut">
               <a:rPr lang="ko-KR" altLang="en-US" smtClean="0"/>
-              <a:t>2023-01-06</a:t>
+              <a:t>2023-01-07</a:t>
             </a:fld>
             <a:endParaRPr lang="ko-KR" altLang="en-US"/>
           </a:p>
@@ -12614,8 +14119,8 @@
           </a:prstGeom>
         </p:spPr>
       </p:pic>
-      <mc:AlternateContent xmlns:mc="http://schemas.openxmlformats.org/markup-compatibility/2006">
-        <mc:Choice xmlns:p14="http://schemas.microsoft.com/office/powerpoint/2010/main" Requires="p14">
+      <mc:AlternateContent xmlns:mc="http://schemas.openxmlformats.org/markup-compatibility/2006" xmlns:p14="http://schemas.microsoft.com/office/powerpoint/2010/main">
+        <mc:Choice Requires="p14">
           <p:contentPart p14:bwMode="auto" r:id="rId4">
             <p14:nvContentPartPr>
               <p14:cNvPr id="8" name="잉크 7">
@@ -12634,7 +14139,7 @@
             </p14:xfrm>
           </p:contentPart>
         </mc:Choice>
-        <mc:Fallback>
+        <mc:Fallback xmlns="">
           <p:pic>
             <p:nvPicPr>
               <p:cNvPr id="8" name="잉크 7">
@@ -12665,8 +14170,8 @@
           </p:pic>
         </mc:Fallback>
       </mc:AlternateContent>
-      <mc:AlternateContent xmlns:mc="http://schemas.openxmlformats.org/markup-compatibility/2006">
-        <mc:Choice xmlns:p14="http://schemas.microsoft.com/office/powerpoint/2010/main" Requires="p14">
+      <mc:AlternateContent xmlns:mc="http://schemas.openxmlformats.org/markup-compatibility/2006" xmlns:p14="http://schemas.microsoft.com/office/powerpoint/2010/main">
+        <mc:Choice Requires="p14">
           <p:contentPart p14:bwMode="auto" r:id="rId6">
             <p14:nvContentPartPr>
               <p14:cNvPr id="11" name="잉크 10">
@@ -12685,7 +14190,7 @@
             </p14:xfrm>
           </p:contentPart>
         </mc:Choice>
-        <mc:Fallback>
+        <mc:Fallback xmlns="">
           <p:pic>
             <p:nvPicPr>
               <p:cNvPr id="11" name="잉크 10">
@@ -12716,8 +14221,8 @@
           </p:pic>
         </mc:Fallback>
       </mc:AlternateContent>
-      <mc:AlternateContent xmlns:mc="http://schemas.openxmlformats.org/markup-compatibility/2006">
-        <mc:Choice xmlns:p14="http://schemas.microsoft.com/office/powerpoint/2010/main" Requires="p14">
+      <mc:AlternateContent xmlns:mc="http://schemas.openxmlformats.org/markup-compatibility/2006" xmlns:p14="http://schemas.microsoft.com/office/powerpoint/2010/main">
+        <mc:Choice Requires="p14">
           <p:contentPart p14:bwMode="auto" r:id="rId8">
             <p14:nvContentPartPr>
               <p14:cNvPr id="13" name="잉크 12">
@@ -12736,7 +14241,7 @@
             </p14:xfrm>
           </p:contentPart>
         </mc:Choice>
-        <mc:Fallback>
+        <mc:Fallback xmlns="">
           <p:pic>
             <p:nvPicPr>
               <p:cNvPr id="13" name="잉크 12">
@@ -13413,7 +14918,7 @@
             </a:br>
             <a:r>
               <a:rPr lang="en-US" altLang="ko-KR" dirty="0"/>
-              <a:t>	: 2012</a:t>
+              <a:t>	: 2011</a:t>
             </a:r>
             <a:r>
               <a:rPr lang="ko-KR" altLang="en-US" dirty="0"/>
@@ -15025,8 +16530,8 @@
         </p:nvSpPr>
         <p:spPr>
           <a:xfrm>
-            <a:off x="9732404" y="3156795"/>
-            <a:ext cx="1117600" cy="462337"/>
+            <a:off x="2414427" y="3156795"/>
+            <a:ext cx="8558373" cy="462337"/>
           </a:xfrm>
           <a:prstGeom prst="rect">
             <a:avLst/>
@@ -15084,8 +16589,8 @@
         </p:nvSpPr>
         <p:spPr>
           <a:xfrm>
-            <a:off x="9732404" y="4854670"/>
-            <a:ext cx="1117600" cy="462337"/>
+            <a:off x="2414427" y="4854670"/>
+            <a:ext cx="8558373" cy="462337"/>
           </a:xfrm>
           <a:prstGeom prst="rect">
             <a:avLst/>
@@ -15327,6 +16832,94 @@
                                           </p:stCondLst>
                                         </p:cTn>
                                         <p:tgtEl>
+                                          <p:spTgt spid="4"/>
+                                        </p:tgtEl>
+                                        <p:attrNameLst>
+                                          <p:attrName>style.visibility</p:attrName>
+                                        </p:attrNameLst>
+                                      </p:cBhvr>
+                                      <p:to>
+                                        <p:strVal val="visible"/>
+                                      </p:to>
+                                    </p:set>
+                                    <p:animEffect transition="in" filter="fade">
+                                      <p:cBhvr>
+                                        <p:cTn id="7" dur="500"/>
+                                        <p:tgtEl>
+                                          <p:spTgt spid="4"/>
+                                        </p:tgtEl>
+                                      </p:cBhvr>
+                                    </p:animEffect>
+                                  </p:childTnLst>
+                                </p:cTn>
+                              </p:par>
+                              <p:par>
+                                <p:cTn id="8" presetID="10" presetClass="entr" presetSubtype="0" fill="hold" grpId="0" nodeType="withEffect">
+                                  <p:stCondLst>
+                                    <p:cond delay="0"/>
+                                  </p:stCondLst>
+                                  <p:childTnLst>
+                                    <p:set>
+                                      <p:cBhvr>
+                                        <p:cTn id="9" dur="1" fill="hold">
+                                          <p:stCondLst>
+                                            <p:cond delay="0"/>
+                                          </p:stCondLst>
+                                        </p:cTn>
+                                        <p:tgtEl>
+                                          <p:spTgt spid="5"/>
+                                        </p:tgtEl>
+                                        <p:attrNameLst>
+                                          <p:attrName>style.visibility</p:attrName>
+                                        </p:attrNameLst>
+                                      </p:cBhvr>
+                                      <p:to>
+                                        <p:strVal val="visible"/>
+                                      </p:to>
+                                    </p:set>
+                                    <p:animEffect transition="in" filter="fade">
+                                      <p:cBhvr>
+                                        <p:cTn id="10" dur="500"/>
+                                        <p:tgtEl>
+                                          <p:spTgt spid="5"/>
+                                        </p:tgtEl>
+                                      </p:cBhvr>
+                                    </p:animEffect>
+                                  </p:childTnLst>
+                                </p:cTn>
+                              </p:par>
+                            </p:childTnLst>
+                          </p:cTn>
+                        </p:par>
+                      </p:childTnLst>
+                    </p:cTn>
+                  </p:par>
+                  <p:par>
+                    <p:cTn id="11" fill="hold">
+                      <p:stCondLst>
+                        <p:cond delay="indefinite"/>
+                      </p:stCondLst>
+                      <p:childTnLst>
+                        <p:par>
+                          <p:cTn id="12" fill="hold">
+                            <p:stCondLst>
+                              <p:cond delay="0"/>
+                            </p:stCondLst>
+                            <p:childTnLst>
+                              <p:par>
+                                <p:cTn id="13" presetID="10" presetClass="entr" presetSubtype="0" fill="hold" grpId="0" nodeType="clickEffect">
+                                  <p:stCondLst>
+                                    <p:cond delay="0"/>
+                                  </p:stCondLst>
+                                  <p:childTnLst>
+                                    <p:set>
+                                      <p:cBhvr>
+                                        <p:cTn id="14" dur="1" fill="hold">
+                                          <p:stCondLst>
+                                            <p:cond delay="0"/>
+                                          </p:stCondLst>
+                                        </p:cTn>
+                                        <p:tgtEl>
                                           <p:spTgt spid="9"/>
                                         </p:tgtEl>
                                         <p:attrNameLst>
@@ -15339,7 +16932,7 @@
                                     </p:set>
                                     <p:animEffect transition="in" filter="fade">
                                       <p:cBhvr>
-                                        <p:cTn id="7" dur="500"/>
+                                        <p:cTn id="15" dur="500"/>
                                         <p:tgtEl>
                                           <p:spTgt spid="9"/>
                                         </p:tgtEl>
@@ -15376,6 +16969,8 @@
       </p:par>
     </p:tnLst>
     <p:bldLst>
+      <p:bldP spid="4" grpId="0" animBg="1"/>
+      <p:bldP spid="5" grpId="0" animBg="1"/>
       <p:bldP spid="9" grpId="0" animBg="1"/>
     </p:bldLst>
   </p:timing>
@@ -15844,6 +17439,210 @@
           </a:prstGeom>
         </p:spPr>
       </p:pic>
+      <mc:AlternateContent xmlns:mc="http://schemas.openxmlformats.org/markup-compatibility/2006">
+        <mc:Choice xmlns:p14="http://schemas.microsoft.com/office/powerpoint/2010/main" Requires="p14">
+          <p:contentPart p14:bwMode="auto" r:id="rId4">
+            <p14:nvContentPartPr>
+              <p14:cNvPr id="2" name="잉크 1">
+                <a:extLst>
+                  <a:ext uri="{FF2B5EF4-FFF2-40B4-BE49-F238E27FC236}">
+                    <a16:creationId xmlns:a16="http://schemas.microsoft.com/office/drawing/2014/main" id="{FB58AE5D-4065-08BA-A313-50DA9475E59D}"/>
+                  </a:ext>
+                </a:extLst>
+              </p14:cNvPr>
+              <p14:cNvContentPartPr/>
+              <p14:nvPr/>
+            </p14:nvContentPartPr>
+            <p14:xfrm>
+              <a:off x="4714471" y="1241470"/>
+              <a:ext cx="1070280" cy="1101240"/>
+            </p14:xfrm>
+          </p:contentPart>
+        </mc:Choice>
+        <mc:Fallback>
+          <p:pic>
+            <p:nvPicPr>
+              <p:cNvPr id="2" name="잉크 1">
+                <a:extLst>
+                  <a:ext uri="{FF2B5EF4-FFF2-40B4-BE49-F238E27FC236}">
+                    <a16:creationId xmlns:a16="http://schemas.microsoft.com/office/drawing/2014/main" id="{FB58AE5D-4065-08BA-A313-50DA9475E59D}"/>
+                  </a:ext>
+                </a:extLst>
+              </p:cNvPr>
+              <p:cNvPicPr/>
+              <p:nvPr/>
+            </p:nvPicPr>
+            <p:blipFill>
+              <a:blip r:embed="rId5"/>
+              <a:stretch>
+                <a:fillRect/>
+              </a:stretch>
+            </p:blipFill>
+            <p:spPr>
+              <a:xfrm>
+                <a:off x="4660831" y="1133830"/>
+                <a:ext cx="1177920" cy="1316880"/>
+              </a:xfrm>
+              <a:prstGeom prst="rect">
+                <a:avLst/>
+              </a:prstGeom>
+            </p:spPr>
+          </p:pic>
+        </mc:Fallback>
+      </mc:AlternateContent>
+      <mc:AlternateContent xmlns:mc="http://schemas.openxmlformats.org/markup-compatibility/2006">
+        <mc:Choice xmlns:p14="http://schemas.microsoft.com/office/powerpoint/2010/main" Requires="p14">
+          <p:contentPart p14:bwMode="auto" r:id="rId6">
+            <p14:nvContentPartPr>
+              <p14:cNvPr id="3" name="잉크 2">
+                <a:extLst>
+                  <a:ext uri="{FF2B5EF4-FFF2-40B4-BE49-F238E27FC236}">
+                    <a16:creationId xmlns:a16="http://schemas.microsoft.com/office/drawing/2014/main" id="{FBC7A31F-1583-FBE8-8F78-1CAC5A721AB7}"/>
+                  </a:ext>
+                </a:extLst>
+              </p14:cNvPr>
+              <p14:cNvContentPartPr/>
+              <p14:nvPr/>
+            </p14:nvContentPartPr>
+            <p14:xfrm>
+              <a:off x="8197471" y="1098550"/>
+              <a:ext cx="1002240" cy="1069920"/>
+            </p14:xfrm>
+          </p:contentPart>
+        </mc:Choice>
+        <mc:Fallback>
+          <p:pic>
+            <p:nvPicPr>
+              <p:cNvPr id="3" name="잉크 2">
+                <a:extLst>
+                  <a:ext uri="{FF2B5EF4-FFF2-40B4-BE49-F238E27FC236}">
+                    <a16:creationId xmlns:a16="http://schemas.microsoft.com/office/drawing/2014/main" id="{FBC7A31F-1583-FBE8-8F78-1CAC5A721AB7}"/>
+                  </a:ext>
+                </a:extLst>
+              </p:cNvPr>
+              <p:cNvPicPr/>
+              <p:nvPr/>
+            </p:nvPicPr>
+            <p:blipFill>
+              <a:blip r:embed="rId7"/>
+              <a:stretch>
+                <a:fillRect/>
+              </a:stretch>
+            </p:blipFill>
+            <p:spPr>
+              <a:xfrm>
+                <a:off x="8143831" y="990910"/>
+                <a:ext cx="1109880" cy="1285560"/>
+              </a:xfrm>
+              <a:prstGeom prst="rect">
+                <a:avLst/>
+              </a:prstGeom>
+            </p:spPr>
+          </p:pic>
+        </mc:Fallback>
+      </mc:AlternateContent>
+      <mc:AlternateContent xmlns:mc="http://schemas.openxmlformats.org/markup-compatibility/2006">
+        <mc:Choice xmlns:p14="http://schemas.microsoft.com/office/powerpoint/2010/main" Requires="p14">
+          <p:contentPart p14:bwMode="auto" r:id="rId8">
+            <p14:nvContentPartPr>
+              <p14:cNvPr id="4" name="잉크 3">
+                <a:extLst>
+                  <a:ext uri="{FF2B5EF4-FFF2-40B4-BE49-F238E27FC236}">
+                    <a16:creationId xmlns:a16="http://schemas.microsoft.com/office/drawing/2014/main" id="{A12BE6A1-1E08-7CD1-B65C-96E443F64BE5}"/>
+                  </a:ext>
+                </a:extLst>
+              </p14:cNvPr>
+              <p14:cNvContentPartPr/>
+              <p14:nvPr/>
+            </p14:nvContentPartPr>
+            <p14:xfrm>
+              <a:off x="8197831" y="4589830"/>
+              <a:ext cx="968400" cy="846000"/>
+            </p14:xfrm>
+          </p:contentPart>
+        </mc:Choice>
+        <mc:Fallback>
+          <p:pic>
+            <p:nvPicPr>
+              <p:cNvPr id="4" name="잉크 3">
+                <a:extLst>
+                  <a:ext uri="{FF2B5EF4-FFF2-40B4-BE49-F238E27FC236}">
+                    <a16:creationId xmlns:a16="http://schemas.microsoft.com/office/drawing/2014/main" id="{A12BE6A1-1E08-7CD1-B65C-96E443F64BE5}"/>
+                  </a:ext>
+                </a:extLst>
+              </p:cNvPr>
+              <p:cNvPicPr/>
+              <p:nvPr/>
+            </p:nvPicPr>
+            <p:blipFill>
+              <a:blip r:embed="rId9"/>
+              <a:stretch>
+                <a:fillRect/>
+              </a:stretch>
+            </p:blipFill>
+            <p:spPr>
+              <a:xfrm>
+                <a:off x="8143831" y="4482190"/>
+                <a:ext cx="1076040" cy="1061640"/>
+              </a:xfrm>
+              <a:prstGeom prst="rect">
+                <a:avLst/>
+              </a:prstGeom>
+            </p:spPr>
+          </p:pic>
+        </mc:Fallback>
+      </mc:AlternateContent>
+      <mc:AlternateContent xmlns:mc="http://schemas.openxmlformats.org/markup-compatibility/2006">
+        <mc:Choice xmlns:p14="http://schemas.microsoft.com/office/powerpoint/2010/main" Requires="p14">
+          <p:contentPart p14:bwMode="auto" r:id="rId10">
+            <p14:nvContentPartPr>
+              <p14:cNvPr id="6" name="잉크 5">
+                <a:extLst>
+                  <a:ext uri="{FF2B5EF4-FFF2-40B4-BE49-F238E27FC236}">
+                    <a16:creationId xmlns:a16="http://schemas.microsoft.com/office/drawing/2014/main" id="{76F0C403-C5DF-FA69-37E3-93764F8238A3}"/>
+                  </a:ext>
+                </a:extLst>
+              </p14:cNvPr>
+              <p14:cNvContentPartPr/>
+              <p14:nvPr/>
+            </p14:nvContentPartPr>
+            <p14:xfrm>
+              <a:off x="3430351" y="5598550"/>
+              <a:ext cx="1006920" cy="874080"/>
+            </p14:xfrm>
+          </p:contentPart>
+        </mc:Choice>
+        <mc:Fallback>
+          <p:pic>
+            <p:nvPicPr>
+              <p:cNvPr id="6" name="잉크 5">
+                <a:extLst>
+                  <a:ext uri="{FF2B5EF4-FFF2-40B4-BE49-F238E27FC236}">
+                    <a16:creationId xmlns:a16="http://schemas.microsoft.com/office/drawing/2014/main" id="{76F0C403-C5DF-FA69-37E3-93764F8238A3}"/>
+                  </a:ext>
+                </a:extLst>
+              </p:cNvPr>
+              <p:cNvPicPr/>
+              <p:nvPr/>
+            </p:nvPicPr>
+            <p:blipFill>
+              <a:blip r:embed="rId11"/>
+              <a:stretch>
+                <a:fillRect/>
+              </a:stretch>
+            </p:blipFill>
+            <p:spPr>
+              <a:xfrm>
+                <a:off x="3376351" y="5490910"/>
+                <a:ext cx="1114560" cy="1089720"/>
+              </a:xfrm>
+              <a:prstGeom prst="rect">
+                <a:avLst/>
+              </a:prstGeom>
+            </p:spPr>
+          </p:pic>
+        </mc:Fallback>
+      </mc:AlternateContent>
     </p:spTree>
     <p:extLst>
       <p:ext uri="{BB962C8B-B14F-4D97-AF65-F5344CB8AC3E}">
@@ -15866,6 +17665,263 @@
       </p:transition>
     </mc:Fallback>
   </mc:AlternateContent>
+  <p:timing>
+    <p:tnLst>
+      <p:par>
+        <p:cTn id="1" dur="indefinite" restart="never" nodeType="tmRoot">
+          <p:childTnLst>
+            <p:seq concurrent="1" nextAc="seek">
+              <p:cTn id="2" dur="indefinite" nodeType="mainSeq">
+                <p:childTnLst>
+                  <p:par>
+                    <p:cTn id="3" fill="hold">
+                      <p:stCondLst>
+                        <p:cond delay="indefinite"/>
+                      </p:stCondLst>
+                      <p:childTnLst>
+                        <p:par>
+                          <p:cTn id="4" fill="hold">
+                            <p:stCondLst>
+                              <p:cond delay="0"/>
+                            </p:stCondLst>
+                            <p:childTnLst>
+                              <p:par>
+                                <p:cTn id="5" presetID="63" presetClass="entr" presetSubtype="0" fill="hold" nodeType="clickEffect">
+                                  <p:stCondLst>
+                                    <p:cond delay="0"/>
+                                  </p:stCondLst>
+                                  <p:childTnLst>
+                                    <p:set>
+                                      <p:cBhvr>
+                                        <p:cTn id="6" dur="1" fill="hold">
+                                          <p:stCondLst>
+                                            <p:cond delay="0"/>
+                                          </p:stCondLst>
+                                        </p:cTn>
+                                        <p:tgtEl>
+                                          <p:spTgt spid="2"/>
+                                        </p:tgtEl>
+                                        <p:attrNameLst>
+                                          <p:attrName>style.visibility</p:attrName>
+                                        </p:attrNameLst>
+                                      </p:cBhvr>
+                                      <p:to>
+                                        <p:strVal val="visible"/>
+                                      </p:to>
+                                    </p:set>
+                                    <p:anim calcmode="lin" valueType="num">
+                                      <p:cBhvr>
+                                        <p:cTn id="7" dur="2000" fill="hold"/>
+                                        <p:tgtEl>
+                                          <p:spTgt spid="2"/>
+                                        </p:tgtEl>
+                                        <p:attrNameLst>
+                                          <p:attrName>drawProgress</p:attrName>
+                                        </p:attrNameLst>
+                                      </p:cBhvr>
+                                      <p:tavLst>
+                                        <p:tav tm="0">
+                                          <p:val>
+                                            <p:fltVal val="0"/>
+                                          </p:val>
+                                        </p:tav>
+                                        <p:tav tm="100000">
+                                          <p:val>
+                                            <p:fltVal val="1"/>
+                                          </p:val>
+                                        </p:tav>
+                                      </p:tavLst>
+                                    </p:anim>
+                                  </p:childTnLst>
+                                </p:cTn>
+                              </p:par>
+                              <p:par>
+                                <p:cTn id="8" presetID="63" presetClass="entr" presetSubtype="0" fill="hold" nodeType="withEffect">
+                                  <p:stCondLst>
+                                    <p:cond delay="0"/>
+                                  </p:stCondLst>
+                                  <p:childTnLst>
+                                    <p:set>
+                                      <p:cBhvr>
+                                        <p:cTn id="9" dur="1" fill="hold">
+                                          <p:stCondLst>
+                                            <p:cond delay="0"/>
+                                          </p:stCondLst>
+                                        </p:cTn>
+                                        <p:tgtEl>
+                                          <p:spTgt spid="3"/>
+                                        </p:tgtEl>
+                                        <p:attrNameLst>
+                                          <p:attrName>style.visibility</p:attrName>
+                                        </p:attrNameLst>
+                                      </p:cBhvr>
+                                      <p:to>
+                                        <p:strVal val="visible"/>
+                                      </p:to>
+                                    </p:set>
+                                    <p:anim calcmode="lin" valueType="num">
+                                      <p:cBhvr>
+                                        <p:cTn id="10" dur="2000" fill="hold"/>
+                                        <p:tgtEl>
+                                          <p:spTgt spid="3"/>
+                                        </p:tgtEl>
+                                        <p:attrNameLst>
+                                          <p:attrName>drawProgress</p:attrName>
+                                        </p:attrNameLst>
+                                      </p:cBhvr>
+                                      <p:tavLst>
+                                        <p:tav tm="0">
+                                          <p:val>
+                                            <p:fltVal val="0"/>
+                                          </p:val>
+                                        </p:tav>
+                                        <p:tav tm="100000">
+                                          <p:val>
+                                            <p:fltVal val="1"/>
+                                          </p:val>
+                                        </p:tav>
+                                      </p:tavLst>
+                                    </p:anim>
+                                  </p:childTnLst>
+                                </p:cTn>
+                              </p:par>
+                              <p:par>
+                                <p:cTn id="11" presetID="63" presetClass="entr" presetSubtype="0" fill="hold" nodeType="withEffect">
+                                  <p:stCondLst>
+                                    <p:cond delay="0"/>
+                                  </p:stCondLst>
+                                  <p:childTnLst>
+                                    <p:set>
+                                      <p:cBhvr>
+                                        <p:cTn id="12" dur="1" fill="hold">
+                                          <p:stCondLst>
+                                            <p:cond delay="0"/>
+                                          </p:stCondLst>
+                                        </p:cTn>
+                                        <p:tgtEl>
+                                          <p:spTgt spid="4"/>
+                                        </p:tgtEl>
+                                        <p:attrNameLst>
+                                          <p:attrName>style.visibility</p:attrName>
+                                        </p:attrNameLst>
+                                      </p:cBhvr>
+                                      <p:to>
+                                        <p:strVal val="visible"/>
+                                      </p:to>
+                                    </p:set>
+                                    <p:anim calcmode="lin" valueType="num">
+                                      <p:cBhvr>
+                                        <p:cTn id="13" dur="2000" fill="hold"/>
+                                        <p:tgtEl>
+                                          <p:spTgt spid="4"/>
+                                        </p:tgtEl>
+                                        <p:attrNameLst>
+                                          <p:attrName>drawProgress</p:attrName>
+                                        </p:attrNameLst>
+                                      </p:cBhvr>
+                                      <p:tavLst>
+                                        <p:tav tm="0">
+                                          <p:val>
+                                            <p:fltVal val="0"/>
+                                          </p:val>
+                                        </p:tav>
+                                        <p:tav tm="100000">
+                                          <p:val>
+                                            <p:fltVal val="1"/>
+                                          </p:val>
+                                        </p:tav>
+                                      </p:tavLst>
+                                    </p:anim>
+                                  </p:childTnLst>
+                                </p:cTn>
+                              </p:par>
+                            </p:childTnLst>
+                          </p:cTn>
+                        </p:par>
+                        <p:par>
+                          <p:cTn id="14" fill="hold">
+                            <p:stCondLst>
+                              <p:cond delay="2000"/>
+                            </p:stCondLst>
+                            <p:childTnLst>
+                              <p:par>
+                                <p:cTn id="15" presetID="63" presetClass="entr" presetSubtype="0" fill="hold" nodeType="afterEffect">
+                                  <p:stCondLst>
+                                    <p:cond delay="0"/>
+                                  </p:stCondLst>
+                                  <p:childTnLst>
+                                    <p:set>
+                                      <p:cBhvr>
+                                        <p:cTn id="16" dur="1" fill="hold">
+                                          <p:stCondLst>
+                                            <p:cond delay="0"/>
+                                          </p:stCondLst>
+                                        </p:cTn>
+                                        <p:tgtEl>
+                                          <p:spTgt spid="6"/>
+                                        </p:tgtEl>
+                                        <p:attrNameLst>
+                                          <p:attrName>style.visibility</p:attrName>
+                                        </p:attrNameLst>
+                                      </p:cBhvr>
+                                      <p:to>
+                                        <p:strVal val="visible"/>
+                                      </p:to>
+                                    </p:set>
+                                    <p:anim calcmode="lin" valueType="num">
+                                      <p:cBhvr>
+                                        <p:cTn id="17" dur="2000" fill="hold"/>
+                                        <p:tgtEl>
+                                          <p:spTgt spid="6"/>
+                                        </p:tgtEl>
+                                        <p:attrNameLst>
+                                          <p:attrName>drawProgress</p:attrName>
+                                        </p:attrNameLst>
+                                      </p:cBhvr>
+                                      <p:tavLst>
+                                        <p:tav tm="0">
+                                          <p:val>
+                                            <p:fltVal val="0"/>
+                                          </p:val>
+                                        </p:tav>
+                                        <p:tav tm="100000">
+                                          <p:val>
+                                            <p:fltVal val="1"/>
+                                          </p:val>
+                                        </p:tav>
+                                      </p:tavLst>
+                                    </p:anim>
+                                  </p:childTnLst>
+                                </p:cTn>
+                              </p:par>
+                            </p:childTnLst>
+                          </p:cTn>
+                        </p:par>
+                      </p:childTnLst>
+                    </p:cTn>
+                  </p:par>
+                </p:childTnLst>
+              </p:cTn>
+              <p:prevCondLst>
+                <p:cond evt="onPrev" delay="0">
+                  <p:tgtEl>
+                    <p:sldTgt/>
+                  </p:tgtEl>
+                </p:cond>
+              </p:prevCondLst>
+              <p:nextCondLst>
+                <p:cond evt="onNext" delay="0">
+                  <p:tgtEl>
+                    <p:sldTgt/>
+                  </p:tgtEl>
+                </p:cond>
+              </p:nextCondLst>
+            </p:seq>
+          </p:childTnLst>
+        </p:cTn>
+      </p:par>
+    </p:tnLst>
+  </p:timing>
 </p:sld>
 </file>
 
@@ -17385,8 +19441,8 @@
           </a:prstGeom>
         </p:spPr>
       </p:pic>
-      <mc:AlternateContent xmlns:mc="http://schemas.openxmlformats.org/markup-compatibility/2006">
-        <mc:Choice xmlns:p14="http://schemas.microsoft.com/office/powerpoint/2010/main" Requires="p14">
+      <mc:AlternateContent xmlns:mc="http://schemas.openxmlformats.org/markup-compatibility/2006" xmlns:p14="http://schemas.microsoft.com/office/powerpoint/2010/main">
+        <mc:Choice Requires="p14">
           <p:contentPart p14:bwMode="auto" r:id="rId3">
             <p14:nvContentPartPr>
               <p14:cNvPr id="6" name="잉크 5">
@@ -17405,7 +19461,7 @@
             </p14:xfrm>
           </p:contentPart>
         </mc:Choice>
-        <mc:Fallback>
+        <mc:Fallback xmlns="">
           <p:pic>
             <p:nvPicPr>
               <p:cNvPr id="6" name="잉크 5">
@@ -17436,8 +19492,8 @@
           </p:pic>
         </mc:Fallback>
       </mc:AlternateContent>
-      <mc:AlternateContent xmlns:mc="http://schemas.openxmlformats.org/markup-compatibility/2006">
-        <mc:Choice xmlns:p14="http://schemas.microsoft.com/office/powerpoint/2010/main" Requires="p14">
+      <mc:AlternateContent xmlns:mc="http://schemas.openxmlformats.org/markup-compatibility/2006" xmlns:p14="http://schemas.microsoft.com/office/powerpoint/2010/main">
+        <mc:Choice Requires="p14">
           <p:contentPart p14:bwMode="auto" r:id="rId5">
             <p14:nvContentPartPr>
               <p14:cNvPr id="7" name="잉크 6">
@@ -17456,7 +19512,7 @@
             </p14:xfrm>
           </p:contentPart>
         </mc:Choice>
-        <mc:Fallback>
+        <mc:Fallback xmlns="">
           <p:pic>
             <p:nvPicPr>
               <p:cNvPr id="7" name="잉크 6">
@@ -17487,8 +19543,8 @@
           </p:pic>
         </mc:Fallback>
       </mc:AlternateContent>
-      <mc:AlternateContent xmlns:mc="http://schemas.openxmlformats.org/markup-compatibility/2006">
-        <mc:Choice xmlns:p14="http://schemas.microsoft.com/office/powerpoint/2010/main" Requires="p14">
+      <mc:AlternateContent xmlns:mc="http://schemas.openxmlformats.org/markup-compatibility/2006" xmlns:p14="http://schemas.microsoft.com/office/powerpoint/2010/main">
+        <mc:Choice Requires="p14">
           <p:contentPart p14:bwMode="auto" r:id="rId7">
             <p14:nvContentPartPr>
               <p14:cNvPr id="15" name="잉크 14">
@@ -17507,7 +19563,7 @@
             </p14:xfrm>
           </p:contentPart>
         </mc:Choice>
-        <mc:Fallback>
+        <mc:Fallback xmlns="">
           <p:pic>
             <p:nvPicPr>
               <p:cNvPr id="15" name="잉크 14">
@@ -17538,8 +19594,8 @@
           </p:pic>
         </mc:Fallback>
       </mc:AlternateContent>
-      <mc:AlternateContent xmlns:mc="http://schemas.openxmlformats.org/markup-compatibility/2006">
-        <mc:Choice xmlns:p14="http://schemas.microsoft.com/office/powerpoint/2010/main" Requires="p14">
+      <mc:AlternateContent xmlns:mc="http://schemas.openxmlformats.org/markup-compatibility/2006" xmlns:p14="http://schemas.microsoft.com/office/powerpoint/2010/main">
+        <mc:Choice Requires="p14">
           <p:contentPart p14:bwMode="auto" r:id="rId9">
             <p14:nvContentPartPr>
               <p14:cNvPr id="19" name="잉크 18">
@@ -17558,7 +19614,7 @@
             </p14:xfrm>
           </p:contentPart>
         </mc:Choice>
-        <mc:Fallback>
+        <mc:Fallback xmlns="">
           <p:pic>
             <p:nvPicPr>
               <p:cNvPr id="19" name="잉크 18">
@@ -18375,8 +20431,8 @@
         </p:blipFill>
         <p:spPr>
           <a:xfrm rot="209946">
-            <a:off x="5088875" y="-20190"/>
-            <a:ext cx="3166608" cy="4399545"/>
+            <a:off x="5399546" y="6766"/>
+            <a:ext cx="3166609" cy="4399545"/>
           </a:xfrm>
           <a:prstGeom prst="rect">
             <a:avLst/>
@@ -18411,7 +20467,7 @@
         </p:blipFill>
         <p:spPr>
           <a:xfrm rot="21070696">
-            <a:off x="250060" y="924234"/>
+            <a:off x="560731" y="951190"/>
             <a:ext cx="2978148" cy="3680740"/>
           </a:xfrm>
           <a:prstGeom prst="rect">
@@ -18447,7 +20503,7 @@
         </p:blipFill>
         <p:spPr>
           <a:xfrm rot="535176">
-            <a:off x="8251219" y="2290849"/>
+            <a:off x="8561890" y="2317805"/>
             <a:ext cx="3047161" cy="4168513"/>
           </a:xfrm>
           <a:prstGeom prst="rect">
@@ -18483,7 +20539,7 @@
         </p:blipFill>
         <p:spPr>
           <a:xfrm>
-            <a:off x="2551425" y="3380432"/>
+            <a:off x="2862096" y="3407388"/>
             <a:ext cx="3429181" cy="3450613"/>
           </a:xfrm>
           <a:prstGeom prst="rect">
@@ -18491,6 +20547,108 @@
           </a:prstGeom>
         </p:spPr>
       </p:pic>
+      <mc:AlternateContent xmlns:mc="http://schemas.openxmlformats.org/markup-compatibility/2006">
+        <mc:Choice xmlns:p14="http://schemas.microsoft.com/office/powerpoint/2010/main" Requires="p14">
+          <p:contentPart p14:bwMode="auto" r:id="rId8">
+            <p14:nvContentPartPr>
+              <p14:cNvPr id="9" name="잉크 8">
+                <a:extLst>
+                  <a:ext uri="{FF2B5EF4-FFF2-40B4-BE49-F238E27FC236}">
+                    <a16:creationId xmlns:a16="http://schemas.microsoft.com/office/drawing/2014/main" id="{E806444C-C467-636F-CDE0-1CA395904791}"/>
+                  </a:ext>
+                </a:extLst>
+              </p14:cNvPr>
+              <p14:cNvContentPartPr/>
+              <p14:nvPr/>
+            </p14:nvContentPartPr>
+            <p14:xfrm>
+              <a:off x="2146951" y="2659551"/>
+              <a:ext cx="2926080" cy="43200"/>
+            </p14:xfrm>
+          </p:contentPart>
+        </mc:Choice>
+        <mc:Fallback>
+          <p:pic>
+            <p:nvPicPr>
+              <p:cNvPr id="9" name="잉크 8">
+                <a:extLst>
+                  <a:ext uri="{FF2B5EF4-FFF2-40B4-BE49-F238E27FC236}">
+                    <a16:creationId xmlns:a16="http://schemas.microsoft.com/office/drawing/2014/main" id="{E806444C-C467-636F-CDE0-1CA395904791}"/>
+                  </a:ext>
+                </a:extLst>
+              </p:cNvPr>
+              <p:cNvPicPr/>
+              <p:nvPr/>
+            </p:nvPicPr>
+            <p:blipFill>
+              <a:blip r:embed="rId9"/>
+              <a:stretch>
+                <a:fillRect/>
+              </a:stretch>
+            </p:blipFill>
+            <p:spPr>
+              <a:xfrm>
+                <a:off x="2092951" y="2551911"/>
+                <a:ext cx="3033720" cy="258840"/>
+              </a:xfrm>
+              <a:prstGeom prst="rect">
+                <a:avLst/>
+              </a:prstGeom>
+            </p:spPr>
+          </p:pic>
+        </mc:Fallback>
+      </mc:AlternateContent>
+      <mc:AlternateContent xmlns:mc="http://schemas.openxmlformats.org/markup-compatibility/2006">
+        <mc:Choice xmlns:p14="http://schemas.microsoft.com/office/powerpoint/2010/main" Requires="p14">
+          <p:contentPart p14:bwMode="auto" r:id="rId10">
+            <p14:nvContentPartPr>
+              <p14:cNvPr id="10" name="잉크 9">
+                <a:extLst>
+                  <a:ext uri="{FF2B5EF4-FFF2-40B4-BE49-F238E27FC236}">
+                    <a16:creationId xmlns:a16="http://schemas.microsoft.com/office/drawing/2014/main" id="{B8502F3D-2B65-9F25-7DA9-DD29B19B8B27}"/>
+                  </a:ext>
+                </a:extLst>
+              </p14:cNvPr>
+              <p14:cNvContentPartPr/>
+              <p14:nvPr/>
+            </p14:nvContentPartPr>
+            <p14:xfrm>
+              <a:off x="2218591" y="3512391"/>
+              <a:ext cx="2510640" cy="22680"/>
+            </p14:xfrm>
+          </p:contentPart>
+        </mc:Choice>
+        <mc:Fallback>
+          <p:pic>
+            <p:nvPicPr>
+              <p:cNvPr id="10" name="잉크 9">
+                <a:extLst>
+                  <a:ext uri="{FF2B5EF4-FFF2-40B4-BE49-F238E27FC236}">
+                    <a16:creationId xmlns:a16="http://schemas.microsoft.com/office/drawing/2014/main" id="{B8502F3D-2B65-9F25-7DA9-DD29B19B8B27}"/>
+                  </a:ext>
+                </a:extLst>
+              </p:cNvPr>
+              <p:cNvPicPr/>
+              <p:nvPr/>
+            </p:nvPicPr>
+            <p:blipFill>
+              <a:blip r:embed="rId11"/>
+              <a:stretch>
+                <a:fillRect/>
+              </a:stretch>
+            </p:blipFill>
+            <p:spPr>
+              <a:xfrm>
+                <a:off x="2164951" y="3404391"/>
+                <a:ext cx="2618280" cy="238320"/>
+              </a:xfrm>
+              <a:prstGeom prst="rect">
+                <a:avLst/>
+              </a:prstGeom>
+            </p:spPr>
+          </p:pic>
+        </mc:Fallback>
+      </mc:AlternateContent>
     </p:spTree>
     <p:extLst>
       <p:ext uri="{BB962C8B-B14F-4D97-AF65-F5344CB8AC3E}">
@@ -18534,7 +20692,7 @@
                             </p:stCondLst>
                             <p:childTnLst>
                               <p:par>
-                                <p:cTn id="5" presetID="10" presetClass="entr" presetSubtype="0" fill="hold" nodeType="clickEffect">
+                                <p:cTn id="5" presetID="63" presetClass="entr" presetSubtype="0" fill="hold" nodeType="clickEffect">
                                   <p:stCondLst>
                                     <p:cond delay="0"/>
                                   </p:stCondLst>
@@ -18542,6 +20700,142 @@
                                     <p:set>
                                       <p:cBhvr>
                                         <p:cTn id="6" dur="1" fill="hold">
+                                          <p:stCondLst>
+                                            <p:cond delay="0"/>
+                                          </p:stCondLst>
+                                        </p:cTn>
+                                        <p:tgtEl>
+                                          <p:spTgt spid="9"/>
+                                        </p:tgtEl>
+                                        <p:attrNameLst>
+                                          <p:attrName>style.visibility</p:attrName>
+                                        </p:attrNameLst>
+                                      </p:cBhvr>
+                                      <p:to>
+                                        <p:strVal val="visible"/>
+                                      </p:to>
+                                    </p:set>
+                                    <p:anim calcmode="lin" valueType="num">
+                                      <p:cBhvr>
+                                        <p:cTn id="7" dur="2000" fill="hold"/>
+                                        <p:tgtEl>
+                                          <p:spTgt spid="9"/>
+                                        </p:tgtEl>
+                                        <p:attrNameLst>
+                                          <p:attrName>drawProgress</p:attrName>
+                                        </p:attrNameLst>
+                                      </p:cBhvr>
+                                      <p:tavLst>
+                                        <p:tav tm="0">
+                                          <p:val>
+                                            <p:fltVal val="0"/>
+                                          </p:val>
+                                        </p:tav>
+                                        <p:tav tm="100000">
+                                          <p:val>
+                                            <p:fltVal val="1"/>
+                                          </p:val>
+                                        </p:tav>
+                                      </p:tavLst>
+                                    </p:anim>
+                                  </p:childTnLst>
+                                </p:cTn>
+                              </p:par>
+                            </p:childTnLst>
+                          </p:cTn>
+                        </p:par>
+                      </p:childTnLst>
+                    </p:cTn>
+                  </p:par>
+                  <p:par>
+                    <p:cTn id="8" fill="hold">
+                      <p:stCondLst>
+                        <p:cond delay="indefinite"/>
+                      </p:stCondLst>
+                      <p:childTnLst>
+                        <p:par>
+                          <p:cTn id="9" fill="hold">
+                            <p:stCondLst>
+                              <p:cond delay="0"/>
+                            </p:stCondLst>
+                            <p:childTnLst>
+                              <p:par>
+                                <p:cTn id="10" presetID="63" presetClass="entr" presetSubtype="0" fill="hold" nodeType="clickEffect">
+                                  <p:stCondLst>
+                                    <p:cond delay="0"/>
+                                  </p:stCondLst>
+                                  <p:childTnLst>
+                                    <p:set>
+                                      <p:cBhvr>
+                                        <p:cTn id="11" dur="1" fill="hold">
+                                          <p:stCondLst>
+                                            <p:cond delay="0"/>
+                                          </p:stCondLst>
+                                        </p:cTn>
+                                        <p:tgtEl>
+                                          <p:spTgt spid="10"/>
+                                        </p:tgtEl>
+                                        <p:attrNameLst>
+                                          <p:attrName>style.visibility</p:attrName>
+                                        </p:attrNameLst>
+                                      </p:cBhvr>
+                                      <p:to>
+                                        <p:strVal val="visible"/>
+                                      </p:to>
+                                    </p:set>
+                                    <p:anim calcmode="lin" valueType="num">
+                                      <p:cBhvr>
+                                        <p:cTn id="12" dur="2000" fill="hold"/>
+                                        <p:tgtEl>
+                                          <p:spTgt spid="10"/>
+                                        </p:tgtEl>
+                                        <p:attrNameLst>
+                                          <p:attrName>drawProgress</p:attrName>
+                                        </p:attrNameLst>
+                                      </p:cBhvr>
+                                      <p:tavLst>
+                                        <p:tav tm="0">
+                                          <p:val>
+                                            <p:fltVal val="0"/>
+                                          </p:val>
+                                        </p:tav>
+                                        <p:tav tm="100000">
+                                          <p:val>
+                                            <p:fltVal val="1"/>
+                                          </p:val>
+                                        </p:tav>
+                                      </p:tavLst>
+                                    </p:anim>
+                                  </p:childTnLst>
+                                </p:cTn>
+                              </p:par>
+                            </p:childTnLst>
+                          </p:cTn>
+                        </p:par>
+                      </p:childTnLst>
+                    </p:cTn>
+                  </p:par>
+                  <p:par>
+                    <p:cTn id="13" fill="hold">
+                      <p:stCondLst>
+                        <p:cond delay="indefinite"/>
+                      </p:stCondLst>
+                      <p:childTnLst>
+                        <p:par>
+                          <p:cTn id="14" fill="hold">
+                            <p:stCondLst>
+                              <p:cond delay="0"/>
+                            </p:stCondLst>
+                            <p:childTnLst>
+                              <p:par>
+                                <p:cTn id="15" presetID="10" presetClass="entr" presetSubtype="0" fill="hold" nodeType="clickEffect">
+                                  <p:stCondLst>
+                                    <p:cond delay="0"/>
+                                  </p:stCondLst>
+                                  <p:childTnLst>
+                                    <p:set>
+                                      <p:cBhvr>
+                                        <p:cTn id="16" dur="1" fill="hold">
                                           <p:stCondLst>
                                             <p:cond delay="0"/>
                                           </p:stCondLst>
@@ -18559,7 +20853,7 @@
                                     </p:set>
                                     <p:animEffect transition="in" filter="fade">
                                       <p:cBhvr>
-                                        <p:cTn id="7" dur="500"/>
+                                        <p:cTn id="17" dur="500"/>
                                         <p:tgtEl>
                                           <p:spTgt spid="17"/>
                                         </p:tgtEl>
@@ -18569,14 +20863,14 @@
                                 </p:cTn>
                               </p:par>
                               <p:par>
-                                <p:cTn id="8" presetID="10" presetClass="entr" presetSubtype="0" fill="hold" nodeType="withEffect">
+                                <p:cTn id="18" presetID="10" presetClass="entr" presetSubtype="0" fill="hold" nodeType="withEffect">
                                   <p:stCondLst>
                                     <p:cond delay="0"/>
                                   </p:stCondLst>
                                   <p:childTnLst>
                                     <p:set>
                                       <p:cBhvr>
-                                        <p:cTn id="9" dur="1" fill="hold">
+                                        <p:cTn id="19" dur="1" fill="hold">
                                           <p:stCondLst>
                                             <p:cond delay="0"/>
                                           </p:stCondLst>
@@ -18594,7 +20888,7 @@
                                     </p:set>
                                     <p:animEffect transition="in" filter="fade">
                                       <p:cBhvr>
-                                        <p:cTn id="10" dur="500"/>
+                                        <p:cTn id="20" dur="500"/>
                                         <p:tgtEl>
                                           <p:spTgt spid="26"/>
                                         </p:tgtEl>
@@ -18604,14 +20898,14 @@
                                 </p:cTn>
                               </p:par>
                               <p:par>
-                                <p:cTn id="11" presetID="10" presetClass="entr" presetSubtype="0" fill="hold" nodeType="withEffect">
+                                <p:cTn id="21" presetID="10" presetClass="entr" presetSubtype="0" fill="hold" nodeType="withEffect">
                                   <p:stCondLst>
                                     <p:cond delay="0"/>
                                   </p:stCondLst>
                                   <p:childTnLst>
                                     <p:set>
                                       <p:cBhvr>
-                                        <p:cTn id="12" dur="1" fill="hold">
+                                        <p:cTn id="22" dur="1" fill="hold">
                                           <p:stCondLst>
                                             <p:cond delay="0"/>
                                           </p:stCondLst>
@@ -18629,7 +20923,7 @@
                                     </p:set>
                                     <p:animEffect transition="in" filter="fade">
                                       <p:cBhvr>
-                                        <p:cTn id="13" dur="500"/>
+                                        <p:cTn id="23" dur="500"/>
                                         <p:tgtEl>
                                           <p:spTgt spid="28"/>
                                         </p:tgtEl>
@@ -18639,14 +20933,14 @@
                                 </p:cTn>
                               </p:par>
                               <p:par>
-                                <p:cTn id="14" presetID="10" presetClass="entr" presetSubtype="0" fill="hold" nodeType="withEffect">
+                                <p:cTn id="24" presetID="10" presetClass="entr" presetSubtype="0" fill="hold" nodeType="withEffect">
                                   <p:stCondLst>
                                     <p:cond delay="0"/>
                                   </p:stCondLst>
                                   <p:childTnLst>
                                     <p:set>
                                       <p:cBhvr>
-                                        <p:cTn id="15" dur="1" fill="hold">
+                                        <p:cTn id="25" dur="1" fill="hold">
                                           <p:stCondLst>
                                             <p:cond delay="0"/>
                                           </p:stCondLst>
@@ -18664,7 +20958,7 @@
                                     </p:set>
                                     <p:animEffect transition="in" filter="fade">
                                       <p:cBhvr>
-                                        <p:cTn id="16" dur="500"/>
+                                        <p:cTn id="26" dur="500"/>
                                         <p:tgtEl>
                                           <p:spTgt spid="23"/>
                                         </p:tgtEl>
@@ -19220,7 +21514,7 @@
         </p:blipFill>
         <p:spPr>
           <a:xfrm>
-            <a:off x="4657081" y="75997"/>
+            <a:off x="4803628" y="126928"/>
             <a:ext cx="3917551" cy="3942036"/>
           </a:xfrm>
           <a:prstGeom prst="rect">
@@ -19256,7 +21550,7 @@
         </p:blipFill>
         <p:spPr>
           <a:xfrm rot="1001954">
-            <a:off x="8761724" y="746858"/>
+            <a:off x="8908271" y="797789"/>
             <a:ext cx="2578755" cy="3187124"/>
           </a:xfrm>
           <a:prstGeom prst="rect">
@@ -19292,7 +21586,7 @@
         </p:blipFill>
         <p:spPr>
           <a:xfrm rot="21098834">
-            <a:off x="1137386" y="1893019"/>
+            <a:off x="1283933" y="1943950"/>
             <a:ext cx="3052598" cy="3696038"/>
           </a:xfrm>
           <a:prstGeom prst="rect">
@@ -19328,7 +21622,7 @@
         </p:blipFill>
         <p:spPr>
           <a:xfrm rot="362012">
-            <a:off x="4489590" y="3639034"/>
+            <a:off x="4636137" y="3689965"/>
             <a:ext cx="2268406" cy="3175768"/>
           </a:xfrm>
           <a:prstGeom prst="rect">
@@ -19336,6 +21630,159 @@
           </a:prstGeom>
         </p:spPr>
       </p:pic>
+      <mc:AlternateContent xmlns:mc="http://schemas.openxmlformats.org/markup-compatibility/2006">
+        <mc:Choice xmlns:p14="http://schemas.microsoft.com/office/powerpoint/2010/main" Requires="p14">
+          <p:contentPart p14:bwMode="auto" r:id="rId8">
+            <p14:nvContentPartPr>
+              <p14:cNvPr id="3" name="잉크 2">
+                <a:extLst>
+                  <a:ext uri="{FF2B5EF4-FFF2-40B4-BE49-F238E27FC236}">
+                    <a16:creationId xmlns:a16="http://schemas.microsoft.com/office/drawing/2014/main" id="{B985F316-2F08-913E-A188-D5096ACF16F1}"/>
+                  </a:ext>
+                </a:extLst>
+              </p14:cNvPr>
+              <p14:cNvContentPartPr/>
+              <p14:nvPr/>
+            </p14:nvContentPartPr>
+            <p14:xfrm>
+              <a:off x="3669031" y="2617178"/>
+              <a:ext cx="1282680" cy="52200"/>
+            </p14:xfrm>
+          </p:contentPart>
+        </mc:Choice>
+        <mc:Fallback>
+          <p:pic>
+            <p:nvPicPr>
+              <p:cNvPr id="3" name="잉크 2">
+                <a:extLst>
+                  <a:ext uri="{FF2B5EF4-FFF2-40B4-BE49-F238E27FC236}">
+                    <a16:creationId xmlns:a16="http://schemas.microsoft.com/office/drawing/2014/main" id="{B985F316-2F08-913E-A188-D5096ACF16F1}"/>
+                  </a:ext>
+                </a:extLst>
+              </p:cNvPr>
+              <p:cNvPicPr/>
+              <p:nvPr/>
+            </p:nvPicPr>
+            <p:blipFill>
+              <a:blip r:embed="rId9"/>
+              <a:stretch>
+                <a:fillRect/>
+              </a:stretch>
+            </p:blipFill>
+            <p:spPr>
+              <a:xfrm>
+                <a:off x="3615391" y="2509538"/>
+                <a:ext cx="1390320" cy="267840"/>
+              </a:xfrm>
+              <a:prstGeom prst="rect">
+                <a:avLst/>
+              </a:prstGeom>
+            </p:spPr>
+          </p:pic>
+        </mc:Fallback>
+      </mc:AlternateContent>
+      <mc:AlternateContent xmlns:mc="http://schemas.openxmlformats.org/markup-compatibility/2006">
+        <mc:Choice xmlns:p14="http://schemas.microsoft.com/office/powerpoint/2010/main" Requires="p14">
+          <p:contentPart p14:bwMode="auto" r:id="rId10">
+            <p14:nvContentPartPr>
+              <p14:cNvPr id="5" name="잉크 4">
+                <a:extLst>
+                  <a:ext uri="{FF2B5EF4-FFF2-40B4-BE49-F238E27FC236}">
+                    <a16:creationId xmlns:a16="http://schemas.microsoft.com/office/drawing/2014/main" id="{D838BB5F-FF85-AE26-BAD7-339F743D2617}"/>
+                  </a:ext>
+                </a:extLst>
+              </p14:cNvPr>
+              <p14:cNvContentPartPr/>
+              <p14:nvPr/>
+            </p14:nvContentPartPr>
+            <p14:xfrm>
+              <a:off x="2229391" y="3445281"/>
+              <a:ext cx="2722320" cy="79200"/>
+            </p14:xfrm>
+          </p:contentPart>
+        </mc:Choice>
+        <mc:Fallback>
+          <p:pic>
+            <p:nvPicPr>
+              <p:cNvPr id="5" name="잉크 4">
+                <a:extLst>
+                  <a:ext uri="{FF2B5EF4-FFF2-40B4-BE49-F238E27FC236}">
+                    <a16:creationId xmlns:a16="http://schemas.microsoft.com/office/drawing/2014/main" id="{D838BB5F-FF85-AE26-BAD7-339F743D2617}"/>
+                  </a:ext>
+                </a:extLst>
+              </p:cNvPr>
+              <p:cNvPicPr/>
+              <p:nvPr/>
+            </p:nvPicPr>
+            <p:blipFill>
+              <a:blip r:embed="rId11"/>
+              <a:stretch>
+                <a:fillRect/>
+              </a:stretch>
+            </p:blipFill>
+            <p:spPr>
+              <a:xfrm>
+                <a:off x="2175391" y="3337641"/>
+                <a:ext cx="2829960" cy="294840"/>
+              </a:xfrm>
+              <a:prstGeom prst="rect">
+                <a:avLst/>
+              </a:prstGeom>
+            </p:spPr>
+          </p:pic>
+        </mc:Fallback>
+      </mc:AlternateContent>
+      <mc:AlternateContent xmlns:mc="http://schemas.openxmlformats.org/markup-compatibility/2006">
+        <mc:Choice xmlns:p14="http://schemas.microsoft.com/office/powerpoint/2010/main" Requires="p14">
+          <p:contentPart p14:bwMode="auto" r:id="rId12">
+            <p14:nvContentPartPr>
+              <p14:cNvPr id="6" name="잉크 5">
+                <a:extLst>
+                  <a:ext uri="{FF2B5EF4-FFF2-40B4-BE49-F238E27FC236}">
+                    <a16:creationId xmlns:a16="http://schemas.microsoft.com/office/drawing/2014/main" id="{6F38EF65-005D-2F09-54C8-EAA983077498}"/>
+                  </a:ext>
+                </a:extLst>
+              </p14:cNvPr>
+              <p14:cNvContentPartPr/>
+              <p14:nvPr/>
+            </p14:nvContentPartPr>
+            <p14:xfrm>
+              <a:off x="2136871" y="3810321"/>
+              <a:ext cx="712800" cy="21600"/>
+            </p14:xfrm>
+          </p:contentPart>
+        </mc:Choice>
+        <mc:Fallback>
+          <p:pic>
+            <p:nvPicPr>
+              <p:cNvPr id="6" name="잉크 5">
+                <a:extLst>
+                  <a:ext uri="{FF2B5EF4-FFF2-40B4-BE49-F238E27FC236}">
+                    <a16:creationId xmlns:a16="http://schemas.microsoft.com/office/drawing/2014/main" id="{6F38EF65-005D-2F09-54C8-EAA983077498}"/>
+                  </a:ext>
+                </a:extLst>
+              </p:cNvPr>
+              <p:cNvPicPr/>
+              <p:nvPr/>
+            </p:nvPicPr>
+            <p:blipFill>
+              <a:blip r:embed="rId13"/>
+              <a:stretch>
+                <a:fillRect/>
+              </a:stretch>
+            </p:blipFill>
+            <p:spPr>
+              <a:xfrm>
+                <a:off x="2082871" y="3702681"/>
+                <a:ext cx="820440" cy="237240"/>
+              </a:xfrm>
+              <a:prstGeom prst="rect">
+                <a:avLst/>
+              </a:prstGeom>
+            </p:spPr>
+          </p:pic>
+        </mc:Fallback>
+      </mc:AlternateContent>
     </p:spTree>
     <p:extLst>
       <p:ext uri="{BB962C8B-B14F-4D97-AF65-F5344CB8AC3E}">
@@ -19379,7 +21826,7 @@
                             </p:stCondLst>
                             <p:childTnLst>
                               <p:par>
-                                <p:cTn id="5" presetID="10" presetClass="entr" presetSubtype="0" fill="hold" nodeType="clickEffect">
+                                <p:cTn id="5" presetID="63" presetClass="entr" presetSubtype="0" fill="hold" nodeType="clickEffect">
                                   <p:stCondLst>
                                     <p:cond delay="0"/>
                                   </p:stCondLst>
@@ -19387,6 +21834,192 @@
                                     <p:set>
                                       <p:cBhvr>
                                         <p:cTn id="6" dur="1" fill="hold">
+                                          <p:stCondLst>
+                                            <p:cond delay="0"/>
+                                          </p:stCondLst>
+                                        </p:cTn>
+                                        <p:tgtEl>
+                                          <p:spTgt spid="3"/>
+                                        </p:tgtEl>
+                                        <p:attrNameLst>
+                                          <p:attrName>style.visibility</p:attrName>
+                                        </p:attrNameLst>
+                                      </p:cBhvr>
+                                      <p:to>
+                                        <p:strVal val="visible"/>
+                                      </p:to>
+                                    </p:set>
+                                    <p:anim calcmode="lin" valueType="num">
+                                      <p:cBhvr>
+                                        <p:cTn id="7" dur="2000" fill="hold"/>
+                                        <p:tgtEl>
+                                          <p:spTgt spid="3"/>
+                                        </p:tgtEl>
+                                        <p:attrNameLst>
+                                          <p:attrName>drawProgress</p:attrName>
+                                        </p:attrNameLst>
+                                      </p:cBhvr>
+                                      <p:tavLst>
+                                        <p:tav tm="0">
+                                          <p:val>
+                                            <p:fltVal val="0"/>
+                                          </p:val>
+                                        </p:tav>
+                                        <p:tav tm="100000">
+                                          <p:val>
+                                            <p:fltVal val="1"/>
+                                          </p:val>
+                                        </p:tav>
+                                      </p:tavLst>
+                                    </p:anim>
+                                  </p:childTnLst>
+                                </p:cTn>
+                              </p:par>
+                            </p:childTnLst>
+                          </p:cTn>
+                        </p:par>
+                        <p:par>
+                          <p:cTn id="8" fill="hold">
+                            <p:stCondLst>
+                              <p:cond delay="2000"/>
+                            </p:stCondLst>
+                            <p:childTnLst>
+                              <p:par>
+                                <p:cTn id="9" presetID="63" presetClass="entr" presetSubtype="0" fill="hold" nodeType="afterEffect">
+                                  <p:stCondLst>
+                                    <p:cond delay="0"/>
+                                  </p:stCondLst>
+                                  <p:childTnLst>
+                                    <p:set>
+                                      <p:cBhvr>
+                                        <p:cTn id="10" dur="1" fill="hold">
+                                          <p:stCondLst>
+                                            <p:cond delay="0"/>
+                                          </p:stCondLst>
+                                        </p:cTn>
+                                        <p:tgtEl>
+                                          <p:spTgt spid="5"/>
+                                        </p:tgtEl>
+                                        <p:attrNameLst>
+                                          <p:attrName>style.visibility</p:attrName>
+                                        </p:attrNameLst>
+                                      </p:cBhvr>
+                                      <p:to>
+                                        <p:strVal val="visible"/>
+                                      </p:to>
+                                    </p:set>
+                                    <p:anim calcmode="lin" valueType="num">
+                                      <p:cBhvr>
+                                        <p:cTn id="11" dur="2000" fill="hold"/>
+                                        <p:tgtEl>
+                                          <p:spTgt spid="5"/>
+                                        </p:tgtEl>
+                                        <p:attrNameLst>
+                                          <p:attrName>drawProgress</p:attrName>
+                                        </p:attrNameLst>
+                                      </p:cBhvr>
+                                      <p:tavLst>
+                                        <p:tav tm="0">
+                                          <p:val>
+                                            <p:fltVal val="0"/>
+                                          </p:val>
+                                        </p:tav>
+                                        <p:tav tm="100000">
+                                          <p:val>
+                                            <p:fltVal val="1"/>
+                                          </p:val>
+                                        </p:tav>
+                                      </p:tavLst>
+                                    </p:anim>
+                                  </p:childTnLst>
+                                </p:cTn>
+                              </p:par>
+                            </p:childTnLst>
+                          </p:cTn>
+                        </p:par>
+                        <p:par>
+                          <p:cTn id="12" fill="hold">
+                            <p:stCondLst>
+                              <p:cond delay="4000"/>
+                            </p:stCondLst>
+                            <p:childTnLst>
+                              <p:par>
+                                <p:cTn id="13" presetID="63" presetClass="entr" presetSubtype="0" fill="hold" nodeType="afterEffect">
+                                  <p:stCondLst>
+                                    <p:cond delay="0"/>
+                                  </p:stCondLst>
+                                  <p:childTnLst>
+                                    <p:set>
+                                      <p:cBhvr>
+                                        <p:cTn id="14" dur="1" fill="hold">
+                                          <p:stCondLst>
+                                            <p:cond delay="0"/>
+                                          </p:stCondLst>
+                                        </p:cTn>
+                                        <p:tgtEl>
+                                          <p:spTgt spid="6"/>
+                                        </p:tgtEl>
+                                        <p:attrNameLst>
+                                          <p:attrName>style.visibility</p:attrName>
+                                        </p:attrNameLst>
+                                      </p:cBhvr>
+                                      <p:to>
+                                        <p:strVal val="visible"/>
+                                      </p:to>
+                                    </p:set>
+                                    <p:anim calcmode="lin" valueType="num">
+                                      <p:cBhvr>
+                                        <p:cTn id="15" dur="2000" fill="hold"/>
+                                        <p:tgtEl>
+                                          <p:spTgt spid="6"/>
+                                        </p:tgtEl>
+                                        <p:attrNameLst>
+                                          <p:attrName>drawProgress</p:attrName>
+                                        </p:attrNameLst>
+                                      </p:cBhvr>
+                                      <p:tavLst>
+                                        <p:tav tm="0">
+                                          <p:val>
+                                            <p:fltVal val="0"/>
+                                          </p:val>
+                                        </p:tav>
+                                        <p:tav tm="100000">
+                                          <p:val>
+                                            <p:fltVal val="1"/>
+                                          </p:val>
+                                        </p:tav>
+                                      </p:tavLst>
+                                    </p:anim>
+                                  </p:childTnLst>
+                                </p:cTn>
+                              </p:par>
+                            </p:childTnLst>
+                          </p:cTn>
+                        </p:par>
+                      </p:childTnLst>
+                    </p:cTn>
+                  </p:par>
+                  <p:par>
+                    <p:cTn id="16" fill="hold">
+                      <p:stCondLst>
+                        <p:cond delay="indefinite"/>
+                      </p:stCondLst>
+                      <p:childTnLst>
+                        <p:par>
+                          <p:cTn id="17" fill="hold">
+                            <p:stCondLst>
+                              <p:cond delay="0"/>
+                            </p:stCondLst>
+                            <p:childTnLst>
+                              <p:par>
+                                <p:cTn id="18" presetID="10" presetClass="entr" presetSubtype="0" fill="hold" nodeType="clickEffect">
+                                  <p:stCondLst>
+                                    <p:cond delay="0"/>
+                                  </p:stCondLst>
+                                  <p:childTnLst>
+                                    <p:set>
+                                      <p:cBhvr>
+                                        <p:cTn id="19" dur="1" fill="hold">
                                           <p:stCondLst>
                                             <p:cond delay="0"/>
                                           </p:stCondLst>
@@ -19404,7 +22037,7 @@
                                     </p:set>
                                     <p:animEffect transition="in" filter="fade">
                                       <p:cBhvr>
-                                        <p:cTn id="7" dur="500"/>
+                                        <p:cTn id="20" dur="500"/>
                                         <p:tgtEl>
                                           <p:spTgt spid="12"/>
                                         </p:tgtEl>
@@ -19414,14 +22047,14 @@
                                 </p:cTn>
                               </p:par>
                               <p:par>
-                                <p:cTn id="8" presetID="10" presetClass="entr" presetSubtype="0" fill="hold" nodeType="withEffect">
+                                <p:cTn id="21" presetID="10" presetClass="entr" presetSubtype="0" fill="hold" nodeType="withEffect">
                                   <p:stCondLst>
                                     <p:cond delay="0"/>
                                   </p:stCondLst>
                                   <p:childTnLst>
                                     <p:set>
                                       <p:cBhvr>
-                                        <p:cTn id="9" dur="1" fill="hold">
+                                        <p:cTn id="22" dur="1" fill="hold">
                                           <p:stCondLst>
                                             <p:cond delay="0"/>
                                           </p:stCondLst>
@@ -19439,7 +22072,7 @@
                                     </p:set>
                                     <p:animEffect transition="in" filter="fade">
                                       <p:cBhvr>
-                                        <p:cTn id="10" dur="500"/>
+                                        <p:cTn id="23" dur="500"/>
                                         <p:tgtEl>
                                           <p:spTgt spid="7"/>
                                         </p:tgtEl>
@@ -19449,14 +22082,14 @@
                                 </p:cTn>
                               </p:par>
                               <p:par>
-                                <p:cTn id="11" presetID="10" presetClass="entr" presetSubtype="0" fill="hold" nodeType="withEffect">
+                                <p:cTn id="24" presetID="10" presetClass="entr" presetSubtype="0" fill="hold" nodeType="withEffect">
                                   <p:stCondLst>
                                     <p:cond delay="0"/>
                                   </p:stCondLst>
                                   <p:childTnLst>
                                     <p:set>
                                       <p:cBhvr>
-                                        <p:cTn id="12" dur="1" fill="hold">
+                                        <p:cTn id="25" dur="1" fill="hold">
                                           <p:stCondLst>
                                             <p:cond delay="0"/>
                                           </p:stCondLst>
@@ -19474,7 +22107,7 @@
                                     </p:set>
                                     <p:animEffect transition="in" filter="fade">
                                       <p:cBhvr>
-                                        <p:cTn id="13" dur="500"/>
+                                        <p:cTn id="26" dur="500"/>
                                         <p:tgtEl>
                                           <p:spTgt spid="14"/>
                                         </p:tgtEl>
@@ -19484,14 +22117,14 @@
                                 </p:cTn>
                               </p:par>
                               <p:par>
-                                <p:cTn id="14" presetID="10" presetClass="entr" presetSubtype="0" fill="hold" nodeType="withEffect">
+                                <p:cTn id="27" presetID="10" presetClass="entr" presetSubtype="0" fill="hold" nodeType="withEffect">
                                   <p:stCondLst>
                                     <p:cond delay="0"/>
                                   </p:stCondLst>
                                   <p:childTnLst>
                                     <p:set>
                                       <p:cBhvr>
-                                        <p:cTn id="15" dur="1" fill="hold">
+                                        <p:cTn id="28" dur="1" fill="hold">
                                           <p:stCondLst>
                                             <p:cond delay="0"/>
                                           </p:stCondLst>
@@ -19509,7 +22142,7 @@
                                     </p:set>
                                     <p:animEffect transition="in" filter="fade">
                                       <p:cBhvr>
-                                        <p:cTn id="16" dur="500"/>
+                                        <p:cTn id="29" dur="500"/>
                                         <p:tgtEl>
                                           <p:spTgt spid="9"/>
                                         </p:tgtEl>
@@ -20057,7 +22690,7 @@
         </p:blipFill>
         <p:spPr>
           <a:xfrm rot="20558133">
-            <a:off x="323678" y="1213076"/>
+            <a:off x="863988" y="1052162"/>
             <a:ext cx="4067995" cy="3648483"/>
           </a:xfrm>
           <a:prstGeom prst="rect">
@@ -20093,7 +22726,7 @@
         </p:blipFill>
         <p:spPr>
           <a:xfrm rot="464081">
-            <a:off x="7673565" y="986022"/>
+            <a:off x="8213875" y="825108"/>
             <a:ext cx="3052164" cy="5251034"/>
           </a:xfrm>
           <a:prstGeom prst="rect">
@@ -20129,7 +22762,7 @@
         </p:blipFill>
         <p:spPr>
           <a:xfrm rot="200704">
-            <a:off x="4081722" y="3744250"/>
+            <a:off x="4622032" y="3583336"/>
             <a:ext cx="3328599" cy="2974935"/>
           </a:xfrm>
           <a:prstGeom prst="rect">
@@ -20165,7 +22798,7 @@
         </p:blipFill>
         <p:spPr>
           <a:xfrm>
-            <a:off x="4164805" y="190427"/>
+            <a:off x="4705115" y="29513"/>
             <a:ext cx="3636362" cy="3648483"/>
           </a:xfrm>
           <a:prstGeom prst="rect">
@@ -20173,6 +22806,159 @@
           </a:prstGeom>
         </p:spPr>
       </p:pic>
+      <mc:AlternateContent xmlns:mc="http://schemas.openxmlformats.org/markup-compatibility/2006">
+        <mc:Choice xmlns:p14="http://schemas.microsoft.com/office/powerpoint/2010/main" Requires="p14">
+          <p:contentPart p14:bwMode="auto" r:id="rId8">
+            <p14:nvContentPartPr>
+              <p14:cNvPr id="3" name="잉크 2">
+                <a:extLst>
+                  <a:ext uri="{FF2B5EF4-FFF2-40B4-BE49-F238E27FC236}">
+                    <a16:creationId xmlns:a16="http://schemas.microsoft.com/office/drawing/2014/main" id="{C4C5D793-7280-10A8-F08E-EF83FCB82D8D}"/>
+                  </a:ext>
+                </a:extLst>
+              </p14:cNvPr>
+              <p14:cNvContentPartPr/>
+              <p14:nvPr/>
+            </p14:nvContentPartPr>
+            <p14:xfrm>
+              <a:off x="3842191" y="2680641"/>
+              <a:ext cx="1167840" cy="73800"/>
+            </p14:xfrm>
+          </p:contentPart>
+        </mc:Choice>
+        <mc:Fallback>
+          <p:pic>
+            <p:nvPicPr>
+              <p:cNvPr id="3" name="잉크 2">
+                <a:extLst>
+                  <a:ext uri="{FF2B5EF4-FFF2-40B4-BE49-F238E27FC236}">
+                    <a16:creationId xmlns:a16="http://schemas.microsoft.com/office/drawing/2014/main" id="{C4C5D793-7280-10A8-F08E-EF83FCB82D8D}"/>
+                  </a:ext>
+                </a:extLst>
+              </p:cNvPr>
+              <p:cNvPicPr/>
+              <p:nvPr/>
+            </p:nvPicPr>
+            <p:blipFill>
+              <a:blip r:embed="rId9"/>
+              <a:stretch>
+                <a:fillRect/>
+              </a:stretch>
+            </p:blipFill>
+            <p:spPr>
+              <a:xfrm>
+                <a:off x="3788551" y="2572641"/>
+                <a:ext cx="1275480" cy="289440"/>
+              </a:xfrm>
+              <a:prstGeom prst="rect">
+                <a:avLst/>
+              </a:prstGeom>
+            </p:spPr>
+          </p:pic>
+        </mc:Fallback>
+      </mc:AlternateContent>
+      <mc:AlternateContent xmlns:mc="http://schemas.openxmlformats.org/markup-compatibility/2006">
+        <mc:Choice xmlns:p14="http://schemas.microsoft.com/office/powerpoint/2010/main" Requires="p14">
+          <p:contentPart p14:bwMode="auto" r:id="rId10">
+            <p14:nvContentPartPr>
+              <p14:cNvPr id="4" name="잉크 3">
+                <a:extLst>
+                  <a:ext uri="{FF2B5EF4-FFF2-40B4-BE49-F238E27FC236}">
+                    <a16:creationId xmlns:a16="http://schemas.microsoft.com/office/drawing/2014/main" id="{11C6FD88-A65F-12B9-3445-8E2E0CC02961}"/>
+                  </a:ext>
+                </a:extLst>
+              </p14:cNvPr>
+              <p14:cNvContentPartPr/>
+              <p14:nvPr/>
+            </p14:nvContentPartPr>
+            <p14:xfrm>
+              <a:off x="2229391" y="3482361"/>
+              <a:ext cx="435240" cy="360"/>
+            </p14:xfrm>
+          </p:contentPart>
+        </mc:Choice>
+        <mc:Fallback>
+          <p:pic>
+            <p:nvPicPr>
+              <p:cNvPr id="4" name="잉크 3">
+                <a:extLst>
+                  <a:ext uri="{FF2B5EF4-FFF2-40B4-BE49-F238E27FC236}">
+                    <a16:creationId xmlns:a16="http://schemas.microsoft.com/office/drawing/2014/main" id="{11C6FD88-A65F-12B9-3445-8E2E0CC02961}"/>
+                  </a:ext>
+                </a:extLst>
+              </p:cNvPr>
+              <p:cNvPicPr/>
+              <p:nvPr/>
+            </p:nvPicPr>
+            <p:blipFill>
+              <a:blip r:embed="rId11"/>
+              <a:stretch>
+                <a:fillRect/>
+              </a:stretch>
+            </p:blipFill>
+            <p:spPr>
+              <a:xfrm>
+                <a:off x="2175391" y="3374721"/>
+                <a:ext cx="542880" cy="216000"/>
+              </a:xfrm>
+              <a:prstGeom prst="rect">
+                <a:avLst/>
+              </a:prstGeom>
+            </p:spPr>
+          </p:pic>
+        </mc:Fallback>
+      </mc:AlternateContent>
+      <mc:AlternateContent xmlns:mc="http://schemas.openxmlformats.org/markup-compatibility/2006">
+        <mc:Choice xmlns:p14="http://schemas.microsoft.com/office/powerpoint/2010/main" Requires="p14">
+          <p:contentPart p14:bwMode="auto" r:id="rId12">
+            <p14:nvContentPartPr>
+              <p14:cNvPr id="6" name="잉크 5">
+                <a:extLst>
+                  <a:ext uri="{FF2B5EF4-FFF2-40B4-BE49-F238E27FC236}">
+                    <a16:creationId xmlns:a16="http://schemas.microsoft.com/office/drawing/2014/main" id="{F1C987B8-E39D-DE7E-9E58-761AA0E43E74}"/>
+                  </a:ext>
+                </a:extLst>
+              </p14:cNvPr>
+              <p14:cNvContentPartPr/>
+              <p14:nvPr/>
+            </p14:nvContentPartPr>
+            <p14:xfrm>
+              <a:off x="4283911" y="3852441"/>
+              <a:ext cx="678240" cy="10800"/>
+            </p14:xfrm>
+          </p:contentPart>
+        </mc:Choice>
+        <mc:Fallback>
+          <p:pic>
+            <p:nvPicPr>
+              <p:cNvPr id="6" name="잉크 5">
+                <a:extLst>
+                  <a:ext uri="{FF2B5EF4-FFF2-40B4-BE49-F238E27FC236}">
+                    <a16:creationId xmlns:a16="http://schemas.microsoft.com/office/drawing/2014/main" id="{F1C987B8-E39D-DE7E-9E58-761AA0E43E74}"/>
+                  </a:ext>
+                </a:extLst>
+              </p:cNvPr>
+              <p:cNvPicPr/>
+              <p:nvPr/>
+            </p:nvPicPr>
+            <p:blipFill>
+              <a:blip r:embed="rId13"/>
+              <a:stretch>
+                <a:fillRect/>
+              </a:stretch>
+            </p:blipFill>
+            <p:spPr>
+              <a:xfrm>
+                <a:off x="4229911" y="3744801"/>
+                <a:ext cx="785880" cy="226440"/>
+              </a:xfrm>
+              <a:prstGeom prst="rect">
+                <a:avLst/>
+              </a:prstGeom>
+            </p:spPr>
+          </p:pic>
+        </mc:Fallback>
+      </mc:AlternateContent>
     </p:spTree>
     <p:extLst>
       <p:ext uri="{BB962C8B-B14F-4D97-AF65-F5344CB8AC3E}">
@@ -20216,7 +23002,7 @@
                             </p:stCondLst>
                             <p:childTnLst>
                               <p:par>
-                                <p:cTn id="5" presetID="10" presetClass="entr" presetSubtype="0" fill="hold" nodeType="clickEffect">
+                                <p:cTn id="5" presetID="63" presetClass="entr" presetSubtype="0" fill="hold" nodeType="clickEffect">
                                   <p:stCondLst>
                                     <p:cond delay="0"/>
                                   </p:stCondLst>
@@ -20224,6 +23010,192 @@
                                     <p:set>
                                       <p:cBhvr>
                                         <p:cTn id="6" dur="1" fill="hold">
+                                          <p:stCondLst>
+                                            <p:cond delay="0"/>
+                                          </p:stCondLst>
+                                        </p:cTn>
+                                        <p:tgtEl>
+                                          <p:spTgt spid="3"/>
+                                        </p:tgtEl>
+                                        <p:attrNameLst>
+                                          <p:attrName>style.visibility</p:attrName>
+                                        </p:attrNameLst>
+                                      </p:cBhvr>
+                                      <p:to>
+                                        <p:strVal val="visible"/>
+                                      </p:to>
+                                    </p:set>
+                                    <p:anim calcmode="lin" valueType="num">
+                                      <p:cBhvr>
+                                        <p:cTn id="7" dur="2000" fill="hold"/>
+                                        <p:tgtEl>
+                                          <p:spTgt spid="3"/>
+                                        </p:tgtEl>
+                                        <p:attrNameLst>
+                                          <p:attrName>drawProgress</p:attrName>
+                                        </p:attrNameLst>
+                                      </p:cBhvr>
+                                      <p:tavLst>
+                                        <p:tav tm="0">
+                                          <p:val>
+                                            <p:fltVal val="0"/>
+                                          </p:val>
+                                        </p:tav>
+                                        <p:tav tm="100000">
+                                          <p:val>
+                                            <p:fltVal val="1"/>
+                                          </p:val>
+                                        </p:tav>
+                                      </p:tavLst>
+                                    </p:anim>
+                                  </p:childTnLst>
+                                </p:cTn>
+                              </p:par>
+                            </p:childTnLst>
+                          </p:cTn>
+                        </p:par>
+                        <p:par>
+                          <p:cTn id="8" fill="hold">
+                            <p:stCondLst>
+                              <p:cond delay="2000"/>
+                            </p:stCondLst>
+                            <p:childTnLst>
+                              <p:par>
+                                <p:cTn id="9" presetID="63" presetClass="entr" presetSubtype="0" fill="hold" nodeType="afterEffect">
+                                  <p:stCondLst>
+                                    <p:cond delay="0"/>
+                                  </p:stCondLst>
+                                  <p:childTnLst>
+                                    <p:set>
+                                      <p:cBhvr>
+                                        <p:cTn id="10" dur="1" fill="hold">
+                                          <p:stCondLst>
+                                            <p:cond delay="0"/>
+                                          </p:stCondLst>
+                                        </p:cTn>
+                                        <p:tgtEl>
+                                          <p:spTgt spid="4"/>
+                                        </p:tgtEl>
+                                        <p:attrNameLst>
+                                          <p:attrName>style.visibility</p:attrName>
+                                        </p:attrNameLst>
+                                      </p:cBhvr>
+                                      <p:to>
+                                        <p:strVal val="visible"/>
+                                      </p:to>
+                                    </p:set>
+                                    <p:anim calcmode="lin" valueType="num">
+                                      <p:cBhvr>
+                                        <p:cTn id="11" dur="2000" fill="hold"/>
+                                        <p:tgtEl>
+                                          <p:spTgt spid="4"/>
+                                        </p:tgtEl>
+                                        <p:attrNameLst>
+                                          <p:attrName>drawProgress</p:attrName>
+                                        </p:attrNameLst>
+                                      </p:cBhvr>
+                                      <p:tavLst>
+                                        <p:tav tm="0">
+                                          <p:val>
+                                            <p:fltVal val="0"/>
+                                          </p:val>
+                                        </p:tav>
+                                        <p:tav tm="100000">
+                                          <p:val>
+                                            <p:fltVal val="1"/>
+                                          </p:val>
+                                        </p:tav>
+                                      </p:tavLst>
+                                    </p:anim>
+                                  </p:childTnLst>
+                                </p:cTn>
+                              </p:par>
+                            </p:childTnLst>
+                          </p:cTn>
+                        </p:par>
+                        <p:par>
+                          <p:cTn id="12" fill="hold">
+                            <p:stCondLst>
+                              <p:cond delay="4000"/>
+                            </p:stCondLst>
+                            <p:childTnLst>
+                              <p:par>
+                                <p:cTn id="13" presetID="63" presetClass="entr" presetSubtype="0" fill="hold" nodeType="afterEffect">
+                                  <p:stCondLst>
+                                    <p:cond delay="0"/>
+                                  </p:stCondLst>
+                                  <p:childTnLst>
+                                    <p:set>
+                                      <p:cBhvr>
+                                        <p:cTn id="14" dur="1" fill="hold">
+                                          <p:stCondLst>
+                                            <p:cond delay="0"/>
+                                          </p:stCondLst>
+                                        </p:cTn>
+                                        <p:tgtEl>
+                                          <p:spTgt spid="6"/>
+                                        </p:tgtEl>
+                                        <p:attrNameLst>
+                                          <p:attrName>style.visibility</p:attrName>
+                                        </p:attrNameLst>
+                                      </p:cBhvr>
+                                      <p:to>
+                                        <p:strVal val="visible"/>
+                                      </p:to>
+                                    </p:set>
+                                    <p:anim calcmode="lin" valueType="num">
+                                      <p:cBhvr>
+                                        <p:cTn id="15" dur="2000" fill="hold"/>
+                                        <p:tgtEl>
+                                          <p:spTgt spid="6"/>
+                                        </p:tgtEl>
+                                        <p:attrNameLst>
+                                          <p:attrName>drawProgress</p:attrName>
+                                        </p:attrNameLst>
+                                      </p:cBhvr>
+                                      <p:tavLst>
+                                        <p:tav tm="0">
+                                          <p:val>
+                                            <p:fltVal val="0"/>
+                                          </p:val>
+                                        </p:tav>
+                                        <p:tav tm="100000">
+                                          <p:val>
+                                            <p:fltVal val="1"/>
+                                          </p:val>
+                                        </p:tav>
+                                      </p:tavLst>
+                                    </p:anim>
+                                  </p:childTnLst>
+                                </p:cTn>
+                              </p:par>
+                            </p:childTnLst>
+                          </p:cTn>
+                        </p:par>
+                      </p:childTnLst>
+                    </p:cTn>
+                  </p:par>
+                  <p:par>
+                    <p:cTn id="16" fill="hold">
+                      <p:stCondLst>
+                        <p:cond delay="indefinite"/>
+                      </p:stCondLst>
+                      <p:childTnLst>
+                        <p:par>
+                          <p:cTn id="17" fill="hold">
+                            <p:stCondLst>
+                              <p:cond delay="0"/>
+                            </p:stCondLst>
+                            <p:childTnLst>
+                              <p:par>
+                                <p:cTn id="18" presetID="10" presetClass="entr" presetSubtype="0" fill="hold" nodeType="clickEffect">
+                                  <p:stCondLst>
+                                    <p:cond delay="0"/>
+                                  </p:stCondLst>
+                                  <p:childTnLst>
+                                    <p:set>
+                                      <p:cBhvr>
+                                        <p:cTn id="19" dur="1" fill="hold">
                                           <p:stCondLst>
                                             <p:cond delay="0"/>
                                           </p:stCondLst>
@@ -20241,7 +23213,7 @@
                                     </p:set>
                                     <p:animEffect transition="in" filter="fade">
                                       <p:cBhvr>
-                                        <p:cTn id="7" dur="500"/>
+                                        <p:cTn id="20" dur="500"/>
                                         <p:tgtEl>
                                           <p:spTgt spid="13"/>
                                         </p:tgtEl>
@@ -20251,14 +23223,14 @@
                                 </p:cTn>
                               </p:par>
                               <p:par>
-                                <p:cTn id="8" presetID="10" presetClass="entr" presetSubtype="0" fill="hold" nodeType="withEffect">
+                                <p:cTn id="21" presetID="10" presetClass="entr" presetSubtype="0" fill="hold" nodeType="withEffect">
                                   <p:stCondLst>
                                     <p:cond delay="0"/>
                                   </p:stCondLst>
                                   <p:childTnLst>
                                     <p:set>
                                       <p:cBhvr>
-                                        <p:cTn id="9" dur="1" fill="hold">
+                                        <p:cTn id="22" dur="1" fill="hold">
                                           <p:stCondLst>
                                             <p:cond delay="0"/>
                                           </p:stCondLst>
@@ -20276,7 +23248,7 @@
                                     </p:set>
                                     <p:animEffect transition="in" filter="fade">
                                       <p:cBhvr>
-                                        <p:cTn id="10" dur="500"/>
+                                        <p:cTn id="23" dur="500"/>
                                         <p:tgtEl>
                                           <p:spTgt spid="8"/>
                                         </p:tgtEl>
@@ -20286,14 +23258,14 @@
                                 </p:cTn>
                               </p:par>
                               <p:par>
-                                <p:cTn id="11" presetID="10" presetClass="entr" presetSubtype="0" fill="hold" nodeType="withEffect">
+                                <p:cTn id="24" presetID="10" presetClass="entr" presetSubtype="0" fill="hold" nodeType="withEffect">
                                   <p:stCondLst>
                                     <p:cond delay="0"/>
                                   </p:stCondLst>
                                   <p:childTnLst>
                                     <p:set>
                                       <p:cBhvr>
-                                        <p:cTn id="12" dur="1" fill="hold">
+                                        <p:cTn id="25" dur="1" fill="hold">
                                           <p:stCondLst>
                                             <p:cond delay="0"/>
                                           </p:stCondLst>
@@ -20311,7 +23283,7 @@
                                     </p:set>
                                     <p:animEffect transition="in" filter="fade">
                                       <p:cBhvr>
-                                        <p:cTn id="13" dur="500"/>
+                                        <p:cTn id="26" dur="500"/>
                                         <p:tgtEl>
                                           <p:spTgt spid="17"/>
                                         </p:tgtEl>
@@ -20321,14 +23293,14 @@
                                 </p:cTn>
                               </p:par>
                               <p:par>
-                                <p:cTn id="14" presetID="10" presetClass="entr" presetSubtype="0" fill="hold" nodeType="withEffect">
+                                <p:cTn id="27" presetID="10" presetClass="entr" presetSubtype="0" fill="hold" nodeType="withEffect">
                                   <p:stCondLst>
                                     <p:cond delay="0"/>
                                   </p:stCondLst>
                                   <p:childTnLst>
                                     <p:set>
                                       <p:cBhvr>
-                                        <p:cTn id="15" dur="1" fill="hold">
+                                        <p:cTn id="28" dur="1" fill="hold">
                                           <p:stCondLst>
                                             <p:cond delay="0"/>
                                           </p:stCondLst>
@@ -20346,7 +23318,7 @@
                                     </p:set>
                                     <p:animEffect transition="in" filter="fade">
                                       <p:cBhvr>
-                                        <p:cTn id="16" dur="500"/>
+                                        <p:cTn id="29" dur="500"/>
                                         <p:tgtEl>
                                           <p:spTgt spid="21"/>
                                         </p:tgtEl>
@@ -20523,6 +23495,57 @@
           </a:prstGeom>
         </p:spPr>
       </p:pic>
+      <mc:AlternateContent xmlns:mc="http://schemas.openxmlformats.org/markup-compatibility/2006">
+        <mc:Choice xmlns:p14="http://schemas.microsoft.com/office/powerpoint/2010/main" Requires="p14">
+          <p:contentPart p14:bwMode="auto" r:id="rId8">
+            <p14:nvContentPartPr>
+              <p14:cNvPr id="3" name="잉크 2">
+                <a:extLst>
+                  <a:ext uri="{FF2B5EF4-FFF2-40B4-BE49-F238E27FC236}">
+                    <a16:creationId xmlns:a16="http://schemas.microsoft.com/office/drawing/2014/main" id="{1E3790B7-2A34-17BD-9059-8EE295EC87BD}"/>
+                  </a:ext>
+                </a:extLst>
+              </p14:cNvPr>
+              <p14:cNvContentPartPr/>
+              <p14:nvPr/>
+            </p14:nvContentPartPr>
+            <p14:xfrm>
+              <a:off x="2310694" y="2280070"/>
+              <a:ext cx="1018800" cy="977040"/>
+            </p14:xfrm>
+          </p:contentPart>
+        </mc:Choice>
+        <mc:Fallback>
+          <p:pic>
+            <p:nvPicPr>
+              <p:cNvPr id="3" name="잉크 2">
+                <a:extLst>
+                  <a:ext uri="{FF2B5EF4-FFF2-40B4-BE49-F238E27FC236}">
+                    <a16:creationId xmlns:a16="http://schemas.microsoft.com/office/drawing/2014/main" id="{1E3790B7-2A34-17BD-9059-8EE295EC87BD}"/>
+                  </a:ext>
+                </a:extLst>
+              </p:cNvPr>
+              <p:cNvPicPr/>
+              <p:nvPr/>
+            </p:nvPicPr>
+            <p:blipFill>
+              <a:blip r:embed="rId9"/>
+              <a:stretch>
+                <a:fillRect/>
+              </a:stretch>
+            </p:blipFill>
+            <p:spPr>
+              <a:xfrm>
+                <a:off x="2257054" y="2172070"/>
+                <a:ext cx="1126440" cy="1192680"/>
+              </a:xfrm>
+              <a:prstGeom prst="rect">
+                <a:avLst/>
+              </a:prstGeom>
+            </p:spPr>
+          </p:pic>
+        </mc:Fallback>
+      </mc:AlternateContent>
     </p:spTree>
     <p:extLst>
       <p:ext uri="{BB962C8B-B14F-4D97-AF65-F5344CB8AC3E}">
@@ -20545,6 +23568,104 @@
       </p:transition>
     </mc:Fallback>
   </mc:AlternateContent>
+  <p:timing>
+    <p:tnLst>
+      <p:par>
+        <p:cTn id="1" dur="indefinite" restart="never" nodeType="tmRoot">
+          <p:childTnLst>
+            <p:seq concurrent="1" nextAc="seek">
+              <p:cTn id="2" dur="indefinite" nodeType="mainSeq">
+                <p:childTnLst>
+                  <p:par>
+                    <p:cTn id="3" fill="hold">
+                      <p:stCondLst>
+                        <p:cond delay="indefinite"/>
+                      </p:stCondLst>
+                      <p:childTnLst>
+                        <p:par>
+                          <p:cTn id="4" fill="hold">
+                            <p:stCondLst>
+                              <p:cond delay="0"/>
+                            </p:stCondLst>
+                            <p:childTnLst>
+                              <p:par>
+                                <p:cTn id="5" presetID="63" presetClass="entr" presetSubtype="0" fill="hold" nodeType="clickEffect">
+                                  <p:stCondLst>
+                                    <p:cond delay="0"/>
+                                  </p:stCondLst>
+                                  <p:childTnLst>
+                                    <p:set>
+                                      <p:cBhvr>
+                                        <p:cTn id="6" dur="1" fill="hold">
+                                          <p:stCondLst>
+                                            <p:cond delay="0"/>
+                                          </p:stCondLst>
+                                        </p:cTn>
+                                        <p:tgtEl>
+                                          <p:spTgt spid="3"/>
+                                        </p:tgtEl>
+                                        <p:attrNameLst>
+                                          <p:attrName>style.visibility</p:attrName>
+                                        </p:attrNameLst>
+                                      </p:cBhvr>
+                                      <p:to>
+                                        <p:strVal val="visible"/>
+                                      </p:to>
+                                    </p:set>
+                                    <p:anim calcmode="lin" valueType="num">
+                                      <p:cBhvr>
+                                        <p:cTn id="7" dur="2000" fill="hold"/>
+                                        <p:tgtEl>
+                                          <p:spTgt spid="3"/>
+                                        </p:tgtEl>
+                                        <p:attrNameLst>
+                                          <p:attrName>drawProgress</p:attrName>
+                                        </p:attrNameLst>
+                                      </p:cBhvr>
+                                      <p:tavLst>
+                                        <p:tav tm="0">
+                                          <p:val>
+                                            <p:fltVal val="0"/>
+                                          </p:val>
+                                        </p:tav>
+                                        <p:tav tm="100000">
+                                          <p:val>
+                                            <p:fltVal val="1"/>
+                                          </p:val>
+                                        </p:tav>
+                                      </p:tavLst>
+                                    </p:anim>
+                                  </p:childTnLst>
+                                </p:cTn>
+                              </p:par>
+                            </p:childTnLst>
+                          </p:cTn>
+                        </p:par>
+                      </p:childTnLst>
+                    </p:cTn>
+                  </p:par>
+                </p:childTnLst>
+              </p:cTn>
+              <p:prevCondLst>
+                <p:cond evt="onPrev" delay="0">
+                  <p:tgtEl>
+                    <p:sldTgt/>
+                  </p:tgtEl>
+                </p:cond>
+              </p:prevCondLst>
+              <p:nextCondLst>
+                <p:cond evt="onNext" delay="0">
+                  <p:tgtEl>
+                    <p:sldTgt/>
+                  </p:tgtEl>
+                </p:cond>
+              </p:nextCondLst>
+            </p:seq>
+          </p:childTnLst>
+        </p:cTn>
+      </p:par>
+    </p:tnLst>
+  </p:timing>
 </p:sld>
 </file>
 
@@ -21053,7 +24174,7 @@
         </p:blipFill>
         <p:spPr>
           <a:xfrm>
-            <a:off x="6840047" y="979761"/>
+            <a:off x="6932514" y="1187748"/>
             <a:ext cx="4868053" cy="4898478"/>
           </a:xfrm>
           <a:prstGeom prst="rect">
@@ -21089,7 +24210,7 @@
         </p:blipFill>
         <p:spPr>
           <a:xfrm rot="21270781">
-            <a:off x="3585457" y="955610"/>
+            <a:off x="3677924" y="1163597"/>
             <a:ext cx="3359174" cy="4151656"/>
           </a:xfrm>
           <a:prstGeom prst="rect">
@@ -21125,7 +24246,7 @@
         </p:blipFill>
         <p:spPr>
           <a:xfrm>
-            <a:off x="483900" y="196306"/>
+            <a:off x="576367" y="404293"/>
             <a:ext cx="2358259" cy="3301563"/>
           </a:xfrm>
           <a:prstGeom prst="rect">
@@ -21161,7 +24282,7 @@
         </p:blipFill>
         <p:spPr>
           <a:xfrm>
-            <a:off x="1134866" y="3166580"/>
+            <a:off x="1227333" y="3374567"/>
             <a:ext cx="2303089" cy="3290127"/>
           </a:xfrm>
           <a:prstGeom prst="rect">
@@ -21169,6 +24290,159 @@
           </a:prstGeom>
         </p:spPr>
       </p:pic>
+      <mc:AlternateContent xmlns:mc="http://schemas.openxmlformats.org/markup-compatibility/2006">
+        <mc:Choice xmlns:p14="http://schemas.microsoft.com/office/powerpoint/2010/main" Requires="p14">
+          <p:contentPart p14:bwMode="auto" r:id="rId8">
+            <p14:nvContentPartPr>
+              <p14:cNvPr id="3" name="잉크 2">
+                <a:extLst>
+                  <a:ext uri="{FF2B5EF4-FFF2-40B4-BE49-F238E27FC236}">
+                    <a16:creationId xmlns:a16="http://schemas.microsoft.com/office/drawing/2014/main" id="{BF34A3F5-4B68-8542-0369-23CA9CBB96F1}"/>
+                  </a:ext>
+                </a:extLst>
+              </p14:cNvPr>
+              <p14:cNvContentPartPr/>
+              <p14:nvPr/>
+            </p14:nvContentPartPr>
+            <p14:xfrm>
+              <a:off x="2218591" y="3523401"/>
+              <a:ext cx="2851920" cy="31680"/>
+            </p14:xfrm>
+          </p:contentPart>
+        </mc:Choice>
+        <mc:Fallback>
+          <p:pic>
+            <p:nvPicPr>
+              <p:cNvPr id="3" name="잉크 2">
+                <a:extLst>
+                  <a:ext uri="{FF2B5EF4-FFF2-40B4-BE49-F238E27FC236}">
+                    <a16:creationId xmlns:a16="http://schemas.microsoft.com/office/drawing/2014/main" id="{BF34A3F5-4B68-8542-0369-23CA9CBB96F1}"/>
+                  </a:ext>
+                </a:extLst>
+              </p:cNvPr>
+              <p:cNvPicPr/>
+              <p:nvPr/>
+            </p:nvPicPr>
+            <p:blipFill>
+              <a:blip r:embed="rId9"/>
+              <a:stretch>
+                <a:fillRect/>
+              </a:stretch>
+            </p:blipFill>
+            <p:spPr>
+              <a:xfrm>
+                <a:off x="2164951" y="3415761"/>
+                <a:ext cx="2959560" cy="247320"/>
+              </a:xfrm>
+              <a:prstGeom prst="rect">
+                <a:avLst/>
+              </a:prstGeom>
+            </p:spPr>
+          </p:pic>
+        </mc:Fallback>
+      </mc:AlternateContent>
+      <mc:AlternateContent xmlns:mc="http://schemas.openxmlformats.org/markup-compatibility/2006">
+        <mc:Choice xmlns:p14="http://schemas.microsoft.com/office/powerpoint/2010/main" Requires="p14">
+          <p:contentPart p14:bwMode="auto" r:id="rId10">
+            <p14:nvContentPartPr>
+              <p14:cNvPr id="5" name="잉크 4">
+                <a:extLst>
+                  <a:ext uri="{FF2B5EF4-FFF2-40B4-BE49-F238E27FC236}">
+                    <a16:creationId xmlns:a16="http://schemas.microsoft.com/office/drawing/2014/main" id="{AD08E889-121D-F02D-0D7E-6E7CA921D4C4}"/>
+                  </a:ext>
+                </a:extLst>
+              </p14:cNvPr>
+              <p14:cNvContentPartPr/>
+              <p14:nvPr/>
+            </p14:nvContentPartPr>
+            <p14:xfrm>
+              <a:off x="2208511" y="3914361"/>
+              <a:ext cx="490680" cy="360"/>
+            </p14:xfrm>
+          </p:contentPart>
+        </mc:Choice>
+        <mc:Fallback>
+          <p:pic>
+            <p:nvPicPr>
+              <p:cNvPr id="5" name="잉크 4">
+                <a:extLst>
+                  <a:ext uri="{FF2B5EF4-FFF2-40B4-BE49-F238E27FC236}">
+                    <a16:creationId xmlns:a16="http://schemas.microsoft.com/office/drawing/2014/main" id="{AD08E889-121D-F02D-0D7E-6E7CA921D4C4}"/>
+                  </a:ext>
+                </a:extLst>
+              </p:cNvPr>
+              <p:cNvPicPr/>
+              <p:nvPr/>
+            </p:nvPicPr>
+            <p:blipFill>
+              <a:blip r:embed="rId11"/>
+              <a:stretch>
+                <a:fillRect/>
+              </a:stretch>
+            </p:blipFill>
+            <p:spPr>
+              <a:xfrm>
+                <a:off x="2154871" y="3806361"/>
+                <a:ext cx="598320" cy="216000"/>
+              </a:xfrm>
+              <a:prstGeom prst="rect">
+                <a:avLst/>
+              </a:prstGeom>
+            </p:spPr>
+          </p:pic>
+        </mc:Fallback>
+      </mc:AlternateContent>
+      <mc:AlternateContent xmlns:mc="http://schemas.openxmlformats.org/markup-compatibility/2006">
+        <mc:Choice xmlns:p14="http://schemas.microsoft.com/office/powerpoint/2010/main" Requires="p14">
+          <p:contentPart p14:bwMode="auto" r:id="rId12">
+            <p14:nvContentPartPr>
+              <p14:cNvPr id="6" name="잉크 5">
+                <a:extLst>
+                  <a:ext uri="{FF2B5EF4-FFF2-40B4-BE49-F238E27FC236}">
+                    <a16:creationId xmlns:a16="http://schemas.microsoft.com/office/drawing/2014/main" id="{8F3E68D2-D002-BD14-D13C-0880CC988C35}"/>
+                  </a:ext>
+                </a:extLst>
+              </p14:cNvPr>
+              <p14:cNvContentPartPr/>
+              <p14:nvPr/>
+            </p14:nvContentPartPr>
+            <p14:xfrm>
+              <a:off x="3050911" y="3883041"/>
+              <a:ext cx="1723320" cy="11520"/>
+            </p14:xfrm>
+          </p:contentPart>
+        </mc:Choice>
+        <mc:Fallback>
+          <p:pic>
+            <p:nvPicPr>
+              <p:cNvPr id="6" name="잉크 5">
+                <a:extLst>
+                  <a:ext uri="{FF2B5EF4-FFF2-40B4-BE49-F238E27FC236}">
+                    <a16:creationId xmlns:a16="http://schemas.microsoft.com/office/drawing/2014/main" id="{8F3E68D2-D002-BD14-D13C-0880CC988C35}"/>
+                  </a:ext>
+                </a:extLst>
+              </p:cNvPr>
+              <p:cNvPicPr/>
+              <p:nvPr/>
+            </p:nvPicPr>
+            <p:blipFill>
+              <a:blip r:embed="rId13"/>
+              <a:stretch>
+                <a:fillRect/>
+              </a:stretch>
+            </p:blipFill>
+            <p:spPr>
+              <a:xfrm>
+                <a:off x="2997271" y="3775401"/>
+                <a:ext cx="1830960" cy="227160"/>
+              </a:xfrm>
+              <a:prstGeom prst="rect">
+                <a:avLst/>
+              </a:prstGeom>
+            </p:spPr>
+          </p:pic>
+        </mc:Fallback>
+      </mc:AlternateContent>
     </p:spTree>
     <p:extLst>
       <p:ext uri="{BB962C8B-B14F-4D97-AF65-F5344CB8AC3E}">
@@ -21212,7 +24486,7 @@
                             </p:stCondLst>
                             <p:childTnLst>
                               <p:par>
-                                <p:cTn id="5" presetID="10" presetClass="entr" presetSubtype="0" fill="hold" nodeType="clickEffect">
+                                <p:cTn id="5" presetID="63" presetClass="entr" presetSubtype="0" fill="hold" nodeType="clickEffect">
                                   <p:stCondLst>
                                     <p:cond delay="0"/>
                                   </p:stCondLst>
@@ -21220,6 +24494,192 @@
                                     <p:set>
                                       <p:cBhvr>
                                         <p:cTn id="6" dur="1" fill="hold">
+                                          <p:stCondLst>
+                                            <p:cond delay="0"/>
+                                          </p:stCondLst>
+                                        </p:cTn>
+                                        <p:tgtEl>
+                                          <p:spTgt spid="3"/>
+                                        </p:tgtEl>
+                                        <p:attrNameLst>
+                                          <p:attrName>style.visibility</p:attrName>
+                                        </p:attrNameLst>
+                                      </p:cBhvr>
+                                      <p:to>
+                                        <p:strVal val="visible"/>
+                                      </p:to>
+                                    </p:set>
+                                    <p:anim calcmode="lin" valueType="num">
+                                      <p:cBhvr>
+                                        <p:cTn id="7" dur="2000" fill="hold"/>
+                                        <p:tgtEl>
+                                          <p:spTgt spid="3"/>
+                                        </p:tgtEl>
+                                        <p:attrNameLst>
+                                          <p:attrName>drawProgress</p:attrName>
+                                        </p:attrNameLst>
+                                      </p:cBhvr>
+                                      <p:tavLst>
+                                        <p:tav tm="0">
+                                          <p:val>
+                                            <p:fltVal val="0"/>
+                                          </p:val>
+                                        </p:tav>
+                                        <p:tav tm="100000">
+                                          <p:val>
+                                            <p:fltVal val="1"/>
+                                          </p:val>
+                                        </p:tav>
+                                      </p:tavLst>
+                                    </p:anim>
+                                  </p:childTnLst>
+                                </p:cTn>
+                              </p:par>
+                            </p:childTnLst>
+                          </p:cTn>
+                        </p:par>
+                        <p:par>
+                          <p:cTn id="8" fill="hold">
+                            <p:stCondLst>
+                              <p:cond delay="2000"/>
+                            </p:stCondLst>
+                            <p:childTnLst>
+                              <p:par>
+                                <p:cTn id="9" presetID="63" presetClass="entr" presetSubtype="0" fill="hold" nodeType="afterEffect">
+                                  <p:stCondLst>
+                                    <p:cond delay="0"/>
+                                  </p:stCondLst>
+                                  <p:childTnLst>
+                                    <p:set>
+                                      <p:cBhvr>
+                                        <p:cTn id="10" dur="1" fill="hold">
+                                          <p:stCondLst>
+                                            <p:cond delay="0"/>
+                                          </p:stCondLst>
+                                        </p:cTn>
+                                        <p:tgtEl>
+                                          <p:spTgt spid="5"/>
+                                        </p:tgtEl>
+                                        <p:attrNameLst>
+                                          <p:attrName>style.visibility</p:attrName>
+                                        </p:attrNameLst>
+                                      </p:cBhvr>
+                                      <p:to>
+                                        <p:strVal val="visible"/>
+                                      </p:to>
+                                    </p:set>
+                                    <p:anim calcmode="lin" valueType="num">
+                                      <p:cBhvr>
+                                        <p:cTn id="11" dur="2000" fill="hold"/>
+                                        <p:tgtEl>
+                                          <p:spTgt spid="5"/>
+                                        </p:tgtEl>
+                                        <p:attrNameLst>
+                                          <p:attrName>drawProgress</p:attrName>
+                                        </p:attrNameLst>
+                                      </p:cBhvr>
+                                      <p:tavLst>
+                                        <p:tav tm="0">
+                                          <p:val>
+                                            <p:fltVal val="0"/>
+                                          </p:val>
+                                        </p:tav>
+                                        <p:tav tm="100000">
+                                          <p:val>
+                                            <p:fltVal val="1"/>
+                                          </p:val>
+                                        </p:tav>
+                                      </p:tavLst>
+                                    </p:anim>
+                                  </p:childTnLst>
+                                </p:cTn>
+                              </p:par>
+                            </p:childTnLst>
+                          </p:cTn>
+                        </p:par>
+                        <p:par>
+                          <p:cTn id="12" fill="hold">
+                            <p:stCondLst>
+                              <p:cond delay="4000"/>
+                            </p:stCondLst>
+                            <p:childTnLst>
+                              <p:par>
+                                <p:cTn id="13" presetID="63" presetClass="entr" presetSubtype="0" fill="hold" nodeType="afterEffect">
+                                  <p:stCondLst>
+                                    <p:cond delay="0"/>
+                                  </p:stCondLst>
+                                  <p:childTnLst>
+                                    <p:set>
+                                      <p:cBhvr>
+                                        <p:cTn id="14" dur="1" fill="hold">
+                                          <p:stCondLst>
+                                            <p:cond delay="0"/>
+                                          </p:stCondLst>
+                                        </p:cTn>
+                                        <p:tgtEl>
+                                          <p:spTgt spid="6"/>
+                                        </p:tgtEl>
+                                        <p:attrNameLst>
+                                          <p:attrName>style.visibility</p:attrName>
+                                        </p:attrNameLst>
+                                      </p:cBhvr>
+                                      <p:to>
+                                        <p:strVal val="visible"/>
+                                      </p:to>
+                                    </p:set>
+                                    <p:anim calcmode="lin" valueType="num">
+                                      <p:cBhvr>
+                                        <p:cTn id="15" dur="2000" fill="hold"/>
+                                        <p:tgtEl>
+                                          <p:spTgt spid="6"/>
+                                        </p:tgtEl>
+                                        <p:attrNameLst>
+                                          <p:attrName>drawProgress</p:attrName>
+                                        </p:attrNameLst>
+                                      </p:cBhvr>
+                                      <p:tavLst>
+                                        <p:tav tm="0">
+                                          <p:val>
+                                            <p:fltVal val="0"/>
+                                          </p:val>
+                                        </p:tav>
+                                        <p:tav tm="100000">
+                                          <p:val>
+                                            <p:fltVal val="1"/>
+                                          </p:val>
+                                        </p:tav>
+                                      </p:tavLst>
+                                    </p:anim>
+                                  </p:childTnLst>
+                                </p:cTn>
+                              </p:par>
+                            </p:childTnLst>
+                          </p:cTn>
+                        </p:par>
+                      </p:childTnLst>
+                    </p:cTn>
+                  </p:par>
+                  <p:par>
+                    <p:cTn id="16" fill="hold">
+                      <p:stCondLst>
+                        <p:cond delay="indefinite"/>
+                      </p:stCondLst>
+                      <p:childTnLst>
+                        <p:par>
+                          <p:cTn id="17" fill="hold">
+                            <p:stCondLst>
+                              <p:cond delay="0"/>
+                            </p:stCondLst>
+                            <p:childTnLst>
+                              <p:par>
+                                <p:cTn id="18" presetID="10" presetClass="entr" presetSubtype="0" fill="hold" nodeType="clickEffect">
+                                  <p:stCondLst>
+                                    <p:cond delay="0"/>
+                                  </p:stCondLst>
+                                  <p:childTnLst>
+                                    <p:set>
+                                      <p:cBhvr>
+                                        <p:cTn id="19" dur="1" fill="hold">
                                           <p:stCondLst>
                                             <p:cond delay="0"/>
                                           </p:stCondLst>
@@ -21237,7 +24697,7 @@
                                     </p:set>
                                     <p:animEffect transition="in" filter="fade">
                                       <p:cBhvr>
-                                        <p:cTn id="7" dur="500"/>
+                                        <p:cTn id="20" dur="500"/>
                                         <p:tgtEl>
                                           <p:spTgt spid="26"/>
                                         </p:tgtEl>
@@ -21247,14 +24707,14 @@
                                 </p:cTn>
                               </p:par>
                               <p:par>
-                                <p:cTn id="8" presetID="10" presetClass="entr" presetSubtype="0" fill="hold" nodeType="withEffect">
+                                <p:cTn id="21" presetID="10" presetClass="entr" presetSubtype="0" fill="hold" nodeType="withEffect">
                                   <p:stCondLst>
                                     <p:cond delay="0"/>
                                   </p:stCondLst>
                                   <p:childTnLst>
                                     <p:set>
                                       <p:cBhvr>
-                                        <p:cTn id="9" dur="1" fill="hold">
+                                        <p:cTn id="22" dur="1" fill="hold">
                                           <p:stCondLst>
                                             <p:cond delay="0"/>
                                           </p:stCondLst>
@@ -21272,7 +24732,7 @@
                                     </p:set>
                                     <p:animEffect transition="in" filter="fade">
                                       <p:cBhvr>
-                                        <p:cTn id="10" dur="500"/>
+                                        <p:cTn id="23" dur="500"/>
                                         <p:tgtEl>
                                           <p:spTgt spid="27"/>
                                         </p:tgtEl>
@@ -21282,14 +24742,14 @@
                                 </p:cTn>
                               </p:par>
                               <p:par>
-                                <p:cTn id="11" presetID="10" presetClass="entr" presetSubtype="0" fill="hold" nodeType="withEffect">
+                                <p:cTn id="24" presetID="10" presetClass="entr" presetSubtype="0" fill="hold" nodeType="withEffect">
                                   <p:stCondLst>
                                     <p:cond delay="0"/>
                                   </p:stCondLst>
                                   <p:childTnLst>
                                     <p:set>
                                       <p:cBhvr>
-                                        <p:cTn id="12" dur="1" fill="hold">
+                                        <p:cTn id="25" dur="1" fill="hold">
                                           <p:stCondLst>
                                             <p:cond delay="0"/>
                                           </p:stCondLst>
@@ -21307,7 +24767,7 @@
                                     </p:set>
                                     <p:animEffect transition="in" filter="fade">
                                       <p:cBhvr>
-                                        <p:cTn id="13" dur="500"/>
+                                        <p:cTn id="26" dur="500"/>
                                         <p:tgtEl>
                                           <p:spTgt spid="7"/>
                                         </p:tgtEl>
@@ -21317,14 +24777,14 @@
                                 </p:cTn>
                               </p:par>
                               <p:par>
-                                <p:cTn id="14" presetID="10" presetClass="entr" presetSubtype="0" fill="hold" nodeType="withEffect">
+                                <p:cTn id="27" presetID="10" presetClass="entr" presetSubtype="0" fill="hold" nodeType="withEffect">
                                   <p:stCondLst>
                                     <p:cond delay="0"/>
                                   </p:stCondLst>
                                   <p:childTnLst>
                                     <p:set>
                                       <p:cBhvr>
-                                        <p:cTn id="15" dur="1" fill="hold">
+                                        <p:cTn id="28" dur="1" fill="hold">
                                           <p:stCondLst>
                                             <p:cond delay="0"/>
                                           </p:stCondLst>
@@ -21342,7 +24802,7 @@
                                     </p:set>
                                     <p:animEffect transition="in" filter="fade">
                                       <p:cBhvr>
-                                        <p:cTn id="16" dur="500"/>
+                                        <p:cTn id="29" dur="500"/>
                                         <p:tgtEl>
                                           <p:spTgt spid="10"/>
                                         </p:tgtEl>
@@ -21844,8 +25304,8 @@
           </a:prstGeom>
         </p:spPr>
       </p:pic>
-      <mc:AlternateContent xmlns:mc="http://schemas.openxmlformats.org/markup-compatibility/2006">
-        <mc:Choice xmlns:p14="http://schemas.microsoft.com/office/powerpoint/2010/main" Requires="p14">
+      <mc:AlternateContent xmlns:mc="http://schemas.openxmlformats.org/markup-compatibility/2006" xmlns:p14="http://schemas.microsoft.com/office/powerpoint/2010/main">
+        <mc:Choice Requires="p14">
           <p:contentPart p14:bwMode="auto" r:id="rId4">
             <p14:nvContentPartPr>
               <p14:cNvPr id="10" name="잉크 9">
@@ -21864,7 +25324,7 @@
             </p14:xfrm>
           </p:contentPart>
         </mc:Choice>
-        <mc:Fallback>
+        <mc:Fallback xmlns="">
           <p:pic>
             <p:nvPicPr>
               <p:cNvPr id="10" name="잉크 9">
@@ -21895,8 +25355,8 @@
           </p:pic>
         </mc:Fallback>
       </mc:AlternateContent>
-      <mc:AlternateContent xmlns:mc="http://schemas.openxmlformats.org/markup-compatibility/2006">
-        <mc:Choice xmlns:p14="http://schemas.microsoft.com/office/powerpoint/2010/main" Requires="p14">
+      <mc:AlternateContent xmlns:mc="http://schemas.openxmlformats.org/markup-compatibility/2006" xmlns:p14="http://schemas.microsoft.com/office/powerpoint/2010/main">
+        <mc:Choice Requires="p14">
           <p:contentPart p14:bwMode="auto" r:id="rId6">
             <p14:nvContentPartPr>
               <p14:cNvPr id="12" name="잉크 11">
@@ -21915,7 +25375,7 @@
             </p14:xfrm>
           </p:contentPart>
         </mc:Choice>
-        <mc:Fallback>
+        <mc:Fallback xmlns="">
           <p:pic>
             <p:nvPicPr>
               <p:cNvPr id="12" name="잉크 11">
@@ -21946,8 +25406,8 @@
           </p:pic>
         </mc:Fallback>
       </mc:AlternateContent>
-      <mc:AlternateContent xmlns:mc="http://schemas.openxmlformats.org/markup-compatibility/2006">
-        <mc:Choice xmlns:p14="http://schemas.microsoft.com/office/powerpoint/2010/main" Requires="p14">
+      <mc:AlternateContent xmlns:mc="http://schemas.openxmlformats.org/markup-compatibility/2006" xmlns:p14="http://schemas.microsoft.com/office/powerpoint/2010/main">
+        <mc:Choice Requires="p14">
           <p:contentPart p14:bwMode="auto" r:id="rId8">
             <p14:nvContentPartPr>
               <p14:cNvPr id="14" name="잉크 13">
@@ -21966,7 +25426,7 @@
             </p14:xfrm>
           </p:contentPart>
         </mc:Choice>
-        <mc:Fallback>
+        <mc:Fallback xmlns="">
           <p:pic>
             <p:nvPicPr>
               <p:cNvPr id="14" name="잉크 13">
@@ -21997,8 +25457,8 @@
           </p:pic>
         </mc:Fallback>
       </mc:AlternateContent>
-      <mc:AlternateContent xmlns:mc="http://schemas.openxmlformats.org/markup-compatibility/2006">
-        <mc:Choice xmlns:p14="http://schemas.microsoft.com/office/powerpoint/2010/main" Requires="p14">
+      <mc:AlternateContent xmlns:mc="http://schemas.openxmlformats.org/markup-compatibility/2006" xmlns:p14="http://schemas.microsoft.com/office/powerpoint/2010/main">
+        <mc:Choice Requires="p14">
           <p:contentPart p14:bwMode="auto" r:id="rId10">
             <p14:nvContentPartPr>
               <p14:cNvPr id="16" name="잉크 15">
@@ -22017,7 +25477,7 @@
             </p14:xfrm>
           </p:contentPart>
         </mc:Choice>
-        <mc:Fallback>
+        <mc:Fallback xmlns="">
           <p:pic>
             <p:nvPicPr>
               <p:cNvPr id="16" name="잉크 15">
@@ -23617,65 +27077,261 @@
           </a:graphicData>
         </a:graphic>
       </p:graphicFrame>
-      <p:sp>
-        <p:nvSpPr>
-          <p:cNvPr id="4" name="직사각형 3">
-            <a:extLst>
-              <a:ext uri="{FF2B5EF4-FFF2-40B4-BE49-F238E27FC236}">
-                <a16:creationId xmlns:a16="http://schemas.microsoft.com/office/drawing/2014/main" id="{FAD95FA5-4A5F-6F6F-9314-06F3AA40AE6D}"/>
-              </a:ext>
-            </a:extLst>
-          </p:cNvPr>
-          <p:cNvSpPr/>
-          <p:nvPr/>
-        </p:nvSpPr>
-        <p:spPr>
-          <a:xfrm>
-            <a:off x="7977453" y="1619788"/>
-            <a:ext cx="1608336" cy="4105939"/>
-          </a:xfrm>
-          <a:prstGeom prst="rect">
-            <a:avLst/>
-          </a:prstGeom>
-          <a:solidFill>
-            <a:schemeClr val="accent1">
-              <a:alpha val="20000"/>
-            </a:schemeClr>
-          </a:solidFill>
-          <a:ln>
-            <a:solidFill>
-              <a:schemeClr val="accent1">
-                <a:shade val="50000"/>
-                <a:alpha val="96000"/>
-              </a:schemeClr>
-            </a:solidFill>
-          </a:ln>
-        </p:spPr>
-        <p:style>
-          <a:lnRef idx="2">
-            <a:schemeClr val="accent1">
-              <a:shade val="50000"/>
-            </a:schemeClr>
-          </a:lnRef>
-          <a:fillRef idx="1">
-            <a:schemeClr val="accent1"/>
-          </a:fillRef>
-          <a:effectRef idx="0">
-            <a:schemeClr val="accent1"/>
-          </a:effectRef>
-          <a:fontRef idx="minor">
-            <a:schemeClr val="lt1"/>
-          </a:fontRef>
-        </p:style>
-        <p:txBody>
-          <a:bodyPr rtlCol="0" anchor="ctr"/>
-          <a:lstStyle/>
-          <a:p>
-            <a:pPr algn="ctr"/>
-            <a:endParaRPr lang="ko-KR" altLang="en-US"/>
-          </a:p>
-        </p:txBody>
-      </p:sp>
+      <mc:AlternateContent xmlns:mc="http://schemas.openxmlformats.org/markup-compatibility/2006">
+        <mc:Choice xmlns:p14="http://schemas.microsoft.com/office/powerpoint/2010/main" Requires="p14">
+          <p:contentPart p14:bwMode="auto" r:id="rId3">
+            <p14:nvContentPartPr>
+              <p14:cNvPr id="5" name="잉크 4">
+                <a:extLst>
+                  <a:ext uri="{FF2B5EF4-FFF2-40B4-BE49-F238E27FC236}">
+                    <a16:creationId xmlns:a16="http://schemas.microsoft.com/office/drawing/2014/main" id="{022E0CDE-BE95-7AFF-FD2E-B599086D08B8}"/>
+                  </a:ext>
+                </a:extLst>
+              </p14:cNvPr>
+              <p14:cNvContentPartPr/>
+              <p14:nvPr/>
+            </p14:nvContentPartPr>
+            <p14:xfrm>
+              <a:off x="8301151" y="2927710"/>
+              <a:ext cx="920520" cy="360"/>
+            </p14:xfrm>
+          </p:contentPart>
+        </mc:Choice>
+        <mc:Fallback>
+          <p:pic>
+            <p:nvPicPr>
+              <p:cNvPr id="5" name="잉크 4">
+                <a:extLst>
+                  <a:ext uri="{FF2B5EF4-FFF2-40B4-BE49-F238E27FC236}">
+                    <a16:creationId xmlns:a16="http://schemas.microsoft.com/office/drawing/2014/main" id="{022E0CDE-BE95-7AFF-FD2E-B599086D08B8}"/>
+                  </a:ext>
+                </a:extLst>
+              </p:cNvPr>
+              <p:cNvPicPr/>
+              <p:nvPr/>
+            </p:nvPicPr>
+            <p:blipFill>
+              <a:blip r:embed="rId4"/>
+              <a:stretch>
+                <a:fillRect/>
+              </a:stretch>
+            </p:blipFill>
+            <p:spPr>
+              <a:xfrm>
+                <a:off x="8247511" y="2820070"/>
+                <a:ext cx="1028160" cy="216000"/>
+              </a:xfrm>
+              <a:prstGeom prst="rect">
+                <a:avLst/>
+              </a:prstGeom>
+            </p:spPr>
+          </p:pic>
+        </mc:Fallback>
+      </mc:AlternateContent>
+      <mc:AlternateContent xmlns:mc="http://schemas.openxmlformats.org/markup-compatibility/2006">
+        <mc:Choice xmlns:p14="http://schemas.microsoft.com/office/powerpoint/2010/main" Requires="p14">
+          <p:contentPart p14:bwMode="auto" r:id="rId5">
+            <p14:nvContentPartPr>
+              <p14:cNvPr id="6" name="잉크 5">
+                <a:extLst>
+                  <a:ext uri="{FF2B5EF4-FFF2-40B4-BE49-F238E27FC236}">
+                    <a16:creationId xmlns:a16="http://schemas.microsoft.com/office/drawing/2014/main" id="{48BB72F4-CD1F-D360-4C92-C23F94712B95}"/>
+                  </a:ext>
+                </a:extLst>
+              </p14:cNvPr>
+              <p14:cNvContentPartPr/>
+              <p14:nvPr/>
+            </p14:nvContentPartPr>
+            <p14:xfrm>
+              <a:off x="8280631" y="3472030"/>
+              <a:ext cx="879480" cy="25560"/>
+            </p14:xfrm>
+          </p:contentPart>
+        </mc:Choice>
+        <mc:Fallback>
+          <p:pic>
+            <p:nvPicPr>
+              <p:cNvPr id="6" name="잉크 5">
+                <a:extLst>
+                  <a:ext uri="{FF2B5EF4-FFF2-40B4-BE49-F238E27FC236}">
+                    <a16:creationId xmlns:a16="http://schemas.microsoft.com/office/drawing/2014/main" id="{48BB72F4-CD1F-D360-4C92-C23F94712B95}"/>
+                  </a:ext>
+                </a:extLst>
+              </p:cNvPr>
+              <p:cNvPicPr/>
+              <p:nvPr/>
+            </p:nvPicPr>
+            <p:blipFill>
+              <a:blip r:embed="rId6"/>
+              <a:stretch>
+                <a:fillRect/>
+              </a:stretch>
+            </p:blipFill>
+            <p:spPr>
+              <a:xfrm>
+                <a:off x="8226991" y="3364390"/>
+                <a:ext cx="987120" cy="241200"/>
+              </a:xfrm>
+              <a:prstGeom prst="rect">
+                <a:avLst/>
+              </a:prstGeom>
+            </p:spPr>
+          </p:pic>
+        </mc:Fallback>
+      </mc:AlternateContent>
+      <mc:AlternateContent xmlns:mc="http://schemas.openxmlformats.org/markup-compatibility/2006">
+        <mc:Choice xmlns:p14="http://schemas.microsoft.com/office/powerpoint/2010/main" Requires="p14">
+          <p:contentPart p14:bwMode="auto" r:id="rId7">
+            <p14:nvContentPartPr>
+              <p14:cNvPr id="7" name="잉크 6">
+                <a:extLst>
+                  <a:ext uri="{FF2B5EF4-FFF2-40B4-BE49-F238E27FC236}">
+                    <a16:creationId xmlns:a16="http://schemas.microsoft.com/office/drawing/2014/main" id="{3CE88608-30E3-486E-A11D-26603F48129E}"/>
+                  </a:ext>
+                </a:extLst>
+              </p14:cNvPr>
+              <p14:cNvContentPartPr/>
+              <p14:nvPr/>
+            </p14:nvContentPartPr>
+            <p14:xfrm>
+              <a:off x="8342191" y="3892870"/>
+              <a:ext cx="846360" cy="11880"/>
+            </p14:xfrm>
+          </p:contentPart>
+        </mc:Choice>
+        <mc:Fallback>
+          <p:pic>
+            <p:nvPicPr>
+              <p:cNvPr id="7" name="잉크 6">
+                <a:extLst>
+                  <a:ext uri="{FF2B5EF4-FFF2-40B4-BE49-F238E27FC236}">
+                    <a16:creationId xmlns:a16="http://schemas.microsoft.com/office/drawing/2014/main" id="{3CE88608-30E3-486E-A11D-26603F48129E}"/>
+                  </a:ext>
+                </a:extLst>
+              </p:cNvPr>
+              <p:cNvPicPr/>
+              <p:nvPr/>
+            </p:nvPicPr>
+            <p:blipFill>
+              <a:blip r:embed="rId8"/>
+              <a:stretch>
+                <a:fillRect/>
+              </a:stretch>
+            </p:blipFill>
+            <p:spPr>
+              <a:xfrm>
+                <a:off x="8288191" y="3785230"/>
+                <a:ext cx="954000" cy="227520"/>
+              </a:xfrm>
+              <a:prstGeom prst="rect">
+                <a:avLst/>
+              </a:prstGeom>
+            </p:spPr>
+          </p:pic>
+        </mc:Fallback>
+      </mc:AlternateContent>
+      <mc:AlternateContent xmlns:mc="http://schemas.openxmlformats.org/markup-compatibility/2006">
+        <mc:Choice xmlns:p14="http://schemas.microsoft.com/office/powerpoint/2010/main" Requires="p14">
+          <p:contentPart p14:bwMode="auto" r:id="rId9">
+            <p14:nvContentPartPr>
+              <p14:cNvPr id="8" name="잉크 7">
+                <a:extLst>
+                  <a:ext uri="{FF2B5EF4-FFF2-40B4-BE49-F238E27FC236}">
+                    <a16:creationId xmlns:a16="http://schemas.microsoft.com/office/drawing/2014/main" id="{1398F974-31A9-DE8F-0FD7-F41431062793}"/>
+                  </a:ext>
+                </a:extLst>
+              </p14:cNvPr>
+              <p14:cNvContentPartPr/>
+              <p14:nvPr/>
+            </p14:nvContentPartPr>
+            <p14:xfrm>
+              <a:off x="8332111" y="4283830"/>
+              <a:ext cx="891720" cy="56880"/>
+            </p14:xfrm>
+          </p:contentPart>
+        </mc:Choice>
+        <mc:Fallback>
+          <p:pic>
+            <p:nvPicPr>
+              <p:cNvPr id="8" name="잉크 7">
+                <a:extLst>
+                  <a:ext uri="{FF2B5EF4-FFF2-40B4-BE49-F238E27FC236}">
+                    <a16:creationId xmlns:a16="http://schemas.microsoft.com/office/drawing/2014/main" id="{1398F974-31A9-DE8F-0FD7-F41431062793}"/>
+                  </a:ext>
+                </a:extLst>
+              </p:cNvPr>
+              <p:cNvPicPr/>
+              <p:nvPr/>
+            </p:nvPicPr>
+            <p:blipFill>
+              <a:blip r:embed="rId10"/>
+              <a:stretch>
+                <a:fillRect/>
+              </a:stretch>
+            </p:blipFill>
+            <p:spPr>
+              <a:xfrm>
+                <a:off x="8278111" y="4176190"/>
+                <a:ext cx="999360" cy="272520"/>
+              </a:xfrm>
+              <a:prstGeom prst="rect">
+                <a:avLst/>
+              </a:prstGeom>
+            </p:spPr>
+          </p:pic>
+        </mc:Fallback>
+      </mc:AlternateContent>
+      <mc:AlternateContent xmlns:mc="http://schemas.openxmlformats.org/markup-compatibility/2006">
+        <mc:Choice xmlns:p14="http://schemas.microsoft.com/office/powerpoint/2010/main" Requires="p14">
+          <p:contentPart p14:bwMode="auto" r:id="rId11">
+            <p14:nvContentPartPr>
+              <p14:cNvPr id="9" name="잉크 8">
+                <a:extLst>
+                  <a:ext uri="{FF2B5EF4-FFF2-40B4-BE49-F238E27FC236}">
+                    <a16:creationId xmlns:a16="http://schemas.microsoft.com/office/drawing/2014/main" id="{126D8F0B-E778-7712-4825-697C23D126FF}"/>
+                  </a:ext>
+                </a:extLst>
+              </p14:cNvPr>
+              <p14:cNvContentPartPr/>
+              <p14:nvPr/>
+            </p14:nvContentPartPr>
+            <p14:xfrm>
+              <a:off x="8290711" y="4828510"/>
+              <a:ext cx="937080" cy="42480"/>
+            </p14:xfrm>
+          </p:contentPart>
+        </mc:Choice>
+        <mc:Fallback>
+          <p:pic>
+            <p:nvPicPr>
+              <p:cNvPr id="9" name="잉크 8">
+                <a:extLst>
+                  <a:ext uri="{FF2B5EF4-FFF2-40B4-BE49-F238E27FC236}">
+                    <a16:creationId xmlns:a16="http://schemas.microsoft.com/office/drawing/2014/main" id="{126D8F0B-E778-7712-4825-697C23D126FF}"/>
+                  </a:ext>
+                </a:extLst>
+              </p:cNvPr>
+              <p:cNvPicPr/>
+              <p:nvPr/>
+            </p:nvPicPr>
+            <p:blipFill>
+              <a:blip r:embed="rId12"/>
+              <a:stretch>
+                <a:fillRect/>
+              </a:stretch>
+            </p:blipFill>
+            <p:spPr>
+              <a:xfrm>
+                <a:off x="8237071" y="4720870"/>
+                <a:ext cx="1044720" cy="258120"/>
+              </a:xfrm>
+              <a:prstGeom prst="rect">
+                <a:avLst/>
+              </a:prstGeom>
+            </p:spPr>
+          </p:pic>
+        </mc:Fallback>
+      </mc:AlternateContent>
     </p:spTree>
     <p:extLst>
       <p:ext uri="{BB962C8B-B14F-4D97-AF65-F5344CB8AC3E}">
@@ -23710,9 +27366,6 @@
                     <p:cTn id="3" fill="hold">
                       <p:stCondLst>
                         <p:cond delay="indefinite"/>
-                        <p:cond evt="onBegin" delay="0">
-                          <p:tn val="2"/>
-                        </p:cond>
                       </p:stCondLst>
                       <p:childTnLst>
                         <p:par>
@@ -23722,7 +27375,7 @@
                             </p:stCondLst>
                             <p:childTnLst>
                               <p:par>
-                                <p:cTn id="5" presetID="10" presetClass="entr" presetSubtype="0" fill="hold" grpId="0" nodeType="withEffect">
+                                <p:cTn id="5" presetID="63" presetClass="entr" presetSubtype="0" fill="hold" nodeType="clickEffect">
                                   <p:stCondLst>
                                     <p:cond delay="0"/>
                                   </p:stCondLst>
@@ -23735,7 +27388,7 @@
                                           </p:stCondLst>
                                         </p:cTn>
                                         <p:tgtEl>
-                                          <p:spTgt spid="4"/>
+                                          <p:spTgt spid="5"/>
                                         </p:tgtEl>
                                         <p:attrNameLst>
                                           <p:attrName>style.visibility</p:attrName>
@@ -23745,14 +27398,229 @@
                                         <p:strVal val="visible"/>
                                       </p:to>
                                     </p:set>
-                                    <p:animEffect transition="in" filter="fade">
+                                    <p:anim calcmode="lin" valueType="num">
                                       <p:cBhvr>
-                                        <p:cTn id="7" dur="500"/>
+                                        <p:cTn id="7" dur="2000" fill="hold"/>
                                         <p:tgtEl>
-                                          <p:spTgt spid="4"/>
+                                          <p:spTgt spid="5"/>
                                         </p:tgtEl>
+                                        <p:attrNameLst>
+                                          <p:attrName>drawProgress</p:attrName>
+                                        </p:attrNameLst>
                                       </p:cBhvr>
-                                    </p:animEffect>
+                                      <p:tavLst>
+                                        <p:tav tm="0">
+                                          <p:val>
+                                            <p:fltVal val="0"/>
+                                          </p:val>
+                                        </p:tav>
+                                        <p:tav tm="100000">
+                                          <p:val>
+                                            <p:fltVal val="1"/>
+                                          </p:val>
+                                        </p:tav>
+                                      </p:tavLst>
+                                    </p:anim>
+                                  </p:childTnLst>
+                                </p:cTn>
+                              </p:par>
+                              <p:par>
+                                <p:cTn id="8" presetID="63" presetClass="entr" presetSubtype="0" fill="hold" nodeType="withEffect">
+                                  <p:stCondLst>
+                                    <p:cond delay="0"/>
+                                  </p:stCondLst>
+                                  <p:childTnLst>
+                                    <p:set>
+                                      <p:cBhvr>
+                                        <p:cTn id="9" dur="1" fill="hold">
+                                          <p:stCondLst>
+                                            <p:cond delay="0"/>
+                                          </p:stCondLst>
+                                        </p:cTn>
+                                        <p:tgtEl>
+                                          <p:spTgt spid="6"/>
+                                        </p:tgtEl>
+                                        <p:attrNameLst>
+                                          <p:attrName>style.visibility</p:attrName>
+                                        </p:attrNameLst>
+                                      </p:cBhvr>
+                                      <p:to>
+                                        <p:strVal val="visible"/>
+                                      </p:to>
+                                    </p:set>
+                                    <p:anim calcmode="lin" valueType="num">
+                                      <p:cBhvr>
+                                        <p:cTn id="10" dur="2000" fill="hold"/>
+                                        <p:tgtEl>
+                                          <p:spTgt spid="6"/>
+                                        </p:tgtEl>
+                                        <p:attrNameLst>
+                                          <p:attrName>drawProgress</p:attrName>
+                                        </p:attrNameLst>
+                                      </p:cBhvr>
+                                      <p:tavLst>
+                                        <p:tav tm="0">
+                                          <p:val>
+                                            <p:fltVal val="0"/>
+                                          </p:val>
+                                        </p:tav>
+                                        <p:tav tm="100000">
+                                          <p:val>
+                                            <p:fltVal val="1"/>
+                                          </p:val>
+                                        </p:tav>
+                                      </p:tavLst>
+                                    </p:anim>
+                                  </p:childTnLst>
+                                </p:cTn>
+                              </p:par>
+                              <p:par>
+                                <p:cTn id="11" presetID="63" presetClass="entr" presetSubtype="0" fill="hold" nodeType="withEffect">
+                                  <p:stCondLst>
+                                    <p:cond delay="0"/>
+                                  </p:stCondLst>
+                                  <p:childTnLst>
+                                    <p:set>
+                                      <p:cBhvr>
+                                        <p:cTn id="12" dur="1" fill="hold">
+                                          <p:stCondLst>
+                                            <p:cond delay="0"/>
+                                          </p:stCondLst>
+                                        </p:cTn>
+                                        <p:tgtEl>
+                                          <p:spTgt spid="7"/>
+                                        </p:tgtEl>
+                                        <p:attrNameLst>
+                                          <p:attrName>style.visibility</p:attrName>
+                                        </p:attrNameLst>
+                                      </p:cBhvr>
+                                      <p:to>
+                                        <p:strVal val="visible"/>
+                                      </p:to>
+                                    </p:set>
+                                    <p:anim calcmode="lin" valueType="num">
+                                      <p:cBhvr>
+                                        <p:cTn id="13" dur="2000" fill="hold"/>
+                                        <p:tgtEl>
+                                          <p:spTgt spid="7"/>
+                                        </p:tgtEl>
+                                        <p:attrNameLst>
+                                          <p:attrName>drawProgress</p:attrName>
+                                        </p:attrNameLst>
+                                      </p:cBhvr>
+                                      <p:tavLst>
+                                        <p:tav tm="0">
+                                          <p:val>
+                                            <p:fltVal val="0"/>
+                                          </p:val>
+                                        </p:tav>
+                                        <p:tav tm="100000">
+                                          <p:val>
+                                            <p:fltVal val="1"/>
+                                          </p:val>
+                                        </p:tav>
+                                      </p:tavLst>
+                                    </p:anim>
+                                  </p:childTnLst>
+                                </p:cTn>
+                              </p:par>
+                              <p:par>
+                                <p:cTn id="14" presetID="63" presetClass="entr" presetSubtype="0" fill="hold" nodeType="withEffect">
+                                  <p:stCondLst>
+                                    <p:cond delay="0"/>
+                                  </p:stCondLst>
+                                  <p:childTnLst>
+                                    <p:set>
+                                      <p:cBhvr>
+                                        <p:cTn id="15" dur="1" fill="hold">
+                                          <p:stCondLst>
+                                            <p:cond delay="0"/>
+                                          </p:stCondLst>
+                                        </p:cTn>
+                                        <p:tgtEl>
+                                          <p:spTgt spid="8"/>
+                                        </p:tgtEl>
+                                        <p:attrNameLst>
+                                          <p:attrName>style.visibility</p:attrName>
+                                        </p:attrNameLst>
+                                      </p:cBhvr>
+                                      <p:to>
+                                        <p:strVal val="visible"/>
+                                      </p:to>
+                                    </p:set>
+                                    <p:anim calcmode="lin" valueType="num">
+                                      <p:cBhvr>
+                                        <p:cTn id="16" dur="2000" fill="hold"/>
+                                        <p:tgtEl>
+                                          <p:spTgt spid="8"/>
+                                        </p:tgtEl>
+                                        <p:attrNameLst>
+                                          <p:attrName>drawProgress</p:attrName>
+                                        </p:attrNameLst>
+                                      </p:cBhvr>
+                                      <p:tavLst>
+                                        <p:tav tm="0">
+                                          <p:val>
+                                            <p:fltVal val="0"/>
+                                          </p:val>
+                                        </p:tav>
+                                        <p:tav tm="100000">
+                                          <p:val>
+                                            <p:fltVal val="1"/>
+                                          </p:val>
+                                        </p:tav>
+                                      </p:tavLst>
+                                    </p:anim>
+                                  </p:childTnLst>
+                                </p:cTn>
+                              </p:par>
+                              <p:par>
+                                <p:cTn id="17" presetID="63" presetClass="entr" presetSubtype="0" fill="hold" nodeType="withEffect">
+                                  <p:stCondLst>
+                                    <p:cond delay="0"/>
+                                  </p:stCondLst>
+                                  <p:childTnLst>
+                                    <p:set>
+                                      <p:cBhvr>
+                                        <p:cTn id="18" dur="1" fill="hold">
+                                          <p:stCondLst>
+                                            <p:cond delay="0"/>
+                                          </p:stCondLst>
+                                        </p:cTn>
+                                        <p:tgtEl>
+                                          <p:spTgt spid="9"/>
+                                        </p:tgtEl>
+                                        <p:attrNameLst>
+                                          <p:attrName>style.visibility</p:attrName>
+                                        </p:attrNameLst>
+                                      </p:cBhvr>
+                                      <p:to>
+                                        <p:strVal val="visible"/>
+                                      </p:to>
+                                    </p:set>
+                                    <p:anim calcmode="lin" valueType="num">
+                                      <p:cBhvr>
+                                        <p:cTn id="19" dur="2000" fill="hold"/>
+                                        <p:tgtEl>
+                                          <p:spTgt spid="9"/>
+                                        </p:tgtEl>
+                                        <p:attrNameLst>
+                                          <p:attrName>drawProgress</p:attrName>
+                                        </p:attrNameLst>
+                                      </p:cBhvr>
+                                      <p:tavLst>
+                                        <p:tav tm="0">
+                                          <p:val>
+                                            <p:fltVal val="0"/>
+                                          </p:val>
+                                        </p:tav>
+                                        <p:tav tm="100000">
+                                          <p:val>
+                                            <p:fltVal val="1"/>
+                                          </p:val>
+                                        </p:tav>
+                                      </p:tavLst>
+                                    </p:anim>
                                   </p:childTnLst>
                                 </p:cTn>
                               </p:par>
@@ -23783,9 +27651,6 @@
         </p:cTn>
       </p:par>
     </p:tnLst>
-    <p:bldLst>
-      <p:bldP spid="4" grpId="0" animBg="1"/>
-    </p:bldLst>
   </p:timing>
 </p:sld>
 </file>
@@ -25086,8 +28951,8 @@
           </a:graphicData>
         </a:graphic>
       </p:graphicFrame>
-      <mc:AlternateContent xmlns:mc="http://schemas.openxmlformats.org/markup-compatibility/2006">
-        <mc:Choice xmlns:p14="http://schemas.microsoft.com/office/powerpoint/2010/main" Requires="p14">
+      <mc:AlternateContent xmlns:mc="http://schemas.openxmlformats.org/markup-compatibility/2006" xmlns:p14="http://schemas.microsoft.com/office/powerpoint/2010/main">
+        <mc:Choice Requires="p14">
           <p:contentPart p14:bwMode="auto" r:id="rId3">
             <p14:nvContentPartPr>
               <p14:cNvPr id="9" name="잉크 8">
@@ -25106,7 +28971,7 @@
             </p14:xfrm>
           </p:contentPart>
         </mc:Choice>
-        <mc:Fallback>
+        <mc:Fallback xmlns="">
           <p:pic>
             <p:nvPicPr>
               <p:cNvPr id="9" name="잉크 8">
@@ -25137,8 +29002,8 @@
           </p:pic>
         </mc:Fallback>
       </mc:AlternateContent>
-      <mc:AlternateContent xmlns:mc="http://schemas.openxmlformats.org/markup-compatibility/2006">
-        <mc:Choice xmlns:p14="http://schemas.microsoft.com/office/powerpoint/2010/main" Requires="p14">
+      <mc:AlternateContent xmlns:mc="http://schemas.openxmlformats.org/markup-compatibility/2006" xmlns:p14="http://schemas.microsoft.com/office/powerpoint/2010/main">
+        <mc:Choice Requires="p14">
           <p:contentPart p14:bwMode="auto" r:id="rId5">
             <p14:nvContentPartPr>
               <p14:cNvPr id="11" name="잉크 10">
@@ -25157,7 +29022,7 @@
             </p14:xfrm>
           </p:contentPart>
         </mc:Choice>
-        <mc:Fallback>
+        <mc:Fallback xmlns="">
           <p:pic>
             <p:nvPicPr>
               <p:cNvPr id="11" name="잉크 10">
@@ -25188,8 +29053,8 @@
           </p:pic>
         </mc:Fallback>
       </mc:AlternateContent>
-      <mc:AlternateContent xmlns:mc="http://schemas.openxmlformats.org/markup-compatibility/2006">
-        <mc:Choice xmlns:p14="http://schemas.microsoft.com/office/powerpoint/2010/main" Requires="p14">
+      <mc:AlternateContent xmlns:mc="http://schemas.openxmlformats.org/markup-compatibility/2006" xmlns:p14="http://schemas.microsoft.com/office/powerpoint/2010/main">
+        <mc:Choice Requires="p14">
           <p:contentPart p14:bwMode="auto" r:id="rId7">
             <p14:nvContentPartPr>
               <p14:cNvPr id="13" name="잉크 12">
@@ -25208,7 +29073,7 @@
             </p14:xfrm>
           </p:contentPart>
         </mc:Choice>
-        <mc:Fallback>
+        <mc:Fallback xmlns="">
           <p:pic>
             <p:nvPicPr>
               <p:cNvPr id="13" name="잉크 12">
@@ -25239,8 +29104,8 @@
           </p:pic>
         </mc:Fallback>
       </mc:AlternateContent>
-      <mc:AlternateContent xmlns:mc="http://schemas.openxmlformats.org/markup-compatibility/2006">
-        <mc:Choice xmlns:p14="http://schemas.microsoft.com/office/powerpoint/2010/main" Requires="p14">
+      <mc:AlternateContent xmlns:mc="http://schemas.openxmlformats.org/markup-compatibility/2006" xmlns:p14="http://schemas.microsoft.com/office/powerpoint/2010/main">
+        <mc:Choice Requires="p14">
           <p:contentPart p14:bwMode="auto" r:id="rId9">
             <p14:nvContentPartPr>
               <p14:cNvPr id="15" name="잉크 14">
@@ -25259,7 +29124,7 @@
             </p14:xfrm>
           </p:contentPart>
         </mc:Choice>
-        <mc:Fallback>
+        <mc:Fallback xmlns="">
           <p:pic>
             <p:nvPicPr>
               <p:cNvPr id="15" name="잉크 14">
@@ -26859,65 +30724,261 @@
           </a:graphicData>
         </a:graphic>
       </p:graphicFrame>
-      <p:sp>
-        <p:nvSpPr>
-          <p:cNvPr id="6" name="직사각형 5">
-            <a:extLst>
-              <a:ext uri="{FF2B5EF4-FFF2-40B4-BE49-F238E27FC236}">
-                <a16:creationId xmlns:a16="http://schemas.microsoft.com/office/drawing/2014/main" id="{875C679F-4DA2-2E73-1E78-BE0EED4BD991}"/>
-              </a:ext>
-            </a:extLst>
-          </p:cNvPr>
-          <p:cNvSpPr/>
-          <p:nvPr/>
-        </p:nvSpPr>
-        <p:spPr>
-          <a:xfrm>
-            <a:off x="7977453" y="1619788"/>
-            <a:ext cx="1608336" cy="4105939"/>
-          </a:xfrm>
-          <a:prstGeom prst="rect">
-            <a:avLst/>
-          </a:prstGeom>
-          <a:solidFill>
-            <a:schemeClr val="accent1">
-              <a:alpha val="20000"/>
-            </a:schemeClr>
-          </a:solidFill>
-          <a:ln>
-            <a:solidFill>
-              <a:schemeClr val="accent1">
-                <a:shade val="50000"/>
-                <a:alpha val="96000"/>
-              </a:schemeClr>
-            </a:solidFill>
-          </a:ln>
-        </p:spPr>
-        <p:style>
-          <a:lnRef idx="2">
-            <a:schemeClr val="accent1">
-              <a:shade val="50000"/>
-            </a:schemeClr>
-          </a:lnRef>
-          <a:fillRef idx="1">
-            <a:schemeClr val="accent1"/>
-          </a:fillRef>
-          <a:effectRef idx="0">
-            <a:schemeClr val="accent1"/>
-          </a:effectRef>
-          <a:fontRef idx="minor">
-            <a:schemeClr val="lt1"/>
-          </a:fontRef>
-        </p:style>
-        <p:txBody>
-          <a:bodyPr rtlCol="0" anchor="ctr"/>
-          <a:lstStyle/>
-          <a:p>
-            <a:pPr algn="ctr"/>
-            <a:endParaRPr lang="ko-KR" altLang="en-US"/>
-          </a:p>
-        </p:txBody>
-      </p:sp>
+      <mc:AlternateContent xmlns:mc="http://schemas.openxmlformats.org/markup-compatibility/2006">
+        <mc:Choice xmlns:p14="http://schemas.microsoft.com/office/powerpoint/2010/main" Requires="p14">
+          <p:contentPart p14:bwMode="auto" r:id="rId3">
+            <p14:nvContentPartPr>
+              <p14:cNvPr id="3" name="잉크 2">
+                <a:extLst>
+                  <a:ext uri="{FF2B5EF4-FFF2-40B4-BE49-F238E27FC236}">
+                    <a16:creationId xmlns:a16="http://schemas.microsoft.com/office/drawing/2014/main" id="{FAEE4D67-9E85-F264-19D3-B09B7472749F}"/>
+                  </a:ext>
+                </a:extLst>
+              </p14:cNvPr>
+              <p14:cNvContentPartPr/>
+              <p14:nvPr/>
+            </p14:nvContentPartPr>
+            <p14:xfrm>
+              <a:off x="8455231" y="2711350"/>
+              <a:ext cx="625320" cy="46080"/>
+            </p14:xfrm>
+          </p:contentPart>
+        </mc:Choice>
+        <mc:Fallback>
+          <p:pic>
+            <p:nvPicPr>
+              <p:cNvPr id="3" name="잉크 2">
+                <a:extLst>
+                  <a:ext uri="{FF2B5EF4-FFF2-40B4-BE49-F238E27FC236}">
+                    <a16:creationId xmlns:a16="http://schemas.microsoft.com/office/drawing/2014/main" id="{FAEE4D67-9E85-F264-19D3-B09B7472749F}"/>
+                  </a:ext>
+                </a:extLst>
+              </p:cNvPr>
+              <p:cNvPicPr/>
+              <p:nvPr/>
+            </p:nvPicPr>
+            <p:blipFill>
+              <a:blip r:embed="rId4"/>
+              <a:stretch>
+                <a:fillRect/>
+              </a:stretch>
+            </p:blipFill>
+            <p:spPr>
+              <a:xfrm>
+                <a:off x="8401231" y="2603710"/>
+                <a:ext cx="732960" cy="261720"/>
+              </a:xfrm>
+              <a:prstGeom prst="rect">
+                <a:avLst/>
+              </a:prstGeom>
+            </p:spPr>
+          </p:pic>
+        </mc:Fallback>
+      </mc:AlternateContent>
+      <mc:AlternateContent xmlns:mc="http://schemas.openxmlformats.org/markup-compatibility/2006">
+        <mc:Choice xmlns:p14="http://schemas.microsoft.com/office/powerpoint/2010/main" Requires="p14">
+          <p:contentPart p14:bwMode="auto" r:id="rId5">
+            <p14:nvContentPartPr>
+              <p14:cNvPr id="4" name="잉크 3">
+                <a:extLst>
+                  <a:ext uri="{FF2B5EF4-FFF2-40B4-BE49-F238E27FC236}">
+                    <a16:creationId xmlns:a16="http://schemas.microsoft.com/office/drawing/2014/main" id="{49319588-D48A-7EEE-CF47-DAC545493A37}"/>
+                  </a:ext>
+                </a:extLst>
+              </p14:cNvPr>
+              <p14:cNvContentPartPr/>
+              <p14:nvPr/>
+            </p14:nvContentPartPr>
+            <p14:xfrm>
+              <a:off x="8537311" y="3060190"/>
+              <a:ext cx="531000" cy="11880"/>
+            </p14:xfrm>
+          </p:contentPart>
+        </mc:Choice>
+        <mc:Fallback>
+          <p:pic>
+            <p:nvPicPr>
+              <p:cNvPr id="4" name="잉크 3">
+                <a:extLst>
+                  <a:ext uri="{FF2B5EF4-FFF2-40B4-BE49-F238E27FC236}">
+                    <a16:creationId xmlns:a16="http://schemas.microsoft.com/office/drawing/2014/main" id="{49319588-D48A-7EEE-CF47-DAC545493A37}"/>
+                  </a:ext>
+                </a:extLst>
+              </p:cNvPr>
+              <p:cNvPicPr/>
+              <p:nvPr/>
+            </p:nvPicPr>
+            <p:blipFill>
+              <a:blip r:embed="rId6"/>
+              <a:stretch>
+                <a:fillRect/>
+              </a:stretch>
+            </p:blipFill>
+            <p:spPr>
+              <a:xfrm>
+                <a:off x="8483671" y="2952550"/>
+                <a:ext cx="638640" cy="227520"/>
+              </a:xfrm>
+              <a:prstGeom prst="rect">
+                <a:avLst/>
+              </a:prstGeom>
+            </p:spPr>
+          </p:pic>
+        </mc:Fallback>
+      </mc:AlternateContent>
+      <mc:AlternateContent xmlns:mc="http://schemas.openxmlformats.org/markup-compatibility/2006">
+        <mc:Choice xmlns:p14="http://schemas.microsoft.com/office/powerpoint/2010/main" Requires="p14">
+          <p:contentPart p14:bwMode="auto" r:id="rId7">
+            <p14:nvContentPartPr>
+              <p14:cNvPr id="7" name="잉크 6">
+                <a:extLst>
+                  <a:ext uri="{FF2B5EF4-FFF2-40B4-BE49-F238E27FC236}">
+                    <a16:creationId xmlns:a16="http://schemas.microsoft.com/office/drawing/2014/main" id="{66C59DCE-E73B-0BB2-6BF0-36D1671AFB50}"/>
+                  </a:ext>
+                </a:extLst>
+              </p14:cNvPr>
+              <p14:cNvContentPartPr/>
+              <p14:nvPr/>
+            </p14:nvContentPartPr>
+            <p14:xfrm>
+              <a:off x="8516791" y="3616390"/>
+              <a:ext cx="705960" cy="21600"/>
+            </p14:xfrm>
+          </p:contentPart>
+        </mc:Choice>
+        <mc:Fallback>
+          <p:pic>
+            <p:nvPicPr>
+              <p:cNvPr id="7" name="잉크 6">
+                <a:extLst>
+                  <a:ext uri="{FF2B5EF4-FFF2-40B4-BE49-F238E27FC236}">
+                    <a16:creationId xmlns:a16="http://schemas.microsoft.com/office/drawing/2014/main" id="{66C59DCE-E73B-0BB2-6BF0-36D1671AFB50}"/>
+                  </a:ext>
+                </a:extLst>
+              </p:cNvPr>
+              <p:cNvPicPr/>
+              <p:nvPr/>
+            </p:nvPicPr>
+            <p:blipFill>
+              <a:blip r:embed="rId8"/>
+              <a:stretch>
+                <a:fillRect/>
+              </a:stretch>
+            </p:blipFill>
+            <p:spPr>
+              <a:xfrm>
+                <a:off x="8463151" y="3508390"/>
+                <a:ext cx="813600" cy="237240"/>
+              </a:xfrm>
+              <a:prstGeom prst="rect">
+                <a:avLst/>
+              </a:prstGeom>
+            </p:spPr>
+          </p:pic>
+        </mc:Fallback>
+      </mc:AlternateContent>
+      <mc:AlternateContent xmlns:mc="http://schemas.openxmlformats.org/markup-compatibility/2006">
+        <mc:Choice xmlns:p14="http://schemas.microsoft.com/office/powerpoint/2010/main" Requires="p14">
+          <p:contentPart p14:bwMode="auto" r:id="rId9">
+            <p14:nvContentPartPr>
+              <p14:cNvPr id="8" name="잉크 7">
+                <a:extLst>
+                  <a:ext uri="{FF2B5EF4-FFF2-40B4-BE49-F238E27FC236}">
+                    <a16:creationId xmlns:a16="http://schemas.microsoft.com/office/drawing/2014/main" id="{7BC1C8B1-5034-78DC-9041-F58FAB51FDC4}"/>
+                  </a:ext>
+                </a:extLst>
+              </p14:cNvPr>
+              <p14:cNvContentPartPr/>
+              <p14:nvPr/>
+            </p14:nvContentPartPr>
+            <p14:xfrm>
+              <a:off x="8506711" y="4139830"/>
+              <a:ext cx="525960" cy="21240"/>
+            </p14:xfrm>
+          </p:contentPart>
+        </mc:Choice>
+        <mc:Fallback>
+          <p:pic>
+            <p:nvPicPr>
+              <p:cNvPr id="8" name="잉크 7">
+                <a:extLst>
+                  <a:ext uri="{FF2B5EF4-FFF2-40B4-BE49-F238E27FC236}">
+                    <a16:creationId xmlns:a16="http://schemas.microsoft.com/office/drawing/2014/main" id="{7BC1C8B1-5034-78DC-9041-F58FAB51FDC4}"/>
+                  </a:ext>
+                </a:extLst>
+              </p:cNvPr>
+              <p:cNvPicPr/>
+              <p:nvPr/>
+            </p:nvPicPr>
+            <p:blipFill>
+              <a:blip r:embed="rId10"/>
+              <a:stretch>
+                <a:fillRect/>
+              </a:stretch>
+            </p:blipFill>
+            <p:spPr>
+              <a:xfrm>
+                <a:off x="8453071" y="4031830"/>
+                <a:ext cx="633600" cy="236880"/>
+              </a:xfrm>
+              <a:prstGeom prst="rect">
+                <a:avLst/>
+              </a:prstGeom>
+            </p:spPr>
+          </p:pic>
+        </mc:Fallback>
+      </mc:AlternateContent>
+      <mc:AlternateContent xmlns:mc="http://schemas.openxmlformats.org/markup-compatibility/2006">
+        <mc:Choice xmlns:p14="http://schemas.microsoft.com/office/powerpoint/2010/main" Requires="p14">
+          <p:contentPart p14:bwMode="auto" r:id="rId11">
+            <p14:nvContentPartPr>
+              <p14:cNvPr id="9" name="잉크 8">
+                <a:extLst>
+                  <a:ext uri="{FF2B5EF4-FFF2-40B4-BE49-F238E27FC236}">
+                    <a16:creationId xmlns:a16="http://schemas.microsoft.com/office/drawing/2014/main" id="{4C1884BC-8AAB-7F53-092D-E78A9310347F}"/>
+                  </a:ext>
+                </a:extLst>
+              </p14:cNvPr>
+              <p14:cNvContentPartPr/>
+              <p14:nvPr/>
+            </p14:nvContentPartPr>
+            <p14:xfrm>
+              <a:off x="8547751" y="4807990"/>
+              <a:ext cx="544680" cy="360"/>
+            </p14:xfrm>
+          </p:contentPart>
+        </mc:Choice>
+        <mc:Fallback>
+          <p:pic>
+            <p:nvPicPr>
+              <p:cNvPr id="9" name="잉크 8">
+                <a:extLst>
+                  <a:ext uri="{FF2B5EF4-FFF2-40B4-BE49-F238E27FC236}">
+                    <a16:creationId xmlns:a16="http://schemas.microsoft.com/office/drawing/2014/main" id="{4C1884BC-8AAB-7F53-092D-E78A9310347F}"/>
+                  </a:ext>
+                </a:extLst>
+              </p:cNvPr>
+              <p:cNvPicPr/>
+              <p:nvPr/>
+            </p:nvPicPr>
+            <p:blipFill>
+              <a:blip r:embed="rId12"/>
+              <a:stretch>
+                <a:fillRect/>
+              </a:stretch>
+            </p:blipFill>
+            <p:spPr>
+              <a:xfrm>
+                <a:off x="8494111" y="4699990"/>
+                <a:ext cx="652320" cy="216000"/>
+              </a:xfrm>
+              <a:prstGeom prst="rect">
+                <a:avLst/>
+              </a:prstGeom>
+            </p:spPr>
+          </p:pic>
+        </mc:Fallback>
+      </mc:AlternateContent>
     </p:spTree>
     <p:extLst>
       <p:ext uri="{BB962C8B-B14F-4D97-AF65-F5344CB8AC3E}">
@@ -26952,9 +31013,6 @@
                     <p:cTn id="3" fill="hold">
                       <p:stCondLst>
                         <p:cond delay="indefinite"/>
-                        <p:cond evt="onBegin" delay="0">
-                          <p:tn val="2"/>
-                        </p:cond>
                       </p:stCondLst>
                       <p:childTnLst>
                         <p:par>
@@ -26964,7 +31022,7 @@
                             </p:stCondLst>
                             <p:childTnLst>
                               <p:par>
-                                <p:cTn id="5" presetID="10" presetClass="entr" presetSubtype="0" fill="hold" grpId="0" nodeType="withEffect">
+                                <p:cTn id="5" presetID="63" presetClass="entr" presetSubtype="0" fill="hold" nodeType="clickEffect">
                                   <p:stCondLst>
                                     <p:cond delay="0"/>
                                   </p:stCondLst>
@@ -26977,7 +31035,7 @@
                                           </p:stCondLst>
                                         </p:cTn>
                                         <p:tgtEl>
-                                          <p:spTgt spid="6"/>
+                                          <p:spTgt spid="3"/>
                                         </p:tgtEl>
                                         <p:attrNameLst>
                                           <p:attrName>style.visibility</p:attrName>
@@ -26987,14 +31045,229 @@
                                         <p:strVal val="visible"/>
                                       </p:to>
                                     </p:set>
-                                    <p:animEffect transition="in" filter="fade">
+                                    <p:anim calcmode="lin" valueType="num">
                                       <p:cBhvr>
-                                        <p:cTn id="7" dur="500"/>
+                                        <p:cTn id="7" dur="2000" fill="hold"/>
                                         <p:tgtEl>
-                                          <p:spTgt spid="6"/>
+                                          <p:spTgt spid="3"/>
                                         </p:tgtEl>
+                                        <p:attrNameLst>
+                                          <p:attrName>drawProgress</p:attrName>
+                                        </p:attrNameLst>
                                       </p:cBhvr>
-                                    </p:animEffect>
+                                      <p:tavLst>
+                                        <p:tav tm="0">
+                                          <p:val>
+                                            <p:fltVal val="0"/>
+                                          </p:val>
+                                        </p:tav>
+                                        <p:tav tm="100000">
+                                          <p:val>
+                                            <p:fltVal val="1"/>
+                                          </p:val>
+                                        </p:tav>
+                                      </p:tavLst>
+                                    </p:anim>
+                                  </p:childTnLst>
+                                </p:cTn>
+                              </p:par>
+                              <p:par>
+                                <p:cTn id="8" presetID="63" presetClass="entr" presetSubtype="0" fill="hold" nodeType="withEffect">
+                                  <p:stCondLst>
+                                    <p:cond delay="0"/>
+                                  </p:stCondLst>
+                                  <p:childTnLst>
+                                    <p:set>
+                                      <p:cBhvr>
+                                        <p:cTn id="9" dur="1" fill="hold">
+                                          <p:stCondLst>
+                                            <p:cond delay="0"/>
+                                          </p:stCondLst>
+                                        </p:cTn>
+                                        <p:tgtEl>
+                                          <p:spTgt spid="4"/>
+                                        </p:tgtEl>
+                                        <p:attrNameLst>
+                                          <p:attrName>style.visibility</p:attrName>
+                                        </p:attrNameLst>
+                                      </p:cBhvr>
+                                      <p:to>
+                                        <p:strVal val="visible"/>
+                                      </p:to>
+                                    </p:set>
+                                    <p:anim calcmode="lin" valueType="num">
+                                      <p:cBhvr>
+                                        <p:cTn id="10" dur="2000" fill="hold"/>
+                                        <p:tgtEl>
+                                          <p:spTgt spid="4"/>
+                                        </p:tgtEl>
+                                        <p:attrNameLst>
+                                          <p:attrName>drawProgress</p:attrName>
+                                        </p:attrNameLst>
+                                      </p:cBhvr>
+                                      <p:tavLst>
+                                        <p:tav tm="0">
+                                          <p:val>
+                                            <p:fltVal val="0"/>
+                                          </p:val>
+                                        </p:tav>
+                                        <p:tav tm="100000">
+                                          <p:val>
+                                            <p:fltVal val="1"/>
+                                          </p:val>
+                                        </p:tav>
+                                      </p:tavLst>
+                                    </p:anim>
+                                  </p:childTnLst>
+                                </p:cTn>
+                              </p:par>
+                              <p:par>
+                                <p:cTn id="11" presetID="63" presetClass="entr" presetSubtype="0" fill="hold" nodeType="withEffect">
+                                  <p:stCondLst>
+                                    <p:cond delay="0"/>
+                                  </p:stCondLst>
+                                  <p:childTnLst>
+                                    <p:set>
+                                      <p:cBhvr>
+                                        <p:cTn id="12" dur="1" fill="hold">
+                                          <p:stCondLst>
+                                            <p:cond delay="0"/>
+                                          </p:stCondLst>
+                                        </p:cTn>
+                                        <p:tgtEl>
+                                          <p:spTgt spid="7"/>
+                                        </p:tgtEl>
+                                        <p:attrNameLst>
+                                          <p:attrName>style.visibility</p:attrName>
+                                        </p:attrNameLst>
+                                      </p:cBhvr>
+                                      <p:to>
+                                        <p:strVal val="visible"/>
+                                      </p:to>
+                                    </p:set>
+                                    <p:anim calcmode="lin" valueType="num">
+                                      <p:cBhvr>
+                                        <p:cTn id="13" dur="2000" fill="hold"/>
+                                        <p:tgtEl>
+                                          <p:spTgt spid="7"/>
+                                        </p:tgtEl>
+                                        <p:attrNameLst>
+                                          <p:attrName>drawProgress</p:attrName>
+                                        </p:attrNameLst>
+                                      </p:cBhvr>
+                                      <p:tavLst>
+                                        <p:tav tm="0">
+                                          <p:val>
+                                            <p:fltVal val="0"/>
+                                          </p:val>
+                                        </p:tav>
+                                        <p:tav tm="100000">
+                                          <p:val>
+                                            <p:fltVal val="1"/>
+                                          </p:val>
+                                        </p:tav>
+                                      </p:tavLst>
+                                    </p:anim>
+                                  </p:childTnLst>
+                                </p:cTn>
+                              </p:par>
+                              <p:par>
+                                <p:cTn id="14" presetID="63" presetClass="entr" presetSubtype="0" fill="hold" nodeType="withEffect">
+                                  <p:stCondLst>
+                                    <p:cond delay="0"/>
+                                  </p:stCondLst>
+                                  <p:childTnLst>
+                                    <p:set>
+                                      <p:cBhvr>
+                                        <p:cTn id="15" dur="1" fill="hold">
+                                          <p:stCondLst>
+                                            <p:cond delay="0"/>
+                                          </p:stCondLst>
+                                        </p:cTn>
+                                        <p:tgtEl>
+                                          <p:spTgt spid="8"/>
+                                        </p:tgtEl>
+                                        <p:attrNameLst>
+                                          <p:attrName>style.visibility</p:attrName>
+                                        </p:attrNameLst>
+                                      </p:cBhvr>
+                                      <p:to>
+                                        <p:strVal val="visible"/>
+                                      </p:to>
+                                    </p:set>
+                                    <p:anim calcmode="lin" valueType="num">
+                                      <p:cBhvr>
+                                        <p:cTn id="16" dur="2000" fill="hold"/>
+                                        <p:tgtEl>
+                                          <p:spTgt spid="8"/>
+                                        </p:tgtEl>
+                                        <p:attrNameLst>
+                                          <p:attrName>drawProgress</p:attrName>
+                                        </p:attrNameLst>
+                                      </p:cBhvr>
+                                      <p:tavLst>
+                                        <p:tav tm="0">
+                                          <p:val>
+                                            <p:fltVal val="0"/>
+                                          </p:val>
+                                        </p:tav>
+                                        <p:tav tm="100000">
+                                          <p:val>
+                                            <p:fltVal val="1"/>
+                                          </p:val>
+                                        </p:tav>
+                                      </p:tavLst>
+                                    </p:anim>
+                                  </p:childTnLst>
+                                </p:cTn>
+                              </p:par>
+                              <p:par>
+                                <p:cTn id="17" presetID="63" presetClass="entr" presetSubtype="0" fill="hold" nodeType="withEffect">
+                                  <p:stCondLst>
+                                    <p:cond delay="0"/>
+                                  </p:stCondLst>
+                                  <p:childTnLst>
+                                    <p:set>
+                                      <p:cBhvr>
+                                        <p:cTn id="18" dur="1" fill="hold">
+                                          <p:stCondLst>
+                                            <p:cond delay="0"/>
+                                          </p:stCondLst>
+                                        </p:cTn>
+                                        <p:tgtEl>
+                                          <p:spTgt spid="9"/>
+                                        </p:tgtEl>
+                                        <p:attrNameLst>
+                                          <p:attrName>style.visibility</p:attrName>
+                                        </p:attrNameLst>
+                                      </p:cBhvr>
+                                      <p:to>
+                                        <p:strVal val="visible"/>
+                                      </p:to>
+                                    </p:set>
+                                    <p:anim calcmode="lin" valueType="num">
+                                      <p:cBhvr>
+                                        <p:cTn id="19" dur="2000" fill="hold"/>
+                                        <p:tgtEl>
+                                          <p:spTgt spid="9"/>
+                                        </p:tgtEl>
+                                        <p:attrNameLst>
+                                          <p:attrName>drawProgress</p:attrName>
+                                        </p:attrNameLst>
+                                      </p:cBhvr>
+                                      <p:tavLst>
+                                        <p:tav tm="0">
+                                          <p:val>
+                                            <p:fltVal val="0"/>
+                                          </p:val>
+                                        </p:tav>
+                                        <p:tav tm="100000">
+                                          <p:val>
+                                            <p:fltVal val="1"/>
+                                          </p:val>
+                                        </p:tav>
+                                      </p:tavLst>
+                                    </p:anim>
                                   </p:childTnLst>
                                 </p:cTn>
                               </p:par>
@@ -27025,9 +31298,6 @@
         </p:cTn>
       </p:par>
     </p:tnLst>
-    <p:bldLst>
-      <p:bldP spid="6" grpId="0" animBg="1"/>
-    </p:bldLst>
   </p:timing>
 </p:sld>
 </file>
@@ -28328,8 +32598,8 @@
           </a:graphicData>
         </a:graphic>
       </p:graphicFrame>
-      <mc:AlternateContent xmlns:mc="http://schemas.openxmlformats.org/markup-compatibility/2006">
-        <mc:Choice xmlns:p14="http://schemas.microsoft.com/office/powerpoint/2010/main" Requires="p14">
+      <mc:AlternateContent xmlns:mc="http://schemas.openxmlformats.org/markup-compatibility/2006" xmlns:p14="http://schemas.microsoft.com/office/powerpoint/2010/main">
+        <mc:Choice Requires="p14">
           <p:contentPart p14:bwMode="auto" r:id="rId3">
             <p14:nvContentPartPr>
               <p14:cNvPr id="6" name="잉크 5">
@@ -28348,7 +32618,7 @@
             </p14:xfrm>
           </p:contentPart>
         </mc:Choice>
-        <mc:Fallback>
+        <mc:Fallback xmlns="">
           <p:pic>
             <p:nvPicPr>
               <p:cNvPr id="6" name="잉크 5">
@@ -28379,8 +32649,8 @@
           </p:pic>
         </mc:Fallback>
       </mc:AlternateContent>
-      <mc:AlternateContent xmlns:mc="http://schemas.openxmlformats.org/markup-compatibility/2006">
-        <mc:Choice xmlns:p14="http://schemas.microsoft.com/office/powerpoint/2010/main" Requires="p14">
+      <mc:AlternateContent xmlns:mc="http://schemas.openxmlformats.org/markup-compatibility/2006" xmlns:p14="http://schemas.microsoft.com/office/powerpoint/2010/main">
+        <mc:Choice Requires="p14">
           <p:contentPart p14:bwMode="auto" r:id="rId5">
             <p14:nvContentPartPr>
               <p14:cNvPr id="7" name="잉크 6">
@@ -28399,7 +32669,7 @@
             </p14:xfrm>
           </p:contentPart>
         </mc:Choice>
-        <mc:Fallback>
+        <mc:Fallback xmlns="">
           <p:pic>
             <p:nvPicPr>
               <p:cNvPr id="7" name="잉크 6">
@@ -28430,8 +32700,8 @@
           </p:pic>
         </mc:Fallback>
       </mc:AlternateContent>
-      <mc:AlternateContent xmlns:mc="http://schemas.openxmlformats.org/markup-compatibility/2006">
-        <mc:Choice xmlns:p14="http://schemas.microsoft.com/office/powerpoint/2010/main" Requires="p14">
+      <mc:AlternateContent xmlns:mc="http://schemas.openxmlformats.org/markup-compatibility/2006" xmlns:p14="http://schemas.microsoft.com/office/powerpoint/2010/main">
+        <mc:Choice Requires="p14">
           <p:contentPart p14:bwMode="auto" r:id="rId7">
             <p14:nvContentPartPr>
               <p14:cNvPr id="9" name="잉크 8">
@@ -28450,7 +32720,7 @@
             </p14:xfrm>
           </p:contentPart>
         </mc:Choice>
-        <mc:Fallback>
+        <mc:Fallback xmlns="">
           <p:pic>
             <p:nvPicPr>
               <p:cNvPr id="9" name="잉크 8">
@@ -28481,8 +32751,8 @@
           </p:pic>
         </mc:Fallback>
       </mc:AlternateContent>
-      <mc:AlternateContent xmlns:mc="http://schemas.openxmlformats.org/markup-compatibility/2006">
-        <mc:Choice xmlns:p14="http://schemas.microsoft.com/office/powerpoint/2010/main" Requires="p14">
+      <mc:AlternateContent xmlns:mc="http://schemas.openxmlformats.org/markup-compatibility/2006" xmlns:p14="http://schemas.microsoft.com/office/powerpoint/2010/main">
+        <mc:Choice Requires="p14">
           <p:contentPart p14:bwMode="auto" r:id="rId9">
             <p14:nvContentPartPr>
               <p14:cNvPr id="11" name="잉크 10">
@@ -28501,7 +32771,7 @@
             </p14:xfrm>
           </p:contentPart>
         </mc:Choice>
-        <mc:Fallback>
+        <mc:Fallback xmlns="">
           <p:pic>
             <p:nvPicPr>
               <p:cNvPr id="11" name="잉크 10">
@@ -29261,8 +33531,8 @@
           </a:prstGeom>
         </p:spPr>
       </p:pic>
-      <mc:AlternateContent xmlns:mc="http://schemas.openxmlformats.org/markup-compatibility/2006">
-        <mc:Choice xmlns:p14="http://schemas.microsoft.com/office/powerpoint/2010/main" Requires="p14">
+      <mc:AlternateContent xmlns:mc="http://schemas.openxmlformats.org/markup-compatibility/2006" xmlns:p14="http://schemas.microsoft.com/office/powerpoint/2010/main">
+        <mc:Choice Requires="p14">
           <p:contentPart p14:bwMode="auto" r:id="rId4">
             <p14:nvContentPartPr>
               <p14:cNvPr id="2" name="잉크 1">
@@ -29281,7 +33551,7 @@
             </p14:xfrm>
           </p:contentPart>
         </mc:Choice>
-        <mc:Fallback>
+        <mc:Fallback xmlns="">
           <p:pic>
             <p:nvPicPr>
               <p:cNvPr id="2" name="잉크 1">
@@ -29312,8 +33582,8 @@
           </p:pic>
         </mc:Fallback>
       </mc:AlternateContent>
-      <mc:AlternateContent xmlns:mc="http://schemas.openxmlformats.org/markup-compatibility/2006">
-        <mc:Choice xmlns:p14="http://schemas.microsoft.com/office/powerpoint/2010/main" Requires="p14">
+      <mc:AlternateContent xmlns:mc="http://schemas.openxmlformats.org/markup-compatibility/2006" xmlns:p14="http://schemas.microsoft.com/office/powerpoint/2010/main">
+        <mc:Choice Requires="p14">
           <p:contentPart p14:bwMode="auto" r:id="rId6">
             <p14:nvContentPartPr>
               <p14:cNvPr id="3" name="잉크 2">
@@ -29332,7 +33602,7 @@
             </p14:xfrm>
           </p:contentPart>
         </mc:Choice>
-        <mc:Fallback>
+        <mc:Fallback xmlns="">
           <p:pic>
             <p:nvPicPr>
               <p:cNvPr id="3" name="잉크 2">
@@ -29363,8 +33633,8 @@
           </p:pic>
         </mc:Fallback>
       </mc:AlternateContent>
-      <mc:AlternateContent xmlns:mc="http://schemas.openxmlformats.org/markup-compatibility/2006">
-        <mc:Choice xmlns:p14="http://schemas.microsoft.com/office/powerpoint/2010/main" Requires="p14">
+      <mc:AlternateContent xmlns:mc="http://schemas.openxmlformats.org/markup-compatibility/2006" xmlns:p14="http://schemas.microsoft.com/office/powerpoint/2010/main">
+        <mc:Choice Requires="p14">
           <p:contentPart p14:bwMode="auto" r:id="rId8">
             <p14:nvContentPartPr>
               <p14:cNvPr id="6" name="잉크 5">
@@ -29383,7 +33653,7 @@
             </p14:xfrm>
           </p:contentPart>
         </mc:Choice>
-        <mc:Fallback>
+        <mc:Fallback xmlns="">
           <p:pic>
             <p:nvPicPr>
               <p:cNvPr id="6" name="잉크 5">
@@ -30978,6 +35248,11 @@
           </p:cNvGraphicFramePr>
           <p:nvPr>
             <p:ph idx="1"/>
+            <p:extLst>
+              <p:ext uri="{D42A27DB-BD31-4B8C-83A1-F6EECF244321}">
+                <p14:modId xmlns:p14="http://schemas.microsoft.com/office/powerpoint/2010/main" val="138949861"/>
+              </p:ext>
+            </p:extLst>
           </p:nvPr>
         </p:nvGraphicFramePr>
         <p:xfrm>
@@ -31040,6 +35315,261 @@
           </a:p>
         </p:txBody>
       </p:sp>
+      <mc:AlternateContent xmlns:mc="http://schemas.openxmlformats.org/markup-compatibility/2006">
+        <mc:Choice xmlns:p14="http://schemas.microsoft.com/office/powerpoint/2010/main" Requires="p14">
+          <p:contentPart p14:bwMode="auto" r:id="rId7">
+            <p14:nvContentPartPr>
+              <p14:cNvPr id="2" name="잉크 1">
+                <a:extLst>
+                  <a:ext uri="{FF2B5EF4-FFF2-40B4-BE49-F238E27FC236}">
+                    <a16:creationId xmlns:a16="http://schemas.microsoft.com/office/drawing/2014/main" id="{A0C51B1F-20EA-F700-298E-DF11BA9C6BA3}"/>
+                  </a:ext>
+                </a:extLst>
+              </p14:cNvPr>
+              <p14:cNvContentPartPr/>
+              <p14:nvPr/>
+            </p14:nvContentPartPr>
+            <p14:xfrm>
+              <a:off x="3379894" y="2784070"/>
+              <a:ext cx="3421080" cy="93240"/>
+            </p14:xfrm>
+          </p:contentPart>
+        </mc:Choice>
+        <mc:Fallback>
+          <p:pic>
+            <p:nvPicPr>
+              <p:cNvPr id="2" name="잉크 1">
+                <a:extLst>
+                  <a:ext uri="{FF2B5EF4-FFF2-40B4-BE49-F238E27FC236}">
+                    <a16:creationId xmlns:a16="http://schemas.microsoft.com/office/drawing/2014/main" id="{A0C51B1F-20EA-F700-298E-DF11BA9C6BA3}"/>
+                  </a:ext>
+                </a:extLst>
+              </p:cNvPr>
+              <p:cNvPicPr/>
+              <p:nvPr/>
+            </p:nvPicPr>
+            <p:blipFill>
+              <a:blip r:embed="rId8"/>
+              <a:stretch>
+                <a:fillRect/>
+              </a:stretch>
+            </p:blipFill>
+            <p:spPr>
+              <a:xfrm>
+                <a:off x="3325894" y="2676430"/>
+                <a:ext cx="3528720" cy="308880"/>
+              </a:xfrm>
+              <a:prstGeom prst="rect">
+                <a:avLst/>
+              </a:prstGeom>
+            </p:spPr>
+          </p:pic>
+        </mc:Fallback>
+      </mc:AlternateContent>
+      <mc:AlternateContent xmlns:mc="http://schemas.openxmlformats.org/markup-compatibility/2006">
+        <mc:Choice xmlns:p14="http://schemas.microsoft.com/office/powerpoint/2010/main" Requires="p14">
+          <p:contentPart p14:bwMode="auto" r:id="rId9">
+            <p14:nvContentPartPr>
+              <p14:cNvPr id="4" name="잉크 3">
+                <a:extLst>
+                  <a:ext uri="{FF2B5EF4-FFF2-40B4-BE49-F238E27FC236}">
+                    <a16:creationId xmlns:a16="http://schemas.microsoft.com/office/drawing/2014/main" id="{2912A149-88CF-CDE9-BD7E-6573DF193F77}"/>
+                  </a:ext>
+                </a:extLst>
+              </p14:cNvPr>
+              <p14:cNvContentPartPr/>
+              <p14:nvPr/>
+            </p14:nvContentPartPr>
+            <p14:xfrm>
+              <a:off x="7643374" y="3374830"/>
+              <a:ext cx="912240" cy="46440"/>
+            </p14:xfrm>
+          </p:contentPart>
+        </mc:Choice>
+        <mc:Fallback>
+          <p:pic>
+            <p:nvPicPr>
+              <p:cNvPr id="4" name="잉크 3">
+                <a:extLst>
+                  <a:ext uri="{FF2B5EF4-FFF2-40B4-BE49-F238E27FC236}">
+                    <a16:creationId xmlns:a16="http://schemas.microsoft.com/office/drawing/2014/main" id="{2912A149-88CF-CDE9-BD7E-6573DF193F77}"/>
+                  </a:ext>
+                </a:extLst>
+              </p:cNvPr>
+              <p:cNvPicPr/>
+              <p:nvPr/>
+            </p:nvPicPr>
+            <p:blipFill>
+              <a:blip r:embed="rId10"/>
+              <a:stretch>
+                <a:fillRect/>
+              </a:stretch>
+            </p:blipFill>
+            <p:spPr>
+              <a:xfrm>
+                <a:off x="7589734" y="3267190"/>
+                <a:ext cx="1019880" cy="262080"/>
+              </a:xfrm>
+              <a:prstGeom prst="rect">
+                <a:avLst/>
+              </a:prstGeom>
+            </p:spPr>
+          </p:pic>
+        </mc:Fallback>
+      </mc:AlternateContent>
+      <mc:AlternateContent xmlns:mc="http://schemas.openxmlformats.org/markup-compatibility/2006">
+        <mc:Choice xmlns:p14="http://schemas.microsoft.com/office/powerpoint/2010/main" Requires="p14">
+          <p:contentPart p14:bwMode="auto" r:id="rId11">
+            <p14:nvContentPartPr>
+              <p14:cNvPr id="5" name="잉크 4">
+                <a:extLst>
+                  <a:ext uri="{FF2B5EF4-FFF2-40B4-BE49-F238E27FC236}">
+                    <a16:creationId xmlns:a16="http://schemas.microsoft.com/office/drawing/2014/main" id="{D9091992-9CA3-6CA3-6C3F-916269C66552}"/>
+                  </a:ext>
+                </a:extLst>
+              </p14:cNvPr>
+              <p14:cNvContentPartPr/>
+              <p14:nvPr/>
+            </p14:nvContentPartPr>
+            <p14:xfrm>
+              <a:off x="6759934" y="3964870"/>
+              <a:ext cx="776160" cy="21600"/>
+            </p14:xfrm>
+          </p:contentPart>
+        </mc:Choice>
+        <mc:Fallback>
+          <p:pic>
+            <p:nvPicPr>
+              <p:cNvPr id="5" name="잉크 4">
+                <a:extLst>
+                  <a:ext uri="{FF2B5EF4-FFF2-40B4-BE49-F238E27FC236}">
+                    <a16:creationId xmlns:a16="http://schemas.microsoft.com/office/drawing/2014/main" id="{D9091992-9CA3-6CA3-6C3F-916269C66552}"/>
+                  </a:ext>
+                </a:extLst>
+              </p:cNvPr>
+              <p:cNvPicPr/>
+              <p:nvPr/>
+            </p:nvPicPr>
+            <p:blipFill>
+              <a:blip r:embed="rId12"/>
+              <a:stretch>
+                <a:fillRect/>
+              </a:stretch>
+            </p:blipFill>
+            <p:spPr>
+              <a:xfrm>
+                <a:off x="6706294" y="3856870"/>
+                <a:ext cx="883800" cy="237240"/>
+              </a:xfrm>
+              <a:prstGeom prst="rect">
+                <a:avLst/>
+              </a:prstGeom>
+            </p:spPr>
+          </p:pic>
+        </mc:Fallback>
+      </mc:AlternateContent>
+      <mc:AlternateContent xmlns:mc="http://schemas.openxmlformats.org/markup-compatibility/2006">
+        <mc:Choice xmlns:p14="http://schemas.microsoft.com/office/powerpoint/2010/main" Requires="p14">
+          <p:contentPart p14:bwMode="auto" r:id="rId13">
+            <p14:nvContentPartPr>
+              <p14:cNvPr id="6" name="잉크 5">
+                <a:extLst>
+                  <a:ext uri="{FF2B5EF4-FFF2-40B4-BE49-F238E27FC236}">
+                    <a16:creationId xmlns:a16="http://schemas.microsoft.com/office/drawing/2014/main" id="{5AB4286A-BEF6-D69A-B8CE-BD1929D2AEB6}"/>
+                  </a:ext>
+                </a:extLst>
+              </p14:cNvPr>
+              <p14:cNvContentPartPr/>
+              <p14:nvPr/>
+            </p14:nvContentPartPr>
+            <p14:xfrm>
+              <a:off x="9482614" y="4005910"/>
+              <a:ext cx="760680" cy="11520"/>
+            </p14:xfrm>
+          </p:contentPart>
+        </mc:Choice>
+        <mc:Fallback>
+          <p:pic>
+            <p:nvPicPr>
+              <p:cNvPr id="6" name="잉크 5">
+                <a:extLst>
+                  <a:ext uri="{FF2B5EF4-FFF2-40B4-BE49-F238E27FC236}">
+                    <a16:creationId xmlns:a16="http://schemas.microsoft.com/office/drawing/2014/main" id="{5AB4286A-BEF6-D69A-B8CE-BD1929D2AEB6}"/>
+                  </a:ext>
+                </a:extLst>
+              </p:cNvPr>
+              <p:cNvPicPr/>
+              <p:nvPr/>
+            </p:nvPicPr>
+            <p:blipFill>
+              <a:blip r:embed="rId14"/>
+              <a:stretch>
+                <a:fillRect/>
+              </a:stretch>
+            </p:blipFill>
+            <p:spPr>
+              <a:xfrm>
+                <a:off x="9428614" y="3898270"/>
+                <a:ext cx="868320" cy="227160"/>
+              </a:xfrm>
+              <a:prstGeom prst="rect">
+                <a:avLst/>
+              </a:prstGeom>
+            </p:spPr>
+          </p:pic>
+        </mc:Fallback>
+      </mc:AlternateContent>
+      <mc:AlternateContent xmlns:mc="http://schemas.openxmlformats.org/markup-compatibility/2006">
+        <mc:Choice xmlns:p14="http://schemas.microsoft.com/office/powerpoint/2010/main" Requires="p14">
+          <p:contentPart p14:bwMode="auto" r:id="rId15">
+            <p14:nvContentPartPr>
+              <p14:cNvPr id="7" name="잉크 6">
+                <a:extLst>
+                  <a:ext uri="{FF2B5EF4-FFF2-40B4-BE49-F238E27FC236}">
+                    <a16:creationId xmlns:a16="http://schemas.microsoft.com/office/drawing/2014/main" id="{FA87948D-9271-9F30-63EC-63BA6963086C}"/>
+                  </a:ext>
+                </a:extLst>
+              </p14:cNvPr>
+              <p14:cNvContentPartPr/>
+              <p14:nvPr/>
+            </p14:nvContentPartPr>
+            <p14:xfrm>
+              <a:off x="6164134" y="4581550"/>
+              <a:ext cx="1448640" cy="92880"/>
+            </p14:xfrm>
+          </p:contentPart>
+        </mc:Choice>
+        <mc:Fallback>
+          <p:pic>
+            <p:nvPicPr>
+              <p:cNvPr id="7" name="잉크 6">
+                <a:extLst>
+                  <a:ext uri="{FF2B5EF4-FFF2-40B4-BE49-F238E27FC236}">
+                    <a16:creationId xmlns:a16="http://schemas.microsoft.com/office/drawing/2014/main" id="{FA87948D-9271-9F30-63EC-63BA6963086C}"/>
+                  </a:ext>
+                </a:extLst>
+              </p:cNvPr>
+              <p:cNvPicPr/>
+              <p:nvPr/>
+            </p:nvPicPr>
+            <p:blipFill>
+              <a:blip r:embed="rId16"/>
+              <a:stretch>
+                <a:fillRect/>
+              </a:stretch>
+            </p:blipFill>
+            <p:spPr>
+              <a:xfrm>
+                <a:off x="6110134" y="4473910"/>
+                <a:ext cx="1556280" cy="308520"/>
+              </a:xfrm>
+              <a:prstGeom prst="rect">
+                <a:avLst/>
+              </a:prstGeom>
+            </p:spPr>
+          </p:pic>
+        </mc:Fallback>
+      </mc:AlternateContent>
     </p:spTree>
     <p:extLst>
       <p:ext uri="{BB962C8B-B14F-4D97-AF65-F5344CB8AC3E}">
@@ -31062,6 +35592,304 @@
       </p:transition>
     </mc:Fallback>
   </mc:AlternateContent>
+  <p:timing>
+    <p:tnLst>
+      <p:par>
+        <p:cTn id="1" dur="indefinite" restart="never" nodeType="tmRoot">
+          <p:childTnLst>
+            <p:seq concurrent="1" nextAc="seek">
+              <p:cTn id="2" dur="indefinite" nodeType="mainSeq">
+                <p:childTnLst>
+                  <p:par>
+                    <p:cTn id="3" fill="hold">
+                      <p:stCondLst>
+                        <p:cond delay="indefinite"/>
+                      </p:stCondLst>
+                      <p:childTnLst>
+                        <p:par>
+                          <p:cTn id="4" fill="hold">
+                            <p:stCondLst>
+                              <p:cond delay="0"/>
+                            </p:stCondLst>
+                            <p:childTnLst>
+                              <p:par>
+                                <p:cTn id="5" presetID="63" presetClass="entr" presetSubtype="0" fill="hold" nodeType="clickEffect">
+                                  <p:stCondLst>
+                                    <p:cond delay="0"/>
+                                  </p:stCondLst>
+                                  <p:childTnLst>
+                                    <p:set>
+                                      <p:cBhvr>
+                                        <p:cTn id="6" dur="1" fill="hold">
+                                          <p:stCondLst>
+                                            <p:cond delay="0"/>
+                                          </p:stCondLst>
+                                        </p:cTn>
+                                        <p:tgtEl>
+                                          <p:spTgt spid="2"/>
+                                        </p:tgtEl>
+                                        <p:attrNameLst>
+                                          <p:attrName>style.visibility</p:attrName>
+                                        </p:attrNameLst>
+                                      </p:cBhvr>
+                                      <p:to>
+                                        <p:strVal val="visible"/>
+                                      </p:to>
+                                    </p:set>
+                                    <p:anim calcmode="lin" valueType="num">
+                                      <p:cBhvr>
+                                        <p:cTn id="7" dur="2000" fill="hold"/>
+                                        <p:tgtEl>
+                                          <p:spTgt spid="2"/>
+                                        </p:tgtEl>
+                                        <p:attrNameLst>
+                                          <p:attrName>drawProgress</p:attrName>
+                                        </p:attrNameLst>
+                                      </p:cBhvr>
+                                      <p:tavLst>
+                                        <p:tav tm="0">
+                                          <p:val>
+                                            <p:fltVal val="0"/>
+                                          </p:val>
+                                        </p:tav>
+                                        <p:tav tm="100000">
+                                          <p:val>
+                                            <p:fltVal val="1"/>
+                                          </p:val>
+                                        </p:tav>
+                                      </p:tavLst>
+                                    </p:anim>
+                                  </p:childTnLst>
+                                </p:cTn>
+                              </p:par>
+                              <p:par>
+                                <p:cTn id="8" presetID="63" presetClass="entr" presetSubtype="0" fill="hold" nodeType="withEffect">
+                                  <p:stCondLst>
+                                    <p:cond delay="0"/>
+                                  </p:stCondLst>
+                                  <p:childTnLst>
+                                    <p:set>
+                                      <p:cBhvr>
+                                        <p:cTn id="9" dur="1" fill="hold">
+                                          <p:stCondLst>
+                                            <p:cond delay="0"/>
+                                          </p:stCondLst>
+                                        </p:cTn>
+                                        <p:tgtEl>
+                                          <p:spTgt spid="4"/>
+                                        </p:tgtEl>
+                                        <p:attrNameLst>
+                                          <p:attrName>style.visibility</p:attrName>
+                                        </p:attrNameLst>
+                                      </p:cBhvr>
+                                      <p:to>
+                                        <p:strVal val="visible"/>
+                                      </p:to>
+                                    </p:set>
+                                    <p:anim calcmode="lin" valueType="num">
+                                      <p:cBhvr>
+                                        <p:cTn id="10" dur="2000" fill="hold"/>
+                                        <p:tgtEl>
+                                          <p:spTgt spid="4"/>
+                                        </p:tgtEl>
+                                        <p:attrNameLst>
+                                          <p:attrName>drawProgress</p:attrName>
+                                        </p:attrNameLst>
+                                      </p:cBhvr>
+                                      <p:tavLst>
+                                        <p:tav tm="0">
+                                          <p:val>
+                                            <p:fltVal val="0"/>
+                                          </p:val>
+                                        </p:tav>
+                                        <p:tav tm="100000">
+                                          <p:val>
+                                            <p:fltVal val="1"/>
+                                          </p:val>
+                                        </p:tav>
+                                      </p:tavLst>
+                                    </p:anim>
+                                  </p:childTnLst>
+                                </p:cTn>
+                              </p:par>
+                              <p:par>
+                                <p:cTn id="11" presetID="63" presetClass="entr" presetSubtype="0" fill="hold" nodeType="withEffect">
+                                  <p:stCondLst>
+                                    <p:cond delay="0"/>
+                                  </p:stCondLst>
+                                  <p:childTnLst>
+                                    <p:set>
+                                      <p:cBhvr>
+                                        <p:cTn id="12" dur="1" fill="hold">
+                                          <p:stCondLst>
+                                            <p:cond delay="0"/>
+                                          </p:stCondLst>
+                                        </p:cTn>
+                                        <p:tgtEl>
+                                          <p:spTgt spid="5"/>
+                                        </p:tgtEl>
+                                        <p:attrNameLst>
+                                          <p:attrName>style.visibility</p:attrName>
+                                        </p:attrNameLst>
+                                      </p:cBhvr>
+                                      <p:to>
+                                        <p:strVal val="visible"/>
+                                      </p:to>
+                                    </p:set>
+                                    <p:anim calcmode="lin" valueType="num">
+                                      <p:cBhvr>
+                                        <p:cTn id="13" dur="2000" fill="hold"/>
+                                        <p:tgtEl>
+                                          <p:spTgt spid="5"/>
+                                        </p:tgtEl>
+                                        <p:attrNameLst>
+                                          <p:attrName>drawProgress</p:attrName>
+                                        </p:attrNameLst>
+                                      </p:cBhvr>
+                                      <p:tavLst>
+                                        <p:tav tm="0">
+                                          <p:val>
+                                            <p:fltVal val="0"/>
+                                          </p:val>
+                                        </p:tav>
+                                        <p:tav tm="100000">
+                                          <p:val>
+                                            <p:fltVal val="1"/>
+                                          </p:val>
+                                        </p:tav>
+                                      </p:tavLst>
+                                    </p:anim>
+                                  </p:childTnLst>
+                                </p:cTn>
+                              </p:par>
+                              <p:par>
+                                <p:cTn id="14" presetID="63" presetClass="entr" presetSubtype="0" fill="hold" nodeType="withEffect">
+                                  <p:stCondLst>
+                                    <p:cond delay="0"/>
+                                  </p:stCondLst>
+                                  <p:childTnLst>
+                                    <p:set>
+                                      <p:cBhvr>
+                                        <p:cTn id="15" dur="1" fill="hold">
+                                          <p:stCondLst>
+                                            <p:cond delay="0"/>
+                                          </p:stCondLst>
+                                        </p:cTn>
+                                        <p:tgtEl>
+                                          <p:spTgt spid="6"/>
+                                        </p:tgtEl>
+                                        <p:attrNameLst>
+                                          <p:attrName>style.visibility</p:attrName>
+                                        </p:attrNameLst>
+                                      </p:cBhvr>
+                                      <p:to>
+                                        <p:strVal val="visible"/>
+                                      </p:to>
+                                    </p:set>
+                                    <p:anim calcmode="lin" valueType="num">
+                                      <p:cBhvr>
+                                        <p:cTn id="16" dur="2000" fill="hold"/>
+                                        <p:tgtEl>
+                                          <p:spTgt spid="6"/>
+                                        </p:tgtEl>
+                                        <p:attrNameLst>
+                                          <p:attrName>drawProgress</p:attrName>
+                                        </p:attrNameLst>
+                                      </p:cBhvr>
+                                      <p:tavLst>
+                                        <p:tav tm="0">
+                                          <p:val>
+                                            <p:fltVal val="0"/>
+                                          </p:val>
+                                        </p:tav>
+                                        <p:tav tm="100000">
+                                          <p:val>
+                                            <p:fltVal val="1"/>
+                                          </p:val>
+                                        </p:tav>
+                                      </p:tavLst>
+                                    </p:anim>
+                                  </p:childTnLst>
+                                </p:cTn>
+                              </p:par>
+                              <p:par>
+                                <p:cTn id="17" presetID="63" presetClass="entr" presetSubtype="0" fill="hold" nodeType="withEffect">
+                                  <p:stCondLst>
+                                    <p:cond delay="0"/>
+                                  </p:stCondLst>
+                                  <p:childTnLst>
+                                    <p:set>
+                                      <p:cBhvr>
+                                        <p:cTn id="18" dur="1" fill="hold">
+                                          <p:stCondLst>
+                                            <p:cond delay="0"/>
+                                          </p:stCondLst>
+                                        </p:cTn>
+                                        <p:tgtEl>
+                                          <p:spTgt spid="7"/>
+                                        </p:tgtEl>
+                                        <p:attrNameLst>
+                                          <p:attrName>style.visibility</p:attrName>
+                                        </p:attrNameLst>
+                                      </p:cBhvr>
+                                      <p:to>
+                                        <p:strVal val="visible"/>
+                                      </p:to>
+                                    </p:set>
+                                    <p:anim calcmode="lin" valueType="num">
+                                      <p:cBhvr>
+                                        <p:cTn id="19" dur="2000" fill="hold"/>
+                                        <p:tgtEl>
+                                          <p:spTgt spid="7"/>
+                                        </p:tgtEl>
+                                        <p:attrNameLst>
+                                          <p:attrName>drawProgress</p:attrName>
+                                        </p:attrNameLst>
+                                      </p:cBhvr>
+                                      <p:tavLst>
+                                        <p:tav tm="0">
+                                          <p:val>
+                                            <p:fltVal val="0"/>
+                                          </p:val>
+                                        </p:tav>
+                                        <p:tav tm="100000">
+                                          <p:val>
+                                            <p:fltVal val="1"/>
+                                          </p:val>
+                                        </p:tav>
+                                      </p:tavLst>
+                                    </p:anim>
+                                  </p:childTnLst>
+                                </p:cTn>
+                              </p:par>
+                            </p:childTnLst>
+                          </p:cTn>
+                        </p:par>
+                      </p:childTnLst>
+                    </p:cTn>
+                  </p:par>
+                </p:childTnLst>
+              </p:cTn>
+              <p:prevCondLst>
+                <p:cond evt="onPrev" delay="0">
+                  <p:tgtEl>
+                    <p:sldTgt/>
+                  </p:tgtEl>
+                </p:cond>
+              </p:prevCondLst>
+              <p:nextCondLst>
+                <p:cond evt="onNext" delay="0">
+                  <p:tgtEl>
+                    <p:sldTgt/>
+                  </p:tgtEl>
+                </p:cond>
+              </p:nextCondLst>
+            </p:seq>
+          </p:childTnLst>
+        </p:cTn>
+      </p:par>
+    </p:tnLst>
+  </p:timing>
 </p:sld>
 </file>
 
@@ -31555,7 +36383,7 @@
           <a:lstStyle/>
           <a:p>
             <a:pPr algn="ctr"/>
-            <a:endParaRPr lang="ko-KR" altLang="en-US"/>
+            <a:endParaRPr lang="ko-KR" altLang="en-US" dirty="0"/>
           </a:p>
         </p:txBody>
       </p:sp>
@@ -31593,9 +36421,6 @@
                     <p:cTn id="3" fill="hold">
                       <p:stCondLst>
                         <p:cond delay="indefinite"/>
-                        <p:cond evt="onBegin" delay="0">
-                          <p:tn val="2"/>
-                        </p:cond>
                       </p:stCondLst>
                       <p:childTnLst>
                         <p:par>
@@ -31605,7 +36430,7 @@
                             </p:stCondLst>
                             <p:childTnLst>
                               <p:par>
-                                <p:cTn id="5" presetID="10" presetClass="entr" presetSubtype="0" fill="hold" grpId="0" nodeType="withEffect">
+                                <p:cTn id="5" presetID="10" presetClass="entr" presetSubtype="0" fill="hold" grpId="0" nodeType="clickEffect">
                                   <p:stCondLst>
                                     <p:cond delay="0"/>
                                   </p:stCondLst>
@@ -31639,15 +36464,33 @@
                                   </p:childTnLst>
                                 </p:cTn>
                               </p:par>
+                            </p:childTnLst>
+                          </p:cTn>
+                        </p:par>
+                      </p:childTnLst>
+                    </p:cTn>
+                  </p:par>
+                  <p:par>
+                    <p:cTn id="8" fill="hold">
+                      <p:stCondLst>
+                        <p:cond delay="indefinite"/>
+                      </p:stCondLst>
+                      <p:childTnLst>
+                        <p:par>
+                          <p:cTn id="9" fill="hold">
+                            <p:stCondLst>
+                              <p:cond delay="0"/>
+                            </p:stCondLst>
+                            <p:childTnLst>
                               <p:par>
-                                <p:cTn id="8" presetID="10" presetClass="entr" presetSubtype="0" fill="hold" grpId="0" nodeType="withEffect">
+                                <p:cTn id="10" presetID="10" presetClass="entr" presetSubtype="0" fill="hold" grpId="0" nodeType="clickEffect">
                                   <p:stCondLst>
                                     <p:cond delay="0"/>
                                   </p:stCondLst>
                                   <p:childTnLst>
                                     <p:set>
                                       <p:cBhvr>
-                                        <p:cTn id="9" dur="1" fill="hold">
+                                        <p:cTn id="11" dur="1" fill="hold">
                                           <p:stCondLst>
                                             <p:cond delay="0"/>
                                           </p:stCondLst>
@@ -31665,7 +36508,7 @@
                                     </p:set>
                                     <p:animEffect transition="in" filter="fade">
                                       <p:cBhvr>
-                                        <p:cTn id="10" dur="500"/>
+                                        <p:cTn id="12" dur="500"/>
                                         <p:tgtEl>
                                           <p:spTgt spid="7"/>
                                         </p:tgtEl>
@@ -31873,24 +36716,7 @@
                 <a:effectLst/>
                 <a:latin typeface="Courier New" panose="02070309020205020404" pitchFamily="49" charset="0"/>
               </a:rPr>
-              <a:t>남미 등 </a:t>
-            </a:r>
-            <a:r>
-              <a:rPr lang="ko-KR" altLang="en-US" b="0" dirty="0">
-                <a:effectLst/>
-                <a:highlight>
-                  <a:srgbClr val="FFFF00"/>
-                </a:highlight>
-                <a:latin typeface="Courier New" panose="02070309020205020404" pitchFamily="49" charset="0"/>
-              </a:rPr>
-              <a:t>새로운 시장</a:t>
-            </a:r>
-            <a:r>
-              <a:rPr lang="ko-KR" altLang="en-US" b="0" dirty="0">
-                <a:effectLst/>
-                <a:latin typeface="Courier New" panose="02070309020205020404" pitchFamily="49" charset="0"/>
-              </a:rPr>
-              <a:t>의 성장 가능성 👍</a:t>
+              <a:t>남미 등 새로운 시장의 성장 가능성 👍</a:t>
             </a:r>
             <a:endParaRPr lang="en-US" altLang="ko-KR" b="0" dirty="0">
               <a:effectLst/>
@@ -31921,19 +36747,9 @@
             <a:r>
               <a:rPr lang="en-US" altLang="ko-KR" b="0" dirty="0">
                 <a:effectLst/>
-                <a:highlight>
-                  <a:srgbClr val="FFFF00"/>
-                </a:highlight>
                 <a:latin typeface="Courier New" panose="02070309020205020404" pitchFamily="49" charset="0"/>
               </a:rPr>
-              <a:t>Action, Adventure, RPG</a:t>
-            </a:r>
-            <a:r>
-              <a:rPr lang="en-US" altLang="ko-KR" b="0" dirty="0">
-                <a:effectLst/>
-                <a:latin typeface="Courier New" panose="02070309020205020404" pitchFamily="49" charset="0"/>
-              </a:rPr>
-              <a:t>, Sports </a:t>
+              <a:t>Action, Adventure, RPG, Sports </a:t>
             </a:r>
             <a:r>
               <a:rPr lang="ko-KR" altLang="en-US" b="0" dirty="0">
@@ -32021,24 +36837,7 @@
                 <a:effectLst/>
                 <a:latin typeface="Courier New" panose="02070309020205020404" pitchFamily="49" charset="0"/>
               </a:rPr>
-              <a:t>특히 </a:t>
-            </a:r>
-            <a:r>
-              <a:rPr lang="ko-KR" altLang="en-US" b="0" dirty="0">
-                <a:effectLst/>
-                <a:highlight>
-                  <a:srgbClr val="FFFF00"/>
-                </a:highlight>
-                <a:latin typeface="Courier New" panose="02070309020205020404" pitchFamily="49" charset="0"/>
-              </a:rPr>
-              <a:t>모바일 중심📌의 크로스플랫폼</a:t>
-            </a:r>
-            <a:r>
-              <a:rPr lang="ko-KR" altLang="en-US" b="0" dirty="0">
-                <a:effectLst/>
-                <a:latin typeface="Courier New" panose="02070309020205020404" pitchFamily="49" charset="0"/>
-              </a:rPr>
-              <a:t>을 적극 시도해야 함</a:t>
+              <a:t>특히 모바일 중심📌의 크로스플랫폼을 적극 시도해야 함</a:t>
             </a:r>
           </a:p>
           <a:p>
@@ -32062,6 +36861,312 @@
           </a:p>
         </p:txBody>
       </p:sp>
+      <mc:AlternateContent xmlns:mc="http://schemas.openxmlformats.org/markup-compatibility/2006">
+        <mc:Choice xmlns:p14="http://schemas.microsoft.com/office/powerpoint/2010/main" Requires="p14">
+          <p:contentPart p14:bwMode="auto" r:id="rId2">
+            <p14:nvContentPartPr>
+              <p14:cNvPr id="4" name="잉크 3">
+                <a:extLst>
+                  <a:ext uri="{FF2B5EF4-FFF2-40B4-BE49-F238E27FC236}">
+                    <a16:creationId xmlns:a16="http://schemas.microsoft.com/office/drawing/2014/main" id="{9CE2E3AD-6022-6A5E-7338-25B6548999A2}"/>
+                  </a:ext>
+                </a:extLst>
+              </p14:cNvPr>
+              <p14:cNvContentPartPr/>
+              <p14:nvPr/>
+            </p14:nvContentPartPr>
+            <p14:xfrm>
+              <a:off x="6554791" y="2249470"/>
+              <a:ext cx="1530000" cy="21240"/>
+            </p14:xfrm>
+          </p:contentPart>
+        </mc:Choice>
+        <mc:Fallback>
+          <p:pic>
+            <p:nvPicPr>
+              <p:cNvPr id="4" name="잉크 3">
+                <a:extLst>
+                  <a:ext uri="{FF2B5EF4-FFF2-40B4-BE49-F238E27FC236}">
+                    <a16:creationId xmlns:a16="http://schemas.microsoft.com/office/drawing/2014/main" id="{9CE2E3AD-6022-6A5E-7338-25B6548999A2}"/>
+                  </a:ext>
+                </a:extLst>
+              </p:cNvPr>
+              <p:cNvPicPr/>
+              <p:nvPr/>
+            </p:nvPicPr>
+            <p:blipFill>
+              <a:blip r:embed="rId3"/>
+              <a:stretch>
+                <a:fillRect/>
+              </a:stretch>
+            </p:blipFill>
+            <p:spPr>
+              <a:xfrm>
+                <a:off x="6500791" y="2141470"/>
+                <a:ext cx="1637640" cy="236880"/>
+              </a:xfrm>
+              <a:prstGeom prst="rect">
+                <a:avLst/>
+              </a:prstGeom>
+            </p:spPr>
+          </p:pic>
+        </mc:Fallback>
+      </mc:AlternateContent>
+      <mc:AlternateContent xmlns:mc="http://schemas.openxmlformats.org/markup-compatibility/2006">
+        <mc:Choice xmlns:p14="http://schemas.microsoft.com/office/powerpoint/2010/main" Requires="p14">
+          <p:contentPart p14:bwMode="auto" r:id="rId4">
+            <p14:nvContentPartPr>
+              <p14:cNvPr id="5" name="잉크 4">
+                <a:extLst>
+                  <a:ext uri="{FF2B5EF4-FFF2-40B4-BE49-F238E27FC236}">
+                    <a16:creationId xmlns:a16="http://schemas.microsoft.com/office/drawing/2014/main" id="{4EEA2D6E-778A-B725-7B39-96B46C56F023}"/>
+                  </a:ext>
+                </a:extLst>
+              </p14:cNvPr>
+              <p14:cNvContentPartPr/>
+              <p14:nvPr/>
+            </p14:nvContentPartPr>
+            <p14:xfrm>
+              <a:off x="6389911" y="2577790"/>
+              <a:ext cx="2277720" cy="74520"/>
+            </p14:xfrm>
+          </p:contentPart>
+        </mc:Choice>
+        <mc:Fallback>
+          <p:pic>
+            <p:nvPicPr>
+              <p:cNvPr id="5" name="잉크 4">
+                <a:extLst>
+                  <a:ext uri="{FF2B5EF4-FFF2-40B4-BE49-F238E27FC236}">
+                    <a16:creationId xmlns:a16="http://schemas.microsoft.com/office/drawing/2014/main" id="{4EEA2D6E-778A-B725-7B39-96B46C56F023}"/>
+                  </a:ext>
+                </a:extLst>
+              </p:cNvPr>
+              <p:cNvPicPr/>
+              <p:nvPr/>
+            </p:nvPicPr>
+            <p:blipFill>
+              <a:blip r:embed="rId5"/>
+              <a:stretch>
+                <a:fillRect/>
+              </a:stretch>
+            </p:blipFill>
+            <p:spPr>
+              <a:xfrm>
+                <a:off x="6336271" y="2469790"/>
+                <a:ext cx="2385360" cy="290160"/>
+              </a:xfrm>
+              <a:prstGeom prst="rect">
+                <a:avLst/>
+              </a:prstGeom>
+            </p:spPr>
+          </p:pic>
+        </mc:Fallback>
+      </mc:AlternateContent>
+      <mc:AlternateContent xmlns:mc="http://schemas.openxmlformats.org/markup-compatibility/2006">
+        <mc:Choice xmlns:p14="http://schemas.microsoft.com/office/powerpoint/2010/main" Requires="p14">
+          <p:contentPart p14:bwMode="auto" r:id="rId6">
+            <p14:nvContentPartPr>
+              <p14:cNvPr id="6" name="잉크 5">
+                <a:extLst>
+                  <a:ext uri="{FF2B5EF4-FFF2-40B4-BE49-F238E27FC236}">
+                    <a16:creationId xmlns:a16="http://schemas.microsoft.com/office/drawing/2014/main" id="{C6B6F885-E5CB-CCEF-7C24-10F983493624}"/>
+                  </a:ext>
+                </a:extLst>
+              </p14:cNvPr>
+              <p14:cNvContentPartPr/>
+              <p14:nvPr/>
+            </p14:nvContentPartPr>
+            <p14:xfrm>
+              <a:off x="2259991" y="2968390"/>
+              <a:ext cx="5780160" cy="93240"/>
+            </p14:xfrm>
+          </p:contentPart>
+        </mc:Choice>
+        <mc:Fallback>
+          <p:pic>
+            <p:nvPicPr>
+              <p:cNvPr id="6" name="잉크 5">
+                <a:extLst>
+                  <a:ext uri="{FF2B5EF4-FFF2-40B4-BE49-F238E27FC236}">
+                    <a16:creationId xmlns:a16="http://schemas.microsoft.com/office/drawing/2014/main" id="{C6B6F885-E5CB-CCEF-7C24-10F983493624}"/>
+                  </a:ext>
+                </a:extLst>
+              </p:cNvPr>
+              <p:cNvPicPr/>
+              <p:nvPr/>
+            </p:nvPicPr>
+            <p:blipFill>
+              <a:blip r:embed="rId7"/>
+              <a:stretch>
+                <a:fillRect/>
+              </a:stretch>
+            </p:blipFill>
+            <p:spPr>
+              <a:xfrm>
+                <a:off x="2205991" y="2860390"/>
+                <a:ext cx="5887800" cy="308880"/>
+              </a:xfrm>
+              <a:prstGeom prst="rect">
+                <a:avLst/>
+              </a:prstGeom>
+            </p:spPr>
+          </p:pic>
+        </mc:Fallback>
+      </mc:AlternateContent>
+      <mc:AlternateContent xmlns:mc="http://schemas.openxmlformats.org/markup-compatibility/2006">
+        <mc:Choice xmlns:p14="http://schemas.microsoft.com/office/powerpoint/2010/main" Requires="p14">
+          <p:contentPart p14:bwMode="auto" r:id="rId8">
+            <p14:nvContentPartPr>
+              <p14:cNvPr id="9" name="잉크 8">
+                <a:extLst>
+                  <a:ext uri="{FF2B5EF4-FFF2-40B4-BE49-F238E27FC236}">
+                    <a16:creationId xmlns:a16="http://schemas.microsoft.com/office/drawing/2014/main" id="{B3E6B774-DA28-AAED-4AC8-BE70CD78A51F}"/>
+                  </a:ext>
+                </a:extLst>
+              </p14:cNvPr>
+              <p14:cNvContentPartPr/>
+              <p14:nvPr/>
+            </p14:nvContentPartPr>
+            <p14:xfrm>
+              <a:off x="3010231" y="3904030"/>
+              <a:ext cx="3126960" cy="72720"/>
+            </p14:xfrm>
+          </p:contentPart>
+        </mc:Choice>
+        <mc:Fallback>
+          <p:pic>
+            <p:nvPicPr>
+              <p:cNvPr id="9" name="잉크 8">
+                <a:extLst>
+                  <a:ext uri="{FF2B5EF4-FFF2-40B4-BE49-F238E27FC236}">
+                    <a16:creationId xmlns:a16="http://schemas.microsoft.com/office/drawing/2014/main" id="{B3E6B774-DA28-AAED-4AC8-BE70CD78A51F}"/>
+                  </a:ext>
+                </a:extLst>
+              </p:cNvPr>
+              <p:cNvPicPr/>
+              <p:nvPr/>
+            </p:nvPicPr>
+            <p:blipFill>
+              <a:blip r:embed="rId9"/>
+              <a:stretch>
+                <a:fillRect/>
+              </a:stretch>
+            </p:blipFill>
+            <p:spPr>
+              <a:xfrm>
+                <a:off x="2956231" y="3796030"/>
+                <a:ext cx="3234600" cy="288360"/>
+              </a:xfrm>
+              <a:prstGeom prst="rect">
+                <a:avLst/>
+              </a:prstGeom>
+            </p:spPr>
+          </p:pic>
+        </mc:Fallback>
+      </mc:AlternateContent>
+      <mc:AlternateContent xmlns:mc="http://schemas.openxmlformats.org/markup-compatibility/2006">
+        <mc:Choice xmlns:p14="http://schemas.microsoft.com/office/powerpoint/2010/main" Requires="p14">
+          <p:contentPart p14:bwMode="auto" r:id="rId10">
+            <p14:nvContentPartPr>
+              <p14:cNvPr id="11" name="잉크 10">
+                <a:extLst>
+                  <a:ext uri="{FF2B5EF4-FFF2-40B4-BE49-F238E27FC236}">
+                    <a16:creationId xmlns:a16="http://schemas.microsoft.com/office/drawing/2014/main" id="{DF234708-2225-F02B-2657-476A617EF1FB}"/>
+                  </a:ext>
+                </a:extLst>
+              </p14:cNvPr>
+              <p14:cNvContentPartPr/>
+              <p14:nvPr/>
+            </p14:nvContentPartPr>
+            <p14:xfrm>
+              <a:off x="3133351" y="4828510"/>
+              <a:ext cx="1715760" cy="22680"/>
+            </p14:xfrm>
+          </p:contentPart>
+        </mc:Choice>
+        <mc:Fallback>
+          <p:pic>
+            <p:nvPicPr>
+              <p:cNvPr id="11" name="잉크 10">
+                <a:extLst>
+                  <a:ext uri="{FF2B5EF4-FFF2-40B4-BE49-F238E27FC236}">
+                    <a16:creationId xmlns:a16="http://schemas.microsoft.com/office/drawing/2014/main" id="{DF234708-2225-F02B-2657-476A617EF1FB}"/>
+                  </a:ext>
+                </a:extLst>
+              </p:cNvPr>
+              <p:cNvPicPr/>
+              <p:nvPr/>
+            </p:nvPicPr>
+            <p:blipFill>
+              <a:blip r:embed="rId11"/>
+              <a:stretch>
+                <a:fillRect/>
+              </a:stretch>
+            </p:blipFill>
+            <p:spPr>
+              <a:xfrm>
+                <a:off x="3079351" y="4720870"/>
+                <a:ext cx="1823400" cy="238320"/>
+              </a:xfrm>
+              <a:prstGeom prst="rect">
+                <a:avLst/>
+              </a:prstGeom>
+            </p:spPr>
+          </p:pic>
+        </mc:Fallback>
+      </mc:AlternateContent>
+      <mc:AlternateContent xmlns:mc="http://schemas.openxmlformats.org/markup-compatibility/2006">
+        <mc:Choice xmlns:p14="http://schemas.microsoft.com/office/powerpoint/2010/main" Requires="p14">
+          <p:contentPart p14:bwMode="auto" r:id="rId12">
+            <p14:nvContentPartPr>
+              <p14:cNvPr id="12" name="잉크 11">
+                <a:extLst>
+                  <a:ext uri="{FF2B5EF4-FFF2-40B4-BE49-F238E27FC236}">
+                    <a16:creationId xmlns:a16="http://schemas.microsoft.com/office/drawing/2014/main" id="{18958949-B85D-633D-9F2B-009E31969EEE}"/>
+                  </a:ext>
+                </a:extLst>
+              </p14:cNvPr>
+              <p14:cNvContentPartPr/>
+              <p14:nvPr/>
+            </p14:nvContentPartPr>
+            <p14:xfrm>
+              <a:off x="4592071" y="5619430"/>
+              <a:ext cx="1543680" cy="31680"/>
+            </p14:xfrm>
+          </p:contentPart>
+        </mc:Choice>
+        <mc:Fallback>
+          <p:pic>
+            <p:nvPicPr>
+              <p:cNvPr id="12" name="잉크 11">
+                <a:extLst>
+                  <a:ext uri="{FF2B5EF4-FFF2-40B4-BE49-F238E27FC236}">
+                    <a16:creationId xmlns:a16="http://schemas.microsoft.com/office/drawing/2014/main" id="{18958949-B85D-633D-9F2B-009E31969EEE}"/>
+                  </a:ext>
+                </a:extLst>
+              </p:cNvPr>
+              <p:cNvPicPr/>
+              <p:nvPr/>
+            </p:nvPicPr>
+            <p:blipFill>
+              <a:blip r:embed="rId13"/>
+              <a:stretch>
+                <a:fillRect/>
+              </a:stretch>
+            </p:blipFill>
+            <p:spPr>
+              <a:xfrm>
+                <a:off x="4538431" y="5511790"/>
+                <a:ext cx="1651320" cy="247320"/>
+              </a:xfrm>
+              <a:prstGeom prst="rect">
+                <a:avLst/>
+              </a:prstGeom>
+            </p:spPr>
+          </p:pic>
+        </mc:Fallback>
+      </mc:AlternateContent>
     </p:spTree>
     <p:extLst>
       <p:ext uri="{BB962C8B-B14F-4D97-AF65-F5344CB8AC3E}">
@@ -32084,6 +37189,417 @@
       </p:transition>
     </mc:Fallback>
   </mc:AlternateContent>
+  <p:timing>
+    <p:tnLst>
+      <p:par>
+        <p:cTn id="1" dur="indefinite" restart="never" nodeType="tmRoot">
+          <p:childTnLst>
+            <p:seq concurrent="1" nextAc="seek">
+              <p:cTn id="2" dur="indefinite" nodeType="mainSeq">
+                <p:childTnLst>
+                  <p:par>
+                    <p:cTn id="3" fill="hold">
+                      <p:stCondLst>
+                        <p:cond delay="indefinite"/>
+                      </p:stCondLst>
+                      <p:childTnLst>
+                        <p:par>
+                          <p:cTn id="4" fill="hold">
+                            <p:stCondLst>
+                              <p:cond delay="0"/>
+                            </p:stCondLst>
+                            <p:childTnLst>
+                              <p:par>
+                                <p:cTn id="5" presetID="63" presetClass="entr" presetSubtype="0" fill="hold" nodeType="clickEffect">
+                                  <p:stCondLst>
+                                    <p:cond delay="0"/>
+                                  </p:stCondLst>
+                                  <p:childTnLst>
+                                    <p:set>
+                                      <p:cBhvr>
+                                        <p:cTn id="6" dur="1" fill="hold">
+                                          <p:stCondLst>
+                                            <p:cond delay="0"/>
+                                          </p:stCondLst>
+                                        </p:cTn>
+                                        <p:tgtEl>
+                                          <p:spTgt spid="4"/>
+                                        </p:tgtEl>
+                                        <p:attrNameLst>
+                                          <p:attrName>style.visibility</p:attrName>
+                                        </p:attrNameLst>
+                                      </p:cBhvr>
+                                      <p:to>
+                                        <p:strVal val="visible"/>
+                                      </p:to>
+                                    </p:set>
+                                    <p:anim calcmode="lin" valueType="num">
+                                      <p:cBhvr>
+                                        <p:cTn id="7" dur="2000" fill="hold"/>
+                                        <p:tgtEl>
+                                          <p:spTgt spid="4"/>
+                                        </p:tgtEl>
+                                        <p:attrNameLst>
+                                          <p:attrName>drawProgress</p:attrName>
+                                        </p:attrNameLst>
+                                      </p:cBhvr>
+                                      <p:tavLst>
+                                        <p:tav tm="0">
+                                          <p:val>
+                                            <p:fltVal val="0"/>
+                                          </p:val>
+                                        </p:tav>
+                                        <p:tav tm="100000">
+                                          <p:val>
+                                            <p:fltVal val="1"/>
+                                          </p:val>
+                                        </p:tav>
+                                      </p:tavLst>
+                                    </p:anim>
+                                  </p:childTnLst>
+                                </p:cTn>
+                              </p:par>
+                            </p:childTnLst>
+                          </p:cTn>
+                        </p:par>
+                        <p:par>
+                          <p:cTn id="8" fill="hold">
+                            <p:stCondLst>
+                              <p:cond delay="2000"/>
+                            </p:stCondLst>
+                            <p:childTnLst>
+                              <p:par>
+                                <p:cTn id="9" presetID="63" presetClass="entr" presetSubtype="0" fill="hold" nodeType="afterEffect">
+                                  <p:stCondLst>
+                                    <p:cond delay="0"/>
+                                  </p:stCondLst>
+                                  <p:childTnLst>
+                                    <p:set>
+                                      <p:cBhvr>
+                                        <p:cTn id="10" dur="1" fill="hold">
+                                          <p:stCondLst>
+                                            <p:cond delay="0"/>
+                                          </p:stCondLst>
+                                        </p:cTn>
+                                        <p:tgtEl>
+                                          <p:spTgt spid="5"/>
+                                        </p:tgtEl>
+                                        <p:attrNameLst>
+                                          <p:attrName>style.visibility</p:attrName>
+                                        </p:attrNameLst>
+                                      </p:cBhvr>
+                                      <p:to>
+                                        <p:strVal val="visible"/>
+                                      </p:to>
+                                    </p:set>
+                                    <p:anim calcmode="lin" valueType="num">
+                                      <p:cBhvr>
+                                        <p:cTn id="11" dur="2000" fill="hold"/>
+                                        <p:tgtEl>
+                                          <p:spTgt spid="5"/>
+                                        </p:tgtEl>
+                                        <p:attrNameLst>
+                                          <p:attrName>drawProgress</p:attrName>
+                                        </p:attrNameLst>
+                                      </p:cBhvr>
+                                      <p:tavLst>
+                                        <p:tav tm="0">
+                                          <p:val>
+                                            <p:fltVal val="0"/>
+                                          </p:val>
+                                        </p:tav>
+                                        <p:tav tm="100000">
+                                          <p:val>
+                                            <p:fltVal val="1"/>
+                                          </p:val>
+                                        </p:tav>
+                                      </p:tavLst>
+                                    </p:anim>
+                                  </p:childTnLst>
+                                </p:cTn>
+                              </p:par>
+                            </p:childTnLst>
+                          </p:cTn>
+                        </p:par>
+                        <p:par>
+                          <p:cTn id="12" fill="hold">
+                            <p:stCondLst>
+                              <p:cond delay="4000"/>
+                            </p:stCondLst>
+                            <p:childTnLst>
+                              <p:par>
+                                <p:cTn id="13" presetID="63" presetClass="entr" presetSubtype="0" fill="hold" nodeType="afterEffect">
+                                  <p:stCondLst>
+                                    <p:cond delay="0"/>
+                                  </p:stCondLst>
+                                  <p:childTnLst>
+                                    <p:set>
+                                      <p:cBhvr>
+                                        <p:cTn id="14" dur="1" fill="hold">
+                                          <p:stCondLst>
+                                            <p:cond delay="0"/>
+                                          </p:stCondLst>
+                                        </p:cTn>
+                                        <p:tgtEl>
+                                          <p:spTgt spid="6"/>
+                                        </p:tgtEl>
+                                        <p:attrNameLst>
+                                          <p:attrName>style.visibility</p:attrName>
+                                        </p:attrNameLst>
+                                      </p:cBhvr>
+                                      <p:to>
+                                        <p:strVal val="visible"/>
+                                      </p:to>
+                                    </p:set>
+                                    <p:anim calcmode="lin" valueType="num">
+                                      <p:cBhvr>
+                                        <p:cTn id="15" dur="2000" fill="hold"/>
+                                        <p:tgtEl>
+                                          <p:spTgt spid="6"/>
+                                        </p:tgtEl>
+                                        <p:attrNameLst>
+                                          <p:attrName>drawProgress</p:attrName>
+                                        </p:attrNameLst>
+                                      </p:cBhvr>
+                                      <p:tavLst>
+                                        <p:tav tm="0">
+                                          <p:val>
+                                            <p:fltVal val="0"/>
+                                          </p:val>
+                                        </p:tav>
+                                        <p:tav tm="100000">
+                                          <p:val>
+                                            <p:fltVal val="1"/>
+                                          </p:val>
+                                        </p:tav>
+                                      </p:tavLst>
+                                    </p:anim>
+                                  </p:childTnLst>
+                                </p:cTn>
+                              </p:par>
+                            </p:childTnLst>
+                          </p:cTn>
+                        </p:par>
+                      </p:childTnLst>
+                    </p:cTn>
+                  </p:par>
+                  <p:par>
+                    <p:cTn id="16" fill="hold">
+                      <p:stCondLst>
+                        <p:cond delay="indefinite"/>
+                      </p:stCondLst>
+                      <p:childTnLst>
+                        <p:par>
+                          <p:cTn id="17" fill="hold">
+                            <p:stCondLst>
+                              <p:cond delay="0"/>
+                            </p:stCondLst>
+                            <p:childTnLst>
+                              <p:par>
+                                <p:cTn id="18" presetID="63" presetClass="entr" presetSubtype="0" fill="hold" nodeType="clickEffect">
+                                  <p:stCondLst>
+                                    <p:cond delay="0"/>
+                                  </p:stCondLst>
+                                  <p:childTnLst>
+                                    <p:set>
+                                      <p:cBhvr>
+                                        <p:cTn id="19" dur="1" fill="hold">
+                                          <p:stCondLst>
+                                            <p:cond delay="0"/>
+                                          </p:stCondLst>
+                                        </p:cTn>
+                                        <p:tgtEl>
+                                          <p:spTgt spid="9"/>
+                                        </p:tgtEl>
+                                        <p:attrNameLst>
+                                          <p:attrName>style.visibility</p:attrName>
+                                        </p:attrNameLst>
+                                      </p:cBhvr>
+                                      <p:to>
+                                        <p:strVal val="visible"/>
+                                      </p:to>
+                                    </p:set>
+                                    <p:anim calcmode="lin" valueType="num">
+                                      <p:cBhvr>
+                                        <p:cTn id="20" dur="2000" fill="hold"/>
+                                        <p:tgtEl>
+                                          <p:spTgt spid="9"/>
+                                        </p:tgtEl>
+                                        <p:attrNameLst>
+                                          <p:attrName>drawProgress</p:attrName>
+                                        </p:attrNameLst>
+                                      </p:cBhvr>
+                                      <p:tavLst>
+                                        <p:tav tm="0">
+                                          <p:val>
+                                            <p:fltVal val="0"/>
+                                          </p:val>
+                                        </p:tav>
+                                        <p:tav tm="100000">
+                                          <p:val>
+                                            <p:fltVal val="1"/>
+                                          </p:val>
+                                        </p:tav>
+                                      </p:tavLst>
+                                    </p:anim>
+                                  </p:childTnLst>
+                                </p:cTn>
+                              </p:par>
+                            </p:childTnLst>
+                          </p:cTn>
+                        </p:par>
+                      </p:childTnLst>
+                    </p:cTn>
+                  </p:par>
+                  <p:par>
+                    <p:cTn id="21" fill="hold">
+                      <p:stCondLst>
+                        <p:cond delay="indefinite"/>
+                      </p:stCondLst>
+                      <p:childTnLst>
+                        <p:par>
+                          <p:cTn id="22" fill="hold">
+                            <p:stCondLst>
+                              <p:cond delay="0"/>
+                            </p:stCondLst>
+                            <p:childTnLst>
+                              <p:par>
+                                <p:cTn id="23" presetID="63" presetClass="entr" presetSubtype="0" fill="hold" nodeType="clickEffect">
+                                  <p:stCondLst>
+                                    <p:cond delay="0"/>
+                                  </p:stCondLst>
+                                  <p:childTnLst>
+                                    <p:set>
+                                      <p:cBhvr>
+                                        <p:cTn id="24" dur="1" fill="hold">
+                                          <p:stCondLst>
+                                            <p:cond delay="0"/>
+                                          </p:stCondLst>
+                                        </p:cTn>
+                                        <p:tgtEl>
+                                          <p:spTgt spid="11"/>
+                                        </p:tgtEl>
+                                        <p:attrNameLst>
+                                          <p:attrName>style.visibility</p:attrName>
+                                        </p:attrNameLst>
+                                      </p:cBhvr>
+                                      <p:to>
+                                        <p:strVal val="visible"/>
+                                      </p:to>
+                                    </p:set>
+                                    <p:anim calcmode="lin" valueType="num">
+                                      <p:cBhvr>
+                                        <p:cTn id="25" dur="2000" fill="hold"/>
+                                        <p:tgtEl>
+                                          <p:spTgt spid="11"/>
+                                        </p:tgtEl>
+                                        <p:attrNameLst>
+                                          <p:attrName>drawProgress</p:attrName>
+                                        </p:attrNameLst>
+                                      </p:cBhvr>
+                                      <p:tavLst>
+                                        <p:tav tm="0">
+                                          <p:val>
+                                            <p:fltVal val="0"/>
+                                          </p:val>
+                                        </p:tav>
+                                        <p:tav tm="100000">
+                                          <p:val>
+                                            <p:fltVal val="1"/>
+                                          </p:val>
+                                        </p:tav>
+                                      </p:tavLst>
+                                    </p:anim>
+                                  </p:childTnLst>
+                                </p:cTn>
+                              </p:par>
+                            </p:childTnLst>
+                          </p:cTn>
+                        </p:par>
+                        <p:par>
+                          <p:cTn id="26" fill="hold">
+                            <p:stCondLst>
+                              <p:cond delay="2000"/>
+                            </p:stCondLst>
+                            <p:childTnLst>
+                              <p:par>
+                                <p:cTn id="27" presetID="63" presetClass="entr" presetSubtype="0" fill="hold" nodeType="afterEffect">
+                                  <p:stCondLst>
+                                    <p:cond delay="0"/>
+                                  </p:stCondLst>
+                                  <p:childTnLst>
+                                    <p:set>
+                                      <p:cBhvr>
+                                        <p:cTn id="28" dur="1" fill="hold">
+                                          <p:stCondLst>
+                                            <p:cond delay="0"/>
+                                          </p:stCondLst>
+                                        </p:cTn>
+                                        <p:tgtEl>
+                                          <p:spTgt spid="12"/>
+                                        </p:tgtEl>
+                                        <p:attrNameLst>
+                                          <p:attrName>style.visibility</p:attrName>
+                                        </p:attrNameLst>
+                                      </p:cBhvr>
+                                      <p:to>
+                                        <p:strVal val="visible"/>
+                                      </p:to>
+                                    </p:set>
+                                    <p:anim calcmode="lin" valueType="num">
+                                      <p:cBhvr>
+                                        <p:cTn id="29" dur="2000" fill="hold"/>
+                                        <p:tgtEl>
+                                          <p:spTgt spid="12"/>
+                                        </p:tgtEl>
+                                        <p:attrNameLst>
+                                          <p:attrName>drawProgress</p:attrName>
+                                        </p:attrNameLst>
+                                      </p:cBhvr>
+                                      <p:tavLst>
+                                        <p:tav tm="0">
+                                          <p:val>
+                                            <p:fltVal val="0"/>
+                                          </p:val>
+                                        </p:tav>
+                                        <p:tav tm="100000">
+                                          <p:val>
+                                            <p:fltVal val="1"/>
+                                          </p:val>
+                                        </p:tav>
+                                      </p:tavLst>
+                                    </p:anim>
+                                  </p:childTnLst>
+                                </p:cTn>
+                              </p:par>
+                            </p:childTnLst>
+                          </p:cTn>
+                        </p:par>
+                      </p:childTnLst>
+                    </p:cTn>
+                  </p:par>
+                </p:childTnLst>
+              </p:cTn>
+              <p:prevCondLst>
+                <p:cond evt="onPrev" delay="0">
+                  <p:tgtEl>
+                    <p:sldTgt/>
+                  </p:tgtEl>
+                </p:cond>
+              </p:prevCondLst>
+              <p:nextCondLst>
+                <p:cond evt="onNext" delay="0">
+                  <p:tgtEl>
+                    <p:sldTgt/>
+                  </p:tgtEl>
+                </p:cond>
+              </p:nextCondLst>
+            </p:seq>
+          </p:childTnLst>
+        </p:cTn>
+      </p:par>
+    </p:tnLst>
+  </p:timing>
 </p:sld>
 </file>
 
@@ -33473,7 +38989,7 @@
         </p:nvSpPr>
         <p:spPr>
           <a:xfrm>
-            <a:off x="1451581" y="2015732"/>
+            <a:off x="1455879" y="2019476"/>
             <a:ext cx="4172212" cy="3450613"/>
           </a:xfrm>
         </p:spPr>
@@ -33550,9 +39066,6 @@
             <a:r>
               <a:rPr lang="en-US" altLang="ko-KR" b="0" i="0" dirty="0">
                 <a:effectLst/>
-                <a:highlight>
-                  <a:srgbClr val="FFFF00"/>
-                </a:highlight>
                 <a:latin typeface="Roboto" panose="02000000000000000000" pitchFamily="2" charset="0"/>
               </a:rPr>
               <a:t>row : 62446, column : 14</a:t>
@@ -33623,19 +39136,11 @@
               </a:lnSpc>
             </a:pPr>
             <a:r>
-              <a:rPr lang="ko-KR" altLang="en-US" dirty="0">
-                <a:highlight>
-                  <a:srgbClr val="FFFF00"/>
-                </a:highlight>
-              </a:rPr>
+              <a:rPr lang="ko-KR" altLang="en-US" dirty="0"/>
               <a:t>판매량의 단위는 </a:t>
             </a:r>
             <a:r>
-              <a:rPr lang="en-US" altLang="ko-KR" dirty="0">
-                <a:highlight>
-                  <a:srgbClr val="FFFF00"/>
-                </a:highlight>
-              </a:rPr>
+              <a:rPr lang="en-US" altLang="ko-KR" dirty="0"/>
               <a:t>Unit</a:t>
             </a:r>
           </a:p>
@@ -33786,6 +39291,261 @@
           </a:fontRef>
         </p:style>
       </p:cxnSp>
+      <mc:AlternateContent xmlns:mc="http://schemas.openxmlformats.org/markup-compatibility/2006">
+        <mc:Choice xmlns:p14="http://schemas.microsoft.com/office/powerpoint/2010/main" Requires="p14">
+          <p:contentPart p14:bwMode="auto" r:id="rId4">
+            <p14:nvContentPartPr>
+              <p14:cNvPr id="4" name="잉크 3">
+                <a:extLst>
+                  <a:ext uri="{FF2B5EF4-FFF2-40B4-BE49-F238E27FC236}">
+                    <a16:creationId xmlns:a16="http://schemas.microsoft.com/office/drawing/2014/main" id="{179E3701-A07A-50E2-7CA1-26590ED8FE73}"/>
+                  </a:ext>
+                </a:extLst>
+              </p14:cNvPr>
+              <p14:cNvContentPartPr/>
+              <p14:nvPr/>
+            </p14:nvContentPartPr>
+            <p14:xfrm>
+              <a:off x="4242814" y="2146150"/>
+              <a:ext cx="1139040" cy="63000"/>
+            </p14:xfrm>
+          </p:contentPart>
+        </mc:Choice>
+        <mc:Fallback>
+          <p:pic>
+            <p:nvPicPr>
+              <p:cNvPr id="4" name="잉크 3">
+                <a:extLst>
+                  <a:ext uri="{FF2B5EF4-FFF2-40B4-BE49-F238E27FC236}">
+                    <a16:creationId xmlns:a16="http://schemas.microsoft.com/office/drawing/2014/main" id="{179E3701-A07A-50E2-7CA1-26590ED8FE73}"/>
+                  </a:ext>
+                </a:extLst>
+              </p:cNvPr>
+              <p:cNvPicPr/>
+              <p:nvPr/>
+            </p:nvPicPr>
+            <p:blipFill>
+              <a:blip r:embed="rId5"/>
+              <a:stretch>
+                <a:fillRect/>
+              </a:stretch>
+            </p:blipFill>
+            <p:spPr>
+              <a:xfrm>
+                <a:off x="4189174" y="2038150"/>
+                <a:ext cx="1246680" cy="278640"/>
+              </a:xfrm>
+              <a:prstGeom prst="rect">
+                <a:avLst/>
+              </a:prstGeom>
+            </p:spPr>
+          </p:pic>
+        </mc:Fallback>
+      </mc:AlternateContent>
+      <mc:AlternateContent xmlns:mc="http://schemas.openxmlformats.org/markup-compatibility/2006">
+        <mc:Choice xmlns:p14="http://schemas.microsoft.com/office/powerpoint/2010/main" Requires="p14">
+          <p:contentPart p14:bwMode="auto" r:id="rId6">
+            <p14:nvContentPartPr>
+              <p14:cNvPr id="6" name="잉크 5">
+                <a:extLst>
+                  <a:ext uri="{FF2B5EF4-FFF2-40B4-BE49-F238E27FC236}">
+                    <a16:creationId xmlns:a16="http://schemas.microsoft.com/office/drawing/2014/main" id="{5839C733-9936-6D01-D109-093566AC0D8C}"/>
+                  </a:ext>
+                </a:extLst>
+              </p14:cNvPr>
+              <p14:cNvContentPartPr/>
+              <p14:nvPr/>
+            </p14:nvContentPartPr>
+            <p14:xfrm>
+              <a:off x="2814694" y="2947870"/>
+              <a:ext cx="605520" cy="21240"/>
+            </p14:xfrm>
+          </p:contentPart>
+        </mc:Choice>
+        <mc:Fallback>
+          <p:pic>
+            <p:nvPicPr>
+              <p:cNvPr id="6" name="잉크 5">
+                <a:extLst>
+                  <a:ext uri="{FF2B5EF4-FFF2-40B4-BE49-F238E27FC236}">
+                    <a16:creationId xmlns:a16="http://schemas.microsoft.com/office/drawing/2014/main" id="{5839C733-9936-6D01-D109-093566AC0D8C}"/>
+                  </a:ext>
+                </a:extLst>
+              </p:cNvPr>
+              <p:cNvPicPr/>
+              <p:nvPr/>
+            </p:nvPicPr>
+            <p:blipFill>
+              <a:blip r:embed="rId7"/>
+              <a:stretch>
+                <a:fillRect/>
+              </a:stretch>
+            </p:blipFill>
+            <p:spPr>
+              <a:xfrm>
+                <a:off x="2761054" y="2840230"/>
+                <a:ext cx="713160" cy="236880"/>
+              </a:xfrm>
+              <a:prstGeom prst="rect">
+                <a:avLst/>
+              </a:prstGeom>
+            </p:spPr>
+          </p:pic>
+        </mc:Fallback>
+      </mc:AlternateContent>
+      <mc:AlternateContent xmlns:mc="http://schemas.openxmlformats.org/markup-compatibility/2006">
+        <mc:Choice xmlns:p14="http://schemas.microsoft.com/office/powerpoint/2010/main" Requires="p14">
+          <p:contentPart p14:bwMode="auto" r:id="rId8">
+            <p14:nvContentPartPr>
+              <p14:cNvPr id="7" name="잉크 6">
+                <a:extLst>
+                  <a:ext uri="{FF2B5EF4-FFF2-40B4-BE49-F238E27FC236}">
+                    <a16:creationId xmlns:a16="http://schemas.microsoft.com/office/drawing/2014/main" id="{8355FA56-CFA4-9AE4-5393-24F5CB736226}"/>
+                  </a:ext>
+                </a:extLst>
+              </p14:cNvPr>
+              <p14:cNvContentPartPr/>
+              <p14:nvPr/>
+            </p14:nvContentPartPr>
+            <p14:xfrm>
+              <a:off x="4530814" y="2979190"/>
+              <a:ext cx="265680" cy="360"/>
+            </p14:xfrm>
+          </p:contentPart>
+        </mc:Choice>
+        <mc:Fallback>
+          <p:pic>
+            <p:nvPicPr>
+              <p:cNvPr id="7" name="잉크 6">
+                <a:extLst>
+                  <a:ext uri="{FF2B5EF4-FFF2-40B4-BE49-F238E27FC236}">
+                    <a16:creationId xmlns:a16="http://schemas.microsoft.com/office/drawing/2014/main" id="{8355FA56-CFA4-9AE4-5393-24F5CB736226}"/>
+                  </a:ext>
+                </a:extLst>
+              </p:cNvPr>
+              <p:cNvPicPr/>
+              <p:nvPr/>
+            </p:nvPicPr>
+            <p:blipFill>
+              <a:blip r:embed="rId9"/>
+              <a:stretch>
+                <a:fillRect/>
+              </a:stretch>
+            </p:blipFill>
+            <p:spPr>
+              <a:xfrm>
+                <a:off x="4476814" y="2871190"/>
+                <a:ext cx="373320" cy="216000"/>
+              </a:xfrm>
+              <a:prstGeom prst="rect">
+                <a:avLst/>
+              </a:prstGeom>
+            </p:spPr>
+          </p:pic>
+        </mc:Fallback>
+      </mc:AlternateContent>
+      <mc:AlternateContent xmlns:mc="http://schemas.openxmlformats.org/markup-compatibility/2006">
+        <mc:Choice xmlns:p14="http://schemas.microsoft.com/office/powerpoint/2010/main" Requires="p14">
+          <p:contentPart p14:bwMode="auto" r:id="rId10">
+            <p14:nvContentPartPr>
+              <p14:cNvPr id="8" name="잉크 7">
+                <a:extLst>
+                  <a:ext uri="{FF2B5EF4-FFF2-40B4-BE49-F238E27FC236}">
+                    <a16:creationId xmlns:a16="http://schemas.microsoft.com/office/drawing/2014/main" id="{03CDEECE-1F1E-F9C7-6AAE-A1FE01CC373D}"/>
+                  </a:ext>
+                </a:extLst>
+              </p14:cNvPr>
+              <p14:cNvContentPartPr/>
+              <p14:nvPr/>
+            </p14:nvContentPartPr>
+            <p14:xfrm>
+              <a:off x="3955174" y="4448350"/>
+              <a:ext cx="604440" cy="10800"/>
+            </p14:xfrm>
+          </p:contentPart>
+        </mc:Choice>
+        <mc:Fallback>
+          <p:pic>
+            <p:nvPicPr>
+              <p:cNvPr id="8" name="잉크 7">
+                <a:extLst>
+                  <a:ext uri="{FF2B5EF4-FFF2-40B4-BE49-F238E27FC236}">
+                    <a16:creationId xmlns:a16="http://schemas.microsoft.com/office/drawing/2014/main" id="{03CDEECE-1F1E-F9C7-6AAE-A1FE01CC373D}"/>
+                  </a:ext>
+                </a:extLst>
+              </p:cNvPr>
+              <p:cNvPicPr/>
+              <p:nvPr/>
+            </p:nvPicPr>
+            <p:blipFill>
+              <a:blip r:embed="rId11"/>
+              <a:stretch>
+                <a:fillRect/>
+              </a:stretch>
+            </p:blipFill>
+            <p:spPr>
+              <a:xfrm>
+                <a:off x="3901534" y="4340710"/>
+                <a:ext cx="712080" cy="226440"/>
+              </a:xfrm>
+              <a:prstGeom prst="rect">
+                <a:avLst/>
+              </a:prstGeom>
+            </p:spPr>
+          </p:pic>
+        </mc:Fallback>
+      </mc:AlternateContent>
+      <mc:AlternateContent xmlns:mc="http://schemas.openxmlformats.org/markup-compatibility/2006">
+        <mc:Choice xmlns:p14="http://schemas.microsoft.com/office/powerpoint/2010/main" Requires="p14">
+          <p:contentPart p14:bwMode="auto" r:id="rId12">
+            <p14:nvContentPartPr>
+              <p14:cNvPr id="9" name="잉크 8">
+                <a:extLst>
+                  <a:ext uri="{FF2B5EF4-FFF2-40B4-BE49-F238E27FC236}">
+                    <a16:creationId xmlns:a16="http://schemas.microsoft.com/office/drawing/2014/main" id="{48574CC5-9D62-165F-CD21-DAC8E7992864}"/>
+                  </a:ext>
+                </a:extLst>
+              </p14:cNvPr>
+              <p14:cNvContentPartPr/>
+              <p14:nvPr/>
+            </p14:nvContentPartPr>
+            <p14:xfrm>
+              <a:off x="2547574" y="4817350"/>
+              <a:ext cx="1209960" cy="63000"/>
+            </p14:xfrm>
+          </p:contentPart>
+        </mc:Choice>
+        <mc:Fallback>
+          <p:pic>
+            <p:nvPicPr>
+              <p:cNvPr id="9" name="잉크 8">
+                <a:extLst>
+                  <a:ext uri="{FF2B5EF4-FFF2-40B4-BE49-F238E27FC236}">
+                    <a16:creationId xmlns:a16="http://schemas.microsoft.com/office/drawing/2014/main" id="{48574CC5-9D62-165F-CD21-DAC8E7992864}"/>
+                  </a:ext>
+                </a:extLst>
+              </p:cNvPr>
+              <p:cNvPicPr/>
+              <p:nvPr/>
+            </p:nvPicPr>
+            <p:blipFill>
+              <a:blip r:embed="rId13"/>
+              <a:stretch>
+                <a:fillRect/>
+              </a:stretch>
+            </p:blipFill>
+            <p:spPr>
+              <a:xfrm>
+                <a:off x="2493934" y="4709710"/>
+                <a:ext cx="1317600" cy="278640"/>
+              </a:xfrm>
+              <a:prstGeom prst="rect">
+                <a:avLst/>
+              </a:prstGeom>
+            </p:spPr>
+          </p:pic>
+        </mc:Fallback>
+      </mc:AlternateContent>
     </p:spTree>
     <p:extLst>
       <p:ext uri="{BB962C8B-B14F-4D97-AF65-F5344CB8AC3E}">
@@ -33808,6 +39568,340 @@
       </p:transition>
     </mc:Fallback>
   </mc:AlternateContent>
+  <p:timing>
+    <p:tnLst>
+      <p:par>
+        <p:cTn id="1" dur="indefinite" restart="never" nodeType="tmRoot">
+          <p:childTnLst>
+            <p:seq concurrent="1" nextAc="seek">
+              <p:cTn id="2" dur="indefinite" nodeType="mainSeq">
+                <p:childTnLst>
+                  <p:par>
+                    <p:cTn id="3" fill="hold">
+                      <p:stCondLst>
+                        <p:cond delay="indefinite"/>
+                      </p:stCondLst>
+                      <p:childTnLst>
+                        <p:par>
+                          <p:cTn id="4" fill="hold">
+                            <p:stCondLst>
+                              <p:cond delay="0"/>
+                            </p:stCondLst>
+                            <p:childTnLst>
+                              <p:par>
+                                <p:cTn id="5" presetID="63" presetClass="entr" presetSubtype="0" fill="hold" nodeType="clickEffect">
+                                  <p:stCondLst>
+                                    <p:cond delay="0"/>
+                                  </p:stCondLst>
+                                  <p:childTnLst>
+                                    <p:set>
+                                      <p:cBhvr>
+                                        <p:cTn id="6" dur="1" fill="hold">
+                                          <p:stCondLst>
+                                            <p:cond delay="0"/>
+                                          </p:stCondLst>
+                                        </p:cTn>
+                                        <p:tgtEl>
+                                          <p:spTgt spid="4"/>
+                                        </p:tgtEl>
+                                        <p:attrNameLst>
+                                          <p:attrName>style.visibility</p:attrName>
+                                        </p:attrNameLst>
+                                      </p:cBhvr>
+                                      <p:to>
+                                        <p:strVal val="visible"/>
+                                      </p:to>
+                                    </p:set>
+                                    <p:anim calcmode="lin" valueType="num">
+                                      <p:cBhvr>
+                                        <p:cTn id="7" dur="2000" fill="hold"/>
+                                        <p:tgtEl>
+                                          <p:spTgt spid="4"/>
+                                        </p:tgtEl>
+                                        <p:attrNameLst>
+                                          <p:attrName>drawProgress</p:attrName>
+                                        </p:attrNameLst>
+                                      </p:cBhvr>
+                                      <p:tavLst>
+                                        <p:tav tm="0">
+                                          <p:val>
+                                            <p:fltVal val="0"/>
+                                          </p:val>
+                                        </p:tav>
+                                        <p:tav tm="100000">
+                                          <p:val>
+                                            <p:fltVal val="1"/>
+                                          </p:val>
+                                        </p:tav>
+                                      </p:tavLst>
+                                    </p:anim>
+                                  </p:childTnLst>
+                                </p:cTn>
+                              </p:par>
+                            </p:childTnLst>
+                          </p:cTn>
+                        </p:par>
+                        <p:par>
+                          <p:cTn id="8" fill="hold">
+                            <p:stCondLst>
+                              <p:cond delay="2000"/>
+                            </p:stCondLst>
+                            <p:childTnLst>
+                              <p:par>
+                                <p:cTn id="9" presetID="63" presetClass="entr" presetSubtype="0" fill="hold" nodeType="afterEffect">
+                                  <p:stCondLst>
+                                    <p:cond delay="0"/>
+                                  </p:stCondLst>
+                                  <p:childTnLst>
+                                    <p:set>
+                                      <p:cBhvr>
+                                        <p:cTn id="10" dur="1" fill="hold">
+                                          <p:stCondLst>
+                                            <p:cond delay="0"/>
+                                          </p:stCondLst>
+                                        </p:cTn>
+                                        <p:tgtEl>
+                                          <p:spTgt spid="6"/>
+                                        </p:tgtEl>
+                                        <p:attrNameLst>
+                                          <p:attrName>style.visibility</p:attrName>
+                                        </p:attrNameLst>
+                                      </p:cBhvr>
+                                      <p:to>
+                                        <p:strVal val="visible"/>
+                                      </p:to>
+                                    </p:set>
+                                    <p:anim calcmode="lin" valueType="num">
+                                      <p:cBhvr>
+                                        <p:cTn id="11" dur="2000" fill="hold"/>
+                                        <p:tgtEl>
+                                          <p:spTgt spid="6"/>
+                                        </p:tgtEl>
+                                        <p:attrNameLst>
+                                          <p:attrName>drawProgress</p:attrName>
+                                        </p:attrNameLst>
+                                      </p:cBhvr>
+                                      <p:tavLst>
+                                        <p:tav tm="0">
+                                          <p:val>
+                                            <p:fltVal val="0"/>
+                                          </p:val>
+                                        </p:tav>
+                                        <p:tav tm="100000">
+                                          <p:val>
+                                            <p:fltVal val="1"/>
+                                          </p:val>
+                                        </p:tav>
+                                      </p:tavLst>
+                                    </p:anim>
+                                  </p:childTnLst>
+                                </p:cTn>
+                              </p:par>
+                            </p:childTnLst>
+                          </p:cTn>
+                        </p:par>
+                        <p:par>
+                          <p:cTn id="12" fill="hold">
+                            <p:stCondLst>
+                              <p:cond delay="4000"/>
+                            </p:stCondLst>
+                            <p:childTnLst>
+                              <p:par>
+                                <p:cTn id="13" presetID="63" presetClass="entr" presetSubtype="0" fill="hold" nodeType="afterEffect">
+                                  <p:stCondLst>
+                                    <p:cond delay="0"/>
+                                  </p:stCondLst>
+                                  <p:childTnLst>
+                                    <p:set>
+                                      <p:cBhvr>
+                                        <p:cTn id="14" dur="1" fill="hold">
+                                          <p:stCondLst>
+                                            <p:cond delay="0"/>
+                                          </p:stCondLst>
+                                        </p:cTn>
+                                        <p:tgtEl>
+                                          <p:spTgt spid="7"/>
+                                        </p:tgtEl>
+                                        <p:attrNameLst>
+                                          <p:attrName>style.visibility</p:attrName>
+                                        </p:attrNameLst>
+                                      </p:cBhvr>
+                                      <p:to>
+                                        <p:strVal val="visible"/>
+                                      </p:to>
+                                    </p:set>
+                                    <p:anim calcmode="lin" valueType="num">
+                                      <p:cBhvr>
+                                        <p:cTn id="15" dur="2000" fill="hold"/>
+                                        <p:tgtEl>
+                                          <p:spTgt spid="7"/>
+                                        </p:tgtEl>
+                                        <p:attrNameLst>
+                                          <p:attrName>drawProgress</p:attrName>
+                                        </p:attrNameLst>
+                                      </p:cBhvr>
+                                      <p:tavLst>
+                                        <p:tav tm="0">
+                                          <p:val>
+                                            <p:fltVal val="0"/>
+                                          </p:val>
+                                        </p:tav>
+                                        <p:tav tm="100000">
+                                          <p:val>
+                                            <p:fltVal val="1"/>
+                                          </p:val>
+                                        </p:tav>
+                                      </p:tavLst>
+                                    </p:anim>
+                                  </p:childTnLst>
+                                </p:cTn>
+                              </p:par>
+                            </p:childTnLst>
+                          </p:cTn>
+                        </p:par>
+                        <p:par>
+                          <p:cTn id="16" fill="hold">
+                            <p:stCondLst>
+                              <p:cond delay="6000"/>
+                            </p:stCondLst>
+                            <p:childTnLst>
+                              <p:par>
+                                <p:cTn id="17" presetID="63" presetClass="entr" presetSubtype="0" fill="hold" nodeType="afterEffect">
+                                  <p:stCondLst>
+                                    <p:cond delay="0"/>
+                                  </p:stCondLst>
+                                  <p:childTnLst>
+                                    <p:set>
+                                      <p:cBhvr>
+                                        <p:cTn id="18" dur="1" fill="hold">
+                                          <p:stCondLst>
+                                            <p:cond delay="0"/>
+                                          </p:stCondLst>
+                                        </p:cTn>
+                                        <p:tgtEl>
+                                          <p:spTgt spid="8"/>
+                                        </p:tgtEl>
+                                        <p:attrNameLst>
+                                          <p:attrName>style.visibility</p:attrName>
+                                        </p:attrNameLst>
+                                      </p:cBhvr>
+                                      <p:to>
+                                        <p:strVal val="visible"/>
+                                      </p:to>
+                                    </p:set>
+                                    <p:anim calcmode="lin" valueType="num">
+                                      <p:cBhvr>
+                                        <p:cTn id="19" dur="2000" fill="hold"/>
+                                        <p:tgtEl>
+                                          <p:spTgt spid="8"/>
+                                        </p:tgtEl>
+                                        <p:attrNameLst>
+                                          <p:attrName>drawProgress</p:attrName>
+                                        </p:attrNameLst>
+                                      </p:cBhvr>
+                                      <p:tavLst>
+                                        <p:tav tm="0">
+                                          <p:val>
+                                            <p:fltVal val="0"/>
+                                          </p:val>
+                                        </p:tav>
+                                        <p:tav tm="100000">
+                                          <p:val>
+                                            <p:fltVal val="1"/>
+                                          </p:val>
+                                        </p:tav>
+                                      </p:tavLst>
+                                    </p:anim>
+                                  </p:childTnLst>
+                                </p:cTn>
+                              </p:par>
+                            </p:childTnLst>
+                          </p:cTn>
+                        </p:par>
+                        <p:par>
+                          <p:cTn id="20" fill="hold">
+                            <p:stCondLst>
+                              <p:cond delay="8000"/>
+                            </p:stCondLst>
+                            <p:childTnLst>
+                              <p:par>
+                                <p:cTn id="21" presetID="63" presetClass="entr" presetSubtype="0" fill="hold" nodeType="afterEffect">
+                                  <p:stCondLst>
+                                    <p:cond delay="0"/>
+                                  </p:stCondLst>
+                                  <p:childTnLst>
+                                    <p:set>
+                                      <p:cBhvr>
+                                        <p:cTn id="22" dur="1" fill="hold">
+                                          <p:stCondLst>
+                                            <p:cond delay="0"/>
+                                          </p:stCondLst>
+                                        </p:cTn>
+                                        <p:tgtEl>
+                                          <p:spTgt spid="9"/>
+                                        </p:tgtEl>
+                                        <p:attrNameLst>
+                                          <p:attrName>style.visibility</p:attrName>
+                                        </p:attrNameLst>
+                                      </p:cBhvr>
+                                      <p:to>
+                                        <p:strVal val="visible"/>
+                                      </p:to>
+                                    </p:set>
+                                    <p:anim calcmode="lin" valueType="num">
+                                      <p:cBhvr>
+                                        <p:cTn id="23" dur="2000" fill="hold"/>
+                                        <p:tgtEl>
+                                          <p:spTgt spid="9"/>
+                                        </p:tgtEl>
+                                        <p:attrNameLst>
+                                          <p:attrName>drawProgress</p:attrName>
+                                        </p:attrNameLst>
+                                      </p:cBhvr>
+                                      <p:tavLst>
+                                        <p:tav tm="0">
+                                          <p:val>
+                                            <p:fltVal val="0"/>
+                                          </p:val>
+                                        </p:tav>
+                                        <p:tav tm="100000">
+                                          <p:val>
+                                            <p:fltVal val="1"/>
+                                          </p:val>
+                                        </p:tav>
+                                      </p:tavLst>
+                                    </p:anim>
+                                  </p:childTnLst>
+                                </p:cTn>
+                              </p:par>
+                            </p:childTnLst>
+                          </p:cTn>
+                        </p:par>
+                      </p:childTnLst>
+                    </p:cTn>
+                  </p:par>
+                </p:childTnLst>
+              </p:cTn>
+              <p:prevCondLst>
+                <p:cond evt="onPrev" delay="0">
+                  <p:tgtEl>
+                    <p:sldTgt/>
+                  </p:tgtEl>
+                </p:cond>
+              </p:prevCondLst>
+              <p:nextCondLst>
+                <p:cond evt="onNext" delay="0">
+                  <p:tgtEl>
+                    <p:sldTgt/>
+                  </p:tgtEl>
+                </p:cond>
+              </p:nextCondLst>
+            </p:seq>
+          </p:childTnLst>
+        </p:cTn>
+      </p:par>
+    </p:tnLst>
+  </p:timing>
 </p:sld>
 </file>
 
@@ -34490,6 +40584,159 @@
           </a:graphicData>
         </a:graphic>
       </p:graphicFrame>
+      <mc:AlternateContent xmlns:mc="http://schemas.openxmlformats.org/markup-compatibility/2006">
+        <mc:Choice xmlns:p14="http://schemas.microsoft.com/office/powerpoint/2010/main" Requires="p14">
+          <p:contentPart p14:bwMode="auto" r:id="rId5">
+            <p14:nvContentPartPr>
+              <p14:cNvPr id="4" name="잉크 3">
+                <a:extLst>
+                  <a:ext uri="{FF2B5EF4-FFF2-40B4-BE49-F238E27FC236}">
+                    <a16:creationId xmlns:a16="http://schemas.microsoft.com/office/drawing/2014/main" id="{B8DADBC8-A8F7-9A36-F21F-91C4EA6903EE}"/>
+                  </a:ext>
+                </a:extLst>
+              </p14:cNvPr>
+              <p14:cNvContentPartPr/>
+              <p14:nvPr/>
+            </p14:nvContentPartPr>
+            <p14:xfrm>
+              <a:off x="3347854" y="3305710"/>
+              <a:ext cx="1216080" cy="3228480"/>
+            </p14:xfrm>
+          </p:contentPart>
+        </mc:Choice>
+        <mc:Fallback>
+          <p:pic>
+            <p:nvPicPr>
+              <p:cNvPr id="4" name="잉크 3">
+                <a:extLst>
+                  <a:ext uri="{FF2B5EF4-FFF2-40B4-BE49-F238E27FC236}">
+                    <a16:creationId xmlns:a16="http://schemas.microsoft.com/office/drawing/2014/main" id="{B8DADBC8-A8F7-9A36-F21F-91C4EA6903EE}"/>
+                  </a:ext>
+                </a:extLst>
+              </p:cNvPr>
+              <p:cNvPicPr/>
+              <p:nvPr/>
+            </p:nvPicPr>
+            <p:blipFill>
+              <a:blip r:embed="rId6"/>
+              <a:stretch>
+                <a:fillRect/>
+              </a:stretch>
+            </p:blipFill>
+            <p:spPr>
+              <a:xfrm>
+                <a:off x="3294214" y="3198070"/>
+                <a:ext cx="1323720" cy="3444120"/>
+              </a:xfrm>
+              <a:prstGeom prst="rect">
+                <a:avLst/>
+              </a:prstGeom>
+            </p:spPr>
+          </p:pic>
+        </mc:Fallback>
+      </mc:AlternateContent>
+      <mc:AlternateContent xmlns:mc="http://schemas.openxmlformats.org/markup-compatibility/2006">
+        <mc:Choice xmlns:p14="http://schemas.microsoft.com/office/powerpoint/2010/main" Requires="p14">
+          <p:contentPart p14:bwMode="auto" r:id="rId7">
+            <p14:nvContentPartPr>
+              <p14:cNvPr id="5" name="잉크 4">
+                <a:extLst>
+                  <a:ext uri="{FF2B5EF4-FFF2-40B4-BE49-F238E27FC236}">
+                    <a16:creationId xmlns:a16="http://schemas.microsoft.com/office/drawing/2014/main" id="{BAB13596-7458-6B3D-6D03-629282BA9A8B}"/>
+                  </a:ext>
+                </a:extLst>
+              </p14:cNvPr>
+              <p14:cNvContentPartPr/>
+              <p14:nvPr/>
+            </p14:nvContentPartPr>
+            <p14:xfrm>
+              <a:off x="430774" y="3379150"/>
+              <a:ext cx="2755440" cy="3255480"/>
+            </p14:xfrm>
+          </p:contentPart>
+        </mc:Choice>
+        <mc:Fallback>
+          <p:pic>
+            <p:nvPicPr>
+              <p:cNvPr id="5" name="잉크 4">
+                <a:extLst>
+                  <a:ext uri="{FF2B5EF4-FFF2-40B4-BE49-F238E27FC236}">
+                    <a16:creationId xmlns:a16="http://schemas.microsoft.com/office/drawing/2014/main" id="{BAB13596-7458-6B3D-6D03-629282BA9A8B}"/>
+                  </a:ext>
+                </a:extLst>
+              </p:cNvPr>
+              <p:cNvPicPr/>
+              <p:nvPr/>
+            </p:nvPicPr>
+            <p:blipFill>
+              <a:blip r:embed="rId8"/>
+              <a:stretch>
+                <a:fillRect/>
+              </a:stretch>
+            </p:blipFill>
+            <p:spPr>
+              <a:xfrm>
+                <a:off x="376774" y="3271510"/>
+                <a:ext cx="2863080" cy="3471120"/>
+              </a:xfrm>
+              <a:prstGeom prst="rect">
+                <a:avLst/>
+              </a:prstGeom>
+            </p:spPr>
+          </p:pic>
+        </mc:Fallback>
+      </mc:AlternateContent>
+      <mc:AlternateContent xmlns:mc="http://schemas.openxmlformats.org/markup-compatibility/2006">
+        <mc:Choice xmlns:p14="http://schemas.microsoft.com/office/powerpoint/2010/main" Requires="p14">
+          <p:contentPart p14:bwMode="auto" r:id="rId9">
+            <p14:nvContentPartPr>
+              <p14:cNvPr id="16" name="잉크 15">
+                <a:extLst>
+                  <a:ext uri="{FF2B5EF4-FFF2-40B4-BE49-F238E27FC236}">
+                    <a16:creationId xmlns:a16="http://schemas.microsoft.com/office/drawing/2014/main" id="{61519DBF-E135-8BA9-4674-E583E1DF8B04}"/>
+                  </a:ext>
+                </a:extLst>
+              </p14:cNvPr>
+              <p14:cNvContentPartPr/>
+              <p14:nvPr/>
+            </p14:nvContentPartPr>
+            <p14:xfrm>
+              <a:off x="3523894" y="2691190"/>
+              <a:ext cx="6312240" cy="2503440"/>
+            </p14:xfrm>
+          </p:contentPart>
+        </mc:Choice>
+        <mc:Fallback>
+          <p:pic>
+            <p:nvPicPr>
+              <p:cNvPr id="16" name="잉크 15">
+                <a:extLst>
+                  <a:ext uri="{FF2B5EF4-FFF2-40B4-BE49-F238E27FC236}">
+                    <a16:creationId xmlns:a16="http://schemas.microsoft.com/office/drawing/2014/main" id="{61519DBF-E135-8BA9-4674-E583E1DF8B04}"/>
+                  </a:ext>
+                </a:extLst>
+              </p:cNvPr>
+              <p:cNvPicPr/>
+              <p:nvPr/>
+            </p:nvPicPr>
+            <p:blipFill>
+              <a:blip r:embed="rId10"/>
+              <a:stretch>
+                <a:fillRect/>
+              </a:stretch>
+            </p:blipFill>
+            <p:spPr>
+              <a:xfrm>
+                <a:off x="3469894" y="2583550"/>
+                <a:ext cx="6419880" cy="2719080"/>
+              </a:xfrm>
+              <a:prstGeom prst="rect">
+                <a:avLst/>
+              </a:prstGeom>
+            </p:spPr>
+          </p:pic>
+        </mc:Fallback>
+      </mc:AlternateContent>
     </p:spTree>
     <p:extLst>
       <p:ext uri="{BB962C8B-B14F-4D97-AF65-F5344CB8AC3E}">
@@ -34512,6 +40759,231 @@
       </p:transition>
     </mc:Fallback>
   </mc:AlternateContent>
+  <p:timing>
+    <p:tnLst>
+      <p:par>
+        <p:cTn id="1" dur="indefinite" restart="never" nodeType="tmRoot">
+          <p:childTnLst>
+            <p:seq concurrent="1" nextAc="seek">
+              <p:cTn id="2" dur="indefinite" nodeType="mainSeq">
+                <p:childTnLst>
+                  <p:par>
+                    <p:cTn id="3" fill="hold">
+                      <p:stCondLst>
+                        <p:cond delay="indefinite"/>
+                      </p:stCondLst>
+                      <p:childTnLst>
+                        <p:par>
+                          <p:cTn id="4" fill="hold">
+                            <p:stCondLst>
+                              <p:cond delay="0"/>
+                            </p:stCondLst>
+                            <p:childTnLst>
+                              <p:par>
+                                <p:cTn id="5" presetID="63" presetClass="entr" presetSubtype="0" fill="hold" nodeType="clickEffect">
+                                  <p:stCondLst>
+                                    <p:cond delay="0"/>
+                                  </p:stCondLst>
+                                  <p:childTnLst>
+                                    <p:set>
+                                      <p:cBhvr>
+                                        <p:cTn id="6" dur="1" fill="hold">
+                                          <p:stCondLst>
+                                            <p:cond delay="0"/>
+                                          </p:stCondLst>
+                                        </p:cTn>
+                                        <p:tgtEl>
+                                          <p:spTgt spid="4"/>
+                                        </p:tgtEl>
+                                        <p:attrNameLst>
+                                          <p:attrName>style.visibility</p:attrName>
+                                        </p:attrNameLst>
+                                      </p:cBhvr>
+                                      <p:to>
+                                        <p:strVal val="visible"/>
+                                      </p:to>
+                                    </p:set>
+                                    <p:anim calcmode="lin" valueType="num">
+                                      <p:cBhvr>
+                                        <p:cTn id="7" dur="2000" fill="hold"/>
+                                        <p:tgtEl>
+                                          <p:spTgt spid="4"/>
+                                        </p:tgtEl>
+                                        <p:attrNameLst>
+                                          <p:attrName>drawProgress</p:attrName>
+                                        </p:attrNameLst>
+                                      </p:cBhvr>
+                                      <p:tavLst>
+                                        <p:tav tm="0">
+                                          <p:val>
+                                            <p:fltVal val="0"/>
+                                          </p:val>
+                                        </p:tav>
+                                        <p:tav tm="100000">
+                                          <p:val>
+                                            <p:fltVal val="1"/>
+                                          </p:val>
+                                        </p:tav>
+                                      </p:tavLst>
+                                    </p:anim>
+                                  </p:childTnLst>
+                                </p:cTn>
+                              </p:par>
+                            </p:childTnLst>
+                          </p:cTn>
+                        </p:par>
+                        <p:par>
+                          <p:cTn id="8" fill="hold">
+                            <p:stCondLst>
+                              <p:cond delay="2000"/>
+                            </p:stCondLst>
+                            <p:childTnLst>
+                              <p:par>
+                                <p:cTn id="9" presetID="63" presetClass="entr" presetSubtype="0" fill="hold" nodeType="afterEffect">
+                                  <p:stCondLst>
+                                    <p:cond delay="0"/>
+                                  </p:stCondLst>
+                                  <p:childTnLst>
+                                    <p:set>
+                                      <p:cBhvr>
+                                        <p:cTn id="10" dur="1" fill="hold">
+                                          <p:stCondLst>
+                                            <p:cond delay="0"/>
+                                          </p:stCondLst>
+                                        </p:cTn>
+                                        <p:tgtEl>
+                                          <p:spTgt spid="5"/>
+                                        </p:tgtEl>
+                                        <p:attrNameLst>
+                                          <p:attrName>style.visibility</p:attrName>
+                                        </p:attrNameLst>
+                                      </p:cBhvr>
+                                      <p:to>
+                                        <p:strVal val="visible"/>
+                                      </p:to>
+                                    </p:set>
+                                    <p:anim calcmode="lin" valueType="num">
+                                      <p:cBhvr>
+                                        <p:cTn id="11" dur="2000" fill="hold"/>
+                                        <p:tgtEl>
+                                          <p:spTgt spid="5"/>
+                                        </p:tgtEl>
+                                        <p:attrNameLst>
+                                          <p:attrName>drawProgress</p:attrName>
+                                        </p:attrNameLst>
+                                      </p:cBhvr>
+                                      <p:tavLst>
+                                        <p:tav tm="0">
+                                          <p:val>
+                                            <p:fltVal val="0"/>
+                                          </p:val>
+                                        </p:tav>
+                                        <p:tav tm="100000">
+                                          <p:val>
+                                            <p:fltVal val="1"/>
+                                          </p:val>
+                                        </p:tav>
+                                      </p:tavLst>
+                                    </p:anim>
+                                  </p:childTnLst>
+                                </p:cTn>
+                              </p:par>
+                            </p:childTnLst>
+                          </p:cTn>
+                        </p:par>
+                      </p:childTnLst>
+                    </p:cTn>
+                  </p:par>
+                  <p:par>
+                    <p:cTn id="12" fill="hold">
+                      <p:stCondLst>
+                        <p:cond delay="indefinite"/>
+                      </p:stCondLst>
+                      <p:childTnLst>
+                        <p:par>
+                          <p:cTn id="13" fill="hold">
+                            <p:stCondLst>
+                              <p:cond delay="0"/>
+                            </p:stCondLst>
+                            <p:childTnLst>
+                              <p:par>
+                                <p:cTn id="14" presetID="63" presetClass="entr" presetSubtype="0" fill="hold" nodeType="clickEffect">
+                                  <p:stCondLst>
+                                    <p:cond delay="0"/>
+                                  </p:stCondLst>
+                                  <p:childTnLst>
+                                    <p:set>
+                                      <p:cBhvr>
+                                        <p:cTn id="15" dur="1" fill="hold">
+                                          <p:stCondLst>
+                                            <p:cond delay="0"/>
+                                          </p:stCondLst>
+                                        </p:cTn>
+                                        <p:tgtEl>
+                                          <p:spTgt spid="16"/>
+                                        </p:tgtEl>
+                                        <p:attrNameLst>
+                                          <p:attrName>style.visibility</p:attrName>
+                                        </p:attrNameLst>
+                                      </p:cBhvr>
+                                      <p:to>
+                                        <p:strVal val="visible"/>
+                                      </p:to>
+                                    </p:set>
+                                    <p:anim calcmode="lin" valueType="num">
+                                      <p:cBhvr>
+                                        <p:cTn id="16" dur="2000" fill="hold"/>
+                                        <p:tgtEl>
+                                          <p:spTgt spid="16"/>
+                                        </p:tgtEl>
+                                        <p:attrNameLst>
+                                          <p:attrName>drawProgress</p:attrName>
+                                        </p:attrNameLst>
+                                      </p:cBhvr>
+                                      <p:tavLst>
+                                        <p:tav tm="0">
+                                          <p:val>
+                                            <p:fltVal val="0"/>
+                                          </p:val>
+                                        </p:tav>
+                                        <p:tav tm="100000">
+                                          <p:val>
+                                            <p:fltVal val="1"/>
+                                          </p:val>
+                                        </p:tav>
+                                      </p:tavLst>
+                                    </p:anim>
+                                  </p:childTnLst>
+                                </p:cTn>
+                              </p:par>
+                            </p:childTnLst>
+                          </p:cTn>
+                        </p:par>
+                      </p:childTnLst>
+                    </p:cTn>
+                  </p:par>
+                </p:childTnLst>
+              </p:cTn>
+              <p:prevCondLst>
+                <p:cond evt="onPrev" delay="0">
+                  <p:tgtEl>
+                    <p:sldTgt/>
+                  </p:tgtEl>
+                </p:cond>
+              </p:prevCondLst>
+              <p:nextCondLst>
+                <p:cond evt="onNext" delay="0">
+                  <p:tgtEl>
+                    <p:sldTgt/>
+                  </p:tgtEl>
+                </p:cond>
+              </p:nextCondLst>
+            </p:seq>
+          </p:childTnLst>
+        </p:cTn>
+      </p:par>
+    </p:tnLst>
+  </p:timing>
 </p:sld>
 </file>
 
@@ -35399,7 +41871,7 @@
           <a:p>
             <a:pPr latinLnBrk="0"/>
             <a:r>
-              <a:rPr lang="ko-KR" altLang="en-US"/>
+              <a:rPr lang="ko-KR" altLang="en-US" dirty="0"/>
               <a:t>지역에 따른 평균 비디오게임 판매량의 차이</a:t>
             </a:r>
           </a:p>
@@ -35420,7 +41892,7 @@
           <p:nvPr>
             <p:extLst>
               <p:ext uri="{D42A27DB-BD31-4B8C-83A1-F6EECF244321}">
-                <p14:modId xmlns:p14="http://schemas.microsoft.com/office/powerpoint/2010/main" val="2454673908"/>
+                <p14:modId xmlns:p14="http://schemas.microsoft.com/office/powerpoint/2010/main" val="98216202"/>
               </p:ext>
             </p:extLst>
           </p:nvPr>
@@ -35607,12 +42079,17 @@
                     <a:p>
                       <a:pPr algn="ctr" fontAlgn="t"/>
                       <a:r>
-                        <a:rPr lang="en-US" sz="2700" u="none" strike="noStrike">
+                        <a:rPr lang="ko-KR" altLang="en-US" sz="2700" b="1" i="0" u="none" strike="noStrike" dirty="0">
+                          <a:solidFill>
+                            <a:srgbClr val="000000"/>
+                          </a:solidFill>
                           <a:effectLst/>
+                          <a:latin typeface="맑은 고딕" panose="020B0503020000020004" pitchFamily="50" charset="-127"/>
+                          <a:ea typeface="맑은 고딕" panose="020B0503020000020004" pitchFamily="50" charset="-127"/>
                         </a:rPr>
-                        <a:t>JP</a:t>
+                        <a:t>일본</a:t>
                       </a:r>
-                      <a:endParaRPr lang="en-US" sz="2700" b="1" i="0" u="none" strike="noStrike">
+                      <a:endParaRPr lang="en-US" sz="2700" b="1" i="0" u="none" strike="noStrike" dirty="0">
                         <a:solidFill>
                           <a:srgbClr val="000000"/>
                         </a:solidFill>
@@ -35734,12 +42211,17 @@
                     <a:p>
                       <a:pPr algn="ctr" fontAlgn="t"/>
                       <a:r>
-                        <a:rPr lang="en-US" sz="2700" u="none" strike="noStrike">
+                        <a:rPr lang="ko-KR" altLang="en-US" sz="2700" b="1" i="0" u="none" strike="noStrike" dirty="0">
+                          <a:solidFill>
+                            <a:srgbClr val="000000"/>
+                          </a:solidFill>
                           <a:effectLst/>
+                          <a:latin typeface="맑은 고딕" panose="020B0503020000020004" pitchFamily="50" charset="-127"/>
+                          <a:ea typeface="맑은 고딕" panose="020B0503020000020004" pitchFamily="50" charset="-127"/>
                         </a:rPr>
-                        <a:t>NA</a:t>
+                        <a:t>북미</a:t>
                       </a:r>
-                      <a:endParaRPr lang="en-US" sz="2700" b="1" i="0" u="none" strike="noStrike">
+                      <a:endParaRPr lang="en-US" sz="2700" b="1" i="0" u="none" strike="noStrike" dirty="0">
                         <a:solidFill>
                           <a:srgbClr val="000000"/>
                         </a:solidFill>
@@ -35861,12 +42343,17 @@
                     <a:p>
                       <a:pPr algn="ctr" fontAlgn="t"/>
                       <a:r>
-                        <a:rPr lang="en-US" sz="2700" u="none" strike="noStrike">
+                        <a:rPr lang="ko-KR" altLang="en-US" sz="2700" b="1" i="0" u="none" strike="noStrike" dirty="0">
+                          <a:solidFill>
+                            <a:srgbClr val="000000"/>
+                          </a:solidFill>
                           <a:effectLst/>
+                          <a:latin typeface="맑은 고딕" panose="020B0503020000020004" pitchFamily="50" charset="-127"/>
+                          <a:ea typeface="맑은 고딕" panose="020B0503020000020004" pitchFamily="50" charset="-127"/>
                         </a:rPr>
-                        <a:t>Other</a:t>
+                        <a:t>기타</a:t>
                       </a:r>
-                      <a:endParaRPr lang="en-US" sz="2700" b="1" i="0" u="none" strike="noStrike">
+                      <a:endParaRPr lang="en-US" sz="2700" b="1" i="0" u="none" strike="noStrike" dirty="0">
                         <a:solidFill>
                           <a:srgbClr val="000000"/>
                         </a:solidFill>
@@ -35885,12 +42372,12 @@
                     <a:p>
                       <a:pPr algn="r" fontAlgn="b"/>
                       <a:r>
-                        <a:rPr lang="en-US" altLang="ko-KR" sz="2700" u="none" strike="noStrike">
+                        <a:rPr lang="en-US" altLang="ko-KR" sz="2700" u="none" strike="noStrike" dirty="0">
                           <a:effectLst/>
                         </a:rPr>
                         <a:t>10,989 </a:t>
                       </a:r>
-                      <a:endParaRPr lang="en-US" altLang="ko-KR" sz="2700" b="0" i="0" u="none" strike="noStrike">
+                      <a:endParaRPr lang="en-US" altLang="ko-KR" sz="2700" b="0" i="0" u="none" strike="noStrike" dirty="0">
                         <a:solidFill>
                           <a:srgbClr val="000000"/>
                         </a:solidFill>
@@ -36495,6 +42982,210 @@
           </a:graphicData>
         </a:graphic>
       </p:graphicFrame>
+      <mc:AlternateContent xmlns:mc="http://schemas.openxmlformats.org/markup-compatibility/2006">
+        <mc:Choice xmlns:p14="http://schemas.microsoft.com/office/powerpoint/2010/main" Requires="p14">
+          <p:contentPart p14:bwMode="auto" r:id="rId3">
+            <p14:nvContentPartPr>
+              <p14:cNvPr id="3" name="잉크 2">
+                <a:extLst>
+                  <a:ext uri="{FF2B5EF4-FFF2-40B4-BE49-F238E27FC236}">
+                    <a16:creationId xmlns:a16="http://schemas.microsoft.com/office/drawing/2014/main" id="{9B511188-E01A-9C43-89C8-D8D992369832}"/>
+                  </a:ext>
+                </a:extLst>
+              </p14:cNvPr>
+              <p14:cNvContentPartPr/>
+              <p14:nvPr/>
+            </p14:nvContentPartPr>
+            <p14:xfrm>
+              <a:off x="4622974" y="3317590"/>
+              <a:ext cx="2156400" cy="21960"/>
+            </p14:xfrm>
+          </p:contentPart>
+        </mc:Choice>
+        <mc:Fallback>
+          <p:pic>
+            <p:nvPicPr>
+              <p:cNvPr id="3" name="잉크 2">
+                <a:extLst>
+                  <a:ext uri="{FF2B5EF4-FFF2-40B4-BE49-F238E27FC236}">
+                    <a16:creationId xmlns:a16="http://schemas.microsoft.com/office/drawing/2014/main" id="{9B511188-E01A-9C43-89C8-D8D992369832}"/>
+                  </a:ext>
+                </a:extLst>
+              </p:cNvPr>
+              <p:cNvPicPr/>
+              <p:nvPr/>
+            </p:nvPicPr>
+            <p:blipFill>
+              <a:blip r:embed="rId4"/>
+              <a:stretch>
+                <a:fillRect/>
+              </a:stretch>
+            </p:blipFill>
+            <p:spPr>
+              <a:xfrm>
+                <a:off x="4569334" y="3209590"/>
+                <a:ext cx="2264040" cy="237600"/>
+              </a:xfrm>
+              <a:prstGeom prst="rect">
+                <a:avLst/>
+              </a:prstGeom>
+            </p:spPr>
+          </p:pic>
+        </mc:Fallback>
+      </mc:AlternateContent>
+      <mc:AlternateContent xmlns:mc="http://schemas.openxmlformats.org/markup-compatibility/2006">
+        <mc:Choice xmlns:p14="http://schemas.microsoft.com/office/powerpoint/2010/main" Requires="p14">
+          <p:contentPart p14:bwMode="auto" r:id="rId5">
+            <p14:nvContentPartPr>
+              <p14:cNvPr id="4" name="잉크 3">
+                <a:extLst>
+                  <a:ext uri="{FF2B5EF4-FFF2-40B4-BE49-F238E27FC236}">
+                    <a16:creationId xmlns:a16="http://schemas.microsoft.com/office/drawing/2014/main" id="{8F535E5C-D1FF-F065-CF6B-EAB1284F5193}"/>
+                  </a:ext>
+                </a:extLst>
+              </p14:cNvPr>
+              <p14:cNvContentPartPr/>
+              <p14:nvPr/>
+            </p14:nvContentPartPr>
+            <p14:xfrm>
+              <a:off x="8660734" y="2537470"/>
+              <a:ext cx="627480" cy="2166480"/>
+            </p14:xfrm>
+          </p:contentPart>
+        </mc:Choice>
+        <mc:Fallback>
+          <p:pic>
+            <p:nvPicPr>
+              <p:cNvPr id="4" name="잉크 3">
+                <a:extLst>
+                  <a:ext uri="{FF2B5EF4-FFF2-40B4-BE49-F238E27FC236}">
+                    <a16:creationId xmlns:a16="http://schemas.microsoft.com/office/drawing/2014/main" id="{8F535E5C-D1FF-F065-CF6B-EAB1284F5193}"/>
+                  </a:ext>
+                </a:extLst>
+              </p:cNvPr>
+              <p:cNvPicPr/>
+              <p:nvPr/>
+            </p:nvPicPr>
+            <p:blipFill>
+              <a:blip r:embed="rId6"/>
+              <a:stretch>
+                <a:fillRect/>
+              </a:stretch>
+            </p:blipFill>
+            <p:spPr>
+              <a:xfrm>
+                <a:off x="8607094" y="2429830"/>
+                <a:ext cx="735120" cy="2382120"/>
+              </a:xfrm>
+              <a:prstGeom prst="rect">
+                <a:avLst/>
+              </a:prstGeom>
+            </p:spPr>
+          </p:pic>
+        </mc:Fallback>
+      </mc:AlternateContent>
+      <mc:AlternateContent xmlns:mc="http://schemas.openxmlformats.org/markup-compatibility/2006">
+        <mc:Choice xmlns:p14="http://schemas.microsoft.com/office/powerpoint/2010/main" Requires="p14">
+          <p:contentPart p14:bwMode="auto" r:id="rId7">
+            <p14:nvContentPartPr>
+              <p14:cNvPr id="6" name="잉크 5">
+                <a:extLst>
+                  <a:ext uri="{FF2B5EF4-FFF2-40B4-BE49-F238E27FC236}">
+                    <a16:creationId xmlns:a16="http://schemas.microsoft.com/office/drawing/2014/main" id="{B9B30F01-51B2-A80F-063B-FD303F2A57B4}"/>
+                  </a:ext>
+                </a:extLst>
+              </p14:cNvPr>
+              <p14:cNvContentPartPr/>
+              <p14:nvPr/>
+            </p14:nvContentPartPr>
+            <p14:xfrm>
+              <a:off x="4324894" y="5485870"/>
+              <a:ext cx="661680" cy="22320"/>
+            </p14:xfrm>
+          </p:contentPart>
+        </mc:Choice>
+        <mc:Fallback>
+          <p:pic>
+            <p:nvPicPr>
+              <p:cNvPr id="6" name="잉크 5">
+                <a:extLst>
+                  <a:ext uri="{FF2B5EF4-FFF2-40B4-BE49-F238E27FC236}">
+                    <a16:creationId xmlns:a16="http://schemas.microsoft.com/office/drawing/2014/main" id="{B9B30F01-51B2-A80F-063B-FD303F2A57B4}"/>
+                  </a:ext>
+                </a:extLst>
+              </p:cNvPr>
+              <p:cNvPicPr/>
+              <p:nvPr/>
+            </p:nvPicPr>
+            <p:blipFill>
+              <a:blip r:embed="rId8"/>
+              <a:stretch>
+                <a:fillRect/>
+              </a:stretch>
+            </p:blipFill>
+            <p:spPr>
+              <a:xfrm>
+                <a:off x="4271254" y="5378230"/>
+                <a:ext cx="769320" cy="237960"/>
+              </a:xfrm>
+              <a:prstGeom prst="rect">
+                <a:avLst/>
+              </a:prstGeom>
+            </p:spPr>
+          </p:pic>
+        </mc:Fallback>
+      </mc:AlternateContent>
+      <mc:AlternateContent xmlns:mc="http://schemas.openxmlformats.org/markup-compatibility/2006">
+        <mc:Choice xmlns:p14="http://schemas.microsoft.com/office/powerpoint/2010/main" Requires="p14">
+          <p:contentPart p14:bwMode="auto" r:id="rId9">
+            <p14:nvContentPartPr>
+              <p14:cNvPr id="7" name="잉크 6">
+                <a:extLst>
+                  <a:ext uri="{FF2B5EF4-FFF2-40B4-BE49-F238E27FC236}">
+                    <a16:creationId xmlns:a16="http://schemas.microsoft.com/office/drawing/2014/main" id="{15929599-BFAC-A38D-592E-B9CBAF78F8B9}"/>
+                  </a:ext>
+                </a:extLst>
+              </p14:cNvPr>
+              <p14:cNvContentPartPr/>
+              <p14:nvPr/>
+            </p14:nvContentPartPr>
+            <p14:xfrm>
+              <a:off x="7253134" y="5402710"/>
+              <a:ext cx="2726640" cy="32760"/>
+            </p14:xfrm>
+          </p:contentPart>
+        </mc:Choice>
+        <mc:Fallback>
+          <p:pic>
+            <p:nvPicPr>
+              <p:cNvPr id="7" name="잉크 6">
+                <a:extLst>
+                  <a:ext uri="{FF2B5EF4-FFF2-40B4-BE49-F238E27FC236}">
+                    <a16:creationId xmlns:a16="http://schemas.microsoft.com/office/drawing/2014/main" id="{15929599-BFAC-A38D-592E-B9CBAF78F8B9}"/>
+                  </a:ext>
+                </a:extLst>
+              </p:cNvPr>
+              <p:cNvPicPr/>
+              <p:nvPr/>
+            </p:nvPicPr>
+            <p:blipFill>
+              <a:blip r:embed="rId10"/>
+              <a:stretch>
+                <a:fillRect/>
+              </a:stretch>
+            </p:blipFill>
+            <p:spPr>
+              <a:xfrm>
+                <a:off x="7199494" y="5295070"/>
+                <a:ext cx="2834280" cy="248400"/>
+              </a:xfrm>
+              <a:prstGeom prst="rect">
+                <a:avLst/>
+              </a:prstGeom>
+            </p:spPr>
+          </p:pic>
+        </mc:Fallback>
+      </mc:AlternateContent>
     </p:spTree>
     <p:extLst>
       <p:ext uri="{BB962C8B-B14F-4D97-AF65-F5344CB8AC3E}">
@@ -36517,6 +43208,299 @@
       </p:transition>
     </mc:Fallback>
   </mc:AlternateContent>
+  <p:timing>
+    <p:tnLst>
+      <p:par>
+        <p:cTn id="1" dur="indefinite" restart="never" nodeType="tmRoot">
+          <p:childTnLst>
+            <p:seq concurrent="1" nextAc="seek">
+              <p:cTn id="2" dur="indefinite" nodeType="mainSeq">
+                <p:childTnLst>
+                  <p:par>
+                    <p:cTn id="3" fill="hold">
+                      <p:stCondLst>
+                        <p:cond delay="indefinite"/>
+                      </p:stCondLst>
+                      <p:childTnLst>
+                        <p:par>
+                          <p:cTn id="4" fill="hold">
+                            <p:stCondLst>
+                              <p:cond delay="0"/>
+                            </p:stCondLst>
+                            <p:childTnLst>
+                              <p:par>
+                                <p:cTn id="5" presetID="63" presetClass="entr" presetSubtype="0" fill="hold" nodeType="clickEffect">
+                                  <p:stCondLst>
+                                    <p:cond delay="0"/>
+                                  </p:stCondLst>
+                                  <p:childTnLst>
+                                    <p:set>
+                                      <p:cBhvr>
+                                        <p:cTn id="6" dur="1" fill="hold">
+                                          <p:stCondLst>
+                                            <p:cond delay="0"/>
+                                          </p:stCondLst>
+                                        </p:cTn>
+                                        <p:tgtEl>
+                                          <p:spTgt spid="3"/>
+                                        </p:tgtEl>
+                                        <p:attrNameLst>
+                                          <p:attrName>style.visibility</p:attrName>
+                                        </p:attrNameLst>
+                                      </p:cBhvr>
+                                      <p:to>
+                                        <p:strVal val="visible"/>
+                                      </p:to>
+                                    </p:set>
+                                    <p:anim calcmode="lin" valueType="num">
+                                      <p:cBhvr>
+                                        <p:cTn id="7" dur="2000" fill="hold"/>
+                                        <p:tgtEl>
+                                          <p:spTgt spid="3"/>
+                                        </p:tgtEl>
+                                        <p:attrNameLst>
+                                          <p:attrName>drawProgress</p:attrName>
+                                        </p:attrNameLst>
+                                      </p:cBhvr>
+                                      <p:tavLst>
+                                        <p:tav tm="0">
+                                          <p:val>
+                                            <p:fltVal val="0"/>
+                                          </p:val>
+                                        </p:tav>
+                                        <p:tav tm="100000">
+                                          <p:val>
+                                            <p:fltVal val="1"/>
+                                          </p:val>
+                                        </p:tav>
+                                      </p:tavLst>
+                                    </p:anim>
+                                  </p:childTnLst>
+                                </p:cTn>
+                              </p:par>
+                            </p:childTnLst>
+                          </p:cTn>
+                        </p:par>
+                      </p:childTnLst>
+                    </p:cTn>
+                  </p:par>
+                  <p:par>
+                    <p:cTn id="8" fill="hold">
+                      <p:stCondLst>
+                        <p:cond delay="indefinite"/>
+                      </p:stCondLst>
+                      <p:childTnLst>
+                        <p:par>
+                          <p:cTn id="9" fill="hold">
+                            <p:stCondLst>
+                              <p:cond delay="0"/>
+                            </p:stCondLst>
+                            <p:childTnLst>
+                              <p:par>
+                                <p:cTn id="10" presetID="63" presetClass="entr" presetSubtype="0" fill="hold" nodeType="clickEffect">
+                                  <p:stCondLst>
+                                    <p:cond delay="0"/>
+                                  </p:stCondLst>
+                                  <p:childTnLst>
+                                    <p:set>
+                                      <p:cBhvr>
+                                        <p:cTn id="11" dur="1" fill="hold">
+                                          <p:stCondLst>
+                                            <p:cond delay="0"/>
+                                          </p:stCondLst>
+                                        </p:cTn>
+                                        <p:tgtEl>
+                                          <p:spTgt spid="4"/>
+                                        </p:tgtEl>
+                                        <p:attrNameLst>
+                                          <p:attrName>style.visibility</p:attrName>
+                                        </p:attrNameLst>
+                                      </p:cBhvr>
+                                      <p:to>
+                                        <p:strVal val="visible"/>
+                                      </p:to>
+                                    </p:set>
+                                    <p:anim calcmode="lin" valueType="num">
+                                      <p:cBhvr>
+                                        <p:cTn id="12" dur="2000" fill="hold"/>
+                                        <p:tgtEl>
+                                          <p:spTgt spid="4"/>
+                                        </p:tgtEl>
+                                        <p:attrNameLst>
+                                          <p:attrName>drawProgress</p:attrName>
+                                        </p:attrNameLst>
+                                      </p:cBhvr>
+                                      <p:tavLst>
+                                        <p:tav tm="0">
+                                          <p:val>
+                                            <p:fltVal val="0"/>
+                                          </p:val>
+                                        </p:tav>
+                                        <p:tav tm="100000">
+                                          <p:val>
+                                            <p:fltVal val="1"/>
+                                          </p:val>
+                                        </p:tav>
+                                      </p:tavLst>
+                                    </p:anim>
+                                  </p:childTnLst>
+                                </p:cTn>
+                              </p:par>
+                            </p:childTnLst>
+                          </p:cTn>
+                        </p:par>
+                        <p:par>
+                          <p:cTn id="13" fill="hold">
+                            <p:stCondLst>
+                              <p:cond delay="2000"/>
+                            </p:stCondLst>
+                            <p:childTnLst>
+                              <p:par>
+                                <p:cTn id="14" presetID="63" presetClass="entr" presetSubtype="0" fill="hold" nodeType="afterEffect">
+                                  <p:stCondLst>
+                                    <p:cond delay="0"/>
+                                  </p:stCondLst>
+                                  <p:childTnLst>
+                                    <p:set>
+                                      <p:cBhvr>
+                                        <p:cTn id="15" dur="1" fill="hold">
+                                          <p:stCondLst>
+                                            <p:cond delay="0"/>
+                                          </p:stCondLst>
+                                        </p:cTn>
+                                        <p:tgtEl>
+                                          <p:spTgt spid="6"/>
+                                        </p:tgtEl>
+                                        <p:attrNameLst>
+                                          <p:attrName>style.visibility</p:attrName>
+                                        </p:attrNameLst>
+                                      </p:cBhvr>
+                                      <p:to>
+                                        <p:strVal val="visible"/>
+                                      </p:to>
+                                    </p:set>
+                                    <p:anim calcmode="lin" valueType="num">
+                                      <p:cBhvr>
+                                        <p:cTn id="16" dur="2000" fill="hold"/>
+                                        <p:tgtEl>
+                                          <p:spTgt spid="6"/>
+                                        </p:tgtEl>
+                                        <p:attrNameLst>
+                                          <p:attrName>drawProgress</p:attrName>
+                                        </p:attrNameLst>
+                                      </p:cBhvr>
+                                      <p:tavLst>
+                                        <p:tav tm="0">
+                                          <p:val>
+                                            <p:fltVal val="0"/>
+                                          </p:val>
+                                        </p:tav>
+                                        <p:tav tm="100000">
+                                          <p:val>
+                                            <p:fltVal val="1"/>
+                                          </p:val>
+                                        </p:tav>
+                                      </p:tavLst>
+                                    </p:anim>
+                                  </p:childTnLst>
+                                </p:cTn>
+                              </p:par>
+                            </p:childTnLst>
+                          </p:cTn>
+                        </p:par>
+                      </p:childTnLst>
+                    </p:cTn>
+                  </p:par>
+                  <p:par>
+                    <p:cTn id="17" fill="hold">
+                      <p:stCondLst>
+                        <p:cond delay="indefinite"/>
+                      </p:stCondLst>
+                      <p:childTnLst>
+                        <p:par>
+                          <p:cTn id="18" fill="hold">
+                            <p:stCondLst>
+                              <p:cond delay="0"/>
+                            </p:stCondLst>
+                            <p:childTnLst>
+                              <p:par>
+                                <p:cTn id="19" presetID="63" presetClass="entr" presetSubtype="0" fill="hold" nodeType="clickEffect">
+                                  <p:stCondLst>
+                                    <p:cond delay="0"/>
+                                  </p:stCondLst>
+                                  <p:childTnLst>
+                                    <p:set>
+                                      <p:cBhvr>
+                                        <p:cTn id="20" dur="1" fill="hold">
+                                          <p:stCondLst>
+                                            <p:cond delay="0"/>
+                                          </p:stCondLst>
+                                        </p:cTn>
+                                        <p:tgtEl>
+                                          <p:spTgt spid="7"/>
+                                        </p:tgtEl>
+                                        <p:attrNameLst>
+                                          <p:attrName>style.visibility</p:attrName>
+                                        </p:attrNameLst>
+                                      </p:cBhvr>
+                                      <p:to>
+                                        <p:strVal val="visible"/>
+                                      </p:to>
+                                    </p:set>
+                                    <p:anim calcmode="lin" valueType="num">
+                                      <p:cBhvr>
+                                        <p:cTn id="21" dur="2000" fill="hold"/>
+                                        <p:tgtEl>
+                                          <p:spTgt spid="7"/>
+                                        </p:tgtEl>
+                                        <p:attrNameLst>
+                                          <p:attrName>drawProgress</p:attrName>
+                                        </p:attrNameLst>
+                                      </p:cBhvr>
+                                      <p:tavLst>
+                                        <p:tav tm="0">
+                                          <p:val>
+                                            <p:fltVal val="0"/>
+                                          </p:val>
+                                        </p:tav>
+                                        <p:tav tm="100000">
+                                          <p:val>
+                                            <p:fltVal val="1"/>
+                                          </p:val>
+                                        </p:tav>
+                                      </p:tavLst>
+                                    </p:anim>
+                                  </p:childTnLst>
+                                </p:cTn>
+                              </p:par>
+                            </p:childTnLst>
+                          </p:cTn>
+                        </p:par>
+                      </p:childTnLst>
+                    </p:cTn>
+                  </p:par>
+                </p:childTnLst>
+              </p:cTn>
+              <p:prevCondLst>
+                <p:cond evt="onPrev" delay="0">
+                  <p:tgtEl>
+                    <p:sldTgt/>
+                  </p:tgtEl>
+                </p:cond>
+              </p:prevCondLst>
+              <p:nextCondLst>
+                <p:cond evt="onNext" delay="0">
+                  <p:tgtEl>
+                    <p:sldTgt/>
+                  </p:tgtEl>
+                </p:cond>
+              </p:nextCondLst>
+            </p:seq>
+          </p:childTnLst>
+        </p:cTn>
+      </p:par>
+    </p:tnLst>
+  </p:timing>
 </p:sld>
 </file>
 
